--- a/GIT_ARL_ParaPower_Workflow.pptx
+++ b/GIT_ARL_ParaPower_Workflow.pptx
@@ -247,7 +247,7 @@
             <a:fld id="{BD16C31D-1C22-F84A-A7B5-6952EF1AE403}" type="datetimeFigureOut">
               <a:rPr lang="en-US" altLang="en-US"/>
               <a:pPr/>
-              <a:t>10/23/2019</a:t>
+              <a:t>10/24/2019</a:t>
             </a:fld>
             <a:endParaRPr lang="en-US" altLang="en-US"/>
           </a:p>
@@ -435,7 +435,7 @@
             <a:fld id="{A438D594-1B45-0D47-8F23-AED13F1D19BA}" type="datetimeFigureOut">
               <a:rPr lang="en-US" altLang="en-US"/>
               <a:pPr/>
-              <a:t>10/23/2019</a:t>
+              <a:t>10/24/2019</a:t>
             </a:fld>
             <a:endParaRPr lang="en-US" altLang="en-US"/>
           </a:p>
@@ -11588,14 +11588,14 @@
           <p:nvPr>
             <p:extLst>
               <p:ext uri="{D42A27DB-BD31-4B8C-83A1-F6EECF244321}">
-                <p14:modId xmlns:p14="http://schemas.microsoft.com/office/powerpoint/2010/main" val="101066006"/>
+                <p14:modId xmlns:p14="http://schemas.microsoft.com/office/powerpoint/2010/main" val="3051506621"/>
               </p:ext>
             </p:extLst>
           </p:nvPr>
         </p:nvGraphicFramePr>
         <p:xfrm>
-          <a:off x="383619" y="770750"/>
-          <a:ext cx="8203254" cy="2987040"/>
+          <a:off x="1140252" y="766144"/>
+          <a:ext cx="6932802" cy="2834640"/>
         </p:xfrm>
         <a:graphic>
           <a:graphicData uri="http://schemas.openxmlformats.org/drawingml/2006/table">
@@ -11604,35 +11604,35 @@
                 <a:tableStyleId>{5C22544A-7EE6-4342-B048-85BDC9FD1C3A}</a:tableStyleId>
               </a:tblPr>
               <a:tblGrid>
-                <a:gridCol w="852175">
+                <a:gridCol w="781368">
                   <a:extLst>
                     <a:ext uri="{9D8B030D-6E8A-4147-A177-3AD203B41FA5}">
                       <a16:colId xmlns:a16="http://schemas.microsoft.com/office/drawing/2014/main" val="484948875"/>
                     </a:ext>
                   </a:extLst>
                 </a:gridCol>
-                <a:gridCol w="3057514">
+                <a:gridCol w="2454891">
                   <a:extLst>
                     <a:ext uri="{9D8B030D-6E8A-4147-A177-3AD203B41FA5}">
                       <a16:colId xmlns:a16="http://schemas.microsoft.com/office/drawing/2014/main" val="2977375988"/>
                     </a:ext>
                   </a:extLst>
                 </a:gridCol>
-                <a:gridCol w="1435418">
+                <a:gridCol w="1272988">
                   <a:extLst>
                     <a:ext uri="{9D8B030D-6E8A-4147-A177-3AD203B41FA5}">
                       <a16:colId xmlns:a16="http://schemas.microsoft.com/office/drawing/2014/main" val="2541585535"/>
                     </a:ext>
                   </a:extLst>
                 </a:gridCol>
-                <a:gridCol w="1411549">
+                <a:gridCol w="1264024">
                   <a:extLst>
                     <a:ext uri="{9D8B030D-6E8A-4147-A177-3AD203B41FA5}">
                       <a16:colId xmlns:a16="http://schemas.microsoft.com/office/drawing/2014/main" val="1881064484"/>
                     </a:ext>
                   </a:extLst>
                 </a:gridCol>
-                <a:gridCol w="1446598">
+                <a:gridCol w="1159531">
                   <a:extLst>
                     <a:ext uri="{9D8B030D-6E8A-4147-A177-3AD203B41FA5}">
                       <a16:colId xmlns:a16="http://schemas.microsoft.com/office/drawing/2014/main" val="445434407"/>
@@ -11647,10 +11647,10 @@
                     <a:lstStyle/>
                     <a:p>
                       <a:r>
-                        <a:rPr lang="en-US" sz="1400" dirty="0" smtClean="0"/>
+                        <a:rPr lang="en-US" sz="1200" dirty="0" smtClean="0"/>
                         <a:t>Type</a:t>
                       </a:r>
-                      <a:endParaRPr lang="en-US" sz="1400" dirty="0"/>
+                      <a:endParaRPr lang="en-US" sz="1200" dirty="0"/>
                     </a:p>
                   </a:txBody>
                   <a:tcPr/>
@@ -11661,10 +11661,10 @@
                     <a:lstStyle/>
                     <a:p>
                       <a:r>
-                        <a:rPr lang="en-US" sz="1400" dirty="0" smtClean="0"/>
+                        <a:rPr lang="en-US" sz="1200" dirty="0" smtClean="0"/>
                         <a:t>Purpose</a:t>
                       </a:r>
-                      <a:endParaRPr lang="en-US" sz="1400" dirty="0"/>
+                      <a:endParaRPr lang="en-US" sz="1200" dirty="0"/>
                     </a:p>
                   </a:txBody>
                   <a:tcPr/>
@@ -11675,10 +11675,10 @@
                     <a:lstStyle/>
                     <a:p>
                       <a:r>
-                        <a:rPr lang="en-US" sz="1400" dirty="0" smtClean="0"/>
+                        <a:rPr lang="en-US" sz="1200" dirty="0" smtClean="0"/>
                         <a:t>Branch From</a:t>
                       </a:r>
-                      <a:endParaRPr lang="en-US" sz="1400" dirty="0"/>
+                      <a:endParaRPr lang="en-US" sz="1200" dirty="0"/>
                     </a:p>
                   </a:txBody>
                   <a:tcPr/>
@@ -11689,10 +11689,10 @@
                     <a:lstStyle/>
                     <a:p>
                       <a:r>
-                        <a:rPr lang="en-US" sz="1400" dirty="0" smtClean="0"/>
+                        <a:rPr lang="en-US" sz="1200" dirty="0" smtClean="0"/>
                         <a:t>Merge To</a:t>
                       </a:r>
-                      <a:endParaRPr lang="en-US" sz="1400" dirty="0"/>
+                      <a:endParaRPr lang="en-US" sz="1200" dirty="0"/>
                     </a:p>
                   </a:txBody>
                   <a:tcPr/>
@@ -11703,10 +11703,10 @@
                     <a:lstStyle/>
                     <a:p>
                       <a:r>
-                        <a:rPr lang="en-US" sz="1400" dirty="0" smtClean="0"/>
+                        <a:rPr lang="en-US" sz="1200" dirty="0" smtClean="0"/>
                         <a:t>Name</a:t>
                       </a:r>
-                      <a:endParaRPr lang="en-US" sz="1400" dirty="0"/>
+                      <a:endParaRPr lang="en-US" sz="1200" dirty="0"/>
                     </a:p>
                   </a:txBody>
                   <a:tcPr/>
@@ -11724,13 +11724,20 @@
                     <a:lstStyle/>
                     <a:p>
                       <a:r>
-                        <a:rPr lang="en-US" sz="1400" dirty="0" smtClean="0"/>
+                        <a:rPr lang="en-US" sz="1200" dirty="0" smtClean="0"/>
                         <a:t>Master</a:t>
                       </a:r>
-                      <a:endParaRPr lang="en-US" sz="1400" dirty="0"/>
+                      <a:endParaRPr lang="en-US" sz="1200" dirty="0"/>
                     </a:p>
                   </a:txBody>
-                  <a:tcPr/>
+                  <a:tcPr anchor="ctr">
+                    <a:solidFill>
+                      <a:schemeClr val="tx2">
+                        <a:lumMod val="40000"/>
+                        <a:lumOff val="60000"/>
+                      </a:schemeClr>
+                    </a:solidFill>
+                  </a:tcPr>
                 </a:tc>
                 <a:tc>
                   <a:txBody>
@@ -11738,17 +11745,24 @@
                     <a:lstStyle/>
                     <a:p>
                       <a:r>
-                        <a:rPr lang="en-US" sz="1400" dirty="0" smtClean="0"/>
+                        <a:rPr lang="en-US" sz="1200" dirty="0" smtClean="0"/>
                         <a:t>Always</a:t>
                       </a:r>
                       <a:r>
-                        <a:rPr lang="en-US" sz="1400" baseline="0" dirty="0" smtClean="0"/>
+                        <a:rPr lang="en-US" sz="1200" baseline="0" dirty="0" smtClean="0"/>
                         <a:t> Release Ready</a:t>
                       </a:r>
-                      <a:endParaRPr lang="en-US" sz="1400" dirty="0"/>
+                      <a:endParaRPr lang="en-US" sz="1200" dirty="0"/>
                     </a:p>
                   </a:txBody>
-                  <a:tcPr/>
+                  <a:tcPr anchor="ctr">
+                    <a:solidFill>
+                      <a:schemeClr val="tx2">
+                        <a:lumMod val="40000"/>
+                        <a:lumOff val="60000"/>
+                      </a:schemeClr>
+                    </a:solidFill>
+                  </a:tcPr>
                 </a:tc>
                 <a:tc>
                   <a:txBody>
@@ -11756,13 +11770,20 @@
                     <a:lstStyle/>
                     <a:p>
                       <a:r>
-                        <a:rPr lang="en-US" sz="1400" dirty="0" smtClean="0"/>
+                        <a:rPr lang="en-US" sz="1200" dirty="0" smtClean="0"/>
                         <a:t>Persistent</a:t>
                       </a:r>
-                      <a:endParaRPr lang="en-US" sz="1400" dirty="0"/>
+                      <a:endParaRPr lang="en-US" sz="1200" dirty="0"/>
                     </a:p>
                   </a:txBody>
-                  <a:tcPr/>
+                  <a:tcPr anchor="ctr">
+                    <a:solidFill>
+                      <a:schemeClr val="tx2">
+                        <a:lumMod val="40000"/>
+                        <a:lumOff val="60000"/>
+                      </a:schemeClr>
+                    </a:solidFill>
+                  </a:tcPr>
                 </a:tc>
                 <a:tc>
                   <a:txBody>
@@ -11770,13 +11791,20 @@
                     <a:lstStyle/>
                     <a:p>
                       <a:r>
-                        <a:rPr lang="en-US" sz="1400" dirty="0" smtClean="0"/>
+                        <a:rPr lang="en-US" sz="1200" dirty="0" smtClean="0"/>
                         <a:t>Persistent</a:t>
                       </a:r>
-                      <a:endParaRPr lang="en-US" sz="1400" dirty="0"/>
+                      <a:endParaRPr lang="en-US" sz="1200" dirty="0"/>
                     </a:p>
                   </a:txBody>
-                  <a:tcPr/>
+                  <a:tcPr anchor="ctr">
+                    <a:solidFill>
+                      <a:schemeClr val="tx2">
+                        <a:lumMod val="40000"/>
+                        <a:lumOff val="60000"/>
+                      </a:schemeClr>
+                    </a:solidFill>
+                  </a:tcPr>
                 </a:tc>
                 <a:tc>
                   <a:txBody>
@@ -11784,13 +11812,20 @@
                     <a:lstStyle/>
                     <a:p>
                       <a:r>
-                        <a:rPr lang="en-US" sz="1400" dirty="0" smtClean="0"/>
+                        <a:rPr lang="en-US" sz="1200" dirty="0" smtClean="0"/>
                         <a:t>Master</a:t>
                       </a:r>
-                      <a:endParaRPr lang="en-US" sz="1400" dirty="0"/>
+                      <a:endParaRPr lang="en-US" sz="1200" dirty="0"/>
                     </a:p>
                   </a:txBody>
-                  <a:tcPr/>
+                  <a:tcPr anchor="ctr">
+                    <a:solidFill>
+                      <a:schemeClr val="tx2">
+                        <a:lumMod val="40000"/>
+                        <a:lumOff val="60000"/>
+                      </a:schemeClr>
+                    </a:solidFill>
+                  </a:tcPr>
                 </a:tc>
                 <a:extLst>
                   <a:ext uri="{0D108BD9-81ED-4DB2-BD59-A6C34878D82A}">
@@ -11805,13 +11840,17 @@
                     <a:lstStyle/>
                     <a:p>
                       <a:r>
-                        <a:rPr lang="en-US" sz="1400" dirty="0" smtClean="0"/>
+                        <a:rPr lang="en-US" sz="1200" dirty="0" smtClean="0"/>
                         <a:t>Develop</a:t>
                       </a:r>
-                      <a:endParaRPr lang="en-US" sz="1400" dirty="0"/>
+                      <a:endParaRPr lang="en-US" sz="1200" dirty="0"/>
                     </a:p>
                   </a:txBody>
-                  <a:tcPr/>
+                  <a:tcPr anchor="ctr">
+                    <a:solidFill>
+                      <a:srgbClr val="92D050"/>
+                    </a:solidFill>
+                  </a:tcPr>
                 </a:tc>
                 <a:tc>
                   <a:txBody>
@@ -11819,17 +11858,21 @@
                     <a:lstStyle/>
                     <a:p>
                       <a:r>
-                        <a:rPr lang="en-US" sz="1400" dirty="0" smtClean="0"/>
+                        <a:rPr lang="en-US" sz="1200" dirty="0" smtClean="0"/>
                         <a:t>Completed feature</a:t>
                       </a:r>
                       <a:r>
-                        <a:rPr lang="en-US" sz="1400" baseline="0" dirty="0" smtClean="0"/>
+                        <a:rPr lang="en-US" sz="1200" baseline="0" dirty="0" smtClean="0"/>
                         <a:t> awaiting release</a:t>
                       </a:r>
-                      <a:endParaRPr lang="en-US" sz="1400" dirty="0"/>
+                      <a:endParaRPr lang="en-US" sz="1200" dirty="0"/>
                     </a:p>
                   </a:txBody>
-                  <a:tcPr/>
+                  <a:tcPr anchor="ctr">
+                    <a:solidFill>
+                      <a:srgbClr val="92D050"/>
+                    </a:solidFill>
+                  </a:tcPr>
                 </a:tc>
                 <a:tc>
                   <a:txBody>
@@ -11837,13 +11880,17 @@
                     <a:lstStyle/>
                     <a:p>
                       <a:r>
-                        <a:rPr lang="en-US" sz="1400" dirty="0" smtClean="0"/>
+                        <a:rPr lang="en-US" sz="1200" dirty="0" smtClean="0"/>
                         <a:t>Persistent</a:t>
                       </a:r>
-                      <a:endParaRPr lang="en-US" sz="1400" dirty="0"/>
+                      <a:endParaRPr lang="en-US" sz="1200" dirty="0"/>
                     </a:p>
                   </a:txBody>
-                  <a:tcPr/>
+                  <a:tcPr anchor="ctr">
+                    <a:solidFill>
+                      <a:srgbClr val="92D050"/>
+                    </a:solidFill>
+                  </a:tcPr>
                 </a:tc>
                 <a:tc>
                   <a:txBody>
@@ -11851,19 +11898,23 @@
                     <a:lstStyle/>
                     <a:p>
                       <a:r>
-                        <a:rPr lang="en-US" sz="1400" dirty="0" smtClean="0"/>
+                        <a:rPr lang="en-US" sz="1200" dirty="0" smtClean="0"/>
                         <a:t>Persistent</a:t>
                       </a:r>
                     </a:p>
                     <a:p>
                       <a:r>
-                        <a:rPr lang="en-US" sz="1400" dirty="0" err="1" smtClean="0"/>
-                        <a:t>PrivateDevelop</a:t>
+                        <a:rPr lang="en-US" sz="1200" dirty="0" err="1" smtClean="0"/>
+                        <a:t>InternalDevelop</a:t>
                       </a:r>
-                      <a:endParaRPr lang="en-US" sz="1400" dirty="0"/>
+                      <a:endParaRPr lang="en-US" sz="1200" dirty="0"/>
                     </a:p>
                   </a:txBody>
-                  <a:tcPr/>
+                  <a:tcPr anchor="ctr">
+                    <a:solidFill>
+                      <a:srgbClr val="92D050"/>
+                    </a:solidFill>
+                  </a:tcPr>
                 </a:tc>
                 <a:tc>
                   <a:txBody>
@@ -11871,13 +11922,17 @@
                     <a:lstStyle/>
                     <a:p>
                       <a:r>
-                        <a:rPr lang="en-US" sz="1400" dirty="0" smtClean="0"/>
+                        <a:rPr lang="en-US" sz="1200" dirty="0" smtClean="0"/>
                         <a:t>Develop</a:t>
                       </a:r>
-                      <a:endParaRPr lang="en-US" sz="1400" dirty="0"/>
+                      <a:endParaRPr lang="en-US" sz="1200" dirty="0"/>
                     </a:p>
                   </a:txBody>
-                  <a:tcPr/>
+                  <a:tcPr anchor="ctr">
+                    <a:solidFill>
+                      <a:srgbClr val="92D050"/>
+                    </a:solidFill>
+                  </a:tcPr>
                 </a:tc>
                 <a:extLst>
                   <a:ext uri="{0D108BD9-81ED-4DB2-BD59-A6C34878D82A}">
@@ -11892,13 +11947,17 @@
                     <a:lstStyle/>
                     <a:p>
                       <a:r>
-                        <a:rPr lang="en-US" sz="1400" dirty="0" smtClean="0"/>
+                        <a:rPr lang="en-US" sz="1200" dirty="0" smtClean="0"/>
                         <a:t>Private</a:t>
                       </a:r>
-                      <a:endParaRPr lang="en-US" sz="1400" dirty="0"/>
+                      <a:endParaRPr lang="en-US" sz="1200" dirty="0"/>
                     </a:p>
                   </a:txBody>
-                  <a:tcPr/>
+                  <a:tcPr anchor="ctr">
+                    <a:solidFill>
+                      <a:srgbClr val="FF9999"/>
+                    </a:solidFill>
+                  </a:tcPr>
                 </a:tc>
                 <a:tc>
                   <a:txBody>
@@ -11906,17 +11965,21 @@
                     <a:lstStyle/>
                     <a:p>
                       <a:r>
-                        <a:rPr lang="en-US" sz="1400" dirty="0" smtClean="0"/>
+                        <a:rPr lang="en-US" sz="1200" dirty="0" smtClean="0"/>
                         <a:t>Development</a:t>
                       </a:r>
                       <a:r>
-                        <a:rPr lang="en-US" sz="1400" baseline="0" dirty="0" smtClean="0"/>
+                        <a:rPr lang="en-US" sz="1200" baseline="0" dirty="0" smtClean="0"/>
                         <a:t> not Ready for Release</a:t>
                       </a:r>
-                      <a:endParaRPr lang="en-US" sz="1400" dirty="0"/>
+                      <a:endParaRPr lang="en-US" sz="1200" dirty="0"/>
                     </a:p>
                   </a:txBody>
-                  <a:tcPr/>
+                  <a:tcPr anchor="ctr">
+                    <a:solidFill>
+                      <a:srgbClr val="FF9999"/>
+                    </a:solidFill>
+                  </a:tcPr>
                 </a:tc>
                 <a:tc>
                   <a:txBody>
@@ -11924,13 +11987,17 @@
                     <a:lstStyle/>
                     <a:p>
                       <a:r>
-                        <a:rPr lang="en-US" sz="1400" dirty="0" smtClean="0"/>
+                        <a:rPr lang="en-US" sz="1200" dirty="0" smtClean="0"/>
                         <a:t>Persistent</a:t>
                       </a:r>
-                      <a:endParaRPr lang="en-US" sz="1400" dirty="0"/>
+                      <a:endParaRPr lang="en-US" sz="1200" dirty="0"/>
                     </a:p>
                   </a:txBody>
-                  <a:tcPr/>
+                  <a:tcPr anchor="ctr">
+                    <a:solidFill>
+                      <a:srgbClr val="FF9999"/>
+                    </a:solidFill>
+                  </a:tcPr>
                 </a:tc>
                 <a:tc>
                   <a:txBody>
@@ -11938,13 +12005,17 @@
                     <a:lstStyle/>
                     <a:p>
                       <a:r>
-                        <a:rPr lang="en-US" sz="1400" dirty="0" smtClean="0"/>
+                        <a:rPr lang="en-US" sz="1200" dirty="0" smtClean="0"/>
                         <a:t>Persistent</a:t>
                       </a:r>
-                      <a:endParaRPr lang="en-US" sz="1400" dirty="0"/>
+                      <a:endParaRPr lang="en-US" sz="1200" dirty="0"/>
                     </a:p>
                   </a:txBody>
-                  <a:tcPr/>
+                  <a:tcPr anchor="ctr">
+                    <a:solidFill>
+                      <a:srgbClr val="FF9999"/>
+                    </a:solidFill>
+                  </a:tcPr>
                 </a:tc>
                 <a:tc>
                   <a:txBody>
@@ -11952,13 +12023,23 @@
                     <a:lstStyle/>
                     <a:p>
                       <a:r>
-                        <a:rPr lang="en-US" sz="1400" dirty="0" err="1" smtClean="0"/>
-                        <a:t>PrivateDevelop</a:t>
+                        <a:rPr lang="en-US" sz="1200" dirty="0" smtClean="0"/>
+                        <a:t>Internal-</a:t>
                       </a:r>
-                      <a:endParaRPr lang="en-US" sz="1400" dirty="0"/>
+                    </a:p>
+                    <a:p>
+                      <a:r>
+                        <a:rPr lang="en-US" sz="1200" dirty="0" smtClean="0"/>
+                        <a:t>Develop</a:t>
+                      </a:r>
+                      <a:endParaRPr lang="en-US" sz="1200" dirty="0"/>
                     </a:p>
                   </a:txBody>
-                  <a:tcPr/>
+                  <a:tcPr anchor="ctr">
+                    <a:solidFill>
+                      <a:srgbClr val="FF9999"/>
+                    </a:solidFill>
+                  </a:tcPr>
                 </a:tc>
                 <a:extLst>
                   <a:ext uri="{0D108BD9-81ED-4DB2-BD59-A6C34878D82A}">
@@ -11973,13 +12054,17 @@
                     <a:lstStyle/>
                     <a:p>
                       <a:r>
-                        <a:rPr lang="en-US" sz="1400" dirty="0" smtClean="0"/>
+                        <a:rPr lang="en-US" sz="1200" dirty="0" smtClean="0"/>
                         <a:t>Hotfix</a:t>
                       </a:r>
-                      <a:endParaRPr lang="en-US" sz="1400" dirty="0"/>
+                      <a:endParaRPr lang="en-US" sz="1200" dirty="0"/>
                     </a:p>
                   </a:txBody>
-                  <a:tcPr/>
+                  <a:tcPr anchor="ctr">
+                    <a:solidFill>
+                      <a:srgbClr val="9999FF"/>
+                    </a:solidFill>
+                  </a:tcPr>
                 </a:tc>
                 <a:tc>
                   <a:txBody>
@@ -11987,17 +12072,21 @@
                     <a:lstStyle/>
                     <a:p>
                       <a:r>
-                        <a:rPr lang="en-US" sz="1400" dirty="0" smtClean="0"/>
+                        <a:rPr lang="en-US" sz="1200" dirty="0" smtClean="0"/>
                         <a:t>Created to address a</a:t>
                       </a:r>
                       <a:r>
-                        <a:rPr lang="en-US" sz="1400" baseline="0" dirty="0" smtClean="0"/>
+                        <a:rPr lang="en-US" sz="1200" baseline="0" dirty="0" smtClean="0"/>
                         <a:t>n immediate need to fix released code</a:t>
                       </a:r>
-                      <a:endParaRPr lang="en-US" sz="1400" dirty="0"/>
+                      <a:endParaRPr lang="en-US" sz="1200" dirty="0"/>
                     </a:p>
                   </a:txBody>
-                  <a:tcPr/>
+                  <a:tcPr anchor="ctr">
+                    <a:solidFill>
+                      <a:srgbClr val="9999FF"/>
+                    </a:solidFill>
+                  </a:tcPr>
                 </a:tc>
                 <a:tc>
                   <a:txBody>
@@ -12005,13 +12094,17 @@
                     <a:lstStyle/>
                     <a:p>
                       <a:r>
-                        <a:rPr lang="en-US" sz="1400" dirty="0" smtClean="0"/>
+                        <a:rPr lang="en-US" sz="1200" dirty="0" smtClean="0"/>
                         <a:t>Master</a:t>
                       </a:r>
-                      <a:endParaRPr lang="en-US" sz="1400" dirty="0"/>
+                      <a:endParaRPr lang="en-US" sz="1200" dirty="0"/>
                     </a:p>
                   </a:txBody>
-                  <a:tcPr/>
+                  <a:tcPr anchor="ctr">
+                    <a:solidFill>
+                      <a:srgbClr val="9999FF"/>
+                    </a:solidFill>
+                  </a:tcPr>
                 </a:tc>
                 <a:tc>
                   <a:txBody>
@@ -12019,20 +12112,24 @@
                     <a:lstStyle/>
                     <a:p>
                       <a:r>
-                        <a:rPr lang="en-US" sz="1400" dirty="0" smtClean="0"/>
+                        <a:rPr lang="en-US" sz="1200" dirty="0" smtClean="0"/>
                         <a:t>Master</a:t>
                       </a:r>
                       <a:br>
-                        <a:rPr lang="en-US" sz="1400" dirty="0" smtClean="0"/>
+                        <a:rPr lang="en-US" sz="1200" dirty="0" smtClean="0"/>
                       </a:br>
                       <a:r>
-                        <a:rPr lang="en-US" sz="1400" dirty="0" smtClean="0"/>
+                        <a:rPr lang="en-US" sz="1200" dirty="0" smtClean="0"/>
                         <a:t>Develop</a:t>
                       </a:r>
-                      <a:endParaRPr lang="en-US" sz="1400" dirty="0"/>
+                      <a:endParaRPr lang="en-US" sz="1200" dirty="0"/>
                     </a:p>
                   </a:txBody>
-                  <a:tcPr/>
+                  <a:tcPr anchor="ctr">
+                    <a:solidFill>
+                      <a:srgbClr val="9999FF"/>
+                    </a:solidFill>
+                  </a:tcPr>
                 </a:tc>
                 <a:tc>
                   <a:txBody>
@@ -12040,13 +12137,17 @@
                     <a:lstStyle/>
                     <a:p>
                       <a:r>
-                        <a:rPr lang="en-US" sz="1400" dirty="0" smtClean="0"/>
+                        <a:rPr lang="en-US" sz="1200" dirty="0" smtClean="0"/>
                         <a:t>Hotfix-XXX</a:t>
                       </a:r>
-                      <a:endParaRPr lang="en-US" sz="1400" dirty="0"/>
+                      <a:endParaRPr lang="en-US" sz="1200" dirty="0"/>
                     </a:p>
                   </a:txBody>
-                  <a:tcPr/>
+                  <a:tcPr anchor="ctr">
+                    <a:solidFill>
+                      <a:srgbClr val="9999FF"/>
+                    </a:solidFill>
+                  </a:tcPr>
                 </a:tc>
                 <a:extLst>
                   <a:ext uri="{0D108BD9-81ED-4DB2-BD59-A6C34878D82A}">
@@ -12061,13 +12162,17 @@
                     <a:lstStyle/>
                     <a:p>
                       <a:r>
-                        <a:rPr lang="en-US" sz="1400" dirty="0" smtClean="0"/>
+                        <a:rPr lang="en-US" sz="1200" dirty="0" smtClean="0"/>
                         <a:t>Release</a:t>
                       </a:r>
-                      <a:endParaRPr lang="en-US" sz="1400" dirty="0"/>
+                      <a:endParaRPr lang="en-US" sz="1200" dirty="0"/>
                     </a:p>
                   </a:txBody>
-                  <a:tcPr/>
+                  <a:tcPr anchor="ctr">
+                    <a:solidFill>
+                      <a:srgbClr val="66FFFF"/>
+                    </a:solidFill>
+                  </a:tcPr>
                 </a:tc>
                 <a:tc>
                   <a:txBody>
@@ -12075,17 +12180,21 @@
                     <a:lstStyle/>
                     <a:p>
                       <a:r>
-                        <a:rPr lang="en-US" sz="1400" dirty="0" smtClean="0"/>
+                        <a:rPr lang="en-US" sz="1200" dirty="0" smtClean="0"/>
                         <a:t>Created</a:t>
                       </a:r>
                       <a:r>
-                        <a:rPr lang="en-US" sz="1400" baseline="0" dirty="0" smtClean="0"/>
+                        <a:rPr lang="en-US" sz="1200" baseline="0" dirty="0" smtClean="0"/>
                         <a:t> to finalize a release</a:t>
                       </a:r>
-                      <a:endParaRPr lang="en-US" sz="1400" dirty="0"/>
+                      <a:endParaRPr lang="en-US" sz="1200" dirty="0"/>
                     </a:p>
                   </a:txBody>
-                  <a:tcPr/>
+                  <a:tcPr anchor="ctr">
+                    <a:solidFill>
+                      <a:srgbClr val="66FFFF"/>
+                    </a:solidFill>
+                  </a:tcPr>
                 </a:tc>
                 <a:tc>
                   <a:txBody>
@@ -12093,13 +12202,17 @@
                     <a:lstStyle/>
                     <a:p>
                       <a:r>
-                        <a:rPr lang="en-US" sz="1400" dirty="0" smtClean="0"/>
+                        <a:rPr lang="en-US" sz="1200" dirty="0" smtClean="0"/>
                         <a:t>Develop</a:t>
                       </a:r>
-                      <a:endParaRPr lang="en-US" sz="1400" dirty="0"/>
+                      <a:endParaRPr lang="en-US" sz="1200" dirty="0"/>
                     </a:p>
                   </a:txBody>
-                  <a:tcPr/>
+                  <a:tcPr anchor="ctr">
+                    <a:solidFill>
+                      <a:srgbClr val="66FFFF"/>
+                    </a:solidFill>
+                  </a:tcPr>
                 </a:tc>
                 <a:tc>
                   <a:txBody>
@@ -12107,20 +12220,24 @@
                     <a:lstStyle/>
                     <a:p>
                       <a:r>
-                        <a:rPr lang="en-US" sz="1400" dirty="0" smtClean="0"/>
+                        <a:rPr lang="en-US" sz="1200" dirty="0" smtClean="0"/>
                         <a:t>Master</a:t>
                       </a:r>
                       <a:br>
-                        <a:rPr lang="en-US" sz="1400" dirty="0" smtClean="0"/>
+                        <a:rPr lang="en-US" sz="1200" dirty="0" smtClean="0"/>
                       </a:br>
                       <a:r>
-                        <a:rPr lang="en-US" sz="1400" dirty="0" smtClean="0"/>
+                        <a:rPr lang="en-US" sz="1200" dirty="0" smtClean="0"/>
                         <a:t>Develop</a:t>
                       </a:r>
-                      <a:endParaRPr lang="en-US" sz="1400" dirty="0"/>
+                      <a:endParaRPr lang="en-US" sz="1200" dirty="0"/>
                     </a:p>
                   </a:txBody>
-                  <a:tcPr/>
+                  <a:tcPr anchor="ctr">
+                    <a:solidFill>
+                      <a:srgbClr val="66FFFF"/>
+                    </a:solidFill>
+                  </a:tcPr>
                 </a:tc>
                 <a:tc>
                   <a:txBody>
@@ -12128,13 +12245,17 @@
                     <a:lstStyle/>
                     <a:p>
                       <a:r>
-                        <a:rPr lang="en-US" sz="1400" dirty="0" smtClean="0"/>
+                        <a:rPr lang="en-US" sz="1200" dirty="0" smtClean="0"/>
                         <a:t>R-VNN.mm</a:t>
                       </a:r>
-                      <a:endParaRPr lang="en-US" sz="1400" dirty="0"/>
+                      <a:endParaRPr lang="en-US" sz="1200" dirty="0"/>
                     </a:p>
                   </a:txBody>
-                  <a:tcPr/>
+                  <a:tcPr anchor="ctr">
+                    <a:solidFill>
+                      <a:srgbClr val="66FFFF"/>
+                    </a:solidFill>
+                  </a:tcPr>
                 </a:tc>
                 <a:extLst>
                   <a:ext uri="{0D108BD9-81ED-4DB2-BD59-A6C34878D82A}">
@@ -12149,13 +12270,17 @@
                     <a:lstStyle/>
                     <a:p>
                       <a:r>
-                        <a:rPr lang="en-US" sz="1400" dirty="0" smtClean="0"/>
+                        <a:rPr lang="en-US" sz="1200" dirty="0" smtClean="0"/>
                         <a:t>Feature</a:t>
                       </a:r>
-                      <a:endParaRPr lang="en-US" sz="1400" dirty="0"/>
+                      <a:endParaRPr lang="en-US" sz="1200" dirty="0"/>
                     </a:p>
                   </a:txBody>
-                  <a:tcPr/>
+                  <a:tcPr anchor="ctr">
+                    <a:solidFill>
+                      <a:srgbClr val="FF99FF"/>
+                    </a:solidFill>
+                  </a:tcPr>
                 </a:tc>
                 <a:tc>
                   <a:txBody>
@@ -12163,17 +12288,21 @@
                     <a:lstStyle/>
                     <a:p>
                       <a:r>
-                        <a:rPr lang="en-US" sz="1400" dirty="0" smtClean="0"/>
+                        <a:rPr lang="en-US" sz="1200" dirty="0" smtClean="0"/>
                         <a:t>Created</a:t>
                       </a:r>
                       <a:r>
-                        <a:rPr lang="en-US" sz="1400" baseline="0" dirty="0" smtClean="0"/>
+                        <a:rPr lang="en-US" sz="1200" baseline="0" dirty="0" smtClean="0"/>
                         <a:t> to add a new functionality</a:t>
                       </a:r>
-                      <a:endParaRPr lang="en-US" sz="1400" dirty="0"/>
+                      <a:endParaRPr lang="en-US" sz="1200" dirty="0"/>
                     </a:p>
                   </a:txBody>
-                  <a:tcPr/>
+                  <a:tcPr anchor="ctr">
+                    <a:solidFill>
+                      <a:srgbClr val="FF99FF"/>
+                    </a:solidFill>
+                  </a:tcPr>
                 </a:tc>
                 <a:tc>
                   <a:txBody>
@@ -12181,19 +12310,23 @@
                     <a:lstStyle/>
                     <a:p>
                       <a:r>
-                        <a:rPr lang="en-US" sz="1400" dirty="0" smtClean="0"/>
+                        <a:rPr lang="en-US" sz="1200" dirty="0" smtClean="0"/>
                         <a:t>Develop</a:t>
                       </a:r>
                     </a:p>
                     <a:p>
                       <a:r>
-                        <a:rPr lang="en-US" sz="1400" dirty="0" err="1" smtClean="0"/>
-                        <a:t>PrivateDevelop</a:t>
+                        <a:rPr lang="en-US" sz="1200" dirty="0" err="1" smtClean="0"/>
+                        <a:t>InternalDevelop</a:t>
                       </a:r>
-                      <a:endParaRPr lang="en-US" sz="1400" dirty="0"/>
+                      <a:endParaRPr lang="en-US" sz="1200" dirty="0"/>
                     </a:p>
                   </a:txBody>
-                  <a:tcPr/>
+                  <a:tcPr anchor="ctr">
+                    <a:solidFill>
+                      <a:srgbClr val="FF99FF"/>
+                    </a:solidFill>
+                  </a:tcPr>
                 </a:tc>
                 <a:tc>
                   <a:txBody>
@@ -12201,19 +12334,23 @@
                     <a:lstStyle/>
                     <a:p>
                       <a:r>
-                        <a:rPr lang="en-US" sz="1400" dirty="0" smtClean="0"/>
+                        <a:rPr lang="en-US" sz="1200" dirty="0" smtClean="0"/>
                         <a:t>Develop</a:t>
                       </a:r>
                     </a:p>
                     <a:p>
                       <a:r>
-                        <a:rPr lang="en-US" sz="1400" dirty="0" err="1" smtClean="0"/>
-                        <a:t>PrivateDevelop</a:t>
+                        <a:rPr lang="en-US" sz="1200" dirty="0" err="1" smtClean="0"/>
+                        <a:t>InternalDevelop</a:t>
                       </a:r>
-                      <a:endParaRPr lang="en-US" sz="1400" dirty="0"/>
+                      <a:endParaRPr lang="en-US" sz="1200" dirty="0"/>
                     </a:p>
                   </a:txBody>
-                  <a:tcPr/>
+                  <a:tcPr anchor="ctr">
+                    <a:solidFill>
+                      <a:srgbClr val="FF99FF"/>
+                    </a:solidFill>
+                  </a:tcPr>
                 </a:tc>
                 <a:tc>
                   <a:txBody>
@@ -12221,13 +12358,17 @@
                     <a:lstStyle/>
                     <a:p>
                       <a:r>
-                        <a:rPr lang="en-US" sz="1400" dirty="0" smtClean="0"/>
+                        <a:rPr lang="en-US" sz="1200" dirty="0" smtClean="0"/>
                         <a:t>XXXXX</a:t>
                       </a:r>
-                      <a:endParaRPr lang="en-US" sz="1400" dirty="0"/>
+                      <a:endParaRPr lang="en-US" sz="1200" dirty="0"/>
                     </a:p>
                   </a:txBody>
-                  <a:tcPr/>
+                  <a:tcPr anchor="ctr">
+                    <a:solidFill>
+                      <a:srgbClr val="FF99FF"/>
+                    </a:solidFill>
+                  </a:tcPr>
                 </a:tc>
                 <a:extLst>
                   <a:ext uri="{0D108BD9-81ED-4DB2-BD59-A6C34878D82A}">
@@ -12239,323 +12380,2237 @@
           </a:graphicData>
         </a:graphic>
       </p:graphicFrame>
-      <p:sp>
-        <p:nvSpPr>
-          <p:cNvPr id="6" name="Oval 5"/>
-          <p:cNvSpPr/>
-          <p:nvPr/>
-        </p:nvSpPr>
-        <p:spPr>
-          <a:xfrm flipV="1">
-            <a:off x="2614317" y="4623583"/>
-            <a:ext cx="227589" cy="219656"/>
-          </a:xfrm>
-          <a:prstGeom prst="ellipse">
-            <a:avLst/>
-          </a:prstGeom>
-          <a:solidFill>
-            <a:srgbClr val="FF0000"/>
-          </a:solidFill>
-        </p:spPr>
-        <p:style>
-          <a:lnRef idx="2">
-            <a:schemeClr val="accent1">
-              <a:shade val="50000"/>
-            </a:schemeClr>
-          </a:lnRef>
-          <a:fillRef idx="1">
-            <a:schemeClr val="accent1"/>
-          </a:fillRef>
-          <a:effectRef idx="0">
-            <a:schemeClr val="accent1"/>
-          </a:effectRef>
-          <a:fontRef idx="minor">
-            <a:schemeClr val="lt1"/>
-          </a:fontRef>
-        </p:style>
-        <p:txBody>
-          <a:bodyPr rtlCol="0" anchor="ctr"/>
-          <a:lstStyle/>
-          <a:p>
-            <a:pPr algn="ctr"/>
-            <a:endParaRPr lang="en-US"/>
-          </a:p>
-        </p:txBody>
-      </p:sp>
-      <p:cxnSp>
-        <p:nvCxnSpPr>
-          <p:cNvPr id="28" name="Straight Arrow Connector 27"/>
-          <p:cNvCxnSpPr/>
-          <p:nvPr/>
-        </p:nvCxnSpPr>
-        <p:spPr>
-          <a:xfrm>
-            <a:off x="1711568" y="5022789"/>
-            <a:ext cx="6796706" cy="0"/>
-          </a:xfrm>
-          <a:prstGeom prst="straightConnector1">
-            <a:avLst/>
-          </a:prstGeom>
-          <a:ln w="38100">
-            <a:tailEnd type="stealth" w="lg" len="lg"/>
-          </a:ln>
-        </p:spPr>
-        <p:style>
-          <a:lnRef idx="1">
-            <a:schemeClr val="accent1"/>
-          </a:lnRef>
-          <a:fillRef idx="0">
-            <a:schemeClr val="accent1"/>
-          </a:fillRef>
-          <a:effectRef idx="0">
-            <a:schemeClr val="accent1"/>
-          </a:effectRef>
-          <a:fontRef idx="minor">
-            <a:schemeClr val="tx1"/>
-          </a:fontRef>
-        </p:style>
-      </p:cxnSp>
-      <p:sp>
-        <p:nvSpPr>
-          <p:cNvPr id="33" name="Oval 32"/>
-          <p:cNvSpPr/>
-          <p:nvPr/>
-        </p:nvSpPr>
-        <p:spPr>
-          <a:xfrm flipV="1">
-            <a:off x="3477225" y="4623583"/>
-            <a:ext cx="227589" cy="219656"/>
-          </a:xfrm>
-          <a:prstGeom prst="ellipse">
-            <a:avLst/>
-          </a:prstGeom>
-          <a:solidFill>
-            <a:srgbClr val="FF0000"/>
-          </a:solidFill>
-        </p:spPr>
-        <p:style>
-          <a:lnRef idx="2">
-            <a:schemeClr val="accent1">
-              <a:shade val="50000"/>
-            </a:schemeClr>
-          </a:lnRef>
-          <a:fillRef idx="1">
-            <a:schemeClr val="accent1"/>
-          </a:fillRef>
-          <a:effectRef idx="0">
-            <a:schemeClr val="accent1"/>
-          </a:effectRef>
-          <a:fontRef idx="minor">
-            <a:schemeClr val="lt1"/>
-          </a:fontRef>
-        </p:style>
-        <p:txBody>
-          <a:bodyPr rtlCol="0" anchor="ctr"/>
-          <a:lstStyle/>
-          <a:p>
-            <a:pPr algn="ctr"/>
-            <a:endParaRPr lang="en-US"/>
-          </a:p>
-        </p:txBody>
-      </p:sp>
-      <p:cxnSp>
-        <p:nvCxnSpPr>
-          <p:cNvPr id="34" name="Straight Arrow Connector 33"/>
-          <p:cNvCxnSpPr/>
-          <p:nvPr/>
-        </p:nvCxnSpPr>
-        <p:spPr>
-          <a:xfrm>
-            <a:off x="1711568" y="4286383"/>
-            <a:ext cx="6796706" cy="0"/>
-          </a:xfrm>
-          <a:prstGeom prst="straightConnector1">
-            <a:avLst/>
-          </a:prstGeom>
-          <a:ln w="38100">
-            <a:tailEnd type="stealth" w="lg" len="lg"/>
-          </a:ln>
-        </p:spPr>
-        <p:style>
-          <a:lnRef idx="1">
-            <a:schemeClr val="accent1"/>
-          </a:lnRef>
-          <a:fillRef idx="0">
-            <a:schemeClr val="accent1"/>
-          </a:fillRef>
-          <a:effectRef idx="0">
-            <a:schemeClr val="accent1"/>
-          </a:effectRef>
-          <a:fontRef idx="minor">
-            <a:schemeClr val="tx1"/>
-          </a:fontRef>
-        </p:style>
-      </p:cxnSp>
-      <p:cxnSp>
-        <p:nvCxnSpPr>
-          <p:cNvPr id="36" name="Elbow Connector 35"/>
-          <p:cNvCxnSpPr>
-            <a:stCxn id="70" idx="2"/>
-            <a:endCxn id="6" idx="2"/>
-          </p:cNvCxnSpPr>
-          <p:nvPr/>
-        </p:nvCxnSpPr>
-        <p:spPr>
-          <a:xfrm rot="10800000">
-            <a:off x="2614317" y="4733411"/>
-            <a:ext cx="1210586" cy="289378"/>
-          </a:xfrm>
-          <a:prstGeom prst="bentConnector3">
-            <a:avLst>
-              <a:gd name="adj1" fmla="val 118883"/>
-            </a:avLst>
-          </a:prstGeom>
-          <a:ln w="19050">
-            <a:tailEnd type="stealth" w="lg" len="lg"/>
-          </a:ln>
-        </p:spPr>
-        <p:style>
-          <a:lnRef idx="1">
-            <a:schemeClr val="accent1"/>
-          </a:lnRef>
-          <a:fillRef idx="0">
-            <a:schemeClr val="accent1"/>
-          </a:fillRef>
-          <a:effectRef idx="0">
-            <a:schemeClr val="accent1"/>
-          </a:effectRef>
-          <a:fontRef idx="minor">
-            <a:schemeClr val="tx1"/>
-          </a:fontRef>
-        </p:style>
-      </p:cxnSp>
-      <p:cxnSp>
-        <p:nvCxnSpPr>
-          <p:cNvPr id="38" name="Elbow Connector 37"/>
-          <p:cNvCxnSpPr>
-            <a:stCxn id="6" idx="6"/>
-            <a:endCxn id="33" idx="2"/>
-          </p:cNvCxnSpPr>
-          <p:nvPr/>
-        </p:nvCxnSpPr>
-        <p:spPr>
-          <a:xfrm>
-            <a:off x="2841906" y="4733411"/>
-            <a:ext cx="635319" cy="0"/>
-          </a:xfrm>
-          <a:prstGeom prst="straightConnector1">
-            <a:avLst/>
-          </a:prstGeom>
-          <a:ln w="19050">
-            <a:tailEnd type="stealth" w="lg" len="lg"/>
-          </a:ln>
-        </p:spPr>
-        <p:style>
-          <a:lnRef idx="1">
-            <a:schemeClr val="accent1"/>
-          </a:lnRef>
-          <a:fillRef idx="0">
-            <a:schemeClr val="accent1"/>
-          </a:fillRef>
-          <a:effectRef idx="0">
-            <a:schemeClr val="accent1"/>
-          </a:effectRef>
-          <a:fontRef idx="minor">
-            <a:schemeClr val="tx1"/>
-          </a:fontRef>
-        </p:style>
-      </p:cxnSp>
-      <p:sp>
-        <p:nvSpPr>
-          <p:cNvPr id="41" name="Oval 40"/>
-          <p:cNvSpPr/>
-          <p:nvPr/>
-        </p:nvSpPr>
-        <p:spPr>
-          <a:xfrm flipV="1">
-            <a:off x="4145992" y="4176555"/>
-            <a:ext cx="227589" cy="219656"/>
-          </a:xfrm>
-          <a:prstGeom prst="ellipse">
-            <a:avLst/>
-          </a:prstGeom>
-          <a:solidFill>
-            <a:srgbClr val="00B0F0"/>
-          </a:solidFill>
-        </p:spPr>
-        <p:style>
-          <a:lnRef idx="2">
-            <a:schemeClr val="accent1">
-              <a:shade val="50000"/>
-            </a:schemeClr>
-          </a:lnRef>
-          <a:fillRef idx="1">
-            <a:schemeClr val="accent1"/>
-          </a:fillRef>
-          <a:effectRef idx="0">
-            <a:schemeClr val="accent1"/>
-          </a:effectRef>
-          <a:fontRef idx="minor">
-            <a:schemeClr val="lt1"/>
-          </a:fontRef>
-        </p:style>
-        <p:txBody>
-          <a:bodyPr rtlCol="0" anchor="ctr"/>
-          <a:lstStyle/>
-          <a:p>
-            <a:pPr algn="ctr"/>
-            <a:endParaRPr lang="en-US"/>
-          </a:p>
-        </p:txBody>
-      </p:sp>
-      <p:cxnSp>
-        <p:nvCxnSpPr>
-          <p:cNvPr id="42" name="Elbow Connector 41"/>
-          <p:cNvCxnSpPr>
-            <a:stCxn id="33" idx="6"/>
-            <a:endCxn id="41" idx="0"/>
-          </p:cNvCxnSpPr>
-          <p:nvPr/>
-        </p:nvCxnSpPr>
-        <p:spPr>
-          <a:xfrm flipV="1">
-            <a:off x="3704814" y="4396211"/>
-            <a:ext cx="554973" cy="337200"/>
-          </a:xfrm>
-          <a:prstGeom prst="bentConnector2">
-            <a:avLst/>
-          </a:prstGeom>
-          <a:ln w="19050">
-            <a:tailEnd type="stealth" w="lg" len="lg"/>
-          </a:ln>
-        </p:spPr>
-        <p:style>
-          <a:lnRef idx="1">
-            <a:schemeClr val="accent1"/>
-          </a:lnRef>
-          <a:fillRef idx="0">
-            <a:schemeClr val="accent1"/>
-          </a:fillRef>
-          <a:effectRef idx="0">
-            <a:schemeClr val="accent1"/>
-          </a:effectRef>
-          <a:fontRef idx="minor">
-            <a:schemeClr val="tx1"/>
-          </a:fontRef>
-        </p:style>
-      </p:cxnSp>
       <p:grpSp>
         <p:nvGrpSpPr>
-          <p:cNvPr id="100" name="Group 99"/>
+          <p:cNvPr id="27" name="Group 26"/>
           <p:cNvGrpSpPr/>
           <p:nvPr/>
         </p:nvGrpSpPr>
         <p:grpSpPr>
           <a:xfrm>
-            <a:off x="121617" y="6108443"/>
-            <a:ext cx="1026077" cy="584775"/>
-            <a:chOff x="201927" y="5884433"/>
-            <a:chExt cx="1026077" cy="584775"/>
+            <a:off x="105818" y="3874399"/>
+            <a:ext cx="5238504" cy="2513394"/>
+            <a:chOff x="1189212" y="3731968"/>
+            <a:chExt cx="5238504" cy="2513394"/>
+          </a:xfrm>
+        </p:grpSpPr>
+        <p:sp>
+          <p:nvSpPr>
+            <p:cNvPr id="74" name="Rectangle 73"/>
+            <p:cNvSpPr/>
+            <p:nvPr/>
+          </p:nvSpPr>
+          <p:spPr>
+            <a:xfrm>
+              <a:off x="1546547" y="5739274"/>
+              <a:ext cx="4828289" cy="195162"/>
+            </a:xfrm>
+            <a:prstGeom prst="rect">
+              <a:avLst/>
+            </a:prstGeom>
+            <a:solidFill>
+              <a:srgbClr val="FF9999"/>
+            </a:solidFill>
+            <a:ln>
+              <a:noFill/>
+            </a:ln>
+          </p:spPr>
+          <p:style>
+            <a:lnRef idx="2">
+              <a:schemeClr val="accent1">
+                <a:shade val="50000"/>
+              </a:schemeClr>
+            </a:lnRef>
+            <a:fillRef idx="1">
+              <a:schemeClr val="accent1"/>
+            </a:fillRef>
+            <a:effectRef idx="0">
+              <a:schemeClr val="accent1"/>
+            </a:effectRef>
+            <a:fontRef idx="minor">
+              <a:schemeClr val="lt1"/>
+            </a:fontRef>
+          </p:style>
+          <p:txBody>
+            <a:bodyPr lIns="0" tIns="0" rIns="0" bIns="0" rtlCol="0" anchor="ctr"/>
+            <a:lstStyle/>
+            <a:p>
+              <a:pPr algn="ctr"/>
+              <a:endParaRPr lang="en-US"/>
+            </a:p>
+          </p:txBody>
+        </p:sp>
+        <p:sp>
+          <p:nvSpPr>
+            <p:cNvPr id="73" name="Rectangle 72"/>
+            <p:cNvSpPr/>
+            <p:nvPr/>
+          </p:nvSpPr>
+          <p:spPr>
+            <a:xfrm>
+              <a:off x="1599427" y="4819882"/>
+              <a:ext cx="4828289" cy="195162"/>
+            </a:xfrm>
+            <a:prstGeom prst="rect">
+              <a:avLst/>
+            </a:prstGeom>
+            <a:solidFill>
+              <a:srgbClr val="92D050"/>
+            </a:solidFill>
+            <a:ln>
+              <a:noFill/>
+            </a:ln>
+          </p:spPr>
+          <p:style>
+            <a:lnRef idx="2">
+              <a:schemeClr val="accent1">
+                <a:shade val="50000"/>
+              </a:schemeClr>
+            </a:lnRef>
+            <a:fillRef idx="1">
+              <a:schemeClr val="accent1"/>
+            </a:fillRef>
+            <a:effectRef idx="0">
+              <a:schemeClr val="accent1"/>
+            </a:effectRef>
+            <a:fontRef idx="minor">
+              <a:schemeClr val="lt1"/>
+            </a:fontRef>
+          </p:style>
+          <p:txBody>
+            <a:bodyPr lIns="0" tIns="0" rIns="0" bIns="0" rtlCol="0" anchor="ctr"/>
+            <a:lstStyle/>
+            <a:p>
+              <a:pPr algn="ctr"/>
+              <a:endParaRPr lang="en-US"/>
+            </a:p>
+          </p:txBody>
+        </p:sp>
+        <p:sp>
+          <p:nvSpPr>
+            <p:cNvPr id="18" name="Rectangle 17"/>
+            <p:cNvSpPr/>
+            <p:nvPr/>
+          </p:nvSpPr>
+          <p:spPr>
+            <a:xfrm>
+              <a:off x="1572511" y="4139679"/>
+              <a:ext cx="4828289" cy="195162"/>
+            </a:xfrm>
+            <a:prstGeom prst="rect">
+              <a:avLst/>
+            </a:prstGeom>
+            <a:solidFill>
+              <a:srgbClr val="FFF0B1"/>
+            </a:solidFill>
+            <a:ln>
+              <a:noFill/>
+            </a:ln>
+          </p:spPr>
+          <p:style>
+            <a:lnRef idx="2">
+              <a:schemeClr val="accent1">
+                <a:shade val="50000"/>
+              </a:schemeClr>
+            </a:lnRef>
+            <a:fillRef idx="1">
+              <a:schemeClr val="accent1"/>
+            </a:fillRef>
+            <a:effectRef idx="0">
+              <a:schemeClr val="accent1"/>
+            </a:effectRef>
+            <a:fontRef idx="minor">
+              <a:schemeClr val="lt1"/>
+            </a:fontRef>
+          </p:style>
+          <p:txBody>
+            <a:bodyPr lIns="0" tIns="0" rIns="0" bIns="0" rtlCol="0" anchor="ctr"/>
+            <a:lstStyle/>
+            <a:p>
+              <a:pPr algn="ctr"/>
+              <a:endParaRPr lang="en-US"/>
+            </a:p>
+          </p:txBody>
+        </p:sp>
+        <p:sp>
+          <p:nvSpPr>
+            <p:cNvPr id="49" name="TextBox 48"/>
+            <p:cNvSpPr txBox="1"/>
+            <p:nvPr/>
+          </p:nvSpPr>
+          <p:spPr>
+            <a:xfrm>
+              <a:off x="1262845" y="4041042"/>
+              <a:ext cx="469680" cy="184666"/>
+            </a:xfrm>
+            <a:prstGeom prst="rect">
+              <a:avLst/>
+            </a:prstGeom>
+            <a:solidFill>
+              <a:schemeClr val="tx2">
+                <a:lumMod val="40000"/>
+                <a:lumOff val="60000"/>
+              </a:schemeClr>
+            </a:solidFill>
+          </p:spPr>
+          <p:txBody>
+            <a:bodyPr wrap="none" lIns="0" tIns="0" rIns="0" bIns="0" rtlCol="0">
+              <a:spAutoFit/>
+            </a:bodyPr>
+            <a:lstStyle/>
+            <a:p>
+              <a:r>
+                <a:rPr lang="en-US" sz="1200" dirty="0" smtClean="0"/>
+                <a:t>Master</a:t>
+              </a:r>
+              <a:endParaRPr lang="en-US" sz="1200" dirty="0"/>
+            </a:p>
+          </p:txBody>
+        </p:sp>
+        <p:sp>
+          <p:nvSpPr>
+            <p:cNvPr id="58" name="TextBox 57"/>
+            <p:cNvSpPr txBox="1"/>
+            <p:nvPr/>
+          </p:nvSpPr>
+          <p:spPr>
+            <a:xfrm>
+              <a:off x="3214232" y="3731968"/>
+              <a:ext cx="698909" cy="184666"/>
+            </a:xfrm>
+            <a:prstGeom prst="rect">
+              <a:avLst/>
+            </a:prstGeom>
+            <a:solidFill>
+              <a:srgbClr val="9999FF"/>
+            </a:solidFill>
+          </p:spPr>
+          <p:txBody>
+            <a:bodyPr wrap="none" lIns="0" tIns="0" rIns="0" bIns="0" rtlCol="0">
+              <a:spAutoFit/>
+            </a:bodyPr>
+            <a:lstStyle/>
+            <a:p>
+              <a:r>
+                <a:rPr lang="en-US" sz="1200" dirty="0" smtClean="0"/>
+                <a:t>Hotfix-012</a:t>
+              </a:r>
+              <a:endParaRPr lang="en-US" sz="1200" dirty="0"/>
+            </a:p>
+          </p:txBody>
+        </p:sp>
+        <p:sp>
+          <p:nvSpPr>
+            <p:cNvPr id="64" name="TextBox 63"/>
+            <p:cNvSpPr txBox="1"/>
+            <p:nvPr/>
+          </p:nvSpPr>
+          <p:spPr>
+            <a:xfrm>
+              <a:off x="1209225" y="4715996"/>
+              <a:ext cx="561051" cy="184666"/>
+            </a:xfrm>
+            <a:prstGeom prst="rect">
+              <a:avLst/>
+            </a:prstGeom>
+            <a:solidFill>
+              <a:srgbClr val="92D050"/>
+            </a:solidFill>
+          </p:spPr>
+          <p:txBody>
+            <a:bodyPr wrap="none" lIns="0" tIns="0" rIns="0" bIns="0" rtlCol="0">
+              <a:spAutoFit/>
+            </a:bodyPr>
+            <a:lstStyle/>
+            <a:p>
+              <a:r>
+                <a:rPr lang="en-US" sz="1200" dirty="0" smtClean="0"/>
+                <a:t>Develop</a:t>
+              </a:r>
+              <a:endParaRPr lang="en-US" sz="1200" dirty="0"/>
+            </a:p>
+          </p:txBody>
+        </p:sp>
+        <p:sp>
+          <p:nvSpPr>
+            <p:cNvPr id="65" name="TextBox 64"/>
+            <p:cNvSpPr txBox="1"/>
+            <p:nvPr/>
+          </p:nvSpPr>
+          <p:spPr>
+            <a:xfrm>
+              <a:off x="1661867" y="4441820"/>
+              <a:ext cx="647613" cy="184666"/>
+            </a:xfrm>
+            <a:prstGeom prst="rect">
+              <a:avLst/>
+            </a:prstGeom>
+            <a:solidFill>
+              <a:srgbClr val="66FFFF"/>
+            </a:solidFill>
+          </p:spPr>
+          <p:txBody>
+            <a:bodyPr wrap="none" lIns="0" tIns="0" rIns="0" bIns="0" rtlCol="0">
+              <a:spAutoFit/>
+            </a:bodyPr>
+            <a:lstStyle/>
+            <a:p>
+              <a:r>
+                <a:rPr lang="en-US" sz="1200" dirty="0" smtClean="0"/>
+                <a:t>R-V00.1a</a:t>
+              </a:r>
+              <a:endParaRPr lang="en-US" sz="1200" dirty="0"/>
+            </a:p>
+          </p:txBody>
+        </p:sp>
+        <p:sp>
+          <p:nvSpPr>
+            <p:cNvPr id="98" name="TextBox 97"/>
+            <p:cNvSpPr txBox="1"/>
+            <p:nvPr/>
+          </p:nvSpPr>
+          <p:spPr>
+            <a:xfrm>
+              <a:off x="1239571" y="5372421"/>
+              <a:ext cx="613951" cy="184666"/>
+            </a:xfrm>
+            <a:prstGeom prst="rect">
+              <a:avLst/>
+            </a:prstGeom>
+            <a:solidFill>
+              <a:srgbClr val="FF99FF"/>
+            </a:solidFill>
+          </p:spPr>
+          <p:txBody>
+            <a:bodyPr wrap="none" lIns="0" tIns="0" rIns="0" bIns="0" rtlCol="0">
+              <a:spAutoFit/>
+            </a:bodyPr>
+            <a:lstStyle/>
+            <a:p>
+              <a:r>
+                <a:rPr lang="en-US" sz="1200" dirty="0" smtClean="0"/>
+                <a:t>Feature1</a:t>
+              </a:r>
+              <a:endParaRPr lang="en-US" sz="1200" dirty="0"/>
+            </a:p>
+          </p:txBody>
+        </p:sp>
+        <p:sp>
+          <p:nvSpPr>
+            <p:cNvPr id="99" name="TextBox 98"/>
+            <p:cNvSpPr txBox="1"/>
+            <p:nvPr/>
+          </p:nvSpPr>
+          <p:spPr>
+            <a:xfrm>
+              <a:off x="2283634" y="5148290"/>
+              <a:ext cx="613951" cy="184666"/>
+            </a:xfrm>
+            <a:prstGeom prst="rect">
+              <a:avLst/>
+            </a:prstGeom>
+            <a:solidFill>
+              <a:srgbClr val="FF99FF"/>
+            </a:solidFill>
+          </p:spPr>
+          <p:txBody>
+            <a:bodyPr wrap="none" lIns="0" tIns="0" rIns="0" bIns="0" rtlCol="0">
+              <a:spAutoFit/>
+            </a:bodyPr>
+            <a:lstStyle/>
+            <a:p>
+              <a:r>
+                <a:rPr lang="en-US" sz="1200" dirty="0" smtClean="0"/>
+                <a:t>Feature2</a:t>
+              </a:r>
+              <a:endParaRPr lang="en-US" sz="1200" dirty="0"/>
+            </a:p>
+          </p:txBody>
+        </p:sp>
+        <p:sp>
+          <p:nvSpPr>
+            <p:cNvPr id="108" name="TextBox 107"/>
+            <p:cNvSpPr txBox="1"/>
+            <p:nvPr/>
+          </p:nvSpPr>
+          <p:spPr>
+            <a:xfrm>
+              <a:off x="4876829" y="4433037"/>
+              <a:ext cx="562655" cy="184666"/>
+            </a:xfrm>
+            <a:prstGeom prst="rect">
+              <a:avLst/>
+            </a:prstGeom>
+            <a:solidFill>
+              <a:srgbClr val="66FFFF"/>
+            </a:solidFill>
+          </p:spPr>
+          <p:txBody>
+            <a:bodyPr wrap="none" lIns="0" tIns="0" rIns="0" bIns="0" rtlCol="0">
+              <a:spAutoFit/>
+            </a:bodyPr>
+            <a:lstStyle/>
+            <a:p>
+              <a:r>
+                <a:rPr lang="en-US" sz="1200" dirty="0" smtClean="0"/>
+                <a:t>R-V00.2</a:t>
+              </a:r>
+              <a:endParaRPr lang="en-US" sz="1200" dirty="0"/>
+            </a:p>
+          </p:txBody>
+        </p:sp>
+        <p:sp>
+          <p:nvSpPr>
+            <p:cNvPr id="118" name="TextBox 117"/>
+            <p:cNvSpPr txBox="1"/>
+            <p:nvPr/>
+          </p:nvSpPr>
+          <p:spPr>
+            <a:xfrm>
+              <a:off x="1189212" y="5634336"/>
+              <a:ext cx="561051" cy="369332"/>
+            </a:xfrm>
+            <a:prstGeom prst="rect">
+              <a:avLst/>
+            </a:prstGeom>
+            <a:solidFill>
+              <a:srgbClr val="FF9999"/>
+            </a:solidFill>
+          </p:spPr>
+          <p:txBody>
+            <a:bodyPr wrap="none" lIns="0" tIns="0" rIns="0" bIns="0" rtlCol="0">
+              <a:spAutoFit/>
+            </a:bodyPr>
+            <a:lstStyle/>
+            <a:p>
+              <a:r>
+                <a:rPr lang="en-US" sz="1200" dirty="0" smtClean="0"/>
+                <a:t>Internal</a:t>
+              </a:r>
+              <a:br>
+                <a:rPr lang="en-US" sz="1200" dirty="0" smtClean="0"/>
+              </a:br>
+              <a:r>
+                <a:rPr lang="en-US" sz="1200" dirty="0" smtClean="0"/>
+                <a:t>Develop</a:t>
+              </a:r>
+              <a:endParaRPr lang="en-US" sz="1200" dirty="0"/>
+            </a:p>
+          </p:txBody>
+        </p:sp>
+        <p:sp>
+          <p:nvSpPr>
+            <p:cNvPr id="133" name="TextBox 132"/>
+            <p:cNvSpPr txBox="1"/>
+            <p:nvPr/>
+          </p:nvSpPr>
+          <p:spPr>
+            <a:xfrm>
+              <a:off x="3789547" y="6060696"/>
+              <a:ext cx="613951" cy="184666"/>
+            </a:xfrm>
+            <a:prstGeom prst="rect">
+              <a:avLst/>
+            </a:prstGeom>
+            <a:solidFill>
+              <a:srgbClr val="FF99FF"/>
+            </a:solidFill>
+          </p:spPr>
+          <p:txBody>
+            <a:bodyPr wrap="none" lIns="0" tIns="0" rIns="0" bIns="0" rtlCol="0">
+              <a:spAutoFit/>
+            </a:bodyPr>
+            <a:lstStyle/>
+            <a:p>
+              <a:r>
+                <a:rPr lang="en-US" sz="1200" dirty="0" smtClean="0"/>
+                <a:t>Feature3</a:t>
+              </a:r>
+              <a:endParaRPr lang="en-US" sz="1200" dirty="0"/>
+            </a:p>
+          </p:txBody>
+        </p:sp>
+        <p:sp>
+          <p:nvSpPr>
+            <p:cNvPr id="6" name="Oval 5"/>
+            <p:cNvSpPr/>
+            <p:nvPr/>
+          </p:nvSpPr>
+          <p:spPr>
+            <a:xfrm flipV="1">
+              <a:off x="2502176" y="4511443"/>
+              <a:ext cx="227589" cy="219656"/>
+            </a:xfrm>
+            <a:prstGeom prst="ellipse">
+              <a:avLst/>
+            </a:prstGeom>
+            <a:solidFill>
+              <a:srgbClr val="FF0000"/>
+            </a:solidFill>
+          </p:spPr>
+          <p:style>
+            <a:lnRef idx="2">
+              <a:schemeClr val="accent1">
+                <a:shade val="50000"/>
+              </a:schemeClr>
+            </a:lnRef>
+            <a:fillRef idx="1">
+              <a:schemeClr val="accent1"/>
+            </a:fillRef>
+            <a:effectRef idx="0">
+              <a:schemeClr val="accent1"/>
+            </a:effectRef>
+            <a:fontRef idx="minor">
+              <a:schemeClr val="lt1"/>
+            </a:fontRef>
+          </p:style>
+          <p:txBody>
+            <a:bodyPr lIns="0" tIns="0" rIns="0" bIns="0" rtlCol="0" anchor="ctr"/>
+            <a:lstStyle/>
+            <a:p>
+              <a:pPr algn="ctr"/>
+              <a:endParaRPr lang="en-US" sz="1200"/>
+            </a:p>
+          </p:txBody>
+        </p:sp>
+        <p:cxnSp>
+          <p:nvCxnSpPr>
+            <p:cNvPr id="28" name="Straight Arrow Connector 27"/>
+            <p:cNvCxnSpPr>
+              <a:stCxn id="73" idx="1"/>
+              <a:endCxn id="73" idx="3"/>
+            </p:cNvCxnSpPr>
+            <p:nvPr/>
+          </p:nvCxnSpPr>
+          <p:spPr>
+            <a:xfrm>
+              <a:off x="1599427" y="4917463"/>
+              <a:ext cx="4828289" cy="0"/>
+            </a:xfrm>
+            <a:prstGeom prst="straightConnector1">
+              <a:avLst/>
+            </a:prstGeom>
+            <a:ln w="38100">
+              <a:tailEnd type="stealth" w="lg" len="lg"/>
+            </a:ln>
+          </p:spPr>
+          <p:style>
+            <a:lnRef idx="1">
+              <a:schemeClr val="accent1"/>
+            </a:lnRef>
+            <a:fillRef idx="0">
+              <a:schemeClr val="accent1"/>
+            </a:fillRef>
+            <a:effectRef idx="0">
+              <a:schemeClr val="accent1"/>
+            </a:effectRef>
+            <a:fontRef idx="minor">
+              <a:schemeClr val="tx1"/>
+            </a:fontRef>
+          </p:style>
+        </p:cxnSp>
+        <p:sp>
+          <p:nvSpPr>
+            <p:cNvPr id="33" name="Oval 32"/>
+            <p:cNvSpPr/>
+            <p:nvPr/>
+          </p:nvSpPr>
+          <p:spPr>
+            <a:xfrm flipV="1">
+              <a:off x="2942398" y="4511443"/>
+              <a:ext cx="227589" cy="219656"/>
+            </a:xfrm>
+            <a:prstGeom prst="ellipse">
+              <a:avLst/>
+            </a:prstGeom>
+            <a:solidFill>
+              <a:srgbClr val="FF0000"/>
+            </a:solidFill>
+          </p:spPr>
+          <p:style>
+            <a:lnRef idx="2">
+              <a:schemeClr val="accent1">
+                <a:shade val="50000"/>
+              </a:schemeClr>
+            </a:lnRef>
+            <a:fillRef idx="1">
+              <a:schemeClr val="accent1"/>
+            </a:fillRef>
+            <a:effectRef idx="0">
+              <a:schemeClr val="accent1"/>
+            </a:effectRef>
+            <a:fontRef idx="minor">
+              <a:schemeClr val="lt1"/>
+            </a:fontRef>
+          </p:style>
+          <p:txBody>
+            <a:bodyPr lIns="0" tIns="0" rIns="0" bIns="0" rtlCol="0" anchor="ctr"/>
+            <a:lstStyle/>
+            <a:p>
+              <a:pPr algn="ctr"/>
+              <a:endParaRPr lang="en-US" sz="1200"/>
+            </a:p>
+          </p:txBody>
+        </p:sp>
+        <p:cxnSp>
+          <p:nvCxnSpPr>
+            <p:cNvPr id="34" name="Straight Arrow Connector 33"/>
+            <p:cNvCxnSpPr>
+              <a:stCxn id="18" idx="1"/>
+              <a:endCxn id="18" idx="3"/>
+            </p:cNvCxnSpPr>
+            <p:nvPr/>
+          </p:nvCxnSpPr>
+          <p:spPr>
+            <a:xfrm>
+              <a:off x="1572511" y="4237260"/>
+              <a:ext cx="4828289" cy="0"/>
+            </a:xfrm>
+            <a:prstGeom prst="straightConnector1">
+              <a:avLst/>
+            </a:prstGeom>
+            <a:ln w="38100">
+              <a:tailEnd type="stealth" w="lg" len="lg"/>
+            </a:ln>
+          </p:spPr>
+          <p:style>
+            <a:lnRef idx="1">
+              <a:schemeClr val="accent1"/>
+            </a:lnRef>
+            <a:fillRef idx="0">
+              <a:schemeClr val="accent1"/>
+            </a:fillRef>
+            <a:effectRef idx="0">
+              <a:schemeClr val="accent1"/>
+            </a:effectRef>
+            <a:fontRef idx="minor">
+              <a:schemeClr val="tx1"/>
+            </a:fontRef>
+          </p:style>
+        </p:cxnSp>
+        <p:cxnSp>
+          <p:nvCxnSpPr>
+            <p:cNvPr id="36" name="Elbow Connector 35"/>
+            <p:cNvCxnSpPr>
+              <a:stCxn id="70" idx="2"/>
+              <a:endCxn id="6" idx="2"/>
+            </p:cNvCxnSpPr>
+            <p:nvPr/>
+          </p:nvCxnSpPr>
+          <p:spPr>
+            <a:xfrm rot="10800000">
+              <a:off x="2502176" y="4621271"/>
+              <a:ext cx="882792" cy="289378"/>
+            </a:xfrm>
+            <a:prstGeom prst="bentConnector3">
+              <a:avLst>
+                <a:gd name="adj1" fmla="val 125895"/>
+              </a:avLst>
+            </a:prstGeom>
+            <a:ln w="19050">
+              <a:tailEnd type="stealth" w="lg" len="lg"/>
+            </a:ln>
+          </p:spPr>
+          <p:style>
+            <a:lnRef idx="1">
+              <a:schemeClr val="accent1"/>
+            </a:lnRef>
+            <a:fillRef idx="0">
+              <a:schemeClr val="accent1"/>
+            </a:fillRef>
+            <a:effectRef idx="0">
+              <a:schemeClr val="accent1"/>
+            </a:effectRef>
+            <a:fontRef idx="minor">
+              <a:schemeClr val="tx1"/>
+            </a:fontRef>
+          </p:style>
+        </p:cxnSp>
+        <p:cxnSp>
+          <p:nvCxnSpPr>
+            <p:cNvPr id="38" name="Elbow Connector 37"/>
+            <p:cNvCxnSpPr>
+              <a:stCxn id="6" idx="6"/>
+              <a:endCxn id="33" idx="2"/>
+            </p:cNvCxnSpPr>
+            <p:nvPr/>
+          </p:nvCxnSpPr>
+          <p:spPr>
+            <a:xfrm>
+              <a:off x="2729765" y="4621271"/>
+              <a:ext cx="212633" cy="0"/>
+            </a:xfrm>
+            <a:prstGeom prst="straightConnector1">
+              <a:avLst/>
+            </a:prstGeom>
+            <a:ln w="19050">
+              <a:tailEnd type="stealth" w="lg" len="lg"/>
+            </a:ln>
+          </p:spPr>
+          <p:style>
+            <a:lnRef idx="1">
+              <a:schemeClr val="accent1"/>
+            </a:lnRef>
+            <a:fillRef idx="0">
+              <a:schemeClr val="accent1"/>
+            </a:fillRef>
+            <a:effectRef idx="0">
+              <a:schemeClr val="accent1"/>
+            </a:effectRef>
+            <a:fontRef idx="minor">
+              <a:schemeClr val="tx1"/>
+            </a:fontRef>
+          </p:style>
+        </p:cxnSp>
+        <p:sp>
+          <p:nvSpPr>
+            <p:cNvPr id="41" name="Oval 40"/>
+            <p:cNvSpPr/>
+            <p:nvPr/>
+          </p:nvSpPr>
+          <p:spPr>
+            <a:xfrm flipV="1">
+              <a:off x="3309237" y="4124797"/>
+              <a:ext cx="227589" cy="219656"/>
+            </a:xfrm>
+            <a:prstGeom prst="ellipse">
+              <a:avLst/>
+            </a:prstGeom>
+            <a:solidFill>
+              <a:srgbClr val="00B0F0"/>
+            </a:solidFill>
+          </p:spPr>
+          <p:style>
+            <a:lnRef idx="2">
+              <a:schemeClr val="accent1">
+                <a:shade val="50000"/>
+              </a:schemeClr>
+            </a:lnRef>
+            <a:fillRef idx="1">
+              <a:schemeClr val="accent1"/>
+            </a:fillRef>
+            <a:effectRef idx="0">
+              <a:schemeClr val="accent1"/>
+            </a:effectRef>
+            <a:fontRef idx="minor">
+              <a:schemeClr val="lt1"/>
+            </a:fontRef>
+          </p:style>
+          <p:txBody>
+            <a:bodyPr lIns="0" tIns="0" rIns="0" bIns="0" rtlCol="0" anchor="ctr"/>
+            <a:lstStyle/>
+            <a:p>
+              <a:pPr algn="ctr"/>
+              <a:endParaRPr lang="en-US" sz="1200"/>
+            </a:p>
+          </p:txBody>
+        </p:sp>
+        <p:cxnSp>
+          <p:nvCxnSpPr>
+            <p:cNvPr id="42" name="Elbow Connector 41"/>
+            <p:cNvCxnSpPr>
+              <a:stCxn id="33" idx="6"/>
+              <a:endCxn id="41" idx="0"/>
+            </p:cNvCxnSpPr>
+            <p:nvPr/>
+          </p:nvCxnSpPr>
+          <p:spPr>
+            <a:xfrm flipV="1">
+              <a:off x="3169987" y="4344453"/>
+              <a:ext cx="253045" cy="276818"/>
+            </a:xfrm>
+            <a:prstGeom prst="bentConnector2">
+              <a:avLst/>
+            </a:prstGeom>
+            <a:ln w="19050">
+              <a:tailEnd type="stealth" w="lg" len="lg"/>
+            </a:ln>
+          </p:spPr>
+          <p:style>
+            <a:lnRef idx="1">
+              <a:schemeClr val="accent1"/>
+            </a:lnRef>
+            <a:fillRef idx="0">
+              <a:schemeClr val="accent1"/>
+            </a:fillRef>
+            <a:effectRef idx="0">
+              <a:schemeClr val="accent1"/>
+            </a:effectRef>
+            <a:fontRef idx="minor">
+              <a:schemeClr val="tx1"/>
+            </a:fontRef>
+          </p:style>
+        </p:cxnSp>
+        <p:sp>
+          <p:nvSpPr>
+            <p:cNvPr id="50" name="Oval 49"/>
+            <p:cNvSpPr/>
+            <p:nvPr/>
+          </p:nvSpPr>
+          <p:spPr>
+            <a:xfrm flipV="1">
+              <a:off x="4050393" y="3798190"/>
+              <a:ext cx="227589" cy="219656"/>
+            </a:xfrm>
+            <a:prstGeom prst="ellipse">
+              <a:avLst/>
+            </a:prstGeom>
+            <a:solidFill>
+              <a:srgbClr val="FF0000"/>
+            </a:solidFill>
+          </p:spPr>
+          <p:style>
+            <a:lnRef idx="2">
+              <a:schemeClr val="accent1">
+                <a:shade val="50000"/>
+              </a:schemeClr>
+            </a:lnRef>
+            <a:fillRef idx="1">
+              <a:schemeClr val="accent1"/>
+            </a:fillRef>
+            <a:effectRef idx="0">
+              <a:schemeClr val="accent1"/>
+            </a:effectRef>
+            <a:fontRef idx="minor">
+              <a:schemeClr val="lt1"/>
+            </a:fontRef>
+          </p:style>
+          <p:txBody>
+            <a:bodyPr lIns="0" tIns="0" rIns="0" bIns="0" rtlCol="0" anchor="ctr"/>
+            <a:lstStyle/>
+            <a:p>
+              <a:pPr algn="ctr"/>
+              <a:endParaRPr lang="en-US" sz="1200"/>
+            </a:p>
+          </p:txBody>
+        </p:sp>
+        <p:cxnSp>
+          <p:nvCxnSpPr>
+            <p:cNvPr id="51" name="Elbow Connector 50"/>
+            <p:cNvCxnSpPr>
+              <a:stCxn id="41" idx="6"/>
+              <a:endCxn id="50" idx="2"/>
+            </p:cNvCxnSpPr>
+            <p:nvPr/>
+          </p:nvCxnSpPr>
+          <p:spPr>
+            <a:xfrm flipV="1">
+              <a:off x="3536826" y="3908018"/>
+              <a:ext cx="513567" cy="326607"/>
+            </a:xfrm>
+            <a:prstGeom prst="bentConnector3">
+              <a:avLst>
+                <a:gd name="adj1" fmla="val 50000"/>
+              </a:avLst>
+            </a:prstGeom>
+            <a:ln w="19050">
+              <a:tailEnd type="stealth" w="lg" len="lg"/>
+            </a:ln>
+          </p:spPr>
+          <p:style>
+            <a:lnRef idx="1">
+              <a:schemeClr val="accent1"/>
+            </a:lnRef>
+            <a:fillRef idx="0">
+              <a:schemeClr val="accent1"/>
+            </a:fillRef>
+            <a:effectRef idx="0">
+              <a:schemeClr val="accent1"/>
+            </a:effectRef>
+            <a:fontRef idx="minor">
+              <a:schemeClr val="tx1"/>
+            </a:fontRef>
+          </p:style>
+        </p:cxnSp>
+        <p:sp>
+          <p:nvSpPr>
+            <p:cNvPr id="54" name="Oval 53"/>
+            <p:cNvSpPr/>
+            <p:nvPr/>
+          </p:nvSpPr>
+          <p:spPr>
+            <a:xfrm flipV="1">
+              <a:off x="4734600" y="4115185"/>
+              <a:ext cx="227589" cy="219656"/>
+            </a:xfrm>
+            <a:prstGeom prst="ellipse">
+              <a:avLst/>
+            </a:prstGeom>
+            <a:solidFill>
+              <a:srgbClr val="00B0F0"/>
+            </a:solidFill>
+          </p:spPr>
+          <p:style>
+            <a:lnRef idx="2">
+              <a:schemeClr val="accent1">
+                <a:shade val="50000"/>
+              </a:schemeClr>
+            </a:lnRef>
+            <a:fillRef idx="1">
+              <a:schemeClr val="accent1"/>
+            </a:fillRef>
+            <a:effectRef idx="0">
+              <a:schemeClr val="accent1"/>
+            </a:effectRef>
+            <a:fontRef idx="minor">
+              <a:schemeClr val="lt1"/>
+            </a:fontRef>
+          </p:style>
+          <p:txBody>
+            <a:bodyPr lIns="0" tIns="0" rIns="0" bIns="0" rtlCol="0" anchor="ctr"/>
+            <a:lstStyle/>
+            <a:p>
+              <a:pPr algn="ctr"/>
+              <a:endParaRPr lang="en-US" sz="1200"/>
+            </a:p>
+          </p:txBody>
+        </p:sp>
+        <p:cxnSp>
+          <p:nvCxnSpPr>
+            <p:cNvPr id="55" name="Elbow Connector 54"/>
+            <p:cNvCxnSpPr>
+              <a:stCxn id="50" idx="6"/>
+              <a:endCxn id="54" idx="4"/>
+            </p:cNvCxnSpPr>
+            <p:nvPr/>
+          </p:nvCxnSpPr>
+          <p:spPr>
+            <a:xfrm>
+              <a:off x="4277982" y="3908018"/>
+              <a:ext cx="570413" cy="207167"/>
+            </a:xfrm>
+            <a:prstGeom prst="bentConnector2">
+              <a:avLst/>
+            </a:prstGeom>
+            <a:ln w="19050">
+              <a:tailEnd type="stealth" w="lg" len="lg"/>
+            </a:ln>
+          </p:spPr>
+          <p:style>
+            <a:lnRef idx="1">
+              <a:schemeClr val="accent1"/>
+            </a:lnRef>
+            <a:fillRef idx="0">
+              <a:schemeClr val="accent1"/>
+            </a:fillRef>
+            <a:effectRef idx="0">
+              <a:schemeClr val="accent1"/>
+            </a:effectRef>
+            <a:fontRef idx="minor">
+              <a:schemeClr val="tx1"/>
+            </a:fontRef>
+          </p:style>
+        </p:cxnSp>
+        <p:sp>
+          <p:nvSpPr>
+            <p:cNvPr id="60" name="Oval 59"/>
+            <p:cNvSpPr/>
+            <p:nvPr/>
+          </p:nvSpPr>
+          <p:spPr>
+            <a:xfrm flipV="1">
+              <a:off x="4734600" y="4800821"/>
+              <a:ext cx="227589" cy="219656"/>
+            </a:xfrm>
+            <a:prstGeom prst="ellipse">
+              <a:avLst/>
+            </a:prstGeom>
+            <a:solidFill>
+              <a:srgbClr val="00B0F0"/>
+            </a:solidFill>
+          </p:spPr>
+          <p:style>
+            <a:lnRef idx="2">
+              <a:schemeClr val="accent1">
+                <a:shade val="50000"/>
+              </a:schemeClr>
+            </a:lnRef>
+            <a:fillRef idx="1">
+              <a:schemeClr val="accent1"/>
+            </a:fillRef>
+            <a:effectRef idx="0">
+              <a:schemeClr val="accent1"/>
+            </a:effectRef>
+            <a:fontRef idx="minor">
+              <a:schemeClr val="lt1"/>
+            </a:fontRef>
+          </p:style>
+          <p:txBody>
+            <a:bodyPr lIns="0" tIns="0" rIns="0" bIns="0" rtlCol="0" anchor="ctr"/>
+            <a:lstStyle/>
+            <a:p>
+              <a:pPr algn="ctr"/>
+              <a:endParaRPr lang="en-US" sz="1200"/>
+            </a:p>
+          </p:txBody>
+        </p:sp>
+        <p:cxnSp>
+          <p:nvCxnSpPr>
+            <p:cNvPr id="61" name="Elbow Connector 37"/>
+            <p:cNvCxnSpPr>
+              <a:stCxn id="54" idx="0"/>
+              <a:endCxn id="60" idx="4"/>
+            </p:cNvCxnSpPr>
+            <p:nvPr/>
+          </p:nvCxnSpPr>
+          <p:spPr>
+            <a:xfrm>
+              <a:off x="4848395" y="4334841"/>
+              <a:ext cx="0" cy="465980"/>
+            </a:xfrm>
+            <a:prstGeom prst="straightConnector1">
+              <a:avLst/>
+            </a:prstGeom>
+            <a:ln w="19050">
+              <a:tailEnd type="stealth" w="lg" len="lg"/>
+            </a:ln>
+          </p:spPr>
+          <p:style>
+            <a:lnRef idx="1">
+              <a:schemeClr val="accent1"/>
+            </a:lnRef>
+            <a:fillRef idx="0">
+              <a:schemeClr val="accent1"/>
+            </a:fillRef>
+            <a:effectRef idx="0">
+              <a:schemeClr val="accent1"/>
+            </a:effectRef>
+            <a:fontRef idx="minor">
+              <a:schemeClr val="tx1"/>
+            </a:fontRef>
+          </p:style>
+        </p:cxnSp>
+        <p:sp>
+          <p:nvSpPr>
+            <p:cNvPr id="66" name="Oval 65"/>
+            <p:cNvSpPr/>
+            <p:nvPr/>
+          </p:nvSpPr>
+          <p:spPr>
+            <a:xfrm flipV="1">
+              <a:off x="3077113" y="5161866"/>
+              <a:ext cx="227589" cy="219656"/>
+            </a:xfrm>
+            <a:prstGeom prst="ellipse">
+              <a:avLst/>
+            </a:prstGeom>
+            <a:solidFill>
+              <a:srgbClr val="FF0000"/>
+            </a:solidFill>
+          </p:spPr>
+          <p:style>
+            <a:lnRef idx="2">
+              <a:schemeClr val="accent1">
+                <a:shade val="50000"/>
+              </a:schemeClr>
+            </a:lnRef>
+            <a:fillRef idx="1">
+              <a:schemeClr val="accent1"/>
+            </a:fillRef>
+            <a:effectRef idx="0">
+              <a:schemeClr val="accent1"/>
+            </a:effectRef>
+            <a:fontRef idx="minor">
+              <a:schemeClr val="lt1"/>
+            </a:fontRef>
+          </p:style>
+          <p:txBody>
+            <a:bodyPr lIns="0" tIns="0" rIns="0" bIns="0" rtlCol="0" anchor="ctr"/>
+            <a:lstStyle/>
+            <a:p>
+              <a:pPr algn="ctr"/>
+              <a:endParaRPr lang="en-US" sz="1200"/>
+            </a:p>
+          </p:txBody>
+        </p:sp>
+        <p:sp>
+          <p:nvSpPr>
+            <p:cNvPr id="67" name="Oval 66"/>
+            <p:cNvSpPr/>
+            <p:nvPr/>
+          </p:nvSpPr>
+          <p:spPr>
+            <a:xfrm flipV="1">
+              <a:off x="3612339" y="5161866"/>
+              <a:ext cx="227589" cy="219656"/>
+            </a:xfrm>
+            <a:prstGeom prst="ellipse">
+              <a:avLst/>
+            </a:prstGeom>
+            <a:solidFill>
+              <a:srgbClr val="FF0000"/>
+            </a:solidFill>
+          </p:spPr>
+          <p:style>
+            <a:lnRef idx="2">
+              <a:schemeClr val="accent1">
+                <a:shade val="50000"/>
+              </a:schemeClr>
+            </a:lnRef>
+            <a:fillRef idx="1">
+              <a:schemeClr val="accent1"/>
+            </a:fillRef>
+            <a:effectRef idx="0">
+              <a:schemeClr val="accent1"/>
+            </a:effectRef>
+            <a:fontRef idx="minor">
+              <a:schemeClr val="lt1"/>
+            </a:fontRef>
+          </p:style>
+          <p:txBody>
+            <a:bodyPr lIns="0" tIns="0" rIns="0" bIns="0" rtlCol="0" anchor="ctr"/>
+            <a:lstStyle/>
+            <a:p>
+              <a:pPr algn="ctr"/>
+              <a:endParaRPr lang="en-US" sz="1200"/>
+            </a:p>
+          </p:txBody>
+        </p:sp>
+        <p:sp>
+          <p:nvSpPr>
+            <p:cNvPr id="68" name="Oval 67"/>
+            <p:cNvSpPr/>
+            <p:nvPr/>
+          </p:nvSpPr>
+          <p:spPr>
+            <a:xfrm flipV="1">
+              <a:off x="2076180" y="5374615"/>
+              <a:ext cx="227589" cy="219656"/>
+            </a:xfrm>
+            <a:prstGeom prst="ellipse">
+              <a:avLst/>
+            </a:prstGeom>
+            <a:solidFill>
+              <a:srgbClr val="FF0000"/>
+            </a:solidFill>
+          </p:spPr>
+          <p:style>
+            <a:lnRef idx="2">
+              <a:schemeClr val="accent1">
+                <a:shade val="50000"/>
+              </a:schemeClr>
+            </a:lnRef>
+            <a:fillRef idx="1">
+              <a:schemeClr val="accent1"/>
+            </a:fillRef>
+            <a:effectRef idx="0">
+              <a:schemeClr val="accent1"/>
+            </a:effectRef>
+            <a:fontRef idx="minor">
+              <a:schemeClr val="lt1"/>
+            </a:fontRef>
+          </p:style>
+          <p:txBody>
+            <a:bodyPr lIns="0" tIns="0" rIns="0" bIns="0" rtlCol="0" anchor="ctr"/>
+            <a:lstStyle/>
+            <a:p>
+              <a:pPr algn="ctr"/>
+              <a:endParaRPr lang="en-US" sz="1200"/>
+            </a:p>
+          </p:txBody>
+        </p:sp>
+        <p:sp>
+          <p:nvSpPr>
+            <p:cNvPr id="70" name="Oval 69"/>
+            <p:cNvSpPr/>
+            <p:nvPr/>
+          </p:nvSpPr>
+          <p:spPr>
+            <a:xfrm flipV="1">
+              <a:off x="3384968" y="4800821"/>
+              <a:ext cx="227589" cy="219656"/>
+            </a:xfrm>
+            <a:prstGeom prst="ellipse">
+              <a:avLst/>
+            </a:prstGeom>
+            <a:solidFill>
+              <a:srgbClr val="00B0F0"/>
+            </a:solidFill>
+          </p:spPr>
+          <p:style>
+            <a:lnRef idx="2">
+              <a:schemeClr val="accent1">
+                <a:shade val="50000"/>
+              </a:schemeClr>
+            </a:lnRef>
+            <a:fillRef idx="1">
+              <a:schemeClr val="accent1"/>
+            </a:fillRef>
+            <a:effectRef idx="0">
+              <a:schemeClr val="accent1"/>
+            </a:effectRef>
+            <a:fontRef idx="minor">
+              <a:schemeClr val="lt1"/>
+            </a:fontRef>
+          </p:style>
+          <p:txBody>
+            <a:bodyPr lIns="0" tIns="0" rIns="0" bIns="0" rtlCol="0" anchor="ctr"/>
+            <a:lstStyle/>
+            <a:p>
+              <a:pPr algn="ctr"/>
+              <a:endParaRPr lang="en-US" sz="1200"/>
+            </a:p>
+          </p:txBody>
+        </p:sp>
+        <p:sp>
+          <p:nvSpPr>
+            <p:cNvPr id="71" name="Oval 70"/>
+            <p:cNvSpPr/>
+            <p:nvPr/>
+          </p:nvSpPr>
+          <p:spPr>
+            <a:xfrm flipV="1">
+              <a:off x="4046649" y="4799293"/>
+              <a:ext cx="227589" cy="219656"/>
+            </a:xfrm>
+            <a:prstGeom prst="ellipse">
+              <a:avLst/>
+            </a:prstGeom>
+            <a:solidFill>
+              <a:srgbClr val="00B0F0"/>
+            </a:solidFill>
+          </p:spPr>
+          <p:style>
+            <a:lnRef idx="2">
+              <a:schemeClr val="accent1">
+                <a:shade val="50000"/>
+              </a:schemeClr>
+            </a:lnRef>
+            <a:fillRef idx="1">
+              <a:schemeClr val="accent1"/>
+            </a:fillRef>
+            <a:effectRef idx="0">
+              <a:schemeClr val="accent1"/>
+            </a:effectRef>
+            <a:fontRef idx="minor">
+              <a:schemeClr val="lt1"/>
+            </a:fontRef>
+          </p:style>
+          <p:txBody>
+            <a:bodyPr lIns="0" tIns="0" rIns="0" bIns="0" rtlCol="0" anchor="ctr"/>
+            <a:lstStyle/>
+            <a:p>
+              <a:pPr algn="ctr"/>
+              <a:endParaRPr lang="en-US" sz="1200"/>
+            </a:p>
+          </p:txBody>
+        </p:sp>
+        <p:cxnSp>
+          <p:nvCxnSpPr>
+            <p:cNvPr id="72" name="Elbow Connector 71"/>
+            <p:cNvCxnSpPr>
+              <a:stCxn id="70" idx="2"/>
+              <a:endCxn id="68" idx="2"/>
+            </p:cNvCxnSpPr>
+            <p:nvPr/>
+          </p:nvCxnSpPr>
+          <p:spPr>
+            <a:xfrm rot="10800000" flipV="1">
+              <a:off x="2076180" y="4910649"/>
+              <a:ext cx="1308788" cy="573794"/>
+            </a:xfrm>
+            <a:prstGeom prst="bentConnector3">
+              <a:avLst>
+                <a:gd name="adj1" fmla="val 117467"/>
+              </a:avLst>
+            </a:prstGeom>
+            <a:ln w="19050">
+              <a:tailEnd type="stealth" w="lg" len="lg"/>
+            </a:ln>
+          </p:spPr>
+          <p:style>
+            <a:lnRef idx="1">
+              <a:schemeClr val="accent1"/>
+            </a:lnRef>
+            <a:fillRef idx="0">
+              <a:schemeClr val="accent1"/>
+            </a:fillRef>
+            <a:effectRef idx="0">
+              <a:schemeClr val="accent1"/>
+            </a:effectRef>
+            <a:fontRef idx="minor">
+              <a:schemeClr val="tx1"/>
+            </a:fontRef>
+          </p:style>
+        </p:cxnSp>
+        <p:cxnSp>
+          <p:nvCxnSpPr>
+            <p:cNvPr id="81" name="Elbow Connector 80"/>
+            <p:cNvCxnSpPr>
+              <a:stCxn id="68" idx="6"/>
+              <a:endCxn id="70" idx="0"/>
+            </p:cNvCxnSpPr>
+            <p:nvPr/>
+          </p:nvCxnSpPr>
+          <p:spPr>
+            <a:xfrm flipV="1">
+              <a:off x="2303769" y="5020477"/>
+              <a:ext cx="1194994" cy="463966"/>
+            </a:xfrm>
+            <a:prstGeom prst="bentConnector2">
+              <a:avLst/>
+            </a:prstGeom>
+            <a:ln w="19050">
+              <a:tailEnd type="stealth" w="lg" len="lg"/>
+            </a:ln>
+          </p:spPr>
+          <p:style>
+            <a:lnRef idx="1">
+              <a:schemeClr val="accent1"/>
+            </a:lnRef>
+            <a:fillRef idx="0">
+              <a:schemeClr val="accent1"/>
+            </a:fillRef>
+            <a:effectRef idx="0">
+              <a:schemeClr val="accent1"/>
+            </a:effectRef>
+            <a:fontRef idx="minor">
+              <a:schemeClr val="tx1"/>
+            </a:fontRef>
+          </p:style>
+        </p:cxnSp>
+        <p:cxnSp>
+          <p:nvCxnSpPr>
+            <p:cNvPr id="86" name="Elbow Connector 85"/>
+            <p:cNvCxnSpPr>
+              <a:stCxn id="70" idx="2"/>
+              <a:endCxn id="66" idx="2"/>
+            </p:cNvCxnSpPr>
+            <p:nvPr/>
+          </p:nvCxnSpPr>
+          <p:spPr>
+            <a:xfrm rot="10800000" flipV="1">
+              <a:off x="3077114" y="4910648"/>
+              <a:ext cx="307855" cy="361045"/>
+            </a:xfrm>
+            <a:prstGeom prst="bentConnector3">
+              <a:avLst>
+                <a:gd name="adj1" fmla="val 174256"/>
+              </a:avLst>
+            </a:prstGeom>
+            <a:ln w="19050">
+              <a:tailEnd type="stealth" w="lg" len="lg"/>
+            </a:ln>
+          </p:spPr>
+          <p:style>
+            <a:lnRef idx="1">
+              <a:schemeClr val="accent1"/>
+            </a:lnRef>
+            <a:fillRef idx="0">
+              <a:schemeClr val="accent1"/>
+            </a:fillRef>
+            <a:effectRef idx="0">
+              <a:schemeClr val="accent1"/>
+            </a:effectRef>
+            <a:fontRef idx="minor">
+              <a:schemeClr val="tx1"/>
+            </a:fontRef>
+          </p:style>
+        </p:cxnSp>
+        <p:cxnSp>
+          <p:nvCxnSpPr>
+            <p:cNvPr id="91" name="Elbow Connector 90"/>
+            <p:cNvCxnSpPr>
+              <a:stCxn id="66" idx="6"/>
+              <a:endCxn id="67" idx="2"/>
+            </p:cNvCxnSpPr>
+            <p:nvPr/>
+          </p:nvCxnSpPr>
+          <p:spPr>
+            <a:xfrm>
+              <a:off x="3304702" y="5271694"/>
+              <a:ext cx="307637" cy="0"/>
+            </a:xfrm>
+            <a:prstGeom prst="straightConnector1">
+              <a:avLst/>
+            </a:prstGeom>
+            <a:ln w="19050">
+              <a:tailEnd type="stealth" w="lg" len="lg"/>
+            </a:ln>
+          </p:spPr>
+          <p:style>
+            <a:lnRef idx="1">
+              <a:schemeClr val="accent1"/>
+            </a:lnRef>
+            <a:fillRef idx="0">
+              <a:schemeClr val="accent1"/>
+            </a:fillRef>
+            <a:effectRef idx="0">
+              <a:schemeClr val="accent1"/>
+            </a:effectRef>
+            <a:fontRef idx="minor">
+              <a:schemeClr val="tx1"/>
+            </a:fontRef>
+          </p:style>
+        </p:cxnSp>
+        <p:cxnSp>
+          <p:nvCxnSpPr>
+            <p:cNvPr id="94" name="Elbow Connector 93"/>
+            <p:cNvCxnSpPr>
+              <a:stCxn id="67" idx="6"/>
+              <a:endCxn id="71" idx="0"/>
+            </p:cNvCxnSpPr>
+            <p:nvPr/>
+          </p:nvCxnSpPr>
+          <p:spPr>
+            <a:xfrm flipV="1">
+              <a:off x="3839928" y="5018949"/>
+              <a:ext cx="320516" cy="252745"/>
+            </a:xfrm>
+            <a:prstGeom prst="bentConnector2">
+              <a:avLst/>
+            </a:prstGeom>
+            <a:ln w="19050">
+              <a:tailEnd type="stealth" w="lg" len="lg"/>
+            </a:ln>
+          </p:spPr>
+          <p:style>
+            <a:lnRef idx="1">
+              <a:schemeClr val="accent1"/>
+            </a:lnRef>
+            <a:fillRef idx="0">
+              <a:schemeClr val="accent1"/>
+            </a:fillRef>
+            <a:effectRef idx="0">
+              <a:schemeClr val="accent1"/>
+            </a:effectRef>
+            <a:fontRef idx="minor">
+              <a:schemeClr val="tx1"/>
+            </a:fontRef>
+          </p:style>
+        </p:cxnSp>
+        <p:sp>
+          <p:nvSpPr>
+            <p:cNvPr id="101" name="Oval 100"/>
+            <p:cNvSpPr/>
+            <p:nvPr/>
+          </p:nvSpPr>
+          <p:spPr>
+            <a:xfrm flipV="1">
+              <a:off x="5476653" y="4501981"/>
+              <a:ext cx="227589" cy="219656"/>
+            </a:xfrm>
+            <a:prstGeom prst="ellipse">
+              <a:avLst/>
+            </a:prstGeom>
+            <a:solidFill>
+              <a:srgbClr val="FF0000"/>
+            </a:solidFill>
+          </p:spPr>
+          <p:style>
+            <a:lnRef idx="2">
+              <a:schemeClr val="accent1">
+                <a:shade val="50000"/>
+              </a:schemeClr>
+            </a:lnRef>
+            <a:fillRef idx="1">
+              <a:schemeClr val="accent1"/>
+            </a:fillRef>
+            <a:effectRef idx="0">
+              <a:schemeClr val="accent1"/>
+            </a:effectRef>
+            <a:fontRef idx="minor">
+              <a:schemeClr val="lt1"/>
+            </a:fontRef>
+          </p:style>
+          <p:txBody>
+            <a:bodyPr lIns="0" tIns="0" rIns="0" bIns="0" rtlCol="0" anchor="ctr"/>
+            <a:lstStyle/>
+            <a:p>
+              <a:pPr algn="ctr"/>
+              <a:endParaRPr lang="en-US" sz="1200"/>
+            </a:p>
+          </p:txBody>
+        </p:sp>
+        <p:cxnSp>
+          <p:nvCxnSpPr>
+            <p:cNvPr id="102" name="Elbow Connector 101"/>
+            <p:cNvCxnSpPr>
+              <a:stCxn id="60" idx="6"/>
+              <a:endCxn id="101" idx="2"/>
+            </p:cNvCxnSpPr>
+            <p:nvPr/>
+          </p:nvCxnSpPr>
+          <p:spPr>
+            <a:xfrm flipV="1">
+              <a:off x="4962189" y="4611809"/>
+              <a:ext cx="514464" cy="298840"/>
+            </a:xfrm>
+            <a:prstGeom prst="bentConnector3">
+              <a:avLst>
+                <a:gd name="adj1" fmla="val 50000"/>
+              </a:avLst>
+            </a:prstGeom>
+            <a:ln w="19050">
+              <a:tailEnd type="stealth" w="lg" len="lg"/>
+            </a:ln>
+          </p:spPr>
+          <p:style>
+            <a:lnRef idx="1">
+              <a:schemeClr val="accent1"/>
+            </a:lnRef>
+            <a:fillRef idx="0">
+              <a:schemeClr val="accent1"/>
+            </a:fillRef>
+            <a:effectRef idx="0">
+              <a:schemeClr val="accent1"/>
+            </a:effectRef>
+            <a:fontRef idx="minor">
+              <a:schemeClr val="tx1"/>
+            </a:fontRef>
+          </p:style>
+        </p:cxnSp>
+        <p:cxnSp>
+          <p:nvCxnSpPr>
+            <p:cNvPr id="103" name="Elbow Connector 102"/>
+            <p:cNvCxnSpPr>
+              <a:stCxn id="101" idx="6"/>
+              <a:endCxn id="106" idx="0"/>
+            </p:cNvCxnSpPr>
+            <p:nvPr/>
+          </p:nvCxnSpPr>
+          <p:spPr>
+            <a:xfrm flipV="1">
+              <a:off x="5704242" y="4334841"/>
+              <a:ext cx="303323" cy="276968"/>
+            </a:xfrm>
+            <a:prstGeom prst="bentConnector2">
+              <a:avLst/>
+            </a:prstGeom>
+            <a:ln w="19050">
+              <a:tailEnd type="stealth" w="lg" len="lg"/>
+            </a:ln>
+          </p:spPr>
+          <p:style>
+            <a:lnRef idx="1">
+              <a:schemeClr val="accent1"/>
+            </a:lnRef>
+            <a:fillRef idx="0">
+              <a:schemeClr val="accent1"/>
+            </a:fillRef>
+            <a:effectRef idx="0">
+              <a:schemeClr val="accent1"/>
+            </a:effectRef>
+            <a:fontRef idx="minor">
+              <a:schemeClr val="tx1"/>
+            </a:fontRef>
+          </p:style>
+        </p:cxnSp>
+        <p:sp>
+          <p:nvSpPr>
+            <p:cNvPr id="106" name="Oval 105"/>
+            <p:cNvSpPr/>
+            <p:nvPr/>
+          </p:nvSpPr>
+          <p:spPr>
+            <a:xfrm flipV="1">
+              <a:off x="5893770" y="4115185"/>
+              <a:ext cx="227589" cy="219656"/>
+            </a:xfrm>
+            <a:prstGeom prst="ellipse">
+              <a:avLst/>
+            </a:prstGeom>
+            <a:solidFill>
+              <a:srgbClr val="00B0F0"/>
+            </a:solidFill>
+          </p:spPr>
+          <p:style>
+            <a:lnRef idx="2">
+              <a:schemeClr val="accent1">
+                <a:shade val="50000"/>
+              </a:schemeClr>
+            </a:lnRef>
+            <a:fillRef idx="1">
+              <a:schemeClr val="accent1"/>
+            </a:fillRef>
+            <a:effectRef idx="0">
+              <a:schemeClr val="accent1"/>
+            </a:effectRef>
+            <a:fontRef idx="minor">
+              <a:schemeClr val="lt1"/>
+            </a:fontRef>
+          </p:style>
+          <p:txBody>
+            <a:bodyPr lIns="0" tIns="0" rIns="0" bIns="0" rtlCol="0" anchor="ctr"/>
+            <a:lstStyle/>
+            <a:p>
+              <a:pPr algn="ctr"/>
+              <a:endParaRPr lang="en-US" sz="1200"/>
+            </a:p>
+          </p:txBody>
+        </p:sp>
+        <p:cxnSp>
+          <p:nvCxnSpPr>
+            <p:cNvPr id="117" name="Straight Arrow Connector 116"/>
+            <p:cNvCxnSpPr>
+              <a:stCxn id="74" idx="1"/>
+              <a:endCxn id="74" idx="3"/>
+            </p:cNvCxnSpPr>
+            <p:nvPr/>
+          </p:nvCxnSpPr>
+          <p:spPr>
+            <a:xfrm>
+              <a:off x="1546547" y="5836855"/>
+              <a:ext cx="4828289" cy="0"/>
+            </a:xfrm>
+            <a:prstGeom prst="straightConnector1">
+              <a:avLst/>
+            </a:prstGeom>
+            <a:ln w="38100">
+              <a:tailEnd type="stealth" w="lg" len="lg"/>
+            </a:ln>
+          </p:spPr>
+          <p:style>
+            <a:lnRef idx="1">
+              <a:schemeClr val="accent1"/>
+            </a:lnRef>
+            <a:fillRef idx="0">
+              <a:schemeClr val="accent1"/>
+            </a:fillRef>
+            <a:effectRef idx="0">
+              <a:schemeClr val="accent1"/>
+            </a:effectRef>
+            <a:fontRef idx="minor">
+              <a:schemeClr val="tx1"/>
+            </a:fontRef>
+          </p:style>
+        </p:cxnSp>
+        <p:sp>
+          <p:nvSpPr>
+            <p:cNvPr id="120" name="Oval 119"/>
+            <p:cNvSpPr/>
+            <p:nvPr/>
+          </p:nvSpPr>
+          <p:spPr>
+            <a:xfrm flipV="1">
+              <a:off x="5406027" y="5712572"/>
+              <a:ext cx="227589" cy="219656"/>
+            </a:xfrm>
+            <a:prstGeom prst="ellipse">
+              <a:avLst/>
+            </a:prstGeom>
+            <a:solidFill>
+              <a:srgbClr val="00B0F0"/>
+            </a:solidFill>
+          </p:spPr>
+          <p:style>
+            <a:lnRef idx="2">
+              <a:schemeClr val="accent1">
+                <a:shade val="50000"/>
+              </a:schemeClr>
+            </a:lnRef>
+            <a:fillRef idx="1">
+              <a:schemeClr val="accent1"/>
+            </a:fillRef>
+            <a:effectRef idx="0">
+              <a:schemeClr val="accent1"/>
+            </a:effectRef>
+            <a:fontRef idx="minor">
+              <a:schemeClr val="lt1"/>
+            </a:fontRef>
+          </p:style>
+          <p:txBody>
+            <a:bodyPr lIns="0" tIns="0" rIns="0" bIns="0" rtlCol="0" anchor="ctr"/>
+            <a:lstStyle/>
+            <a:p>
+              <a:pPr algn="ctr"/>
+              <a:endParaRPr lang="en-US" sz="1200"/>
+            </a:p>
+          </p:txBody>
+        </p:sp>
+        <p:cxnSp>
+          <p:nvCxnSpPr>
+            <p:cNvPr id="121" name="Elbow Connector 120"/>
+            <p:cNvCxnSpPr>
+              <a:stCxn id="120" idx="2"/>
+              <a:endCxn id="122" idx="2"/>
+            </p:cNvCxnSpPr>
+            <p:nvPr/>
+          </p:nvCxnSpPr>
+          <p:spPr>
+            <a:xfrm rot="10800000" flipV="1">
+              <a:off x="4838621" y="5822400"/>
+              <a:ext cx="567406" cy="264334"/>
+            </a:xfrm>
+            <a:prstGeom prst="bentConnector3">
+              <a:avLst>
+                <a:gd name="adj1" fmla="val 181338"/>
+              </a:avLst>
+            </a:prstGeom>
+            <a:ln w="19050">
+              <a:tailEnd type="stealth" w="lg" len="lg"/>
+            </a:ln>
+          </p:spPr>
+          <p:style>
+            <a:lnRef idx="1">
+              <a:schemeClr val="accent1"/>
+            </a:lnRef>
+            <a:fillRef idx="0">
+              <a:schemeClr val="accent1"/>
+            </a:fillRef>
+            <a:effectRef idx="0">
+              <a:schemeClr val="accent1"/>
+            </a:effectRef>
+            <a:fontRef idx="minor">
+              <a:schemeClr val="tx1"/>
+            </a:fontRef>
+          </p:style>
+        </p:cxnSp>
+        <p:sp>
+          <p:nvSpPr>
+            <p:cNvPr id="122" name="Oval 121"/>
+            <p:cNvSpPr/>
+            <p:nvPr/>
+          </p:nvSpPr>
+          <p:spPr>
+            <a:xfrm flipV="1">
+              <a:off x="4838621" y="5976906"/>
+              <a:ext cx="227589" cy="219656"/>
+            </a:xfrm>
+            <a:prstGeom prst="ellipse">
+              <a:avLst/>
+            </a:prstGeom>
+            <a:solidFill>
+              <a:srgbClr val="FF0000"/>
+            </a:solidFill>
+          </p:spPr>
+          <p:style>
+            <a:lnRef idx="2">
+              <a:schemeClr val="accent1">
+                <a:shade val="50000"/>
+              </a:schemeClr>
+            </a:lnRef>
+            <a:fillRef idx="1">
+              <a:schemeClr val="accent1"/>
+            </a:fillRef>
+            <a:effectRef idx="0">
+              <a:schemeClr val="accent1"/>
+            </a:effectRef>
+            <a:fontRef idx="minor">
+              <a:schemeClr val="lt1"/>
+            </a:fontRef>
+          </p:style>
+          <p:txBody>
+            <a:bodyPr lIns="0" tIns="0" rIns="0" bIns="0" rtlCol="0" anchor="ctr"/>
+            <a:lstStyle/>
+            <a:p>
+              <a:pPr algn="ctr"/>
+              <a:endParaRPr lang="en-US" sz="1200"/>
+            </a:p>
+          </p:txBody>
+        </p:sp>
+        <p:cxnSp>
+          <p:nvCxnSpPr>
+            <p:cNvPr id="125" name="Elbow Connector 124"/>
+            <p:cNvCxnSpPr>
+              <a:stCxn id="122" idx="6"/>
+              <a:endCxn id="120" idx="0"/>
+            </p:cNvCxnSpPr>
+            <p:nvPr/>
+          </p:nvCxnSpPr>
+          <p:spPr>
+            <a:xfrm flipV="1">
+              <a:off x="5066210" y="5932228"/>
+              <a:ext cx="453612" cy="154506"/>
+            </a:xfrm>
+            <a:prstGeom prst="bentConnector2">
+              <a:avLst/>
+            </a:prstGeom>
+            <a:ln w="19050">
+              <a:tailEnd type="stealth" w="lg" len="lg"/>
+            </a:ln>
+          </p:spPr>
+          <p:style>
+            <a:lnRef idx="1">
+              <a:schemeClr val="accent1"/>
+            </a:lnRef>
+            <a:fillRef idx="0">
+              <a:schemeClr val="accent1"/>
+            </a:fillRef>
+            <a:effectRef idx="0">
+              <a:schemeClr val="accent1"/>
+            </a:effectRef>
+            <a:fontRef idx="minor">
+              <a:schemeClr val="tx1"/>
+            </a:fontRef>
+          </p:style>
+        </p:cxnSp>
+        <p:sp>
+          <p:nvSpPr>
+            <p:cNvPr id="128" name="Oval 127"/>
+            <p:cNvSpPr/>
+            <p:nvPr/>
+          </p:nvSpPr>
+          <p:spPr>
+            <a:xfrm flipV="1">
+              <a:off x="5406027" y="4794189"/>
+              <a:ext cx="227589" cy="219656"/>
+            </a:xfrm>
+            <a:prstGeom prst="ellipse">
+              <a:avLst/>
+            </a:prstGeom>
+            <a:solidFill>
+              <a:srgbClr val="00B0F0"/>
+            </a:solidFill>
+          </p:spPr>
+          <p:style>
+            <a:lnRef idx="2">
+              <a:schemeClr val="accent1">
+                <a:shade val="50000"/>
+              </a:schemeClr>
+            </a:lnRef>
+            <a:fillRef idx="1">
+              <a:schemeClr val="accent1"/>
+            </a:fillRef>
+            <a:effectRef idx="0">
+              <a:schemeClr val="accent1"/>
+            </a:effectRef>
+            <a:fontRef idx="minor">
+              <a:schemeClr val="lt1"/>
+            </a:fontRef>
+          </p:style>
+          <p:txBody>
+            <a:bodyPr lIns="0" tIns="0" rIns="0" bIns="0" rtlCol="0" anchor="ctr"/>
+            <a:lstStyle/>
+            <a:p>
+              <a:pPr algn="ctr"/>
+              <a:endParaRPr lang="en-US" sz="1200"/>
+            </a:p>
+          </p:txBody>
+        </p:sp>
+        <p:cxnSp>
+          <p:nvCxnSpPr>
+            <p:cNvPr id="129" name="Elbow Connector 128"/>
+            <p:cNvCxnSpPr>
+              <a:stCxn id="120" idx="4"/>
+              <a:endCxn id="128" idx="0"/>
+            </p:cNvCxnSpPr>
+            <p:nvPr/>
+          </p:nvCxnSpPr>
+          <p:spPr>
+            <a:xfrm flipV="1">
+              <a:off x="5519822" y="5013845"/>
+              <a:ext cx="0" cy="698727"/>
+            </a:xfrm>
+            <a:prstGeom prst="straightConnector1">
+              <a:avLst/>
+            </a:prstGeom>
+            <a:ln w="19050">
+              <a:tailEnd type="stealth" w="lg" len="lg"/>
+            </a:ln>
+          </p:spPr>
+          <p:style>
+            <a:lnRef idx="1">
+              <a:schemeClr val="accent1"/>
+            </a:lnRef>
+            <a:fillRef idx="0">
+              <a:schemeClr val="accent1"/>
+            </a:fillRef>
+            <a:effectRef idx="0">
+              <a:schemeClr val="accent1"/>
+            </a:effectRef>
+            <a:fontRef idx="minor">
+              <a:schemeClr val="tx1"/>
+            </a:fontRef>
+          </p:style>
+        </p:cxnSp>
+        <p:sp>
+          <p:nvSpPr>
+            <p:cNvPr id="140" name="Oval 139"/>
+            <p:cNvSpPr/>
+            <p:nvPr/>
+          </p:nvSpPr>
+          <p:spPr>
+            <a:xfrm flipV="1">
+              <a:off x="4105477" y="5712572"/>
+              <a:ext cx="227589" cy="219656"/>
+            </a:xfrm>
+            <a:prstGeom prst="ellipse">
+              <a:avLst/>
+            </a:prstGeom>
+            <a:solidFill>
+              <a:srgbClr val="00B0F0"/>
+            </a:solidFill>
+          </p:spPr>
+          <p:style>
+            <a:lnRef idx="2">
+              <a:schemeClr val="accent1">
+                <a:shade val="50000"/>
+              </a:schemeClr>
+            </a:lnRef>
+            <a:fillRef idx="1">
+              <a:schemeClr val="accent1"/>
+            </a:fillRef>
+            <a:effectRef idx="0">
+              <a:schemeClr val="accent1"/>
+            </a:effectRef>
+            <a:fontRef idx="minor">
+              <a:schemeClr val="lt1"/>
+            </a:fontRef>
+          </p:style>
+          <p:txBody>
+            <a:bodyPr lIns="0" tIns="0" rIns="0" bIns="0" rtlCol="0" anchor="ctr"/>
+            <a:lstStyle/>
+            <a:p>
+              <a:pPr algn="ctr"/>
+              <a:endParaRPr lang="en-US" sz="1200"/>
+            </a:p>
+          </p:txBody>
+        </p:sp>
+        <p:cxnSp>
+          <p:nvCxnSpPr>
+            <p:cNvPr id="145" name="Elbow Connector 144"/>
+            <p:cNvCxnSpPr>
+              <a:stCxn id="71" idx="6"/>
+              <a:endCxn id="140" idx="4"/>
+            </p:cNvCxnSpPr>
+            <p:nvPr/>
+          </p:nvCxnSpPr>
+          <p:spPr>
+            <a:xfrm flipH="1">
+              <a:off x="4219272" y="4909121"/>
+              <a:ext cx="54966" cy="803451"/>
+            </a:xfrm>
+            <a:prstGeom prst="bentConnector4">
+              <a:avLst>
+                <a:gd name="adj1" fmla="val -415893"/>
+                <a:gd name="adj2" fmla="val 56835"/>
+              </a:avLst>
+            </a:prstGeom>
+            <a:ln w="19050">
+              <a:tailEnd type="stealth" w="lg" len="lg"/>
+            </a:ln>
+          </p:spPr>
+          <p:style>
+            <a:lnRef idx="1">
+              <a:schemeClr val="accent1"/>
+            </a:lnRef>
+            <a:fillRef idx="0">
+              <a:schemeClr val="accent1"/>
+            </a:fillRef>
+            <a:effectRef idx="0">
+              <a:schemeClr val="accent1"/>
+            </a:effectRef>
+            <a:fontRef idx="minor">
+              <a:schemeClr val="tx1"/>
+            </a:fontRef>
+          </p:style>
+        </p:cxnSp>
+        <p:sp>
+          <p:nvSpPr>
+            <p:cNvPr id="148" name="Oval 147"/>
+            <p:cNvSpPr/>
+            <p:nvPr/>
+          </p:nvSpPr>
+          <p:spPr>
+            <a:xfrm flipV="1">
+              <a:off x="3842340" y="5712572"/>
+              <a:ext cx="227589" cy="219656"/>
+            </a:xfrm>
+            <a:prstGeom prst="ellipse">
+              <a:avLst/>
+            </a:prstGeom>
+            <a:solidFill>
+              <a:srgbClr val="00B0F0"/>
+            </a:solidFill>
+          </p:spPr>
+          <p:style>
+            <a:lnRef idx="2">
+              <a:schemeClr val="accent1">
+                <a:shade val="50000"/>
+              </a:schemeClr>
+            </a:lnRef>
+            <a:fillRef idx="1">
+              <a:schemeClr val="accent1"/>
+            </a:fillRef>
+            <a:effectRef idx="0">
+              <a:schemeClr val="accent1"/>
+            </a:effectRef>
+            <a:fontRef idx="minor">
+              <a:schemeClr val="lt1"/>
+            </a:fontRef>
+          </p:style>
+          <p:txBody>
+            <a:bodyPr lIns="0" tIns="0" rIns="0" bIns="0" rtlCol="0" anchor="ctr"/>
+            <a:lstStyle/>
+            <a:p>
+              <a:pPr algn="ctr"/>
+              <a:endParaRPr lang="en-US" sz="1200"/>
+            </a:p>
+          </p:txBody>
+        </p:sp>
+        <p:cxnSp>
+          <p:nvCxnSpPr>
+            <p:cNvPr id="149" name="Elbow Connector 148"/>
+            <p:cNvCxnSpPr>
+              <a:stCxn id="70" idx="6"/>
+              <a:endCxn id="148" idx="4"/>
+            </p:cNvCxnSpPr>
+            <p:nvPr/>
+          </p:nvCxnSpPr>
+          <p:spPr>
+            <a:xfrm>
+              <a:off x="3612557" y="4910649"/>
+              <a:ext cx="343578" cy="801923"/>
+            </a:xfrm>
+            <a:prstGeom prst="bentConnector2">
+              <a:avLst/>
+            </a:prstGeom>
+            <a:ln w="19050">
+              <a:tailEnd type="stealth" w="lg" len="lg"/>
+            </a:ln>
+          </p:spPr>
+          <p:style>
+            <a:lnRef idx="1">
+              <a:schemeClr val="accent1"/>
+            </a:lnRef>
+            <a:fillRef idx="0">
+              <a:schemeClr val="accent1"/>
+            </a:fillRef>
+            <a:effectRef idx="0">
+              <a:schemeClr val="accent1"/>
+            </a:effectRef>
+            <a:fontRef idx="minor">
+              <a:schemeClr val="tx1"/>
+            </a:fontRef>
+          </p:style>
+        </p:cxnSp>
+      </p:grpSp>
+      <p:sp>
+        <p:nvSpPr>
+          <p:cNvPr id="29" name="TextBox 28"/>
+          <p:cNvSpPr txBox="1"/>
+          <p:nvPr/>
+        </p:nvSpPr>
+        <p:spPr>
+          <a:xfrm>
+            <a:off x="5502543" y="3604042"/>
+            <a:ext cx="3889669" cy="3308598"/>
+          </a:xfrm>
+          <a:prstGeom prst="rect">
+            <a:avLst/>
+          </a:prstGeom>
+          <a:noFill/>
+        </p:spPr>
+        <p:txBody>
+          <a:bodyPr wrap="square" rtlCol="0">
+            <a:spAutoFit/>
+          </a:bodyPr>
+          <a:lstStyle/>
+          <a:p>
+            <a:r>
+              <a:rPr lang="en-US" sz="1100" b="1" dirty="0" smtClean="0"/>
+              <a:t>To Develop Releasable Feature</a:t>
+            </a:r>
+          </a:p>
+          <a:p>
+            <a:pPr marL="171450" indent="-171450">
+              <a:buFont typeface="Arial" panose="020B0604020202020204" pitchFamily="34" charset="0"/>
+              <a:buChar char="•"/>
+            </a:pPr>
+            <a:r>
+              <a:rPr lang="en-US" sz="1100" dirty="0" smtClean="0"/>
+              <a:t>Branch off of Develop, Name is anything</a:t>
+            </a:r>
+          </a:p>
+          <a:p>
+            <a:pPr marL="171450" indent="-171450">
+              <a:buFont typeface="Arial" panose="020B0604020202020204" pitchFamily="34" charset="0"/>
+              <a:buChar char="•"/>
+            </a:pPr>
+            <a:r>
+              <a:rPr lang="en-US" sz="1100" dirty="0" smtClean="0"/>
+              <a:t>Merge back to Develop</a:t>
+            </a:r>
+          </a:p>
+          <a:p>
+            <a:pPr marL="171450" indent="-171450">
+              <a:buFont typeface="Arial" panose="020B0604020202020204" pitchFamily="34" charset="0"/>
+              <a:buChar char="•"/>
+            </a:pPr>
+            <a:r>
+              <a:rPr lang="en-US" sz="1100" dirty="0" smtClean="0"/>
+              <a:t>Merge Develop into </a:t>
+            </a:r>
+            <a:r>
+              <a:rPr lang="en-US" sz="1100" dirty="0" err="1" smtClean="0"/>
+              <a:t>InternalDevelop</a:t>
+            </a:r>
+            <a:endParaRPr lang="en-US" sz="1100" dirty="0" smtClean="0"/>
+          </a:p>
+          <a:p>
+            <a:r>
+              <a:rPr lang="en-US" sz="1100" b="1" dirty="0" smtClean="0"/>
+              <a:t>To Develop Non-Releasable Feature</a:t>
+            </a:r>
+          </a:p>
+          <a:p>
+            <a:pPr marL="171450" indent="-171450">
+              <a:buFont typeface="Arial" panose="020B0604020202020204" pitchFamily="34" charset="0"/>
+              <a:buChar char="•"/>
+            </a:pPr>
+            <a:r>
+              <a:rPr lang="en-US" sz="1100" dirty="0"/>
+              <a:t>Branch off of </a:t>
+            </a:r>
+            <a:r>
+              <a:rPr lang="en-US" sz="1100" dirty="0" err="1" smtClean="0"/>
+              <a:t>InternalDevelop</a:t>
+            </a:r>
+            <a:r>
+              <a:rPr lang="en-US" sz="1100" dirty="0" smtClean="0"/>
+              <a:t>, Name </a:t>
+            </a:r>
+            <a:r>
+              <a:rPr lang="en-US" sz="1100" dirty="0"/>
+              <a:t>is anything</a:t>
+            </a:r>
+          </a:p>
+          <a:p>
+            <a:pPr marL="171450" indent="-171450">
+              <a:buFont typeface="Arial" panose="020B0604020202020204" pitchFamily="34" charset="0"/>
+              <a:buChar char="•"/>
+            </a:pPr>
+            <a:r>
+              <a:rPr lang="en-US" sz="1100" dirty="0" smtClean="0"/>
+              <a:t>Merge </a:t>
+            </a:r>
+            <a:r>
+              <a:rPr lang="en-US" sz="1100" dirty="0"/>
+              <a:t>back to </a:t>
+            </a:r>
+            <a:r>
+              <a:rPr lang="en-US" sz="1100" dirty="0" err="1" smtClean="0"/>
+              <a:t>InternalDevelop</a:t>
+            </a:r>
+            <a:endParaRPr lang="en-US" sz="1100" dirty="0" smtClean="0"/>
+          </a:p>
+          <a:p>
+            <a:pPr marL="171450" indent="-171450">
+              <a:buFont typeface="Arial" panose="020B0604020202020204" pitchFamily="34" charset="0"/>
+              <a:buChar char="•"/>
+            </a:pPr>
+            <a:r>
+              <a:rPr lang="en-US" sz="1100" dirty="0" smtClean="0"/>
+              <a:t>To release feature, merge feature back to Develop</a:t>
+            </a:r>
+          </a:p>
+          <a:p>
+            <a:r>
+              <a:rPr lang="en-US" sz="1100" b="1" dirty="0" smtClean="0"/>
+              <a:t>To Add a New Release</a:t>
+            </a:r>
+          </a:p>
+          <a:p>
+            <a:pPr marL="171450" indent="-171450">
+              <a:buFont typeface="Arial" panose="020B0604020202020204" pitchFamily="34" charset="0"/>
+              <a:buChar char="•"/>
+            </a:pPr>
+            <a:r>
+              <a:rPr lang="en-US" sz="1100" dirty="0" smtClean="0"/>
+              <a:t>Branch off Develop, Name is R-</a:t>
+            </a:r>
+            <a:r>
+              <a:rPr lang="en-US" sz="1100" dirty="0" err="1" smtClean="0"/>
+              <a:t>VMMM.nnn</a:t>
+            </a:r>
+            <a:endParaRPr lang="en-US" sz="1100" dirty="0" smtClean="0"/>
+          </a:p>
+          <a:p>
+            <a:pPr marL="171450" indent="-171450">
+              <a:buFont typeface="Arial" panose="020B0604020202020204" pitchFamily="34" charset="0"/>
+              <a:buChar char="•"/>
+            </a:pPr>
+            <a:r>
+              <a:rPr lang="en-US" sz="1100" dirty="0" smtClean="0"/>
+              <a:t>Test and Finalize</a:t>
+            </a:r>
+          </a:p>
+          <a:p>
+            <a:pPr marL="171450" indent="-171450">
+              <a:buFont typeface="Arial" panose="020B0604020202020204" pitchFamily="34" charset="0"/>
+              <a:buChar char="•"/>
+            </a:pPr>
+            <a:r>
+              <a:rPr lang="en-US" sz="1100" dirty="0" smtClean="0"/>
+              <a:t>Merge into Master</a:t>
+            </a:r>
+          </a:p>
+          <a:p>
+            <a:r>
+              <a:rPr lang="en-US" sz="1100" b="1" dirty="0" smtClean="0"/>
+              <a:t>Fix Critical Bug in Release</a:t>
+            </a:r>
+          </a:p>
+          <a:p>
+            <a:pPr marL="171450" indent="-171450">
+              <a:buFont typeface="Arial" panose="020B0604020202020204" pitchFamily="34" charset="0"/>
+              <a:buChar char="•"/>
+            </a:pPr>
+            <a:r>
+              <a:rPr lang="en-US" sz="1100" dirty="0" smtClean="0"/>
+              <a:t>Branch off of Master, Name is Hotfix-XXX</a:t>
+            </a:r>
+          </a:p>
+          <a:p>
+            <a:pPr marL="171450" indent="-171450">
+              <a:buFont typeface="Arial" panose="020B0604020202020204" pitchFamily="34" charset="0"/>
+              <a:buChar char="•"/>
+            </a:pPr>
+            <a:r>
+              <a:rPr lang="en-US" sz="1100" dirty="0" smtClean="0"/>
+              <a:t>Fix, Test, Finalize</a:t>
+            </a:r>
+          </a:p>
+          <a:p>
+            <a:pPr marL="171450" indent="-171450">
+              <a:buFont typeface="Arial" panose="020B0604020202020204" pitchFamily="34" charset="0"/>
+              <a:buChar char="•"/>
+            </a:pPr>
+            <a:r>
+              <a:rPr lang="en-US" sz="1100" dirty="0" smtClean="0"/>
+              <a:t>Merge into Master AND Develop</a:t>
+            </a:r>
+          </a:p>
+          <a:p>
+            <a:pPr marL="171450" indent="-171450">
+              <a:buFont typeface="Arial" panose="020B0604020202020204" pitchFamily="34" charset="0"/>
+              <a:buChar char="•"/>
+            </a:pPr>
+            <a:r>
+              <a:rPr lang="en-US" sz="1100" dirty="0" smtClean="0"/>
+              <a:t>Merge Develop into </a:t>
+            </a:r>
+            <a:r>
+              <a:rPr lang="en-US" sz="1100" dirty="0" err="1" smtClean="0"/>
+              <a:t>InternalDevelop</a:t>
+            </a:r>
+            <a:endParaRPr lang="en-US" sz="1100" dirty="0" smtClean="0"/>
+          </a:p>
+          <a:p>
+            <a:pPr marL="171450" indent="-171450">
+              <a:buFont typeface="Arial" panose="020B0604020202020204" pitchFamily="34" charset="0"/>
+              <a:buChar char="•"/>
+            </a:pPr>
+            <a:endParaRPr lang="en-US" sz="1100" dirty="0"/>
+          </a:p>
+          <a:p>
+            <a:endParaRPr lang="en-US" sz="1100" dirty="0"/>
+          </a:p>
+        </p:txBody>
+      </p:sp>
+      <p:grpSp>
+        <p:nvGrpSpPr>
+          <p:cNvPr id="30" name="Group 29"/>
+          <p:cNvGrpSpPr/>
+          <p:nvPr/>
+        </p:nvGrpSpPr>
+        <p:grpSpPr>
+          <a:xfrm>
+            <a:off x="1031296" y="6213586"/>
+            <a:ext cx="848143" cy="494531"/>
+            <a:chOff x="121617" y="6151573"/>
+            <a:chExt cx="848143" cy="494531"/>
           </a:xfrm>
         </p:grpSpPr>
         <p:sp>
@@ -12566,7 +14621,7 @@
           </p:nvSpPr>
           <p:spPr>
             <a:xfrm flipV="1">
-              <a:off x="201927" y="6218142"/>
+              <a:off x="121617" y="6424819"/>
               <a:ext cx="171551" cy="165571"/>
             </a:xfrm>
             <a:prstGeom prst="ellipse">
@@ -12597,7 +14652,7 @@
             <a:lstStyle/>
             <a:p>
               <a:pPr algn="ctr"/>
-              <a:endParaRPr lang="en-US"/>
+              <a:endParaRPr lang="en-US" sz="1200"/>
             </a:p>
           </p:txBody>
         </p:sp>
@@ -12609,7 +14664,7 @@
           </p:nvSpPr>
           <p:spPr>
             <a:xfrm flipV="1">
-              <a:off x="201928" y="5964386"/>
+              <a:off x="121618" y="6207287"/>
               <a:ext cx="171551" cy="165571"/>
             </a:xfrm>
             <a:prstGeom prst="ellipse">
@@ -12640,7 +14695,7 @@
             <a:lstStyle/>
             <a:p>
               <a:pPr algn="ctr"/>
-              <a:endParaRPr lang="en-US"/>
+              <a:endParaRPr lang="en-US" sz="1200"/>
             </a:p>
           </p:txBody>
         </p:sp>
@@ -12652,8 +14707,8 @@
           </p:nvSpPr>
           <p:spPr>
             <a:xfrm>
-              <a:off x="336413" y="5884433"/>
-              <a:ext cx="891591" cy="584775"/>
+              <a:off x="256103" y="6151573"/>
+              <a:ext cx="619080" cy="276999"/>
             </a:xfrm>
             <a:prstGeom prst="rect">
               <a:avLst/>
@@ -12667,140 +14722,53 @@
             <a:lstStyle/>
             <a:p>
               <a:r>
-                <a:rPr lang="en-US" sz="1600" dirty="0" smtClean="0"/>
+                <a:rPr lang="en-US" sz="1200" dirty="0" smtClean="0"/>
                 <a:t>Merge</a:t>
               </a:r>
+              <a:endParaRPr lang="en-US" sz="1200" dirty="0" smtClean="0"/>
             </a:p>
+          </p:txBody>
+        </p:sp>
+        <p:sp>
+          <p:nvSpPr>
+            <p:cNvPr id="82" name="TextBox 81"/>
+            <p:cNvSpPr txBox="1"/>
+            <p:nvPr/>
+          </p:nvSpPr>
+          <p:spPr>
+            <a:xfrm>
+              <a:off x="256103" y="6369105"/>
+              <a:ext cx="713657" cy="276999"/>
+            </a:xfrm>
+            <a:prstGeom prst="rect">
+              <a:avLst/>
+            </a:prstGeom>
+            <a:noFill/>
+          </p:spPr>
+          <p:txBody>
+            <a:bodyPr wrap="none" rtlCol="0">
+              <a:spAutoFit/>
+            </a:bodyPr>
+            <a:lstStyle/>
             <a:p>
               <a:r>
-                <a:rPr lang="en-US" sz="1600" dirty="0" smtClean="0"/>
+                <a:rPr lang="en-US" sz="1200" dirty="0" smtClean="0"/>
                 <a:t>Commit</a:t>
               </a:r>
-              <a:endParaRPr lang="en-US" sz="1600" dirty="0"/>
+              <a:endParaRPr lang="en-US" sz="1200" dirty="0"/>
             </a:p>
           </p:txBody>
         </p:sp>
       </p:grpSp>
       <p:sp>
         <p:nvSpPr>
-          <p:cNvPr id="49" name="TextBox 48"/>
-          <p:cNvSpPr txBox="1"/>
-          <p:nvPr/>
-        </p:nvSpPr>
-        <p:spPr>
-          <a:xfrm>
-            <a:off x="929173" y="4054257"/>
-            <a:ext cx="1181663" cy="338554"/>
-          </a:xfrm>
-          <a:prstGeom prst="rect">
-            <a:avLst/>
-          </a:prstGeom>
-          <a:noFill/>
-        </p:spPr>
-        <p:txBody>
-          <a:bodyPr wrap="square" rtlCol="0">
-            <a:spAutoFit/>
-          </a:bodyPr>
-          <a:lstStyle/>
-          <a:p>
-            <a:r>
-              <a:rPr lang="en-US" sz="1600" dirty="0" smtClean="0"/>
-              <a:t>Master</a:t>
-            </a:r>
-            <a:endParaRPr lang="en-US" sz="1600" dirty="0"/>
-          </a:p>
-        </p:txBody>
-      </p:sp>
-      <p:sp>
-        <p:nvSpPr>
-          <p:cNvPr id="50" name="Oval 49"/>
+          <p:cNvPr id="85" name="Oval 84"/>
           <p:cNvSpPr/>
           <p:nvPr/>
         </p:nvSpPr>
         <p:spPr>
           <a:xfrm flipV="1">
-            <a:off x="4913031" y="3849948"/>
-            <a:ext cx="227589" cy="219656"/>
-          </a:xfrm>
-          <a:prstGeom prst="ellipse">
-            <a:avLst/>
-          </a:prstGeom>
-          <a:solidFill>
-            <a:srgbClr val="FF0000"/>
-          </a:solidFill>
-        </p:spPr>
-        <p:style>
-          <a:lnRef idx="2">
-            <a:schemeClr val="accent1">
-              <a:shade val="50000"/>
-            </a:schemeClr>
-          </a:lnRef>
-          <a:fillRef idx="1">
-            <a:schemeClr val="accent1"/>
-          </a:fillRef>
-          <a:effectRef idx="0">
-            <a:schemeClr val="accent1"/>
-          </a:effectRef>
-          <a:fontRef idx="minor">
-            <a:schemeClr val="lt1"/>
-          </a:fontRef>
-        </p:style>
-        <p:txBody>
-          <a:bodyPr rtlCol="0" anchor="ctr"/>
-          <a:lstStyle/>
-          <a:p>
-            <a:pPr algn="ctr"/>
-            <a:endParaRPr lang="en-US"/>
-          </a:p>
-        </p:txBody>
-      </p:sp>
-      <p:cxnSp>
-        <p:nvCxnSpPr>
-          <p:cNvPr id="51" name="Elbow Connector 50"/>
-          <p:cNvCxnSpPr>
-            <a:stCxn id="41" idx="6"/>
-            <a:endCxn id="50" idx="2"/>
-          </p:cNvCxnSpPr>
-          <p:nvPr/>
-        </p:nvCxnSpPr>
-        <p:spPr>
-          <a:xfrm flipV="1">
-            <a:off x="4373581" y="3959776"/>
-            <a:ext cx="539450" cy="326607"/>
-          </a:xfrm>
-          <a:prstGeom prst="bentConnector3">
-            <a:avLst>
-              <a:gd name="adj1" fmla="val 50000"/>
-            </a:avLst>
-          </a:prstGeom>
-          <a:ln w="19050">
-            <a:tailEnd type="stealth" w="lg" len="lg"/>
-          </a:ln>
-        </p:spPr>
-        <p:style>
-          <a:lnRef idx="1">
-            <a:schemeClr val="accent1"/>
-          </a:lnRef>
-          <a:fillRef idx="0">
-            <a:schemeClr val="accent1"/>
-          </a:fillRef>
-          <a:effectRef idx="0">
-            <a:schemeClr val="accent1"/>
-          </a:effectRef>
-          <a:fontRef idx="minor">
-            <a:schemeClr val="tx1"/>
-          </a:fontRef>
-        </p:style>
-      </p:cxnSp>
-      <p:sp>
-        <p:nvSpPr>
-          <p:cNvPr id="54" name="Oval 53"/>
-          <p:cNvSpPr/>
-          <p:nvPr/>
-        </p:nvSpPr>
-        <p:spPr>
-          <a:xfrm flipV="1">
-            <a:off x="5467837" y="4166943"/>
+            <a:off x="4081060" y="5810510"/>
             <a:ext cx="227589" cy="219656"/>
           </a:xfrm>
           <a:prstGeom prst="ellipse">
@@ -12827,1335 +14795,27 @@
           </a:fontRef>
         </p:style>
         <p:txBody>
-          <a:bodyPr rtlCol="0" anchor="ctr"/>
+          <a:bodyPr lIns="0" tIns="0" rIns="0" bIns="0" rtlCol="0" anchor="ctr"/>
           <a:lstStyle/>
           <a:p>
             <a:pPr algn="ctr"/>
-            <a:endParaRPr lang="en-US"/>
+            <a:endParaRPr lang="en-US" sz="1200"/>
           </a:p>
         </p:txBody>
       </p:sp>
       <p:cxnSp>
         <p:nvCxnSpPr>
-          <p:cNvPr id="55" name="Elbow Connector 54"/>
+          <p:cNvPr id="87" name="Elbow Connector 37"/>
           <p:cNvCxnSpPr>
-            <a:stCxn id="50" idx="6"/>
-            <a:endCxn id="54" idx="4"/>
+            <a:stCxn id="60" idx="6"/>
+            <a:endCxn id="85" idx="4"/>
           </p:cNvCxnSpPr>
           <p:nvPr/>
         </p:nvCxnSpPr>
         <p:spPr>
           <a:xfrm>
-            <a:off x="5140620" y="3959776"/>
-            <a:ext cx="441012" cy="207167"/>
-          </a:xfrm>
-          <a:prstGeom prst="bentConnector2">
-            <a:avLst/>
-          </a:prstGeom>
-          <a:ln w="19050">
-            <a:tailEnd type="stealth" w="lg" len="lg"/>
-          </a:ln>
-        </p:spPr>
-        <p:style>
-          <a:lnRef idx="1">
-            <a:schemeClr val="accent1"/>
-          </a:lnRef>
-          <a:fillRef idx="0">
-            <a:schemeClr val="accent1"/>
-          </a:fillRef>
-          <a:effectRef idx="0">
-            <a:schemeClr val="accent1"/>
-          </a:effectRef>
-          <a:fontRef idx="minor">
-            <a:schemeClr val="tx1"/>
-          </a:fontRef>
-        </p:style>
-      </p:cxnSp>
-      <p:sp>
-        <p:nvSpPr>
-          <p:cNvPr id="58" name="TextBox 57"/>
-          <p:cNvSpPr txBox="1"/>
-          <p:nvPr/>
-        </p:nvSpPr>
-        <p:spPr>
-          <a:xfrm>
-            <a:off x="3683285" y="3704624"/>
-            <a:ext cx="1181663" cy="338554"/>
-          </a:xfrm>
-          <a:prstGeom prst="rect">
-            <a:avLst/>
-          </a:prstGeom>
-          <a:noFill/>
-        </p:spPr>
-        <p:txBody>
-          <a:bodyPr wrap="square" rtlCol="0">
-            <a:spAutoFit/>
-          </a:bodyPr>
-          <a:lstStyle/>
-          <a:p>
-            <a:r>
-              <a:rPr lang="en-US" sz="1600" dirty="0" smtClean="0"/>
-              <a:t>Hotfix-012</a:t>
-            </a:r>
-            <a:endParaRPr lang="en-US" sz="1600" dirty="0"/>
-          </a:p>
-        </p:txBody>
-      </p:sp>
-      <p:sp>
-        <p:nvSpPr>
-          <p:cNvPr id="60" name="Oval 59"/>
-          <p:cNvSpPr/>
-          <p:nvPr/>
-        </p:nvSpPr>
-        <p:spPr>
-          <a:xfrm flipV="1">
-            <a:off x="5467837" y="4912961"/>
-            <a:ext cx="227589" cy="219656"/>
-          </a:xfrm>
-          <a:prstGeom prst="ellipse">
-            <a:avLst/>
-          </a:prstGeom>
-          <a:solidFill>
-            <a:srgbClr val="00B0F0"/>
-          </a:solidFill>
-        </p:spPr>
-        <p:style>
-          <a:lnRef idx="2">
-            <a:schemeClr val="accent1">
-              <a:shade val="50000"/>
-            </a:schemeClr>
-          </a:lnRef>
-          <a:fillRef idx="1">
-            <a:schemeClr val="accent1"/>
-          </a:fillRef>
-          <a:effectRef idx="0">
-            <a:schemeClr val="accent1"/>
-          </a:effectRef>
-          <a:fontRef idx="minor">
-            <a:schemeClr val="lt1"/>
-          </a:fontRef>
-        </p:style>
-        <p:txBody>
-          <a:bodyPr rtlCol="0" anchor="ctr"/>
-          <a:lstStyle/>
-          <a:p>
-            <a:pPr algn="ctr"/>
-            <a:endParaRPr lang="en-US"/>
-          </a:p>
-        </p:txBody>
-      </p:sp>
-      <p:cxnSp>
-        <p:nvCxnSpPr>
-          <p:cNvPr id="61" name="Elbow Connector 37"/>
-          <p:cNvCxnSpPr>
-            <a:stCxn id="54" idx="0"/>
-            <a:endCxn id="60" idx="4"/>
-          </p:cNvCxnSpPr>
-          <p:nvPr/>
-        </p:nvCxnSpPr>
-        <p:spPr>
-          <a:xfrm>
-            <a:off x="5581632" y="4386599"/>
-            <a:ext cx="0" cy="526362"/>
-          </a:xfrm>
-          <a:prstGeom prst="straightConnector1">
-            <a:avLst/>
-          </a:prstGeom>
-          <a:ln w="19050">
-            <a:tailEnd type="stealth" w="lg" len="lg"/>
-          </a:ln>
-        </p:spPr>
-        <p:style>
-          <a:lnRef idx="1">
-            <a:schemeClr val="accent1"/>
-          </a:lnRef>
-          <a:fillRef idx="0">
-            <a:schemeClr val="accent1"/>
-          </a:fillRef>
-          <a:effectRef idx="0">
-            <a:schemeClr val="accent1"/>
-          </a:effectRef>
-          <a:fontRef idx="minor">
-            <a:schemeClr val="tx1"/>
-          </a:fontRef>
-        </p:style>
-      </p:cxnSp>
-      <p:sp>
-        <p:nvSpPr>
-          <p:cNvPr id="64" name="TextBox 63"/>
-          <p:cNvSpPr txBox="1"/>
-          <p:nvPr/>
-        </p:nvSpPr>
-        <p:spPr>
-          <a:xfrm>
-            <a:off x="848660" y="4742156"/>
-            <a:ext cx="985064" cy="338554"/>
-          </a:xfrm>
-          <a:prstGeom prst="rect">
-            <a:avLst/>
-          </a:prstGeom>
-          <a:noFill/>
-        </p:spPr>
-        <p:txBody>
-          <a:bodyPr wrap="square" rtlCol="0">
-            <a:spAutoFit/>
-          </a:bodyPr>
-          <a:lstStyle/>
-          <a:p>
-            <a:r>
-              <a:rPr lang="en-US" sz="1600" dirty="0" smtClean="0"/>
-              <a:t>Develop</a:t>
-            </a:r>
-            <a:endParaRPr lang="en-US" sz="1600" dirty="0"/>
-          </a:p>
-        </p:txBody>
-      </p:sp>
-      <p:sp>
-        <p:nvSpPr>
-          <p:cNvPr id="65" name="TextBox 64"/>
-          <p:cNvSpPr txBox="1"/>
-          <p:nvPr/>
-        </p:nvSpPr>
-        <p:spPr>
-          <a:xfrm>
-            <a:off x="1498573" y="4437877"/>
-            <a:ext cx="1181663" cy="338554"/>
-          </a:xfrm>
-          <a:prstGeom prst="rect">
-            <a:avLst/>
-          </a:prstGeom>
-          <a:noFill/>
-        </p:spPr>
-        <p:txBody>
-          <a:bodyPr wrap="square" rtlCol="0">
-            <a:spAutoFit/>
-          </a:bodyPr>
-          <a:lstStyle/>
-          <a:p>
-            <a:r>
-              <a:rPr lang="en-US" sz="1600" dirty="0" smtClean="0"/>
-              <a:t>R-V00.1a</a:t>
-            </a:r>
-            <a:endParaRPr lang="en-US" sz="1600" dirty="0"/>
-          </a:p>
-        </p:txBody>
-      </p:sp>
-      <p:sp>
-        <p:nvSpPr>
-          <p:cNvPr id="66" name="Oval 65"/>
-          <p:cNvSpPr/>
-          <p:nvPr/>
-        </p:nvSpPr>
-        <p:spPr>
-          <a:xfrm flipV="1">
-            <a:off x="3249636" y="5291258"/>
-            <a:ext cx="227589" cy="219656"/>
-          </a:xfrm>
-          <a:prstGeom prst="ellipse">
-            <a:avLst/>
-          </a:prstGeom>
-          <a:solidFill>
-            <a:srgbClr val="FF0000"/>
-          </a:solidFill>
-        </p:spPr>
-        <p:style>
-          <a:lnRef idx="2">
-            <a:schemeClr val="accent1">
-              <a:shade val="50000"/>
-            </a:schemeClr>
-          </a:lnRef>
-          <a:fillRef idx="1">
-            <a:schemeClr val="accent1"/>
-          </a:fillRef>
-          <a:effectRef idx="0">
-            <a:schemeClr val="accent1"/>
-          </a:effectRef>
-          <a:fontRef idx="minor">
-            <a:schemeClr val="lt1"/>
-          </a:fontRef>
-        </p:style>
-        <p:txBody>
-          <a:bodyPr rtlCol="0" anchor="ctr"/>
-          <a:lstStyle/>
-          <a:p>
-            <a:pPr algn="ctr"/>
-            <a:endParaRPr lang="en-US"/>
-          </a:p>
-        </p:txBody>
-      </p:sp>
-      <p:sp>
-        <p:nvSpPr>
-          <p:cNvPr id="67" name="Oval 66"/>
-          <p:cNvSpPr/>
-          <p:nvPr/>
-        </p:nvSpPr>
-        <p:spPr>
-          <a:xfrm flipV="1">
-            <a:off x="4500846" y="5291258"/>
-            <a:ext cx="227589" cy="219656"/>
-          </a:xfrm>
-          <a:prstGeom prst="ellipse">
-            <a:avLst/>
-          </a:prstGeom>
-          <a:solidFill>
-            <a:srgbClr val="FF0000"/>
-          </a:solidFill>
-        </p:spPr>
-        <p:style>
-          <a:lnRef idx="2">
-            <a:schemeClr val="accent1">
-              <a:shade val="50000"/>
-            </a:schemeClr>
-          </a:lnRef>
-          <a:fillRef idx="1">
-            <a:schemeClr val="accent1"/>
-          </a:fillRef>
-          <a:effectRef idx="0">
-            <a:schemeClr val="accent1"/>
-          </a:effectRef>
-          <a:fontRef idx="minor">
-            <a:schemeClr val="lt1"/>
-          </a:fontRef>
-        </p:style>
-        <p:txBody>
-          <a:bodyPr rtlCol="0" anchor="ctr"/>
-          <a:lstStyle/>
-          <a:p>
-            <a:pPr algn="ctr"/>
-            <a:endParaRPr lang="en-US"/>
-          </a:p>
-        </p:txBody>
-      </p:sp>
-      <p:sp>
-        <p:nvSpPr>
-          <p:cNvPr id="68" name="Oval 67"/>
-          <p:cNvSpPr/>
-          <p:nvPr/>
-        </p:nvSpPr>
-        <p:spPr>
-          <a:xfrm flipV="1">
-            <a:off x="2708275" y="5581641"/>
-            <a:ext cx="227589" cy="219656"/>
-          </a:xfrm>
-          <a:prstGeom prst="ellipse">
-            <a:avLst/>
-          </a:prstGeom>
-          <a:solidFill>
-            <a:srgbClr val="FF0000"/>
-          </a:solidFill>
-        </p:spPr>
-        <p:style>
-          <a:lnRef idx="2">
-            <a:schemeClr val="accent1">
-              <a:shade val="50000"/>
-            </a:schemeClr>
-          </a:lnRef>
-          <a:fillRef idx="1">
-            <a:schemeClr val="accent1"/>
-          </a:fillRef>
-          <a:effectRef idx="0">
-            <a:schemeClr val="accent1"/>
-          </a:effectRef>
-          <a:fontRef idx="minor">
-            <a:schemeClr val="lt1"/>
-          </a:fontRef>
-        </p:style>
-        <p:txBody>
-          <a:bodyPr rtlCol="0" anchor="ctr"/>
-          <a:lstStyle/>
-          <a:p>
-            <a:pPr algn="ctr"/>
-            <a:endParaRPr lang="en-US"/>
-          </a:p>
-        </p:txBody>
-      </p:sp>
-      <p:sp>
-        <p:nvSpPr>
-          <p:cNvPr id="70" name="Oval 69"/>
-          <p:cNvSpPr/>
-          <p:nvPr/>
-        </p:nvSpPr>
-        <p:spPr>
-          <a:xfrm flipV="1">
-            <a:off x="3824903" y="4912961"/>
-            <a:ext cx="227589" cy="219656"/>
-          </a:xfrm>
-          <a:prstGeom prst="ellipse">
-            <a:avLst/>
-          </a:prstGeom>
-          <a:solidFill>
-            <a:srgbClr val="00B0F0"/>
-          </a:solidFill>
-        </p:spPr>
-        <p:style>
-          <a:lnRef idx="2">
-            <a:schemeClr val="accent1">
-              <a:shade val="50000"/>
-            </a:schemeClr>
-          </a:lnRef>
-          <a:fillRef idx="1">
-            <a:schemeClr val="accent1"/>
-          </a:fillRef>
-          <a:effectRef idx="0">
-            <a:schemeClr val="accent1"/>
-          </a:effectRef>
-          <a:fontRef idx="minor">
-            <a:schemeClr val="lt1"/>
-          </a:fontRef>
-        </p:style>
-        <p:txBody>
-          <a:bodyPr rtlCol="0" anchor="ctr"/>
-          <a:lstStyle/>
-          <a:p>
-            <a:pPr algn="ctr"/>
-            <a:endParaRPr lang="en-US"/>
-          </a:p>
-        </p:txBody>
-      </p:sp>
-      <p:sp>
-        <p:nvSpPr>
-          <p:cNvPr id="71" name="Oval 70"/>
-          <p:cNvSpPr/>
-          <p:nvPr/>
-        </p:nvSpPr>
-        <p:spPr>
-          <a:xfrm flipV="1">
-            <a:off x="4814392" y="4911433"/>
-            <a:ext cx="227589" cy="219656"/>
-          </a:xfrm>
-          <a:prstGeom prst="ellipse">
-            <a:avLst/>
-          </a:prstGeom>
-          <a:solidFill>
-            <a:srgbClr val="00B0F0"/>
-          </a:solidFill>
-        </p:spPr>
-        <p:style>
-          <a:lnRef idx="2">
-            <a:schemeClr val="accent1">
-              <a:shade val="50000"/>
-            </a:schemeClr>
-          </a:lnRef>
-          <a:fillRef idx="1">
-            <a:schemeClr val="accent1"/>
-          </a:fillRef>
-          <a:effectRef idx="0">
-            <a:schemeClr val="accent1"/>
-          </a:effectRef>
-          <a:fontRef idx="minor">
-            <a:schemeClr val="lt1"/>
-          </a:fontRef>
-        </p:style>
-        <p:txBody>
-          <a:bodyPr rtlCol="0" anchor="ctr"/>
-          <a:lstStyle/>
-          <a:p>
-            <a:pPr algn="ctr"/>
-            <a:endParaRPr lang="en-US"/>
-          </a:p>
-        </p:txBody>
-      </p:sp>
-      <p:cxnSp>
-        <p:nvCxnSpPr>
-          <p:cNvPr id="72" name="Elbow Connector 71"/>
-          <p:cNvCxnSpPr>
-            <a:stCxn id="70" idx="2"/>
-            <a:endCxn id="68" idx="2"/>
-          </p:cNvCxnSpPr>
-          <p:nvPr/>
-        </p:nvCxnSpPr>
-        <p:spPr>
-          <a:xfrm rot="10800000" flipV="1">
-            <a:off x="2708275" y="5022789"/>
-            <a:ext cx="1116628" cy="668680"/>
-          </a:xfrm>
-          <a:prstGeom prst="bentConnector3">
-            <a:avLst>
-              <a:gd name="adj1" fmla="val 120472"/>
-            </a:avLst>
-          </a:prstGeom>
-          <a:ln w="19050">
-            <a:tailEnd type="stealth" w="lg" len="lg"/>
-          </a:ln>
-        </p:spPr>
-        <p:style>
-          <a:lnRef idx="1">
-            <a:schemeClr val="accent1"/>
-          </a:lnRef>
-          <a:fillRef idx="0">
-            <a:schemeClr val="accent1"/>
-          </a:fillRef>
-          <a:effectRef idx="0">
-            <a:schemeClr val="accent1"/>
-          </a:effectRef>
-          <a:fontRef idx="minor">
-            <a:schemeClr val="tx1"/>
-          </a:fontRef>
-        </p:style>
-      </p:cxnSp>
-      <p:cxnSp>
-        <p:nvCxnSpPr>
-          <p:cNvPr id="81" name="Elbow Connector 80"/>
-          <p:cNvCxnSpPr>
-            <a:stCxn id="68" idx="6"/>
-            <a:endCxn id="70" idx="0"/>
-          </p:cNvCxnSpPr>
-          <p:nvPr/>
-        </p:nvCxnSpPr>
-        <p:spPr>
-          <a:xfrm flipV="1">
-            <a:off x="2935864" y="5132617"/>
-            <a:ext cx="1002834" cy="558852"/>
-          </a:xfrm>
-          <a:prstGeom prst="bentConnector2">
-            <a:avLst/>
-          </a:prstGeom>
-          <a:ln w="19050">
-            <a:tailEnd type="stealth" w="lg" len="lg"/>
-          </a:ln>
-        </p:spPr>
-        <p:style>
-          <a:lnRef idx="1">
-            <a:schemeClr val="accent1"/>
-          </a:lnRef>
-          <a:fillRef idx="0">
-            <a:schemeClr val="accent1"/>
-          </a:fillRef>
-          <a:effectRef idx="0">
-            <a:schemeClr val="accent1"/>
-          </a:effectRef>
-          <a:fontRef idx="minor">
-            <a:schemeClr val="tx1"/>
-          </a:fontRef>
-        </p:style>
-      </p:cxnSp>
-      <p:cxnSp>
-        <p:nvCxnSpPr>
-          <p:cNvPr id="86" name="Elbow Connector 85"/>
-          <p:cNvCxnSpPr>
-            <a:stCxn id="70" idx="2"/>
-            <a:endCxn id="66" idx="2"/>
-          </p:cNvCxnSpPr>
-          <p:nvPr/>
-        </p:nvCxnSpPr>
-        <p:spPr>
-          <a:xfrm rot="10800000" flipV="1">
-            <a:off x="3249637" y="5022788"/>
-            <a:ext cx="575267" cy="378297"/>
-          </a:xfrm>
-          <a:prstGeom prst="bentConnector3">
-            <a:avLst>
-              <a:gd name="adj1" fmla="val 139738"/>
-            </a:avLst>
-          </a:prstGeom>
-          <a:ln w="19050">
-            <a:tailEnd type="stealth" w="lg" len="lg"/>
-          </a:ln>
-        </p:spPr>
-        <p:style>
-          <a:lnRef idx="1">
-            <a:schemeClr val="accent1"/>
-          </a:lnRef>
-          <a:fillRef idx="0">
-            <a:schemeClr val="accent1"/>
-          </a:fillRef>
-          <a:effectRef idx="0">
-            <a:schemeClr val="accent1"/>
-          </a:effectRef>
-          <a:fontRef idx="minor">
-            <a:schemeClr val="tx1"/>
-          </a:fontRef>
-        </p:style>
-      </p:cxnSp>
-      <p:cxnSp>
-        <p:nvCxnSpPr>
-          <p:cNvPr id="91" name="Elbow Connector 90"/>
-          <p:cNvCxnSpPr>
-            <a:stCxn id="66" idx="6"/>
-            <a:endCxn id="67" idx="2"/>
-          </p:cNvCxnSpPr>
-          <p:nvPr/>
-        </p:nvCxnSpPr>
-        <p:spPr>
-          <a:xfrm>
-            <a:off x="3477225" y="5401086"/>
-            <a:ext cx="1023621" cy="0"/>
-          </a:xfrm>
-          <a:prstGeom prst="straightConnector1">
-            <a:avLst/>
-          </a:prstGeom>
-          <a:ln w="19050">
-            <a:tailEnd type="stealth" w="lg" len="lg"/>
-          </a:ln>
-        </p:spPr>
-        <p:style>
-          <a:lnRef idx="1">
-            <a:schemeClr val="accent1"/>
-          </a:lnRef>
-          <a:fillRef idx="0">
-            <a:schemeClr val="accent1"/>
-          </a:fillRef>
-          <a:effectRef idx="0">
-            <a:schemeClr val="accent1"/>
-          </a:effectRef>
-          <a:fontRef idx="minor">
-            <a:schemeClr val="tx1"/>
-          </a:fontRef>
-        </p:style>
-      </p:cxnSp>
-      <p:cxnSp>
-        <p:nvCxnSpPr>
-          <p:cNvPr id="94" name="Elbow Connector 93"/>
-          <p:cNvCxnSpPr>
-            <a:stCxn id="67" idx="6"/>
-            <a:endCxn id="71" idx="0"/>
-          </p:cNvCxnSpPr>
-          <p:nvPr/>
-        </p:nvCxnSpPr>
-        <p:spPr>
-          <a:xfrm flipV="1">
-            <a:off x="4728435" y="5131089"/>
-            <a:ext cx="199752" cy="269997"/>
-          </a:xfrm>
-          <a:prstGeom prst="bentConnector2">
-            <a:avLst/>
-          </a:prstGeom>
-          <a:ln w="19050">
-            <a:tailEnd type="stealth" w="lg" len="lg"/>
-          </a:ln>
-        </p:spPr>
-        <p:style>
-          <a:lnRef idx="1">
-            <a:schemeClr val="accent1"/>
-          </a:lnRef>
-          <a:fillRef idx="0">
-            <a:schemeClr val="accent1"/>
-          </a:fillRef>
-          <a:effectRef idx="0">
-            <a:schemeClr val="accent1"/>
-          </a:effectRef>
-          <a:fontRef idx="minor">
-            <a:schemeClr val="tx1"/>
-          </a:fontRef>
-        </p:style>
-      </p:cxnSp>
-      <p:sp>
-        <p:nvSpPr>
-          <p:cNvPr id="98" name="TextBox 97"/>
-          <p:cNvSpPr txBox="1"/>
-          <p:nvPr/>
-        </p:nvSpPr>
-        <p:spPr>
-          <a:xfrm>
-            <a:off x="1042757" y="5539269"/>
-            <a:ext cx="1220073" cy="338554"/>
-          </a:xfrm>
-          <a:prstGeom prst="rect">
-            <a:avLst/>
-          </a:prstGeom>
-          <a:noFill/>
-        </p:spPr>
-        <p:txBody>
-          <a:bodyPr wrap="square" rtlCol="0">
-            <a:spAutoFit/>
-          </a:bodyPr>
-          <a:lstStyle/>
-          <a:p>
-            <a:r>
-              <a:rPr lang="en-US" sz="1600" dirty="0" smtClean="0"/>
-              <a:t>Feature1</a:t>
-            </a:r>
-            <a:endParaRPr lang="en-US" sz="1600" dirty="0"/>
-          </a:p>
-        </p:txBody>
-      </p:sp>
-      <p:sp>
-        <p:nvSpPr>
-          <p:cNvPr id="99" name="TextBox 98"/>
-          <p:cNvSpPr txBox="1"/>
-          <p:nvPr/>
-        </p:nvSpPr>
-        <p:spPr>
-          <a:xfrm>
-            <a:off x="2086211" y="5257663"/>
-            <a:ext cx="1220073" cy="338554"/>
-          </a:xfrm>
-          <a:prstGeom prst="rect">
-            <a:avLst/>
-          </a:prstGeom>
-          <a:noFill/>
-        </p:spPr>
-        <p:txBody>
-          <a:bodyPr wrap="square" rtlCol="0">
-            <a:spAutoFit/>
-          </a:bodyPr>
-          <a:lstStyle/>
-          <a:p>
-            <a:r>
-              <a:rPr lang="en-US" sz="1600" dirty="0" smtClean="0"/>
-              <a:t>Feature2</a:t>
-            </a:r>
-            <a:endParaRPr lang="en-US" sz="1600" dirty="0"/>
-          </a:p>
-        </p:txBody>
-      </p:sp>
-      <p:sp>
-        <p:nvSpPr>
-          <p:cNvPr id="101" name="Oval 100"/>
-          <p:cNvSpPr/>
-          <p:nvPr/>
-        </p:nvSpPr>
-        <p:spPr>
-          <a:xfrm flipV="1">
-            <a:off x="6675725" y="4614121"/>
-            <a:ext cx="227589" cy="219656"/>
-          </a:xfrm>
-          <a:prstGeom prst="ellipse">
-            <a:avLst/>
-          </a:prstGeom>
-          <a:solidFill>
-            <a:srgbClr val="FF0000"/>
-          </a:solidFill>
-        </p:spPr>
-        <p:style>
-          <a:lnRef idx="2">
-            <a:schemeClr val="accent1">
-              <a:shade val="50000"/>
-            </a:schemeClr>
-          </a:lnRef>
-          <a:fillRef idx="1">
-            <a:schemeClr val="accent1"/>
-          </a:fillRef>
-          <a:effectRef idx="0">
-            <a:schemeClr val="accent1"/>
-          </a:effectRef>
-          <a:fontRef idx="minor">
-            <a:schemeClr val="lt1"/>
-          </a:fontRef>
-        </p:style>
-        <p:txBody>
-          <a:bodyPr rtlCol="0" anchor="ctr"/>
-          <a:lstStyle/>
-          <a:p>
-            <a:pPr algn="ctr"/>
-            <a:endParaRPr lang="en-US"/>
-          </a:p>
-        </p:txBody>
-      </p:sp>
-      <p:cxnSp>
-        <p:nvCxnSpPr>
-          <p:cNvPr id="102" name="Elbow Connector 101"/>
-          <p:cNvCxnSpPr>
-            <a:stCxn id="60" idx="6"/>
-            <a:endCxn id="101" idx="2"/>
-          </p:cNvCxnSpPr>
-          <p:nvPr/>
-        </p:nvCxnSpPr>
-        <p:spPr>
-          <a:xfrm flipV="1">
-            <a:off x="5695426" y="4723949"/>
-            <a:ext cx="980299" cy="298840"/>
-          </a:xfrm>
-          <a:prstGeom prst="bentConnector3">
-            <a:avLst>
-              <a:gd name="adj1" fmla="val 50000"/>
-            </a:avLst>
-          </a:prstGeom>
-          <a:ln w="19050">
-            <a:tailEnd type="stealth" w="lg" len="lg"/>
-          </a:ln>
-        </p:spPr>
-        <p:style>
-          <a:lnRef idx="1">
-            <a:schemeClr val="accent1"/>
-          </a:lnRef>
-          <a:fillRef idx="0">
-            <a:schemeClr val="accent1"/>
-          </a:fillRef>
-          <a:effectRef idx="0">
-            <a:schemeClr val="accent1"/>
-          </a:effectRef>
-          <a:fontRef idx="minor">
-            <a:schemeClr val="tx1"/>
-          </a:fontRef>
-        </p:style>
-      </p:cxnSp>
-      <p:cxnSp>
-        <p:nvCxnSpPr>
-          <p:cNvPr id="103" name="Elbow Connector 102"/>
-          <p:cNvCxnSpPr>
-            <a:stCxn id="101" idx="6"/>
-            <a:endCxn id="106" idx="0"/>
-          </p:cNvCxnSpPr>
-          <p:nvPr/>
-        </p:nvCxnSpPr>
-        <p:spPr>
-          <a:xfrm flipV="1">
-            <a:off x="6903314" y="4386599"/>
-            <a:ext cx="441343" cy="337350"/>
-          </a:xfrm>
-          <a:prstGeom prst="bentConnector2">
-            <a:avLst/>
-          </a:prstGeom>
-          <a:ln w="19050">
-            <a:tailEnd type="stealth" w="lg" len="lg"/>
-          </a:ln>
-        </p:spPr>
-        <p:style>
-          <a:lnRef idx="1">
-            <a:schemeClr val="accent1"/>
-          </a:lnRef>
-          <a:fillRef idx="0">
-            <a:schemeClr val="accent1"/>
-          </a:fillRef>
-          <a:effectRef idx="0">
-            <a:schemeClr val="accent1"/>
-          </a:effectRef>
-          <a:fontRef idx="minor">
-            <a:schemeClr val="tx1"/>
-          </a:fontRef>
-        </p:style>
-      </p:cxnSp>
-      <p:sp>
-        <p:nvSpPr>
-          <p:cNvPr id="106" name="Oval 105"/>
-          <p:cNvSpPr/>
-          <p:nvPr/>
-        </p:nvSpPr>
-        <p:spPr>
-          <a:xfrm flipV="1">
-            <a:off x="7230862" y="4166943"/>
-            <a:ext cx="227589" cy="219656"/>
-          </a:xfrm>
-          <a:prstGeom prst="ellipse">
-            <a:avLst/>
-          </a:prstGeom>
-          <a:solidFill>
-            <a:srgbClr val="00B0F0"/>
-          </a:solidFill>
-        </p:spPr>
-        <p:style>
-          <a:lnRef idx="2">
-            <a:schemeClr val="accent1">
-              <a:shade val="50000"/>
-            </a:schemeClr>
-          </a:lnRef>
-          <a:fillRef idx="1">
-            <a:schemeClr val="accent1"/>
-          </a:fillRef>
-          <a:effectRef idx="0">
-            <a:schemeClr val="accent1"/>
-          </a:effectRef>
-          <a:fontRef idx="minor">
-            <a:schemeClr val="lt1"/>
-          </a:fontRef>
-        </p:style>
-        <p:txBody>
-          <a:bodyPr rtlCol="0" anchor="ctr"/>
-          <a:lstStyle/>
-          <a:p>
-            <a:pPr algn="ctr"/>
-            <a:endParaRPr lang="en-US"/>
-          </a:p>
-        </p:txBody>
-      </p:sp>
-      <p:sp>
-        <p:nvSpPr>
-          <p:cNvPr id="108" name="TextBox 107"/>
-          <p:cNvSpPr txBox="1"/>
-          <p:nvPr/>
-        </p:nvSpPr>
-        <p:spPr>
-          <a:xfrm>
-            <a:off x="5624806" y="4421373"/>
-            <a:ext cx="1181663" cy="338554"/>
-          </a:xfrm>
-          <a:prstGeom prst="rect">
-            <a:avLst/>
-          </a:prstGeom>
-          <a:noFill/>
-        </p:spPr>
-        <p:txBody>
-          <a:bodyPr wrap="square" rtlCol="0">
-            <a:spAutoFit/>
-          </a:bodyPr>
-          <a:lstStyle/>
-          <a:p>
-            <a:r>
-              <a:rPr lang="en-US" sz="1600" dirty="0" smtClean="0"/>
-              <a:t>R-V00.2</a:t>
-            </a:r>
-            <a:endParaRPr lang="en-US" sz="1600" dirty="0"/>
-          </a:p>
-        </p:txBody>
-      </p:sp>
-      <p:cxnSp>
-        <p:nvCxnSpPr>
-          <p:cNvPr id="117" name="Straight Arrow Connector 116"/>
-          <p:cNvCxnSpPr/>
-          <p:nvPr/>
-        </p:nvCxnSpPr>
-        <p:spPr>
-          <a:xfrm>
-            <a:off x="1684652" y="6072788"/>
-            <a:ext cx="6796706" cy="0"/>
-          </a:xfrm>
-          <a:prstGeom prst="straightConnector1">
-            <a:avLst/>
-          </a:prstGeom>
-          <a:ln w="38100">
-            <a:tailEnd type="stealth" w="lg" len="lg"/>
-          </a:ln>
-        </p:spPr>
-        <p:style>
-          <a:lnRef idx="1">
-            <a:schemeClr val="accent1"/>
-          </a:lnRef>
-          <a:fillRef idx="0">
-            <a:schemeClr val="accent1"/>
-          </a:fillRef>
-          <a:effectRef idx="0">
-            <a:schemeClr val="accent1"/>
-          </a:effectRef>
-          <a:fontRef idx="minor">
-            <a:schemeClr val="tx1"/>
-          </a:fontRef>
-        </p:style>
-      </p:cxnSp>
-      <p:sp>
-        <p:nvSpPr>
-          <p:cNvPr id="118" name="TextBox 117"/>
-          <p:cNvSpPr txBox="1"/>
-          <p:nvPr/>
-        </p:nvSpPr>
-        <p:spPr>
-          <a:xfrm>
-            <a:off x="209551" y="5792155"/>
-            <a:ext cx="1597258" cy="338554"/>
-          </a:xfrm>
-          <a:prstGeom prst="rect">
-            <a:avLst/>
-          </a:prstGeom>
-          <a:noFill/>
-        </p:spPr>
-        <p:txBody>
-          <a:bodyPr wrap="square" rtlCol="0">
-            <a:spAutoFit/>
-          </a:bodyPr>
-          <a:lstStyle/>
-          <a:p>
-            <a:r>
-              <a:rPr lang="en-US" sz="1600" dirty="0" err="1" smtClean="0"/>
-              <a:t>PrivateDevelop</a:t>
-            </a:r>
-            <a:endParaRPr lang="en-US" sz="1600" dirty="0"/>
-          </a:p>
-        </p:txBody>
-      </p:sp>
-      <p:sp>
-        <p:nvSpPr>
-          <p:cNvPr id="120" name="Oval 119"/>
-          <p:cNvSpPr/>
-          <p:nvPr/>
-        </p:nvSpPr>
-        <p:spPr>
-          <a:xfrm flipV="1">
-            <a:off x="6587836" y="5961432"/>
-            <a:ext cx="227589" cy="219656"/>
-          </a:xfrm>
-          <a:prstGeom prst="ellipse">
-            <a:avLst/>
-          </a:prstGeom>
-          <a:solidFill>
-            <a:srgbClr val="00B0F0"/>
-          </a:solidFill>
-        </p:spPr>
-        <p:style>
-          <a:lnRef idx="2">
-            <a:schemeClr val="accent1">
-              <a:shade val="50000"/>
-            </a:schemeClr>
-          </a:lnRef>
-          <a:fillRef idx="1">
-            <a:schemeClr val="accent1"/>
-          </a:fillRef>
-          <a:effectRef idx="0">
-            <a:schemeClr val="accent1"/>
-          </a:effectRef>
-          <a:fontRef idx="minor">
-            <a:schemeClr val="lt1"/>
-          </a:fontRef>
-        </p:style>
-        <p:txBody>
-          <a:bodyPr rtlCol="0" anchor="ctr"/>
-          <a:lstStyle/>
-          <a:p>
-            <a:pPr algn="ctr"/>
-            <a:endParaRPr lang="en-US"/>
-          </a:p>
-        </p:txBody>
-      </p:sp>
-      <p:cxnSp>
-        <p:nvCxnSpPr>
-          <p:cNvPr id="121" name="Elbow Connector 120"/>
-          <p:cNvCxnSpPr>
-            <a:stCxn id="120" idx="2"/>
-            <a:endCxn id="122" idx="2"/>
-          </p:cNvCxnSpPr>
-          <p:nvPr/>
-        </p:nvCxnSpPr>
-        <p:spPr>
-          <a:xfrm rot="10800000" flipV="1">
-            <a:off x="4700598" y="6071260"/>
-            <a:ext cx="1887238" cy="308760"/>
-          </a:xfrm>
-          <a:prstGeom prst="bentConnector3">
-            <a:avLst>
-              <a:gd name="adj1" fmla="val 108456"/>
-            </a:avLst>
-          </a:prstGeom>
-          <a:ln w="19050">
-            <a:tailEnd type="stealth" w="lg" len="lg"/>
-          </a:ln>
-        </p:spPr>
-        <p:style>
-          <a:lnRef idx="1">
-            <a:schemeClr val="accent1"/>
-          </a:lnRef>
-          <a:fillRef idx="0">
-            <a:schemeClr val="accent1"/>
-          </a:fillRef>
-          <a:effectRef idx="0">
-            <a:schemeClr val="accent1"/>
-          </a:effectRef>
-          <a:fontRef idx="minor">
-            <a:schemeClr val="tx1"/>
-          </a:fontRef>
-        </p:style>
-      </p:cxnSp>
-      <p:sp>
-        <p:nvSpPr>
-          <p:cNvPr id="122" name="Oval 121"/>
-          <p:cNvSpPr/>
-          <p:nvPr/>
-        </p:nvSpPr>
-        <p:spPr>
-          <a:xfrm flipV="1">
-            <a:off x="4700598" y="6270192"/>
-            <a:ext cx="227589" cy="219656"/>
-          </a:xfrm>
-          <a:prstGeom prst="ellipse">
-            <a:avLst/>
-          </a:prstGeom>
-          <a:solidFill>
-            <a:srgbClr val="FF0000"/>
-          </a:solidFill>
-        </p:spPr>
-        <p:style>
-          <a:lnRef idx="2">
-            <a:schemeClr val="accent1">
-              <a:shade val="50000"/>
-            </a:schemeClr>
-          </a:lnRef>
-          <a:fillRef idx="1">
-            <a:schemeClr val="accent1"/>
-          </a:fillRef>
-          <a:effectRef idx="0">
-            <a:schemeClr val="accent1"/>
-          </a:effectRef>
-          <a:fontRef idx="minor">
-            <a:schemeClr val="lt1"/>
-          </a:fontRef>
-        </p:style>
-        <p:txBody>
-          <a:bodyPr rtlCol="0" anchor="ctr"/>
-          <a:lstStyle/>
-          <a:p>
-            <a:pPr algn="ctr"/>
-            <a:endParaRPr lang="en-US"/>
-          </a:p>
-        </p:txBody>
-      </p:sp>
-      <p:cxnSp>
-        <p:nvCxnSpPr>
-          <p:cNvPr id="125" name="Elbow Connector 124"/>
-          <p:cNvCxnSpPr>
-            <a:stCxn id="122" idx="6"/>
-            <a:endCxn id="120" idx="0"/>
-          </p:cNvCxnSpPr>
-          <p:nvPr/>
-        </p:nvCxnSpPr>
-        <p:spPr>
-          <a:xfrm flipV="1">
-            <a:off x="4928187" y="6181088"/>
-            <a:ext cx="1773444" cy="198932"/>
-          </a:xfrm>
-          <a:prstGeom prst="bentConnector2">
-            <a:avLst/>
-          </a:prstGeom>
-          <a:ln w="19050">
-            <a:tailEnd type="stealth" w="lg" len="lg"/>
-          </a:ln>
-        </p:spPr>
-        <p:style>
-          <a:lnRef idx="1">
-            <a:schemeClr val="accent1"/>
-          </a:lnRef>
-          <a:fillRef idx="0">
-            <a:schemeClr val="accent1"/>
-          </a:fillRef>
-          <a:effectRef idx="0">
-            <a:schemeClr val="accent1"/>
-          </a:effectRef>
-          <a:fontRef idx="minor">
-            <a:schemeClr val="tx1"/>
-          </a:fontRef>
-        </p:style>
-      </p:cxnSp>
-      <p:sp>
-        <p:nvSpPr>
-          <p:cNvPr id="128" name="Oval 127"/>
-          <p:cNvSpPr/>
-          <p:nvPr/>
-        </p:nvSpPr>
-        <p:spPr>
-          <a:xfrm flipV="1">
-            <a:off x="6587836" y="4906329"/>
-            <a:ext cx="227589" cy="219656"/>
-          </a:xfrm>
-          <a:prstGeom prst="ellipse">
-            <a:avLst/>
-          </a:prstGeom>
-          <a:solidFill>
-            <a:srgbClr val="00B0F0"/>
-          </a:solidFill>
-        </p:spPr>
-        <p:style>
-          <a:lnRef idx="2">
-            <a:schemeClr val="accent1">
-              <a:shade val="50000"/>
-            </a:schemeClr>
-          </a:lnRef>
-          <a:fillRef idx="1">
-            <a:schemeClr val="accent1"/>
-          </a:fillRef>
-          <a:effectRef idx="0">
-            <a:schemeClr val="accent1"/>
-          </a:effectRef>
-          <a:fontRef idx="minor">
-            <a:schemeClr val="lt1"/>
-          </a:fontRef>
-        </p:style>
-        <p:txBody>
-          <a:bodyPr rtlCol="0" anchor="ctr"/>
-          <a:lstStyle/>
-          <a:p>
-            <a:pPr algn="ctr"/>
-            <a:endParaRPr lang="en-US"/>
-          </a:p>
-        </p:txBody>
-      </p:sp>
-      <p:cxnSp>
-        <p:nvCxnSpPr>
-          <p:cNvPr id="129" name="Elbow Connector 128"/>
-          <p:cNvCxnSpPr>
-            <a:stCxn id="120" idx="4"/>
-            <a:endCxn id="128" idx="0"/>
-          </p:cNvCxnSpPr>
-          <p:nvPr/>
-        </p:nvCxnSpPr>
-        <p:spPr>
-          <a:xfrm flipV="1">
-            <a:off x="6701631" y="5125985"/>
-            <a:ext cx="0" cy="835447"/>
-          </a:xfrm>
-          <a:prstGeom prst="straightConnector1">
-            <a:avLst/>
-          </a:prstGeom>
-          <a:ln w="19050">
-            <a:tailEnd type="stealth" w="lg" len="lg"/>
-          </a:ln>
-        </p:spPr>
-        <p:style>
-          <a:lnRef idx="1">
-            <a:schemeClr val="accent1"/>
-          </a:lnRef>
-          <a:fillRef idx="0">
-            <a:schemeClr val="accent1"/>
-          </a:fillRef>
-          <a:effectRef idx="0">
-            <a:schemeClr val="accent1"/>
-          </a:effectRef>
-          <a:fontRef idx="minor">
-            <a:schemeClr val="tx1"/>
-          </a:fontRef>
-        </p:style>
-      </p:cxnSp>
-      <p:sp>
-        <p:nvSpPr>
-          <p:cNvPr id="133" name="TextBox 132"/>
-          <p:cNvSpPr txBox="1"/>
-          <p:nvPr/>
-        </p:nvSpPr>
-        <p:spPr>
-          <a:xfrm>
-            <a:off x="3625479" y="6320571"/>
-            <a:ext cx="1220073" cy="338554"/>
-          </a:xfrm>
-          <a:prstGeom prst="rect">
-            <a:avLst/>
-          </a:prstGeom>
-          <a:noFill/>
-        </p:spPr>
-        <p:txBody>
-          <a:bodyPr wrap="square" rtlCol="0">
-            <a:spAutoFit/>
-          </a:bodyPr>
-          <a:lstStyle/>
-          <a:p>
-            <a:r>
-              <a:rPr lang="en-US" sz="1600" dirty="0" smtClean="0"/>
-              <a:t>Feature3</a:t>
-            </a:r>
-            <a:endParaRPr lang="en-US" sz="1600" dirty="0"/>
-          </a:p>
-        </p:txBody>
-      </p:sp>
-      <p:sp>
-        <p:nvSpPr>
-          <p:cNvPr id="140" name="Oval 139"/>
-          <p:cNvSpPr/>
-          <p:nvPr/>
-        </p:nvSpPr>
-        <p:spPr>
-          <a:xfrm flipV="1">
-            <a:off x="4993978" y="5968740"/>
-            <a:ext cx="227589" cy="219656"/>
-          </a:xfrm>
-          <a:prstGeom prst="ellipse">
-            <a:avLst/>
-          </a:prstGeom>
-          <a:solidFill>
-            <a:srgbClr val="00B0F0"/>
-          </a:solidFill>
-        </p:spPr>
-        <p:style>
-          <a:lnRef idx="2">
-            <a:schemeClr val="accent1">
-              <a:shade val="50000"/>
-            </a:schemeClr>
-          </a:lnRef>
-          <a:fillRef idx="1">
-            <a:schemeClr val="accent1"/>
-          </a:fillRef>
-          <a:effectRef idx="0">
-            <a:schemeClr val="accent1"/>
-          </a:effectRef>
-          <a:fontRef idx="minor">
-            <a:schemeClr val="lt1"/>
-          </a:fontRef>
-        </p:style>
-        <p:txBody>
-          <a:bodyPr rtlCol="0" anchor="ctr"/>
-          <a:lstStyle/>
-          <a:p>
-            <a:pPr algn="ctr"/>
-            <a:endParaRPr lang="en-US"/>
-          </a:p>
-        </p:txBody>
-      </p:sp>
-      <p:cxnSp>
-        <p:nvCxnSpPr>
-          <p:cNvPr id="145" name="Elbow Connector 144"/>
-          <p:cNvCxnSpPr>
-            <a:stCxn id="71" idx="6"/>
-            <a:endCxn id="140" idx="4"/>
-          </p:cNvCxnSpPr>
-          <p:nvPr/>
-        </p:nvCxnSpPr>
-        <p:spPr>
-          <a:xfrm>
-            <a:off x="5041981" y="5021261"/>
-            <a:ext cx="65792" cy="947479"/>
-          </a:xfrm>
-          <a:prstGeom prst="bentConnector2">
-            <a:avLst/>
-          </a:prstGeom>
-          <a:ln w="19050">
-            <a:tailEnd type="stealth" w="lg" len="lg"/>
-          </a:ln>
-        </p:spPr>
-        <p:style>
-          <a:lnRef idx="1">
-            <a:schemeClr val="accent1"/>
-          </a:lnRef>
-          <a:fillRef idx="0">
-            <a:schemeClr val="accent1"/>
-          </a:fillRef>
-          <a:effectRef idx="0">
-            <a:schemeClr val="accent1"/>
-          </a:effectRef>
-          <a:fontRef idx="minor">
-            <a:schemeClr val="tx1"/>
-          </a:fontRef>
-        </p:style>
-      </p:cxnSp>
-      <p:sp>
-        <p:nvSpPr>
-          <p:cNvPr id="148" name="Oval 147"/>
-          <p:cNvSpPr/>
-          <p:nvPr/>
-        </p:nvSpPr>
-        <p:spPr>
-          <a:xfrm flipV="1">
-            <a:off x="3997611" y="5956717"/>
-            <a:ext cx="227589" cy="219656"/>
-          </a:xfrm>
-          <a:prstGeom prst="ellipse">
-            <a:avLst/>
-          </a:prstGeom>
-          <a:solidFill>
-            <a:srgbClr val="00B0F0"/>
-          </a:solidFill>
-        </p:spPr>
-        <p:style>
-          <a:lnRef idx="2">
-            <a:schemeClr val="accent1">
-              <a:shade val="50000"/>
-            </a:schemeClr>
-          </a:lnRef>
-          <a:fillRef idx="1">
-            <a:schemeClr val="accent1"/>
-          </a:fillRef>
-          <a:effectRef idx="0">
-            <a:schemeClr val="accent1"/>
-          </a:effectRef>
-          <a:fontRef idx="minor">
-            <a:schemeClr val="lt1"/>
-          </a:fontRef>
-        </p:style>
-        <p:txBody>
-          <a:bodyPr rtlCol="0" anchor="ctr"/>
-          <a:lstStyle/>
-          <a:p>
-            <a:pPr algn="ctr"/>
-            <a:endParaRPr lang="en-US"/>
-          </a:p>
-        </p:txBody>
-      </p:sp>
-      <p:cxnSp>
-        <p:nvCxnSpPr>
-          <p:cNvPr id="149" name="Elbow Connector 148"/>
-          <p:cNvCxnSpPr>
-            <a:stCxn id="70" idx="6"/>
-            <a:endCxn id="148" idx="4"/>
-          </p:cNvCxnSpPr>
-          <p:nvPr/>
-        </p:nvCxnSpPr>
-        <p:spPr>
-          <a:xfrm>
-            <a:off x="4052492" y="5022789"/>
-            <a:ext cx="58914" cy="933928"/>
+            <a:off x="3878795" y="5053080"/>
+            <a:ext cx="316060" cy="757430"/>
           </a:xfrm>
           <a:prstGeom prst="bentConnector2">
             <a:avLst/>
@@ -15918,15 +16578,6 @@
 </file>
 
 <file path=customXml/item1.xml><?xml version="1.0" encoding="utf-8"?>
-<?mso-contentType ?>
-<FormTemplates xmlns="http://schemas.microsoft.com/sharepoint/v3/contenttype/forms">
-  <Display>DocumentLibraryForm</Display>
-  <Edit>DocumentLibraryForm</Edit>
-  <New>DocumentLibraryForm</New>
-</FormTemplates>
-</file>
-
-<file path=customXml/item2.xml><?xml version="1.0" encoding="utf-8"?>
 <ct:contentTypeSchema xmlns:ct="http://schemas.microsoft.com/office/2006/metadata/contentType" xmlns:ma="http://schemas.microsoft.com/office/2006/metadata/properties/metaAttributes" ct:_="" ma:_="" ma:contentTypeName="Picture" ma:contentTypeID="0x01010200F177B2FE6EB01A4CB29C652E415E2656" ma:contentTypeVersion="11" ma:contentTypeDescription="Upload an image or a photograph." ma:contentTypeScope="" ma:versionID="f320764365f13f50dd47b542c61f0f3c">
   <xsd:schema xmlns:xsd="http://www.w3.org/2001/XMLSchema" xmlns:xs="http://www.w3.org/2001/XMLSchema" xmlns:p="http://schemas.microsoft.com/office/2006/metadata/properties" xmlns:ns1="http://schemas.microsoft.com/sharepoint/v3" xmlns:ns2="2c061caa-ac96-4ed1-b74a-abb1169dd94c" xmlns:ns3="8acc76ce-4927-4c10-947a-54b615abcc3a" targetNamespace="http://schemas.microsoft.com/office/2006/metadata/properties" ma:root="true" ma:fieldsID="4ef1a987c416b8de0673a0f47df6a8c9" ns1:_="" ns2:_="" ns3:_="">
     <xsd:import namespace="http://schemas.microsoft.com/sharepoint/v3"/>
@@ -16228,6 +16879,15 @@
 </ct:contentTypeSchema>
 </file>
 
+<file path=customXml/item2.xml><?xml version="1.0" encoding="utf-8"?>
+<?mso-contentType ?>
+<FormTemplates xmlns="http://schemas.microsoft.com/sharepoint/v3/contenttype/forms">
+  <Display>DocumentLibraryForm</Display>
+  <Edit>DocumentLibraryForm</Edit>
+  <New>DocumentLibraryForm</New>
+</FormTemplates>
+</file>
+
 <file path=customXml/item3.xml><?xml version="1.0" encoding="utf-8"?>
 <p:properties xmlns:p="http://schemas.microsoft.com/office/2006/metadata/properties" xmlns:xsi="http://www.w3.org/2001/XMLSchema-instance" xmlns:pc="http://schemas.microsoft.com/office/infopath/2007/PartnerControls">
   <documentManagement>
@@ -16252,14 +16912,6 @@
 </file>
 
 <file path=customXml/itemProps1.xml><?xml version="1.0" encoding="utf-8"?>
-<ds:datastoreItem xmlns:ds="http://schemas.openxmlformats.org/officeDocument/2006/customXml" ds:itemID="{613FA5FF-2111-4E01-9BF6-3626FF06C57A}">
-  <ds:schemaRefs>
-    <ds:schemaRef ds:uri="http://schemas.microsoft.com/sharepoint/v3/contenttype/forms"/>
-  </ds:schemaRefs>
-</ds:datastoreItem>
-</file>
-
-<file path=customXml/itemProps2.xml><?xml version="1.0" encoding="utf-8"?>
 <ds:datastoreItem xmlns:ds="http://schemas.openxmlformats.org/officeDocument/2006/customXml" ds:itemID="{07CB1D6C-4708-4946-9D73-8E1A5A223D41}">
   <ds:schemaRefs>
     <ds:schemaRef ds:uri="http://schemas.microsoft.com/office/2006/metadata/contentType"/>
@@ -16275,6 +16927,14 @@
     <ds:schemaRef ds:uri="http://purl.org/dc/elements/1.1/"/>
     <ds:schemaRef ds:uri="http://purl.org/dc/terms/"/>
     <ds:schemaRef ds:uri="http://schemas.microsoft.com/internal/obd"/>
+  </ds:schemaRefs>
+</ds:datastoreItem>
+</file>
+
+<file path=customXml/itemProps2.xml><?xml version="1.0" encoding="utf-8"?>
+<ds:datastoreItem xmlns:ds="http://schemas.openxmlformats.org/officeDocument/2006/customXml" ds:itemID="{613FA5FF-2111-4E01-9BF6-3626FF06C57A}">
+  <ds:schemaRefs>
+    <ds:schemaRef ds:uri="http://schemas.microsoft.com/sharepoint/v3/contenttype/forms"/>
   </ds:schemaRefs>
 </ds:datastoreItem>
 </file>

--- a/GIT_ARL_ParaPower_Workflow.pptx
+++ b/GIT_ARL_ParaPower_Workflow.pptx
@@ -11593,14 +11593,14 @@
           <p:nvPr>
             <p:extLst>
               <p:ext uri="{D42A27DB-BD31-4B8C-83A1-F6EECF244321}">
-                <p14:modId xmlns:p14="http://schemas.microsoft.com/office/powerpoint/2010/main" val="2808767168"/>
+                <p14:modId xmlns:p14="http://schemas.microsoft.com/office/powerpoint/2010/main" val="1754795260"/>
               </p:ext>
             </p:extLst>
           </p:nvPr>
         </p:nvGraphicFramePr>
         <p:xfrm>
-          <a:off x="1040652" y="509010"/>
-          <a:ext cx="6932802" cy="3291840"/>
+          <a:off x="516034" y="509010"/>
+          <a:ext cx="8379390" cy="3291840"/>
         </p:xfrm>
         <a:graphic>
           <a:graphicData uri="http://schemas.openxmlformats.org/drawingml/2006/table">
@@ -11609,38 +11609,45 @@
                 <a:tableStyleId>{5C22544A-7EE6-4342-B048-85BDC9FD1C3A}</a:tableStyleId>
               </a:tblPr>
               <a:tblGrid>
-                <a:gridCol w="781368">
+                <a:gridCol w="809085">
                   <a:extLst>
                     <a:ext uri="{9D8B030D-6E8A-4147-A177-3AD203B41FA5}">
                       <a16:colId xmlns:a16="http://schemas.microsoft.com/office/drawing/2014/main" val="484948875"/>
                     </a:ext>
                   </a:extLst>
                 </a:gridCol>
-                <a:gridCol w="2454891">
+                <a:gridCol w="2541973">
                   <a:extLst>
                     <a:ext uri="{9D8B030D-6E8A-4147-A177-3AD203B41FA5}">
                       <a16:colId xmlns:a16="http://schemas.microsoft.com/office/drawing/2014/main" val="2977375988"/>
                     </a:ext>
                   </a:extLst>
                 </a:gridCol>
-                <a:gridCol w="1272988">
+                <a:gridCol w="1318144">
                   <a:extLst>
                     <a:ext uri="{9D8B030D-6E8A-4147-A177-3AD203B41FA5}">
                       <a16:colId xmlns:a16="http://schemas.microsoft.com/office/drawing/2014/main" val="2541585535"/>
                     </a:ext>
                   </a:extLst>
                 </a:gridCol>
-                <a:gridCol w="1264024">
+                <a:gridCol w="1308862">
                   <a:extLst>
                     <a:ext uri="{9D8B030D-6E8A-4147-A177-3AD203B41FA5}">
                       <a16:colId xmlns:a16="http://schemas.microsoft.com/office/drawing/2014/main" val="1881064484"/>
                     </a:ext>
                   </a:extLst>
                 </a:gridCol>
-                <a:gridCol w="1159531">
+                <a:gridCol w="1200663">
                   <a:extLst>
                     <a:ext uri="{9D8B030D-6E8A-4147-A177-3AD203B41FA5}">
                       <a16:colId xmlns:a16="http://schemas.microsoft.com/office/drawing/2014/main" val="445434407"/>
+                    </a:ext>
+                  </a:extLst>
+                </a:gridCol>
+                <a:gridCol w="1200663">
+                  <a:extLst>
+                    <a:ext uri="{9D8B030D-6E8A-4147-A177-3AD203B41FA5}">
+                      <a16:colId xmlns:a16="http://schemas.microsoft.com/office/drawing/2014/main" val="1875577993"/>
                     </a:ext>
                   </a:extLst>
                 </a:gridCol>
@@ -11710,6 +11717,20 @@
                       <a:r>
                         <a:rPr lang="en-US" sz="1200" dirty="0" smtClean="0"/>
                         <a:t>Name</a:t>
+                      </a:r>
+                      <a:endParaRPr lang="en-US" sz="1200" dirty="0"/>
+                    </a:p>
+                  </a:txBody>
+                  <a:tcPr/>
+                </a:tc>
+                <a:tc>
+                  <a:txBody>
+                    <a:bodyPr/>
+                    <a:lstStyle/>
+                    <a:p>
+                      <a:r>
+                        <a:rPr lang="en-US" sz="1200" dirty="0" smtClean="0"/>
+                        <a:t>Comments</a:t>
                       </a:r>
                       <a:endParaRPr lang="en-US" sz="1200" dirty="0"/>
                     </a:p>
@@ -11832,6 +11853,27 @@
                     </a:solidFill>
                   </a:tcPr>
                 </a:tc>
+                <a:tc>
+                  <a:txBody>
+                    <a:bodyPr/>
+                    <a:lstStyle/>
+                    <a:p>
+                      <a:r>
+                        <a:rPr lang="en-US" sz="1200" dirty="0" smtClean="0"/>
+                        <a:t>Merges only</a:t>
+                      </a:r>
+                      <a:endParaRPr lang="en-US" sz="1200" dirty="0"/>
+                    </a:p>
+                  </a:txBody>
+                  <a:tcPr anchor="ctr">
+                    <a:solidFill>
+                      <a:schemeClr val="tx2">
+                        <a:lumMod val="40000"/>
+                        <a:lumOff val="60000"/>
+                      </a:schemeClr>
+                    </a:solidFill>
+                  </a:tcPr>
+                </a:tc>
                 <a:extLst>
                   <a:ext uri="{0D108BD9-81ED-4DB2-BD59-A6C34878D82A}">
                     <a16:rowId xmlns:a16="http://schemas.microsoft.com/office/drawing/2014/main" val="433628271"/>
@@ -11868,7 +11910,11 @@
                       </a:r>
                       <a:r>
                         <a:rPr lang="en-US" sz="1200" baseline="0" dirty="0" smtClean="0"/>
-                        <a:t> awaiting release</a:t>
+                        <a:t> awaiting </a:t>
+                      </a:r>
+                      <a:r>
+                        <a:rPr lang="en-US" sz="1200" baseline="0" dirty="0" smtClean="0"/>
+                        <a:t>release </a:t>
                       </a:r>
                       <a:endParaRPr lang="en-US" sz="1200" dirty="0"/>
                     </a:p>
@@ -11929,6 +11975,24 @@
                       <a:r>
                         <a:rPr lang="en-US" sz="1200" dirty="0" smtClean="0"/>
                         <a:t>_Develop</a:t>
+                      </a:r>
+                      <a:endParaRPr lang="en-US" sz="1200" dirty="0"/>
+                    </a:p>
+                  </a:txBody>
+                  <a:tcPr anchor="ctr">
+                    <a:solidFill>
+                      <a:srgbClr val="92D050"/>
+                    </a:solidFill>
+                  </a:tcPr>
+                </a:tc>
+                <a:tc>
+                  <a:txBody>
+                    <a:bodyPr/>
+                    <a:lstStyle/>
+                    <a:p>
+                      <a:r>
+                        <a:rPr lang="en-US" sz="1200" dirty="0" smtClean="0"/>
+                        <a:t>Merges only</a:t>
                       </a:r>
                       <a:endParaRPr lang="en-US" sz="1200" dirty="0"/>
                     </a:p>
@@ -12036,6 +12100,24 @@
                       <a:r>
                         <a:rPr lang="en-US" sz="1200" dirty="0" smtClean="0"/>
                         <a:t>Develop</a:t>
+                      </a:r>
+                      <a:endParaRPr lang="en-US" sz="1200" dirty="0"/>
+                    </a:p>
+                  </a:txBody>
+                  <a:tcPr anchor="ctr">
+                    <a:solidFill>
+                      <a:srgbClr val="FF9999"/>
+                    </a:solidFill>
+                  </a:tcPr>
+                </a:tc>
+                <a:tc>
+                  <a:txBody>
+                    <a:bodyPr/>
+                    <a:lstStyle/>
+                    <a:p>
+                      <a:r>
+                        <a:rPr lang="en-US" sz="1200" dirty="0" smtClean="0"/>
+                        <a:t>Merges only</a:t>
                       </a:r>
                       <a:endParaRPr lang="en-US" sz="1200" dirty="0"/>
                     </a:p>
@@ -12154,6 +12236,20 @@
                     </a:solidFill>
                   </a:tcPr>
                 </a:tc>
+                <a:tc>
+                  <a:txBody>
+                    <a:bodyPr/>
+                    <a:lstStyle/>
+                    <a:p>
+                      <a:endParaRPr lang="en-US" sz="1200" dirty="0"/>
+                    </a:p>
+                  </a:txBody>
+                  <a:tcPr anchor="ctr">
+                    <a:solidFill>
+                      <a:srgbClr val="9999FF"/>
+                    </a:solidFill>
+                  </a:tcPr>
+                </a:tc>
                 <a:extLst>
                   <a:ext uri="{0D108BD9-81ED-4DB2-BD59-A6C34878D82A}">
                     <a16:rowId xmlns:a16="http://schemas.microsoft.com/office/drawing/2014/main" val="715164244"/>
@@ -12262,6 +12358,20 @@
                     </a:solidFill>
                   </a:tcPr>
                 </a:tc>
+                <a:tc>
+                  <a:txBody>
+                    <a:bodyPr/>
+                    <a:lstStyle/>
+                    <a:p>
+                      <a:endParaRPr lang="en-US" sz="1200" dirty="0"/>
+                    </a:p>
+                  </a:txBody>
+                  <a:tcPr anchor="ctr">
+                    <a:solidFill>
+                      <a:srgbClr val="66FFFF"/>
+                    </a:solidFill>
+                  </a:tcPr>
+                </a:tc>
                 <a:extLst>
                   <a:ext uri="{0D108BD9-81ED-4DB2-BD59-A6C34878D82A}">
                     <a16:rowId xmlns:a16="http://schemas.microsoft.com/office/drawing/2014/main" val="2235093896"/>
@@ -12318,7 +12428,6 @@
                         <a:rPr lang="en-US" sz="1200" dirty="0" smtClean="0"/>
                         <a:t>Develop</a:t>
                       </a:r>
-                      <a:endParaRPr lang="en-US" sz="1200" dirty="0" smtClean="0"/>
                     </a:p>
                   </a:txBody>
                   <a:tcPr anchor="ctr">
@@ -12369,6 +12478,20 @@
                     </a:solidFill>
                   </a:tcPr>
                 </a:tc>
+                <a:tc>
+                  <a:txBody>
+                    <a:bodyPr/>
+                    <a:lstStyle/>
+                    <a:p>
+                      <a:endParaRPr lang="en-US" sz="1200" dirty="0"/>
+                    </a:p>
+                  </a:txBody>
+                  <a:tcPr anchor="ctr">
+                    <a:solidFill>
+                      <a:srgbClr val="FF99FF"/>
+                    </a:solidFill>
+                  </a:tcPr>
+                </a:tc>
                 <a:extLst>
                   <a:ext uri="{0D108BD9-81ED-4DB2-BD59-A6C34878D82A}">
                     <a16:rowId xmlns:a16="http://schemas.microsoft.com/office/drawing/2014/main" val="199089643"/>
@@ -12394,7 +12517,7 @@
                   </a:txBody>
                   <a:tcPr anchor="ctr">
                     <a:solidFill>
-                      <a:srgbClr val="FF99FF"/>
+                      <a:srgbClr val="FFCCFF"/>
                     </a:solidFill>
                   </a:tcPr>
                 </a:tc>
@@ -12416,7 +12539,7 @@
                   </a:txBody>
                   <a:tcPr anchor="ctr">
                     <a:solidFill>
-                      <a:srgbClr val="FF99FF"/>
+                      <a:srgbClr val="FFCCFF"/>
                     </a:solidFill>
                   </a:tcPr>
                 </a:tc>
@@ -12434,7 +12557,7 @@
                   </a:txBody>
                   <a:tcPr anchor="ctr">
                     <a:solidFill>
-                      <a:srgbClr val="FF99FF"/>
+                      <a:srgbClr val="FFCCFF"/>
                     </a:solidFill>
                   </a:tcPr>
                 </a:tc>
@@ -12459,7 +12582,7 @@
                   </a:txBody>
                   <a:tcPr anchor="ctr">
                     <a:solidFill>
-                      <a:srgbClr val="FF99FF"/>
+                      <a:srgbClr val="FFCCFF"/>
                     </a:solidFill>
                   </a:tcPr>
                 </a:tc>
@@ -12477,7 +12600,21 @@
                   </a:txBody>
                   <a:tcPr anchor="ctr">
                     <a:solidFill>
-                      <a:srgbClr val="FF99FF"/>
+                      <a:srgbClr val="FFCCFF"/>
+                    </a:solidFill>
+                  </a:tcPr>
+                </a:tc>
+                <a:tc>
+                  <a:txBody>
+                    <a:bodyPr/>
+                    <a:lstStyle/>
+                    <a:p>
+                      <a:endParaRPr lang="en-US" sz="1200" dirty="0"/>
+                    </a:p>
+                  </a:txBody>
+                  <a:tcPr anchor="ctr">
+                    <a:solidFill>
+                      <a:srgbClr val="FFCCFF"/>
                     </a:solidFill>
                   </a:tcPr>
                 </a:tc>
@@ -12499,8 +12636,8 @@
         </p:nvSpPr>
         <p:spPr>
           <a:xfrm>
-            <a:off x="5587514" y="3782840"/>
-            <a:ext cx="3889669" cy="3308598"/>
+            <a:off x="5266375" y="3781526"/>
+            <a:ext cx="4163756" cy="3308598"/>
           </a:xfrm>
           <a:prstGeom prst="rect">
             <a:avLst/>
@@ -12525,19 +12662,15 @@
             </a:pPr>
             <a:r>
               <a:rPr lang="en-US" sz="1100" dirty="0" smtClean="0"/>
-              <a:t>Branch off of Develop, Name is </a:t>
+              <a:t>Create branch </a:t>
+            </a:r>
+            <a:r>
+              <a:rPr lang="en-US" sz="1100" dirty="0" smtClean="0"/>
+              <a:t>off of Develop, Name is </a:t>
             </a:r>
             <a:r>
               <a:rPr lang="en-US" sz="1100" dirty="0" err="1" smtClean="0"/>
-              <a:t>P</a:t>
-            </a:r>
-            <a:r>
-              <a:rPr lang="en-US" sz="1100" dirty="0" err="1" smtClean="0"/>
-              <a:t>_</a:t>
-            </a:r>
-            <a:r>
-              <a:rPr lang="en-US" sz="1100" dirty="0" err="1" smtClean="0"/>
-              <a:t>anything</a:t>
+              <a:t>P_anything</a:t>
             </a:r>
             <a:endParaRPr lang="en-US" sz="1100" dirty="0" smtClean="0"/>
           </a:p>
@@ -12578,8 +12711,20 @@
               <a:buChar char="•"/>
             </a:pPr>
             <a:r>
+              <a:rPr lang="en-US" sz="1100" dirty="0" err="1" smtClean="0"/>
+              <a:t>Creaste</a:t>
+            </a:r>
+            <a:r>
+              <a:rPr lang="en-US" sz="1100" dirty="0" smtClean="0"/>
+              <a:t> b</a:t>
+            </a:r>
+            <a:r>
+              <a:rPr lang="en-US" sz="1100" dirty="0" smtClean="0"/>
+              <a:t>ranch </a:t>
+            </a:r>
+            <a:r>
               <a:rPr lang="en-US" sz="1100" dirty="0"/>
-              <a:t>Branch off of </a:t>
+              <a:t>off of </a:t>
             </a:r>
             <a:r>
               <a:rPr lang="en-US" sz="1100" dirty="0" err="1" smtClean="0"/>
@@ -12641,7 +12786,15 @@
             </a:pPr>
             <a:r>
               <a:rPr lang="en-US" sz="1100" dirty="0" smtClean="0"/>
-              <a:t>Branch off Develop, Name is R-</a:t>
+              <a:t>Create b</a:t>
+            </a:r>
+            <a:r>
+              <a:rPr lang="en-US" sz="1100" dirty="0" smtClean="0"/>
+              <a:t>ranch </a:t>
+            </a:r>
+            <a:r>
+              <a:rPr lang="en-US" sz="1100" dirty="0" smtClean="0"/>
+              <a:t>off Develop, Name is R-</a:t>
             </a:r>
             <a:r>
               <a:rPr lang="en-US" sz="1100" dirty="0" err="1" smtClean="0"/>
@@ -12682,13 +12835,16 @@
             </a:pPr>
             <a:r>
               <a:rPr lang="en-US" sz="1100" dirty="0" smtClean="0"/>
-              <a:t>Branch off of Master, Name is </a:t>
+              <a:t>Create b</a:t>
             </a:r>
             <a:r>
               <a:rPr lang="en-US" sz="1100" dirty="0" smtClean="0"/>
-              <a:t>Hotfix-NNN</a:t>
-            </a:r>
-            <a:endParaRPr lang="en-US" sz="1100" dirty="0" smtClean="0"/>
+              <a:t>ranch </a:t>
+            </a:r>
+            <a:r>
+              <a:rPr lang="en-US" sz="1100" dirty="0" smtClean="0"/>
+              <a:t>off of Master, Name is Hotfix-NNN</a:t>
+            </a:r>
           </a:p>
           <a:p>
             <a:pPr marL="171450" indent="-171450">
@@ -13092,7 +13248,7 @@
           </p:nvSpPr>
           <p:spPr>
             <a:xfrm>
-              <a:off x="3793435" y="4575468"/>
+              <a:off x="3934186" y="4557871"/>
               <a:ext cx="562655" cy="184666"/>
             </a:xfrm>
             <a:prstGeom prst="rect">
@@ -13170,7 +13326,7 @@
               <a:avLst/>
             </a:prstGeom>
             <a:solidFill>
-              <a:srgbClr val="FF99FF"/>
+              <a:srgbClr val="FFCCFF"/>
             </a:solidFill>
           </p:spPr>
           <p:txBody>
@@ -13357,11 +13513,11 @@
           <p:spPr>
             <a:xfrm rot="10800000">
               <a:off x="1418782" y="4763702"/>
-              <a:ext cx="882792" cy="289378"/>
+              <a:ext cx="829524" cy="289378"/>
             </a:xfrm>
             <a:prstGeom prst="bentConnector3">
               <a:avLst>
-                <a:gd name="adj1" fmla="val 125895"/>
+                <a:gd name="adj1" fmla="val 127558"/>
               </a:avLst>
             </a:prstGeom>
             <a:ln w="19050">
@@ -13874,7 +14030,7 @@
           </p:nvSpPr>
           <p:spPr>
             <a:xfrm flipV="1">
-              <a:off x="2301574" y="4943252"/>
+              <a:off x="2248306" y="4943252"/>
               <a:ext cx="227589" cy="219656"/>
             </a:xfrm>
             <a:prstGeom prst="ellipse">
@@ -13964,11 +14120,11 @@
           <p:spPr>
             <a:xfrm rot="10800000" flipV="1">
               <a:off x="992786" y="5053080"/>
-              <a:ext cx="1308788" cy="573794"/>
+              <a:ext cx="1255520" cy="573794"/>
             </a:xfrm>
             <a:prstGeom prst="bentConnector3">
               <a:avLst>
-                <a:gd name="adj1" fmla="val 117467"/>
+                <a:gd name="adj1" fmla="val 118208"/>
               </a:avLst>
             </a:prstGeom>
             <a:ln w="19050">
@@ -14002,7 +14158,7 @@
           <p:spPr>
             <a:xfrm flipV="1">
               <a:off x="1220375" y="5162908"/>
-              <a:ext cx="1194994" cy="463966"/>
+              <a:ext cx="1141726" cy="463966"/>
             </a:xfrm>
             <a:prstGeom prst="bentConnector2">
               <a:avLst/>
@@ -14038,11 +14194,11 @@
           <p:spPr>
             <a:xfrm rot="10800000" flipV="1">
               <a:off x="1993720" y="5053079"/>
-              <a:ext cx="307855" cy="361045"/>
+              <a:ext cx="254587" cy="361045"/>
             </a:xfrm>
             <a:prstGeom prst="bentConnector3">
               <a:avLst>
-                <a:gd name="adj1" fmla="val 174256"/>
+                <a:gd name="adj1" fmla="val 189792"/>
               </a:avLst>
             </a:prstGeom>
             <a:ln w="19050">
@@ -14144,7 +14300,7 @@
           </p:nvSpPr>
           <p:spPr>
             <a:xfrm flipV="1">
-              <a:off x="4393259" y="4644412"/>
+              <a:off x="4517551" y="4644412"/>
               <a:ext cx="227589" cy="219656"/>
             </a:xfrm>
             <a:prstGeom prst="ellipse">
@@ -14191,11 +14347,11 @@
           <p:spPr>
             <a:xfrm flipV="1">
               <a:off x="3878795" y="4754240"/>
-              <a:ext cx="514464" cy="298840"/>
+              <a:ext cx="638756" cy="298840"/>
             </a:xfrm>
             <a:prstGeom prst="bentConnector3">
               <a:avLst>
-                <a:gd name="adj1" fmla="val 62079"/>
+                <a:gd name="adj1" fmla="val 50000"/>
               </a:avLst>
             </a:prstGeom>
             <a:ln w="19050">
@@ -14228,8 +14384,8 @@
           </p:nvCxnSpPr>
           <p:spPr>
             <a:xfrm flipV="1">
-              <a:off x="4620848" y="4477272"/>
-              <a:ext cx="303323" cy="276968"/>
+              <a:off x="4745140" y="4477272"/>
+              <a:ext cx="179031" cy="276968"/>
             </a:xfrm>
             <a:prstGeom prst="bentConnector2">
               <a:avLst/>
@@ -14708,8 +14864,8 @@
           </p:nvCxnSpPr>
           <p:spPr>
             <a:xfrm>
-              <a:off x="2529163" y="5053080"/>
-              <a:ext cx="343578" cy="805554"/>
+              <a:off x="2475895" y="5053080"/>
+              <a:ext cx="396846" cy="805554"/>
             </a:xfrm>
             <a:prstGeom prst="bentConnector2">
               <a:avLst/>
@@ -15065,7 +15221,6 @@
                 <a:rPr lang="en-US" sz="1200" dirty="0" smtClean="0"/>
                 <a:t>Required</a:t>
               </a:r>
-              <a:endParaRPr lang="en-US" sz="1200" dirty="0" smtClean="0"/>
             </a:p>
           </p:txBody>
         </p:sp>
@@ -16839,12 +16994,26 @@
 </file>
 
 <file path=customXml/item1.xml><?xml version="1.0" encoding="utf-8"?>
-<?mso-contentType ?>
-<FormTemplates xmlns="http://schemas.microsoft.com/sharepoint/v3/contenttype/forms">
-  <Display>DocumentLibraryForm</Display>
-  <Edit>DocumentLibraryForm</Edit>
-  <New>DocumentLibraryForm</New>
-</FormTemplates>
+<p:properties xmlns:p="http://schemas.microsoft.com/office/2006/metadata/properties" xmlns:xsi="http://www.w3.org/2001/XMLSchema-instance" xmlns:pc="http://schemas.microsoft.com/office/infopath/2007/PartnerControls">
+  <documentManagement>
+    <AlternateThumbnailUrl xmlns="http://schemas.microsoft.com/sharepoint/v3">
+      <Url xsi:nil="true"/>
+      <Description xsi:nil="true"/>
+    </AlternateThumbnailUrl>
+    <Group xmlns="8acc76ce-4927-4c10-947a-54b615abcc3a">PowerPoint</Group>
+    <Display_x0020_Name xmlns="8acc76ce-4927-4c10-947a-54b615abcc3a">CCDC Army Research Laboratory – PowerPoint (Briefing) – Standard Format</Display_x0020_Name>
+    <ImageCreateDate xmlns="http://schemas.microsoft.com/sharepoint/v3" xsi:nil="true"/>
+    <Organization xmlns="2c061caa-ac96-4ed1-b74a-abb1169dd94c">ARL</Organization>
+    <Description xmlns="http://schemas.microsoft.com/sharepoint/v3" xsi:nil="true"/>
+    <Desktop xmlns="8acc76ce-4927-4c10-947a-54b615abcc3a">Both</Desktop>
+    <DL_Link xmlns="8acc76ce-4927-4c10-947a-54b615abcc3a">
+      <Url>https://rdecom.apgea.army.mil/_layouts/download.aspx?SourceUrl=https://rdecom.apgea.army.mil/BP/BrandItems/PowerPoint_Template_RLB.pptx</Url>
+      <Description>DOWNLOAD</Description>
+    </DL_Link>
+    <FileType0 xmlns="8acc76ce-4927-4c10-947a-54b615abcc3a">pptx</FileType0>
+    <SortOrder xmlns="8acc76ce-4927-4c10-947a-54b615abcc3a">04 – PowerPoint (Briefing) Templates</SortOrder>
+  </documentManagement>
+</p:properties>
 </file>
 
 <file path=customXml/item2.xml><?xml version="1.0" encoding="utf-8"?>
@@ -17150,32 +17319,28 @@
 </file>
 
 <file path=customXml/item3.xml><?xml version="1.0" encoding="utf-8"?>
-<p:properties xmlns:p="http://schemas.microsoft.com/office/2006/metadata/properties" xmlns:xsi="http://www.w3.org/2001/XMLSchema-instance" xmlns:pc="http://schemas.microsoft.com/office/infopath/2007/PartnerControls">
-  <documentManagement>
-    <AlternateThumbnailUrl xmlns="http://schemas.microsoft.com/sharepoint/v3">
-      <Url xsi:nil="true"/>
-      <Description xsi:nil="true"/>
-    </AlternateThumbnailUrl>
-    <Group xmlns="8acc76ce-4927-4c10-947a-54b615abcc3a">PowerPoint</Group>
-    <Display_x0020_Name xmlns="8acc76ce-4927-4c10-947a-54b615abcc3a">CCDC Army Research Laboratory – PowerPoint (Briefing) – Standard Format</Display_x0020_Name>
-    <ImageCreateDate xmlns="http://schemas.microsoft.com/sharepoint/v3" xsi:nil="true"/>
-    <Organization xmlns="2c061caa-ac96-4ed1-b74a-abb1169dd94c">ARL</Organization>
-    <Description xmlns="http://schemas.microsoft.com/sharepoint/v3" xsi:nil="true"/>
-    <Desktop xmlns="8acc76ce-4927-4c10-947a-54b615abcc3a">Both</Desktop>
-    <DL_Link xmlns="8acc76ce-4927-4c10-947a-54b615abcc3a">
-      <Url>https://rdecom.apgea.army.mil/_layouts/download.aspx?SourceUrl=https://rdecom.apgea.army.mil/BP/BrandItems/PowerPoint_Template_RLB.pptx</Url>
-      <Description>DOWNLOAD</Description>
-    </DL_Link>
-    <FileType0 xmlns="8acc76ce-4927-4c10-947a-54b615abcc3a">pptx</FileType0>
-    <SortOrder xmlns="8acc76ce-4927-4c10-947a-54b615abcc3a">04 – PowerPoint (Briefing) Templates</SortOrder>
-  </documentManagement>
-</p:properties>
+<?mso-contentType ?>
+<FormTemplates xmlns="http://schemas.microsoft.com/sharepoint/v3/contenttype/forms">
+  <Display>DocumentLibraryForm</Display>
+  <Edit>DocumentLibraryForm</Edit>
+  <New>DocumentLibraryForm</New>
+</FormTemplates>
 </file>
 
 <file path=customXml/itemProps1.xml><?xml version="1.0" encoding="utf-8"?>
-<ds:datastoreItem xmlns:ds="http://schemas.openxmlformats.org/officeDocument/2006/customXml" ds:itemID="{613FA5FF-2111-4E01-9BF6-3626FF06C57A}">
+<ds:datastoreItem xmlns:ds="http://schemas.openxmlformats.org/officeDocument/2006/customXml" ds:itemID="{18FEFD74-9FBC-4157-8802-AFD8EC757C9F}">
   <ds:schemaRefs>
-    <ds:schemaRef ds:uri="http://schemas.microsoft.com/sharepoint/v3/contenttype/forms"/>
+    <ds:schemaRef ds:uri="http://schemas.openxmlformats.org/package/2006/metadata/core-properties"/>
+    <ds:schemaRef ds:uri="http://schemas.microsoft.com/office/2006/documentManagement/types"/>
+    <ds:schemaRef ds:uri="http://schemas.microsoft.com/office/infopath/2007/PartnerControls"/>
+    <ds:schemaRef ds:uri="http://purl.org/dc/elements/1.1/"/>
+    <ds:schemaRef ds:uri="8acc76ce-4927-4c10-947a-54b615abcc3a"/>
+    <ds:schemaRef ds:uri="http://schemas.microsoft.com/office/2006/metadata/properties"/>
+    <ds:schemaRef ds:uri="http://schemas.microsoft.com/sharepoint/v3"/>
+    <ds:schemaRef ds:uri="http://purl.org/dc/terms/"/>
+    <ds:schemaRef ds:uri="2c061caa-ac96-4ed1-b74a-abb1169dd94c"/>
+    <ds:schemaRef ds:uri="http://www.w3.org/XML/1998/namespace"/>
+    <ds:schemaRef ds:uri="http://purl.org/dc/dcmitype/"/>
   </ds:schemaRefs>
 </ds:datastoreItem>
 </file>
@@ -17201,19 +17366,9 @@
 </file>
 
 <file path=customXml/itemProps3.xml><?xml version="1.0" encoding="utf-8"?>
-<ds:datastoreItem xmlns:ds="http://schemas.openxmlformats.org/officeDocument/2006/customXml" ds:itemID="{18FEFD74-9FBC-4157-8802-AFD8EC757C9F}">
+<ds:datastoreItem xmlns:ds="http://schemas.openxmlformats.org/officeDocument/2006/customXml" ds:itemID="{613FA5FF-2111-4E01-9BF6-3626FF06C57A}">
   <ds:schemaRefs>
-    <ds:schemaRef ds:uri="http://schemas.openxmlformats.org/package/2006/metadata/core-properties"/>
-    <ds:schemaRef ds:uri="http://schemas.microsoft.com/office/2006/documentManagement/types"/>
-    <ds:schemaRef ds:uri="http://schemas.microsoft.com/office/infopath/2007/PartnerControls"/>
-    <ds:schemaRef ds:uri="http://purl.org/dc/elements/1.1/"/>
-    <ds:schemaRef ds:uri="8acc76ce-4927-4c10-947a-54b615abcc3a"/>
-    <ds:schemaRef ds:uri="http://schemas.microsoft.com/office/2006/metadata/properties"/>
-    <ds:schemaRef ds:uri="http://schemas.microsoft.com/sharepoint/v3"/>
-    <ds:schemaRef ds:uri="http://purl.org/dc/terms/"/>
-    <ds:schemaRef ds:uri="2c061caa-ac96-4ed1-b74a-abb1169dd94c"/>
-    <ds:schemaRef ds:uri="http://www.w3.org/XML/1998/namespace"/>
-    <ds:schemaRef ds:uri="http://purl.org/dc/dcmitype/"/>
+    <ds:schemaRef ds:uri="http://schemas.microsoft.com/sharepoint/v3/contenttype/forms"/>
   </ds:schemaRefs>
 </ds:datastoreItem>
 </file>
--- a/GIT_ARL_ParaPower_Workflow.pptx
+++ b/GIT_ARL_ParaPower_Workflow.pptx
@@ -9086,8 +9086,8 @@
         </p:nvSpPr>
         <p:spPr bwMode="auto">
           <a:xfrm>
-            <a:off x="1371600" y="6638559"/>
-            <a:ext cx="6400800" cy="215444"/>
+            <a:off x="-9086" y="6638559"/>
+            <a:ext cx="7781486" cy="215444"/>
           </a:xfrm>
           <a:prstGeom prst="rect">
             <a:avLst/>
@@ -9106,7 +9106,7 @@
           </a:bodyPr>
           <a:lstStyle/>
           <a:p>
-            <a:pPr algn="ctr">
+            <a:pPr algn="l">
               <a:defRPr/>
             </a:pPr>
             <a:r>
@@ -11593,14 +11593,14 @@
           <p:nvPr>
             <p:extLst>
               <p:ext uri="{D42A27DB-BD31-4B8C-83A1-F6EECF244321}">
-                <p14:modId xmlns:p14="http://schemas.microsoft.com/office/powerpoint/2010/main" val="1754795260"/>
+                <p14:modId xmlns:p14="http://schemas.microsoft.com/office/powerpoint/2010/main" val="427482963"/>
               </p:ext>
             </p:extLst>
           </p:nvPr>
         </p:nvGraphicFramePr>
         <p:xfrm>
-          <a:off x="516034" y="509010"/>
-          <a:ext cx="8379390" cy="3291840"/>
+          <a:off x="463153" y="800598"/>
+          <a:ext cx="8379390" cy="2852928"/>
         </p:xfrm>
         <a:graphic>
           <a:graphicData uri="http://schemas.openxmlformats.org/drawingml/2006/table">
@@ -11665,7 +11665,7 @@
                       <a:endParaRPr lang="en-US" sz="1200" dirty="0"/>
                     </a:p>
                   </a:txBody>
-                  <a:tcPr/>
+                  <a:tcPr marT="18288" marB="18288"/>
                 </a:tc>
                 <a:tc>
                   <a:txBody>
@@ -11679,7 +11679,7 @@
                       <a:endParaRPr lang="en-US" sz="1200" dirty="0"/>
                     </a:p>
                   </a:txBody>
-                  <a:tcPr/>
+                  <a:tcPr marT="18288" marB="18288"/>
                 </a:tc>
                 <a:tc>
                   <a:txBody>
@@ -11693,7 +11693,7 @@
                       <a:endParaRPr lang="en-US" sz="1200" dirty="0"/>
                     </a:p>
                   </a:txBody>
-                  <a:tcPr/>
+                  <a:tcPr marT="18288" marB="18288"/>
                 </a:tc>
                 <a:tc>
                   <a:txBody>
@@ -11707,7 +11707,7 @@
                       <a:endParaRPr lang="en-US" sz="1200" dirty="0"/>
                     </a:p>
                   </a:txBody>
-                  <a:tcPr/>
+                  <a:tcPr marT="18288" marB="18288"/>
                 </a:tc>
                 <a:tc>
                   <a:txBody>
@@ -11721,7 +11721,7 @@
                       <a:endParaRPr lang="en-US" sz="1200" dirty="0"/>
                     </a:p>
                   </a:txBody>
-                  <a:tcPr/>
+                  <a:tcPr marT="18288" marB="18288"/>
                 </a:tc>
                 <a:tc>
                   <a:txBody>
@@ -11735,7 +11735,7 @@
                       <a:endParaRPr lang="en-US" sz="1200" dirty="0"/>
                     </a:p>
                   </a:txBody>
-                  <a:tcPr/>
+                  <a:tcPr marT="18288" marB="18288"/>
                 </a:tc>
                 <a:extLst>
                   <a:ext uri="{0D108BD9-81ED-4DB2-BD59-A6C34878D82A}">
@@ -11756,7 +11756,7 @@
                       <a:endParaRPr lang="en-US" sz="1200" dirty="0"/>
                     </a:p>
                   </a:txBody>
-                  <a:tcPr anchor="ctr">
+                  <a:tcPr marT="18288" marB="18288" anchor="ctr">
                     <a:solidFill>
                       <a:schemeClr val="tx2">
                         <a:lumMod val="40000"/>
@@ -11781,7 +11781,7 @@
                       <a:endParaRPr lang="en-US" sz="1200" dirty="0"/>
                     </a:p>
                   </a:txBody>
-                  <a:tcPr anchor="ctr">
+                  <a:tcPr marT="18288" marB="18288" anchor="ctr">
                     <a:solidFill>
                       <a:schemeClr val="tx2">
                         <a:lumMod val="40000"/>
@@ -11802,7 +11802,7 @@
                       <a:endParaRPr lang="en-US" sz="1200" dirty="0"/>
                     </a:p>
                   </a:txBody>
-                  <a:tcPr anchor="ctr">
+                  <a:tcPr marT="18288" marB="18288" anchor="ctr">
                     <a:solidFill>
                       <a:schemeClr val="tx2">
                         <a:lumMod val="40000"/>
@@ -11823,7 +11823,7 @@
                       <a:endParaRPr lang="en-US" sz="1200" dirty="0"/>
                     </a:p>
                   </a:txBody>
-                  <a:tcPr anchor="ctr">
+                  <a:tcPr marT="18288" marB="18288" anchor="ctr">
                     <a:solidFill>
                       <a:schemeClr val="tx2">
                         <a:lumMod val="40000"/>
@@ -11844,7 +11844,7 @@
                       <a:endParaRPr lang="en-US" sz="1200" dirty="0"/>
                     </a:p>
                   </a:txBody>
-                  <a:tcPr anchor="ctr">
+                  <a:tcPr marT="18288" marB="18288" anchor="ctr">
                     <a:solidFill>
                       <a:schemeClr val="tx2">
                         <a:lumMod val="40000"/>
@@ -11865,7 +11865,7 @@
                       <a:endParaRPr lang="en-US" sz="1200" dirty="0"/>
                     </a:p>
                   </a:txBody>
-                  <a:tcPr anchor="ctr">
+                  <a:tcPr marT="18288" marB="18288" anchor="ctr">
                     <a:solidFill>
                       <a:schemeClr val="tx2">
                         <a:lumMod val="40000"/>
@@ -11893,7 +11893,7 @@
                       <a:endParaRPr lang="en-US" sz="1200" dirty="0"/>
                     </a:p>
                   </a:txBody>
-                  <a:tcPr anchor="ctr">
+                  <a:tcPr marT="18288" marB="18288" anchor="ctr">
                     <a:solidFill>
                       <a:srgbClr val="92D050"/>
                     </a:solidFill>
@@ -11910,16 +11910,12 @@
                       </a:r>
                       <a:r>
                         <a:rPr lang="en-US" sz="1200" baseline="0" dirty="0" smtClean="0"/>
-                        <a:t> awaiting </a:t>
-                      </a:r>
-                      <a:r>
-                        <a:rPr lang="en-US" sz="1200" baseline="0" dirty="0" smtClean="0"/>
-                        <a:t>release </a:t>
+                        <a:t> awaiting release </a:t>
                       </a:r>
                       <a:endParaRPr lang="en-US" sz="1200" dirty="0"/>
                     </a:p>
                   </a:txBody>
-                  <a:tcPr anchor="ctr">
+                  <a:tcPr marT="18288" marB="18288" anchor="ctr">
                     <a:solidFill>
                       <a:srgbClr val="92D050"/>
                     </a:solidFill>
@@ -11937,7 +11933,7 @@
                       <a:endParaRPr lang="en-US" sz="1200" dirty="0"/>
                     </a:p>
                   </a:txBody>
-                  <a:tcPr anchor="ctr">
+                  <a:tcPr marT="18288" marB="18288" anchor="ctr">
                     <a:solidFill>
                       <a:srgbClr val="92D050"/>
                     </a:solidFill>
@@ -11961,7 +11957,7 @@
                       <a:endParaRPr lang="en-US" sz="1200" dirty="0"/>
                     </a:p>
                   </a:txBody>
-                  <a:tcPr anchor="ctr">
+                  <a:tcPr marT="18288" marB="18288" anchor="ctr">
                     <a:solidFill>
                       <a:srgbClr val="92D050"/>
                     </a:solidFill>
@@ -11979,7 +11975,7 @@
                       <a:endParaRPr lang="en-US" sz="1200" dirty="0"/>
                     </a:p>
                   </a:txBody>
-                  <a:tcPr anchor="ctr">
+                  <a:tcPr marT="18288" marB="18288" anchor="ctr">
                     <a:solidFill>
                       <a:srgbClr val="92D050"/>
                     </a:solidFill>
@@ -11997,7 +11993,7 @@
                       <a:endParaRPr lang="en-US" sz="1200" dirty="0"/>
                     </a:p>
                   </a:txBody>
-                  <a:tcPr anchor="ctr">
+                  <a:tcPr marT="18288" marB="18288" anchor="ctr">
                     <a:solidFill>
                       <a:srgbClr val="92D050"/>
                     </a:solidFill>
@@ -12022,7 +12018,7 @@
                       <a:endParaRPr lang="en-US" sz="1200" dirty="0"/>
                     </a:p>
                   </a:txBody>
-                  <a:tcPr anchor="ctr">
+                  <a:tcPr marT="18288" marB="18288" anchor="ctr">
                     <a:solidFill>
                       <a:srgbClr val="FF9999"/>
                     </a:solidFill>
@@ -12044,7 +12040,7 @@
                       <a:endParaRPr lang="en-US" sz="1200" dirty="0"/>
                     </a:p>
                   </a:txBody>
-                  <a:tcPr anchor="ctr">
+                  <a:tcPr marT="18288" marB="18288" anchor="ctr">
                     <a:solidFill>
                       <a:srgbClr val="FF9999"/>
                     </a:solidFill>
@@ -12062,7 +12058,7 @@
                       <a:endParaRPr lang="en-US" sz="1200" dirty="0"/>
                     </a:p>
                   </a:txBody>
-                  <a:tcPr anchor="ctr">
+                  <a:tcPr marT="18288" marB="18288" anchor="ctr">
                     <a:solidFill>
                       <a:srgbClr val="FF9999"/>
                     </a:solidFill>
@@ -12080,7 +12076,7 @@
                       <a:endParaRPr lang="en-US" sz="1200" dirty="0"/>
                     </a:p>
                   </a:txBody>
-                  <a:tcPr anchor="ctr">
+                  <a:tcPr marT="18288" marB="18288" anchor="ctr">
                     <a:solidFill>
                       <a:srgbClr val="FF9999"/>
                     </a:solidFill>
@@ -12104,7 +12100,7 @@
                       <a:endParaRPr lang="en-US" sz="1200" dirty="0"/>
                     </a:p>
                   </a:txBody>
-                  <a:tcPr anchor="ctr">
+                  <a:tcPr marT="18288" marB="18288" anchor="ctr">
                     <a:solidFill>
                       <a:srgbClr val="FF9999"/>
                     </a:solidFill>
@@ -12122,7 +12118,7 @@
                       <a:endParaRPr lang="en-US" sz="1200" dirty="0"/>
                     </a:p>
                   </a:txBody>
-                  <a:tcPr anchor="ctr">
+                  <a:tcPr marT="18288" marB="18288" anchor="ctr">
                     <a:solidFill>
                       <a:srgbClr val="FF9999"/>
                     </a:solidFill>
@@ -12147,7 +12143,7 @@
                       <a:endParaRPr lang="en-US" sz="1200" dirty="0"/>
                     </a:p>
                   </a:txBody>
-                  <a:tcPr anchor="ctr">
+                  <a:tcPr marT="18288" marB="18288" anchor="ctr">
                     <a:solidFill>
                       <a:srgbClr val="9999FF"/>
                     </a:solidFill>
@@ -12169,7 +12165,7 @@
                       <a:endParaRPr lang="en-US" sz="1200" dirty="0"/>
                     </a:p>
                   </a:txBody>
-                  <a:tcPr anchor="ctr">
+                  <a:tcPr marT="18288" marB="18288" anchor="ctr">
                     <a:solidFill>
                       <a:srgbClr val="9999FF"/>
                     </a:solidFill>
@@ -12187,7 +12183,7 @@
                       <a:endParaRPr lang="en-US" sz="1200" dirty="0"/>
                     </a:p>
                   </a:txBody>
-                  <a:tcPr anchor="ctr">
+                  <a:tcPr marT="18288" marB="18288" anchor="ctr">
                     <a:solidFill>
                       <a:srgbClr val="9999FF"/>
                     </a:solidFill>
@@ -12212,7 +12208,7 @@
                       <a:endParaRPr lang="en-US" sz="1200" dirty="0"/>
                     </a:p>
                   </a:txBody>
-                  <a:tcPr anchor="ctr">
+                  <a:tcPr marT="18288" marB="18288" anchor="ctr">
                     <a:solidFill>
                       <a:srgbClr val="9999FF"/>
                     </a:solidFill>
@@ -12230,7 +12226,7 @@
                       <a:endParaRPr lang="en-US" sz="1200" dirty="0"/>
                     </a:p>
                   </a:txBody>
-                  <a:tcPr anchor="ctr">
+                  <a:tcPr marT="18288" marB="18288" anchor="ctr">
                     <a:solidFill>
                       <a:srgbClr val="9999FF"/>
                     </a:solidFill>
@@ -12244,7 +12240,7 @@
                       <a:endParaRPr lang="en-US" sz="1200" dirty="0"/>
                     </a:p>
                   </a:txBody>
-                  <a:tcPr anchor="ctr">
+                  <a:tcPr marT="18288" marB="18288" anchor="ctr">
                     <a:solidFill>
                       <a:srgbClr val="9999FF"/>
                     </a:solidFill>
@@ -12269,7 +12265,7 @@
                       <a:endParaRPr lang="en-US" sz="1200" dirty="0"/>
                     </a:p>
                   </a:txBody>
-                  <a:tcPr anchor="ctr">
+                  <a:tcPr marT="18288" marB="18288" anchor="ctr">
                     <a:solidFill>
                       <a:srgbClr val="66FFFF"/>
                     </a:solidFill>
@@ -12291,7 +12287,7 @@
                       <a:endParaRPr lang="en-US" sz="1200" dirty="0"/>
                     </a:p>
                   </a:txBody>
-                  <a:tcPr anchor="ctr">
+                  <a:tcPr marT="18288" marB="18288" anchor="ctr">
                     <a:solidFill>
                       <a:srgbClr val="66FFFF"/>
                     </a:solidFill>
@@ -12309,7 +12305,7 @@
                       <a:endParaRPr lang="en-US" sz="1200" dirty="0"/>
                     </a:p>
                   </a:txBody>
-                  <a:tcPr anchor="ctr">
+                  <a:tcPr marT="18288" marB="18288" anchor="ctr">
                     <a:solidFill>
                       <a:srgbClr val="66FFFF"/>
                     </a:solidFill>
@@ -12334,7 +12330,7 @@
                       <a:endParaRPr lang="en-US" sz="1200" dirty="0"/>
                     </a:p>
                   </a:txBody>
-                  <a:tcPr anchor="ctr">
+                  <a:tcPr marT="18288" marB="18288" anchor="ctr">
                     <a:solidFill>
                       <a:srgbClr val="66FFFF"/>
                     </a:solidFill>
@@ -12352,7 +12348,7 @@
                       <a:endParaRPr lang="en-US" sz="1200" dirty="0"/>
                     </a:p>
                   </a:txBody>
-                  <a:tcPr anchor="ctr">
+                  <a:tcPr marT="18288" marB="18288" anchor="ctr">
                     <a:solidFill>
                       <a:srgbClr val="66FFFF"/>
                     </a:solidFill>
@@ -12366,7 +12362,7 @@
                       <a:endParaRPr lang="en-US" sz="1200" dirty="0"/>
                     </a:p>
                   </a:txBody>
-                  <a:tcPr anchor="ctr">
+                  <a:tcPr marT="18288" marB="18288" anchor="ctr">
                     <a:solidFill>
                       <a:srgbClr val="66FFFF"/>
                     </a:solidFill>
@@ -12391,7 +12387,7 @@
                       <a:endParaRPr lang="en-US" sz="1200" dirty="0"/>
                     </a:p>
                   </a:txBody>
-                  <a:tcPr anchor="ctr">
+                  <a:tcPr marT="18288" marB="18288" anchor="ctr">
                     <a:solidFill>
                       <a:srgbClr val="FF99FF"/>
                     </a:solidFill>
@@ -12413,7 +12409,7 @@
                       <a:endParaRPr lang="en-US" sz="1200" dirty="0"/>
                     </a:p>
                   </a:txBody>
-                  <a:tcPr anchor="ctr">
+                  <a:tcPr marT="18288" marB="18288" anchor="ctr">
                     <a:solidFill>
                       <a:srgbClr val="FF99FF"/>
                     </a:solidFill>
@@ -12430,7 +12426,7 @@
                       </a:r>
                     </a:p>
                   </a:txBody>
-                  <a:tcPr anchor="ctr">
+                  <a:tcPr marT="18288" marB="18288" anchor="ctr">
                     <a:solidFill>
                       <a:srgbClr val="FF99FF"/>
                     </a:solidFill>
@@ -12454,7 +12450,7 @@
                       <a:endParaRPr lang="en-US" sz="1200" dirty="0"/>
                     </a:p>
                   </a:txBody>
-                  <a:tcPr anchor="ctr">
+                  <a:tcPr marT="18288" marB="18288" anchor="ctr">
                     <a:solidFill>
                       <a:srgbClr val="FF99FF"/>
                     </a:solidFill>
@@ -12472,7 +12468,7 @@
                       <a:endParaRPr lang="en-US" sz="1200" dirty="0"/>
                     </a:p>
                   </a:txBody>
-                  <a:tcPr anchor="ctr">
+                  <a:tcPr marT="18288" marB="18288" anchor="ctr">
                     <a:solidFill>
                       <a:srgbClr val="FF99FF"/>
                     </a:solidFill>
@@ -12486,7 +12482,7 @@
                       <a:endParaRPr lang="en-US" sz="1200" dirty="0"/>
                     </a:p>
                   </a:txBody>
-                  <a:tcPr anchor="ctr">
+                  <a:tcPr marT="18288" marB="18288" anchor="ctr">
                     <a:solidFill>
                       <a:srgbClr val="FF99FF"/>
                     </a:solidFill>
@@ -12515,7 +12511,7 @@
                       <a:endParaRPr lang="en-US" sz="1200" dirty="0"/>
                     </a:p>
                   </a:txBody>
-                  <a:tcPr anchor="ctr">
+                  <a:tcPr marT="18288" marB="18288" anchor="ctr">
                     <a:solidFill>
                       <a:srgbClr val="FFCCFF"/>
                     </a:solidFill>
@@ -12537,7 +12533,7 @@
                       <a:endParaRPr lang="en-US" sz="1200" dirty="0"/>
                     </a:p>
                   </a:txBody>
-                  <a:tcPr anchor="ctr">
+                  <a:tcPr marT="18288" marB="18288" anchor="ctr">
                     <a:solidFill>
                       <a:srgbClr val="FFCCFF"/>
                     </a:solidFill>
@@ -12555,7 +12551,7 @@
                       <a:endParaRPr lang="en-US" sz="1200" dirty="0"/>
                     </a:p>
                   </a:txBody>
-                  <a:tcPr anchor="ctr">
+                  <a:tcPr marT="18288" marB="18288" anchor="ctr">
                     <a:solidFill>
                       <a:srgbClr val="FFCCFF"/>
                     </a:solidFill>
@@ -12580,7 +12576,7 @@
                       <a:endParaRPr lang="en-US" sz="1200" dirty="0"/>
                     </a:p>
                   </a:txBody>
-                  <a:tcPr anchor="ctr">
+                  <a:tcPr marT="18288" marB="18288" anchor="ctr">
                     <a:solidFill>
                       <a:srgbClr val="FFCCFF"/>
                     </a:solidFill>
@@ -12598,7 +12594,7 @@
                       <a:endParaRPr lang="en-US" sz="1200" dirty="0"/>
                     </a:p>
                   </a:txBody>
-                  <a:tcPr anchor="ctr">
+                  <a:tcPr marT="18288" marB="18288" anchor="ctr">
                     <a:solidFill>
                       <a:srgbClr val="FFCCFF"/>
                     </a:solidFill>
@@ -12612,7 +12608,7 @@
                       <a:endParaRPr lang="en-US" sz="1200" dirty="0"/>
                     </a:p>
                   </a:txBody>
-                  <a:tcPr anchor="ctr">
+                  <a:tcPr marT="18288" marB="18288" anchor="ctr">
                     <a:solidFill>
                       <a:srgbClr val="FFCCFF"/>
                     </a:solidFill>
@@ -12636,8 +12632,8 @@
         </p:nvSpPr>
         <p:spPr>
           <a:xfrm>
-            <a:off x="5266375" y="3781526"/>
-            <a:ext cx="4163756" cy="3308598"/>
+            <a:off x="5266375" y="3631517"/>
+            <a:ext cx="4163756" cy="3647152"/>
           </a:xfrm>
           <a:prstGeom prst="rect">
             <a:avLst/>
@@ -12662,11 +12658,7 @@
             </a:pPr>
             <a:r>
               <a:rPr lang="en-US" sz="1100" dirty="0" smtClean="0"/>
-              <a:t>Create branch </a:t>
-            </a:r>
-            <a:r>
-              <a:rPr lang="en-US" sz="1100" dirty="0" smtClean="0"/>
-              <a:t>off of Develop, Name is </a:t>
+              <a:t>Create branch off of Develop, Name is </a:t>
             </a:r>
             <a:r>
               <a:rPr lang="en-US" sz="1100" dirty="0" err="1" smtClean="0"/>
@@ -12716,11 +12708,7 @@
             </a:r>
             <a:r>
               <a:rPr lang="en-US" sz="1100" dirty="0" smtClean="0"/>
-              <a:t> b</a:t>
-            </a:r>
-            <a:r>
-              <a:rPr lang="en-US" sz="1100" dirty="0" smtClean="0"/>
-              <a:t>ranch </a:t>
+              <a:t> branch </a:t>
             </a:r>
             <a:r>
               <a:rPr lang="en-US" sz="1100" dirty="0"/>
@@ -12786,15 +12774,7 @@
             </a:pPr>
             <a:r>
               <a:rPr lang="en-US" sz="1100" dirty="0" smtClean="0"/>
-              <a:t>Create b</a:t>
-            </a:r>
-            <a:r>
-              <a:rPr lang="en-US" sz="1100" dirty="0" smtClean="0"/>
-              <a:t>ranch </a:t>
-            </a:r>
-            <a:r>
-              <a:rPr lang="en-US" sz="1100" dirty="0" smtClean="0"/>
-              <a:t>off Develop, Name is R-</a:t>
+              <a:t>Create branch off Develop, Name is R-</a:t>
             </a:r>
             <a:r>
               <a:rPr lang="en-US" sz="1100" dirty="0" err="1" smtClean="0"/>
@@ -12819,14 +12799,13 @@
             </a:pPr>
             <a:r>
               <a:rPr lang="en-US" sz="1100" dirty="0" smtClean="0"/>
-              <a:t>Merge into Master</a:t>
-            </a:r>
-          </a:p>
-          <a:p>
-            <a:r>
-              <a:rPr lang="en-US" sz="1100" b="1" dirty="0" smtClean="0"/>
-              <a:t>Fix Critical Bug in Release</a:t>
-            </a:r>
+              <a:t>Update </a:t>
+            </a:r>
+            <a:r>
+              <a:rPr lang="en-US" sz="1100" dirty="0" smtClean="0"/>
+              <a:t>Version.txt (If any other files updated must merge back into Develop also)</a:t>
+            </a:r>
+            <a:endParaRPr lang="en-US" sz="1100" dirty="0" smtClean="0"/>
           </a:p>
           <a:p>
             <a:pPr marL="171450" indent="-171450">
@@ -12835,15 +12814,28 @@
             </a:pPr>
             <a:r>
               <a:rPr lang="en-US" sz="1100" dirty="0" smtClean="0"/>
-              <a:t>Create b</a:t>
+              <a:t>Merge into Master AND </a:t>
             </a:r>
             <a:r>
               <a:rPr lang="en-US" sz="1100" dirty="0" smtClean="0"/>
-              <a:t>ranch </a:t>
-            </a:r>
+              <a:t>Develop</a:t>
+            </a:r>
+            <a:endParaRPr lang="en-US" sz="1100" dirty="0" smtClean="0"/>
+          </a:p>
+          <a:p>
+            <a:r>
+              <a:rPr lang="en-US" sz="1100" b="1" dirty="0" smtClean="0"/>
+              <a:t>Fix Critical Bug in Release</a:t>
+            </a:r>
+          </a:p>
+          <a:p>
+            <a:pPr marL="171450" indent="-171450">
+              <a:buFont typeface="Arial" panose="020B0604020202020204" pitchFamily="34" charset="0"/>
+              <a:buChar char="•"/>
+            </a:pPr>
             <a:r>
               <a:rPr lang="en-US" sz="1100" dirty="0" smtClean="0"/>
-              <a:t>off of Master, Name is Hotfix-NNN</a:t>
+              <a:t>Create branch off of Master, Name is Hotfix-NNN</a:t>
             </a:r>
           </a:p>
           <a:p>
@@ -13351,7 +13343,7 @@
           </p:nvSpPr>
           <p:spPr>
             <a:xfrm flipV="1">
-              <a:off x="1418782" y="4653874"/>
+              <a:off x="1375652" y="4653874"/>
               <a:ext cx="227589" cy="219656"/>
             </a:xfrm>
             <a:prstGeom prst="ellipse">
@@ -13430,7 +13422,7 @@
           </p:nvSpPr>
           <p:spPr>
             <a:xfrm flipV="1">
-              <a:off x="1859004" y="4653874"/>
+              <a:off x="1764118" y="4653874"/>
               <a:ext cx="227589" cy="219656"/>
             </a:xfrm>
             <a:prstGeom prst="ellipse">
@@ -13512,12 +13504,12 @@
           </p:nvCxnSpPr>
           <p:spPr>
             <a:xfrm rot="10800000">
-              <a:off x="1418782" y="4763702"/>
-              <a:ext cx="829524" cy="289378"/>
+              <a:off x="1375652" y="4763702"/>
+              <a:ext cx="872654" cy="289378"/>
             </a:xfrm>
             <a:prstGeom prst="bentConnector3">
               <a:avLst>
-                <a:gd name="adj1" fmla="val 127558"/>
+                <a:gd name="adj1" fmla="val 121253"/>
               </a:avLst>
             </a:prstGeom>
             <a:ln w="19050">
@@ -13550,8 +13542,8 @@
           </p:nvCxnSpPr>
           <p:spPr>
             <a:xfrm>
-              <a:off x="1646371" y="4763702"/>
-              <a:ext cx="212633" cy="0"/>
+              <a:off x="1603241" y="4763702"/>
+              <a:ext cx="160877" cy="0"/>
             </a:xfrm>
             <a:prstGeom prst="straightConnector1">
               <a:avLst/>
@@ -13629,8 +13621,8 @@
           </p:nvCxnSpPr>
           <p:spPr>
             <a:xfrm flipV="1">
-              <a:off x="2086593" y="4486884"/>
-              <a:ext cx="253045" cy="276818"/>
+              <a:off x="1991707" y="4486884"/>
+              <a:ext cx="347931" cy="276818"/>
             </a:xfrm>
             <a:prstGeom prst="bentConnector2">
               <a:avLst/>
@@ -15255,6 +15247,85 @@
           </p:txBody>
         </p:sp>
       </p:grpSp>
+      <p:sp>
+        <p:nvSpPr>
+          <p:cNvPr id="77" name="Oval 76"/>
+          <p:cNvSpPr/>
+          <p:nvPr/>
+        </p:nvSpPr>
+        <p:spPr>
+          <a:xfrm flipV="1">
+            <a:off x="1998187" y="4937581"/>
+            <a:ext cx="227589" cy="219656"/>
+          </a:xfrm>
+          <a:prstGeom prst="ellipse">
+            <a:avLst/>
+          </a:prstGeom>
+          <a:solidFill>
+            <a:srgbClr val="00B0F0"/>
+          </a:solidFill>
+        </p:spPr>
+        <p:style>
+          <a:lnRef idx="2">
+            <a:schemeClr val="accent1">
+              <a:shade val="50000"/>
+            </a:schemeClr>
+          </a:lnRef>
+          <a:fillRef idx="1">
+            <a:schemeClr val="accent1"/>
+          </a:fillRef>
+          <a:effectRef idx="0">
+            <a:schemeClr val="accent1"/>
+          </a:effectRef>
+          <a:fontRef idx="minor">
+            <a:schemeClr val="lt1"/>
+          </a:fontRef>
+        </p:style>
+        <p:txBody>
+          <a:bodyPr lIns="0" tIns="0" rIns="0" bIns="0" rtlCol="0" anchor="ctr"/>
+          <a:lstStyle/>
+          <a:p>
+            <a:pPr algn="ctr"/>
+            <a:endParaRPr lang="en-US" sz="1200"/>
+          </a:p>
+        </p:txBody>
+      </p:sp>
+      <p:cxnSp>
+        <p:nvCxnSpPr>
+          <p:cNvPr id="78" name="Elbow Connector 77"/>
+          <p:cNvCxnSpPr>
+            <a:stCxn id="33" idx="6"/>
+            <a:endCxn id="77" idx="4"/>
+          </p:cNvCxnSpPr>
+          <p:nvPr/>
+        </p:nvCxnSpPr>
+        <p:spPr>
+          <a:xfrm>
+            <a:off x="1991707" y="4763702"/>
+            <a:ext cx="120275" cy="173879"/>
+          </a:xfrm>
+          <a:prstGeom prst="bentConnector2">
+            <a:avLst/>
+          </a:prstGeom>
+          <a:ln w="19050">
+            <a:tailEnd type="stealth" w="lg" len="lg"/>
+          </a:ln>
+        </p:spPr>
+        <p:style>
+          <a:lnRef idx="1">
+            <a:schemeClr val="accent1"/>
+          </a:lnRef>
+          <a:fillRef idx="0">
+            <a:schemeClr val="accent1"/>
+          </a:fillRef>
+          <a:effectRef idx="0">
+            <a:schemeClr val="accent1"/>
+          </a:effectRef>
+          <a:fontRef idx="minor">
+            <a:schemeClr val="tx1"/>
+          </a:fontRef>
+        </p:style>
+      </p:cxnSp>
     </p:spTree>
     <p:extLst>
       <p:ext uri="{BB962C8B-B14F-4D97-AF65-F5344CB8AC3E}">

--- a/GIT_ARL_ParaPower_Workflow.pptx
+++ b/GIT_ARL_ParaPower_Workflow.pptx
@@ -247,7 +247,7 @@
             <a:fld id="{BD16C31D-1C22-F84A-A7B5-6952EF1AE403}" type="datetimeFigureOut">
               <a:rPr lang="en-US" altLang="en-US"/>
               <a:pPr/>
-              <a:t>10/24/2019</a:t>
+              <a:t>10/25/2019</a:t>
             </a:fld>
             <a:endParaRPr lang="en-US" altLang="en-US"/>
           </a:p>
@@ -435,7 +435,7 @@
             <a:fld id="{A438D594-1B45-0D47-8F23-AED13F1D19BA}" type="datetimeFigureOut">
               <a:rPr lang="en-US" altLang="en-US"/>
               <a:pPr/>
-              <a:t>10/24/2019</a:t>
+              <a:t>10/25/2019</a:t>
             </a:fld>
             <a:endParaRPr lang="en-US" altLang="en-US"/>
           </a:p>
@@ -11625,13 +11625,13 @@
           <p:nvPr>
             <p:extLst>
               <p:ext uri="{D42A27DB-BD31-4B8C-83A1-F6EECF244321}">
-                <p14:modId xmlns:p14="http://schemas.microsoft.com/office/powerpoint/2010/main" val="3325845288"/>
+                <p14:modId xmlns:p14="http://schemas.microsoft.com/office/powerpoint/2010/main" val="4003197349"/>
               </p:ext>
             </p:extLst>
           </p:nvPr>
         </p:nvGraphicFramePr>
         <p:xfrm>
-          <a:off x="463153" y="800598"/>
+          <a:off x="327856" y="796817"/>
           <a:ext cx="8379390" cy="2852928"/>
         </p:xfrm>
         <a:graphic>
@@ -11641,14 +11641,14 @@
                 <a:tableStyleId>{5C22544A-7EE6-4342-B048-85BDC9FD1C3A}</a:tableStyleId>
               </a:tblPr>
               <a:tblGrid>
-                <a:gridCol w="809085">
+                <a:gridCol w="904677">
                   <a:extLst>
                     <a:ext uri="{9D8B030D-6E8A-4147-A177-3AD203B41FA5}">
                       <a16:colId xmlns:a16="http://schemas.microsoft.com/office/drawing/2014/main" val="484948875"/>
                     </a:ext>
                   </a:extLst>
                 </a:gridCol>
-                <a:gridCol w="2541973">
+                <a:gridCol w="2446381">
                   <a:extLst>
                     <a:ext uri="{9D8B030D-6E8A-4147-A177-3AD203B41FA5}">
                       <a16:colId xmlns:a16="http://schemas.microsoft.com/office/drawing/2014/main" val="2977375988"/>
@@ -11783,7 +11783,7 @@
                     <a:p>
                       <a:r>
                         <a:rPr lang="en-US" sz="1200" dirty="0" smtClean="0"/>
-                        <a:t>Master</a:t>
+                        <a:t>Release</a:t>
                       </a:r>
                       <a:endParaRPr lang="en-US" sz="1200" dirty="0"/>
                     </a:p>
@@ -11871,7 +11871,7 @@
                     <a:p>
                       <a:r>
                         <a:rPr lang="en-US" sz="1200" dirty="0" smtClean="0"/>
-                        <a:t>_Master</a:t>
+                        <a:t>_release</a:t>
                       </a:r>
                       <a:endParaRPr lang="en-US" sz="1200" dirty="0"/>
                     </a:p>
@@ -12002,7 +12002,7 @@
                     <a:p>
                       <a:r>
                         <a:rPr lang="en-US" sz="1200" dirty="0" smtClean="0"/>
-                        <a:t>_Develop</a:t>
+                        <a:t>_develop</a:t>
                       </a:r>
                       <a:endParaRPr lang="en-US" sz="1200" dirty="0"/>
                     </a:p>
@@ -12121,8 +12121,9 @@
                     <a:p>
                       <a:r>
                         <a:rPr lang="en-US" sz="1200" dirty="0" smtClean="0"/>
-                        <a:t>_Internal-</a:t>
+                        <a:t>_internal-</a:t>
                       </a:r>
+                      <a:endParaRPr lang="en-US" sz="1200" dirty="0" smtClean="0"/>
                     </a:p>
                     <a:p>
                       <a:r>
@@ -12297,6 +12298,10 @@
                       <a:r>
                         <a:rPr lang="en-US" sz="1200" dirty="0" smtClean="0"/>
                         <a:t>Release</a:t>
+                      </a:r>
+                      <a:r>
+                        <a:rPr lang="en-US" sz="1200" baseline="0" dirty="0" smtClean="0"/>
+                        <a:t> Candidate</a:t>
                       </a:r>
                       <a:endParaRPr lang="en-US" sz="1200" dirty="0"/>
                     </a:p>
@@ -12755,12 +12760,12 @@
               <a:buChar char="•"/>
             </a:pPr>
             <a:r>
-              <a:rPr lang="en-US" sz="1100" dirty="0" err="1" smtClean="0"/>
-              <a:t>Creaste</a:t>
-            </a:r>
-            <a:r>
               <a:rPr lang="en-US" sz="1100" dirty="0" smtClean="0"/>
-              <a:t> branch </a:t>
+              <a:t>Create </a:t>
+            </a:r>
+            <a:r>
+              <a:rPr lang="en-US" sz="1100" dirty="0" smtClean="0"/>
+              <a:t>branch </a:t>
             </a:r>
             <a:r>
               <a:rPr lang="en-US" sz="1100" dirty="0"/>
@@ -12861,8 +12866,29 @@
             </a:pPr>
             <a:r>
               <a:rPr lang="en-US" sz="1100" dirty="0" smtClean="0"/>
-              <a:t>Merge into Master AND Develop</a:t>
-            </a:r>
+              <a:t>Merge into </a:t>
+            </a:r>
+            <a:r>
+              <a:rPr lang="en-US" sz="1100" dirty="0"/>
+              <a:t>R</a:t>
+            </a:r>
+            <a:r>
+              <a:rPr lang="en-US" sz="1100" dirty="0" smtClean="0"/>
+              <a:t>elease </a:t>
+            </a:r>
+            <a:r>
+              <a:rPr lang="en-US" sz="1100" dirty="0" smtClean="0"/>
+              <a:t>AND </a:t>
+            </a:r>
+            <a:r>
+              <a:rPr lang="en-US" sz="1100" dirty="0"/>
+              <a:t>D</a:t>
+            </a:r>
+            <a:r>
+              <a:rPr lang="en-US" sz="1100" dirty="0" smtClean="0"/>
+              <a:t>evelop</a:t>
+            </a:r>
+            <a:endParaRPr lang="en-US" sz="1100" dirty="0" smtClean="0"/>
           </a:p>
           <a:p>
             <a:r>
@@ -12877,7 +12903,15 @@
             </a:pPr>
             <a:r>
               <a:rPr lang="en-US" sz="1100" dirty="0" smtClean="0"/>
-              <a:t>Create branch off of Master, Name is Hotfix-NNN</a:t>
+              <a:t>Create branch off of </a:t>
+            </a:r>
+            <a:r>
+              <a:rPr lang="en-US" sz="1100" dirty="0" smtClean="0"/>
+              <a:t>Release, </a:t>
+            </a:r>
+            <a:r>
+              <a:rPr lang="en-US" sz="1100" dirty="0" smtClean="0"/>
+              <a:t>Name is Hotfix-NNN</a:t>
             </a:r>
           </a:p>
           <a:p>
@@ -12897,7 +12931,19 @@
             </a:pPr>
             <a:r>
               <a:rPr lang="en-US" sz="1100" dirty="0" smtClean="0"/>
-              <a:t>Merge into Master AND Develop</a:t>
+              <a:t>Merge </a:t>
+            </a:r>
+            <a:r>
+              <a:rPr lang="en-US" sz="1100" smtClean="0"/>
+              <a:t>into </a:t>
+            </a:r>
+            <a:r>
+              <a:rPr lang="en-US" sz="1100" smtClean="0"/>
+              <a:t>Release </a:t>
+            </a:r>
+            <a:r>
+              <a:rPr lang="en-US" sz="1100" dirty="0" smtClean="0"/>
+              <a:t>AND Develop</a:t>
             </a:r>
           </a:p>
           <a:p>
@@ -13074,7 +13120,7 @@
         <p:spPr>
           <a:xfrm>
             <a:off x="179451" y="4183473"/>
-            <a:ext cx="554639" cy="184666"/>
+            <a:ext cx="586699" cy="184666"/>
           </a:xfrm>
           <a:prstGeom prst="rect">
             <a:avLst/>
@@ -13094,7 +13140,7 @@
           <a:p>
             <a:r>
               <a:rPr lang="en-US" sz="1200" dirty="0" smtClean="0"/>
-              <a:t>_Master</a:t>
+              <a:t>_release</a:t>
             </a:r>
             <a:endParaRPr lang="en-US" sz="1200" dirty="0"/>
           </a:p>
@@ -13141,7 +13187,7 @@
         <p:spPr>
           <a:xfrm>
             <a:off x="125831" y="4858427"/>
-            <a:ext cx="646011" cy="184666"/>
+            <a:ext cx="620363" cy="184666"/>
           </a:xfrm>
           <a:prstGeom prst="rect">
             <a:avLst/>
@@ -13158,7 +13204,7 @@
           <a:p>
             <a:r>
               <a:rPr lang="en-US" sz="1200" dirty="0" smtClean="0"/>
-              <a:t>_Develop</a:t>
+              <a:t>_develop</a:t>
             </a:r>
             <a:endParaRPr lang="en-US" sz="1200" dirty="0"/>
           </a:p>
@@ -13301,7 +13347,7 @@
         <p:spPr>
           <a:xfrm>
             <a:off x="105818" y="5776767"/>
-            <a:ext cx="596317" cy="369332"/>
+            <a:ext cx="586699" cy="369332"/>
           </a:xfrm>
           <a:prstGeom prst="rect">
             <a:avLst/>
@@ -13318,7 +13364,19 @@
           <a:p>
             <a:r>
               <a:rPr lang="en-US" sz="1200" dirty="0" smtClean="0"/>
-              <a:t>_Internal</a:t>
+              <a:t>_</a:t>
+            </a:r>
+            <a:r>
+              <a:rPr lang="en-US" sz="1200" dirty="0"/>
+              <a:t>i</a:t>
+            </a:r>
+            <a:r>
+              <a:rPr lang="en-US" sz="1200" dirty="0" smtClean="0"/>
+              <a:t>nternal</a:t>
+            </a:r>
+            <a:r>
+              <a:rPr lang="en-US" sz="1200" dirty="0" smtClean="0"/>
+              <a:t/>
             </a:r>
             <a:br>
               <a:rPr lang="en-US" sz="1200" dirty="0" smtClean="0"/>
@@ -17290,26 +17348,12 @@
 </file>
 
 <file path=customXml/item1.xml><?xml version="1.0" encoding="utf-8"?>
-<p:properties xmlns:p="http://schemas.microsoft.com/office/2006/metadata/properties" xmlns:xsi="http://www.w3.org/2001/XMLSchema-instance" xmlns:pc="http://schemas.microsoft.com/office/infopath/2007/PartnerControls">
-  <documentManagement>
-    <AlternateThumbnailUrl xmlns="http://schemas.microsoft.com/sharepoint/v3">
-      <Url xsi:nil="true"/>
-      <Description xsi:nil="true"/>
-    </AlternateThumbnailUrl>
-    <Group xmlns="8acc76ce-4927-4c10-947a-54b615abcc3a">PowerPoint</Group>
-    <Display_x0020_Name xmlns="8acc76ce-4927-4c10-947a-54b615abcc3a">CCDC Army Research Laboratory – PowerPoint (Briefing) – Standard Format</Display_x0020_Name>
-    <ImageCreateDate xmlns="http://schemas.microsoft.com/sharepoint/v3" xsi:nil="true"/>
-    <Organization xmlns="2c061caa-ac96-4ed1-b74a-abb1169dd94c">ARL</Organization>
-    <Description xmlns="http://schemas.microsoft.com/sharepoint/v3" xsi:nil="true"/>
-    <Desktop xmlns="8acc76ce-4927-4c10-947a-54b615abcc3a">Both</Desktop>
-    <DL_Link xmlns="8acc76ce-4927-4c10-947a-54b615abcc3a">
-      <Url>https://rdecom.apgea.army.mil/_layouts/download.aspx?SourceUrl=https://rdecom.apgea.army.mil/BP/BrandItems/PowerPoint_Template_RLB.pptx</Url>
-      <Description>DOWNLOAD</Description>
-    </DL_Link>
-    <FileType0 xmlns="8acc76ce-4927-4c10-947a-54b615abcc3a">pptx</FileType0>
-    <SortOrder xmlns="8acc76ce-4927-4c10-947a-54b615abcc3a">04 – PowerPoint (Briefing) Templates</SortOrder>
-  </documentManagement>
-</p:properties>
+<?mso-contentType ?>
+<FormTemplates xmlns="http://schemas.microsoft.com/sharepoint/v3/contenttype/forms">
+  <Display>DocumentLibraryForm</Display>
+  <Edit>DocumentLibraryForm</Edit>
+  <New>DocumentLibraryForm</New>
+</FormTemplates>
 </file>
 
 <file path=customXml/item2.xml><?xml version="1.0" encoding="utf-8"?>
@@ -17615,28 +17659,32 @@
 </file>
 
 <file path=customXml/item3.xml><?xml version="1.0" encoding="utf-8"?>
-<?mso-contentType ?>
-<FormTemplates xmlns="http://schemas.microsoft.com/sharepoint/v3/contenttype/forms">
-  <Display>DocumentLibraryForm</Display>
-  <Edit>DocumentLibraryForm</Edit>
-  <New>DocumentLibraryForm</New>
-</FormTemplates>
+<p:properties xmlns:p="http://schemas.microsoft.com/office/2006/metadata/properties" xmlns:xsi="http://www.w3.org/2001/XMLSchema-instance" xmlns:pc="http://schemas.microsoft.com/office/infopath/2007/PartnerControls">
+  <documentManagement>
+    <AlternateThumbnailUrl xmlns="http://schemas.microsoft.com/sharepoint/v3">
+      <Url xsi:nil="true"/>
+      <Description xsi:nil="true"/>
+    </AlternateThumbnailUrl>
+    <Group xmlns="8acc76ce-4927-4c10-947a-54b615abcc3a">PowerPoint</Group>
+    <Display_x0020_Name xmlns="8acc76ce-4927-4c10-947a-54b615abcc3a">CCDC Army Research Laboratory – PowerPoint (Briefing) – Standard Format</Display_x0020_Name>
+    <ImageCreateDate xmlns="http://schemas.microsoft.com/sharepoint/v3" xsi:nil="true"/>
+    <Organization xmlns="2c061caa-ac96-4ed1-b74a-abb1169dd94c">ARL</Organization>
+    <Description xmlns="http://schemas.microsoft.com/sharepoint/v3" xsi:nil="true"/>
+    <Desktop xmlns="8acc76ce-4927-4c10-947a-54b615abcc3a">Both</Desktop>
+    <DL_Link xmlns="8acc76ce-4927-4c10-947a-54b615abcc3a">
+      <Url>https://rdecom.apgea.army.mil/_layouts/download.aspx?SourceUrl=https://rdecom.apgea.army.mil/BP/BrandItems/PowerPoint_Template_RLB.pptx</Url>
+      <Description>DOWNLOAD</Description>
+    </DL_Link>
+    <FileType0 xmlns="8acc76ce-4927-4c10-947a-54b615abcc3a">pptx</FileType0>
+    <SortOrder xmlns="8acc76ce-4927-4c10-947a-54b615abcc3a">04 – PowerPoint (Briefing) Templates</SortOrder>
+  </documentManagement>
+</p:properties>
 </file>
 
 <file path=customXml/itemProps1.xml><?xml version="1.0" encoding="utf-8"?>
-<ds:datastoreItem xmlns:ds="http://schemas.openxmlformats.org/officeDocument/2006/customXml" ds:itemID="{18FEFD74-9FBC-4157-8802-AFD8EC757C9F}">
+<ds:datastoreItem xmlns:ds="http://schemas.openxmlformats.org/officeDocument/2006/customXml" ds:itemID="{613FA5FF-2111-4E01-9BF6-3626FF06C57A}">
   <ds:schemaRefs>
-    <ds:schemaRef ds:uri="http://schemas.openxmlformats.org/package/2006/metadata/core-properties"/>
-    <ds:schemaRef ds:uri="http://schemas.microsoft.com/office/2006/documentManagement/types"/>
-    <ds:schemaRef ds:uri="http://schemas.microsoft.com/office/infopath/2007/PartnerControls"/>
-    <ds:schemaRef ds:uri="http://purl.org/dc/elements/1.1/"/>
-    <ds:schemaRef ds:uri="8acc76ce-4927-4c10-947a-54b615abcc3a"/>
-    <ds:schemaRef ds:uri="http://schemas.microsoft.com/office/2006/metadata/properties"/>
-    <ds:schemaRef ds:uri="http://schemas.microsoft.com/sharepoint/v3"/>
-    <ds:schemaRef ds:uri="http://purl.org/dc/terms/"/>
-    <ds:schemaRef ds:uri="2c061caa-ac96-4ed1-b74a-abb1169dd94c"/>
-    <ds:schemaRef ds:uri="http://www.w3.org/XML/1998/namespace"/>
-    <ds:schemaRef ds:uri="http://purl.org/dc/dcmitype/"/>
+    <ds:schemaRef ds:uri="http://schemas.microsoft.com/sharepoint/v3/contenttype/forms"/>
   </ds:schemaRefs>
 </ds:datastoreItem>
 </file>
@@ -17662,9 +17710,19 @@
 </file>
 
 <file path=customXml/itemProps3.xml><?xml version="1.0" encoding="utf-8"?>
-<ds:datastoreItem xmlns:ds="http://schemas.openxmlformats.org/officeDocument/2006/customXml" ds:itemID="{613FA5FF-2111-4E01-9BF6-3626FF06C57A}">
+<ds:datastoreItem xmlns:ds="http://schemas.openxmlformats.org/officeDocument/2006/customXml" ds:itemID="{18FEFD74-9FBC-4157-8802-AFD8EC757C9F}">
   <ds:schemaRefs>
-    <ds:schemaRef ds:uri="http://schemas.microsoft.com/sharepoint/v3/contenttype/forms"/>
+    <ds:schemaRef ds:uri="http://schemas.openxmlformats.org/package/2006/metadata/core-properties"/>
+    <ds:schemaRef ds:uri="http://schemas.microsoft.com/office/2006/documentManagement/types"/>
+    <ds:schemaRef ds:uri="http://schemas.microsoft.com/office/infopath/2007/PartnerControls"/>
+    <ds:schemaRef ds:uri="http://purl.org/dc/elements/1.1/"/>
+    <ds:schemaRef ds:uri="8acc76ce-4927-4c10-947a-54b615abcc3a"/>
+    <ds:schemaRef ds:uri="http://schemas.microsoft.com/office/2006/metadata/properties"/>
+    <ds:schemaRef ds:uri="http://schemas.microsoft.com/sharepoint/v3"/>
+    <ds:schemaRef ds:uri="http://purl.org/dc/terms/"/>
+    <ds:schemaRef ds:uri="2c061caa-ac96-4ed1-b74a-abb1169dd94c"/>
+    <ds:schemaRef ds:uri="http://www.w3.org/XML/1998/namespace"/>
+    <ds:schemaRef ds:uri="http://purl.org/dc/dcmitype/"/>
   </ds:schemaRefs>
 </ds:datastoreItem>
 </file>
--- a/GIT_ARL_ParaPower_Workflow.pptx
+++ b/GIT_ARL_ParaPower_Workflow.pptx
@@ -11550,38 +11550,6 @@
       </p:grpSpPr>
       <p:sp>
         <p:nvSpPr>
-          <p:cNvPr id="88" name="TextBox 87"/>
-          <p:cNvSpPr txBox="1"/>
-          <p:nvPr/>
-        </p:nvSpPr>
-        <p:spPr>
-          <a:xfrm>
-            <a:off x="3577273" y="5409435"/>
-            <a:ext cx="801501" cy="184666"/>
-          </a:xfrm>
-          <a:prstGeom prst="rect">
-            <a:avLst/>
-          </a:prstGeom>
-          <a:solidFill>
-            <a:srgbClr val="FF99FF"/>
-          </a:solidFill>
-        </p:spPr>
-        <p:txBody>
-          <a:bodyPr wrap="none" lIns="0" tIns="0" rIns="0" bIns="0" rtlCol="0">
-            <a:spAutoFit/>
-          </a:bodyPr>
-          <a:lstStyle/>
-          <a:p>
-            <a:r>
-              <a:rPr lang="en-US" sz="1200" dirty="0" smtClean="0"/>
-              <a:t>P_Feature4</a:t>
-            </a:r>
-            <a:endParaRPr lang="en-US" sz="1200" dirty="0"/>
-          </a:p>
-        </p:txBody>
-      </p:sp>
-      <p:sp>
-        <p:nvSpPr>
           <p:cNvPr id="3" name="Title 2"/>
           <p:cNvSpPr>
             <a:spLocks noGrp="1"/>
@@ -11625,13 +11593,13 @@
           <p:nvPr>
             <p:extLst>
               <p:ext uri="{D42A27DB-BD31-4B8C-83A1-F6EECF244321}">
-                <p14:modId xmlns:p14="http://schemas.microsoft.com/office/powerpoint/2010/main" val="4003197349"/>
+                <p14:modId xmlns:p14="http://schemas.microsoft.com/office/powerpoint/2010/main" val="639996386"/>
               </p:ext>
             </p:extLst>
           </p:nvPr>
         </p:nvGraphicFramePr>
         <p:xfrm>
-          <a:off x="327856" y="796817"/>
+          <a:off x="265773" y="614378"/>
           <a:ext cx="8379390" cy="2852928"/>
         </p:xfrm>
         <a:graphic>
@@ -12123,7 +12091,6 @@
                         <a:rPr lang="en-US" sz="1200" dirty="0" smtClean="0"/>
                         <a:t>_internal-</a:t>
                       </a:r>
-                      <a:endParaRPr lang="en-US" sz="1200" dirty="0" smtClean="0"/>
                     </a:p>
                     <a:p>
                       <a:r>
@@ -12229,7 +12196,11 @@
                     <a:p>
                       <a:r>
                         <a:rPr lang="en-US" sz="1200" dirty="0" smtClean="0"/>
-                        <a:t>Master</a:t>
+                        <a:t>Release</a:t>
+                      </a:r>
+                      <a:r>
+                        <a:rPr lang="en-US" sz="1200" dirty="0" smtClean="0"/>
+                        <a:t/>
                       </a:r>
                       <a:br>
                         <a:rPr lang="en-US" sz="1200" dirty="0" smtClean="0"/>
@@ -12359,7 +12330,11 @@
                     <a:p>
                       <a:r>
                         <a:rPr lang="en-US" sz="1200" dirty="0" smtClean="0"/>
-                        <a:t>Master</a:t>
+                        <a:t>Release</a:t>
+                      </a:r>
+                      <a:r>
+                        <a:rPr lang="en-US" sz="1200" dirty="0" smtClean="0"/>
+                        <a:t/>
                       </a:r>
                       <a:br>
                         <a:rPr lang="en-US" sz="1200" dirty="0" smtClean="0"/>
@@ -12490,11 +12465,29 @@
                         <a:rPr lang="en-US" sz="1200" dirty="0" smtClean="0"/>
                         <a:t>Develop</a:t>
                       </a:r>
+                      <a:endParaRPr lang="en-US" sz="1200" dirty="0" smtClean="0"/>
+                    </a:p>
+                  </a:txBody>
+                  <a:tcPr marT="18288" marB="18288" anchor="ctr">
+                    <a:solidFill>
+                      <a:srgbClr val="FF99FF"/>
+                    </a:solidFill>
+                  </a:tcPr>
+                </a:tc>
+                <a:tc>
+                  <a:txBody>
+                    <a:bodyPr/>
+                    <a:lstStyle/>
+                    <a:p>
+                      <a:r>
+                        <a:rPr lang="en-US" sz="1200" dirty="0" smtClean="0"/>
+                        <a:t>P_###_YYY</a:t>
+                      </a:r>
                     </a:p>
                     <a:p>
                       <a:r>
-                        <a:rPr lang="en-US" sz="1200" dirty="0" err="1" smtClean="0"/>
-                        <a:t>InternalDevelop</a:t>
+                        <a:rPr lang="en-US" sz="1200" dirty="0" smtClean="0"/>
+                        <a:t>PI_###_ZZZ</a:t>
                       </a:r>
                       <a:endParaRPr lang="en-US" sz="1200" dirty="0"/>
                     </a:p>
@@ -12512,25 +12505,7 @@
                     <a:p>
                       <a:r>
                         <a:rPr lang="en-US" sz="1200" dirty="0" smtClean="0"/>
-                        <a:t>P_XXXXX</a:t>
-                      </a:r>
-                      <a:endParaRPr lang="en-US" sz="1200" dirty="0"/>
-                    </a:p>
-                  </a:txBody>
-                  <a:tcPr marT="18288" marB="18288" anchor="ctr">
-                    <a:solidFill>
-                      <a:srgbClr val="FF99FF"/>
-                    </a:solidFill>
-                  </a:tcPr>
-                </a:tc>
-                <a:tc>
-                  <a:txBody>
-                    <a:bodyPr/>
-                    <a:lstStyle/>
-                    <a:p>
-                      <a:r>
-                        <a:rPr lang="en-US" sz="1200" dirty="0" smtClean="0"/>
-                        <a:t>1 functionality</a:t>
+                        <a:t>PI for receiving from internal</a:t>
                       </a:r>
                       <a:endParaRPr lang="en-US" sz="1200" dirty="0"/>
                     </a:p>
@@ -12624,7 +12599,7 @@
                     <a:p>
                       <a:r>
                         <a:rPr lang="en-US" sz="1200" dirty="0" smtClean="0"/>
-                        <a:t>Develop</a:t>
+                        <a:t>Feature</a:t>
                       </a:r>
                       <a:endParaRPr lang="en-US" sz="1200" dirty="0"/>
                     </a:p>
@@ -12642,7 +12617,11 @@
                     <a:p>
                       <a:r>
                         <a:rPr lang="en-US" sz="1200" dirty="0" smtClean="0"/>
-                        <a:t>I_XXXXX</a:t>
+                        <a:t>I</a:t>
+                      </a:r>
+                      <a:r>
+                        <a:rPr lang="en-US" sz="1200" dirty="0" smtClean="0"/>
+                        <a:t>_###_ZZZ</a:t>
                       </a:r>
                       <a:endParaRPr lang="en-US" sz="1200" dirty="0"/>
                     </a:p>
@@ -12658,10 +12637,6 @@
                     <a:bodyPr/>
                     <a:lstStyle/>
                     <a:p>
-                      <a:r>
-                        <a:rPr lang="en-US" sz="1200" dirty="0" smtClean="0"/>
-                        <a:t>1 functionality</a:t>
-                      </a:r>
                       <a:endParaRPr lang="en-US" sz="1200" dirty="0"/>
                     </a:p>
                   </a:txBody>
@@ -12689,8 +12664,8 @@
         </p:nvSpPr>
         <p:spPr>
           <a:xfrm>
-            <a:off x="5266375" y="3631517"/>
-            <a:ext cx="4163756" cy="3647152"/>
+            <a:off x="5256458" y="3431762"/>
+            <a:ext cx="4163756" cy="3816429"/>
           </a:xfrm>
           <a:prstGeom prst="rect">
             <a:avLst/>
@@ -12719,7 +12694,11 @@
             </a:r>
             <a:r>
               <a:rPr lang="en-US" sz="1100" dirty="0" err="1" smtClean="0"/>
-              <a:t>P_anything</a:t>
+              <a:t>P</a:t>
+            </a:r>
+            <a:r>
+              <a:rPr lang="en-US" sz="1100" dirty="0" err="1" smtClean="0"/>
+              <a:t>_#_anything</a:t>
             </a:r>
             <a:endParaRPr lang="en-US" sz="1100" dirty="0" smtClean="0"/>
           </a:p>
@@ -12743,8 +12722,8 @@
               <a:t>Merge Develop into </a:t>
             </a:r>
             <a:r>
-              <a:rPr lang="en-US" sz="1100" dirty="0" err="1" smtClean="0"/>
-              <a:t>InternalDevelop</a:t>
+              <a:rPr lang="en-US" sz="1100" dirty="0" smtClean="0"/>
+              <a:t>Private</a:t>
             </a:r>
             <a:endParaRPr lang="en-US" sz="1100" dirty="0" smtClean="0"/>
           </a:p>
@@ -12761,23 +12740,19 @@
             </a:pPr>
             <a:r>
               <a:rPr lang="en-US" sz="1100" dirty="0" smtClean="0"/>
-              <a:t>Create </a:t>
-            </a:r>
-            <a:r>
-              <a:rPr lang="en-US" sz="1100" dirty="0" smtClean="0"/>
-              <a:t>branch </a:t>
+              <a:t>Create branch </a:t>
             </a:r>
             <a:r>
               <a:rPr lang="en-US" sz="1100" dirty="0"/>
               <a:t>off of </a:t>
             </a:r>
             <a:r>
-              <a:rPr lang="en-US" sz="1100" dirty="0" err="1" smtClean="0"/>
-              <a:t>InternalDevelop</a:t>
-            </a:r>
-            <a:r>
               <a:rPr lang="en-US" sz="1100" dirty="0" smtClean="0"/>
-              <a:t>, Name </a:t>
+              <a:t>Private, </a:t>
+            </a:r>
+            <a:r>
+              <a:rPr lang="en-US" sz="1100" dirty="0" smtClean="0"/>
+              <a:t>Name </a:t>
             </a:r>
             <a:r>
               <a:rPr lang="en-US" sz="1100" dirty="0"/>
@@ -12785,7 +12760,11 @@
             </a:r>
             <a:r>
               <a:rPr lang="en-US" sz="1100" dirty="0" err="1" smtClean="0"/>
-              <a:t>I_anything</a:t>
+              <a:t>I</a:t>
+            </a:r>
+            <a:r>
+              <a:rPr lang="en-US" sz="1100" dirty="0" err="1" smtClean="0"/>
+              <a:t>_#_anything</a:t>
             </a:r>
             <a:endParaRPr lang="en-US" sz="1100" dirty="0"/>
           </a:p>
@@ -12803,8 +12782,8 @@
               <a:t>back to </a:t>
             </a:r>
             <a:r>
-              <a:rPr lang="en-US" sz="1100" dirty="0" err="1" smtClean="0"/>
-              <a:t>InternalDevelop</a:t>
+              <a:rPr lang="en-US" sz="1100" dirty="0" smtClean="0"/>
+              <a:t>Private</a:t>
             </a:r>
             <a:endParaRPr lang="en-US" sz="1100" dirty="0" smtClean="0"/>
           </a:p>
@@ -12815,8 +12794,13 @@
             </a:pPr>
             <a:r>
               <a:rPr lang="en-US" sz="1100" dirty="0" smtClean="0"/>
-              <a:t>To release feature, merge feature back to Develop</a:t>
-            </a:r>
+              <a:t>To release feature, merge feature </a:t>
+            </a:r>
+            <a:r>
+              <a:rPr lang="en-US" sz="1100" dirty="0" smtClean="0"/>
+              <a:t>to intermediate feature from Develop</a:t>
+            </a:r>
+            <a:endParaRPr lang="en-US" sz="1100" dirty="0" smtClean="0"/>
           </a:p>
           <a:p>
             <a:r>
@@ -12874,11 +12858,7 @@
             </a:r>
             <a:r>
               <a:rPr lang="en-US" sz="1100" dirty="0" smtClean="0"/>
-              <a:t>elease </a:t>
-            </a:r>
-            <a:r>
-              <a:rPr lang="en-US" sz="1100" dirty="0" smtClean="0"/>
-              <a:t>AND </a:t>
+              <a:t>elease AND </a:t>
             </a:r>
             <a:r>
               <a:rPr lang="en-US" sz="1100" dirty="0"/>
@@ -12888,7 +12868,6 @@
               <a:rPr lang="en-US" sz="1100" dirty="0" smtClean="0"/>
               <a:t>evelop</a:t>
             </a:r>
-            <a:endParaRPr lang="en-US" sz="1100" dirty="0" smtClean="0"/>
           </a:p>
           <a:p>
             <a:r>
@@ -12903,15 +12882,7 @@
             </a:pPr>
             <a:r>
               <a:rPr lang="en-US" sz="1100" dirty="0" smtClean="0"/>
-              <a:t>Create branch off of </a:t>
-            </a:r>
-            <a:r>
-              <a:rPr lang="en-US" sz="1100" dirty="0" smtClean="0"/>
-              <a:t>Release, </a:t>
-            </a:r>
-            <a:r>
-              <a:rPr lang="en-US" sz="1100" dirty="0" smtClean="0"/>
-              <a:t>Name is Hotfix-NNN</a:t>
+              <a:t>Create branch off of Release, Name is Hotfix-NNN</a:t>
             </a:r>
           </a:p>
           <a:p>
@@ -12931,19 +12902,7 @@
             </a:pPr>
             <a:r>
               <a:rPr lang="en-US" sz="1100" dirty="0" smtClean="0"/>
-              <a:t>Merge </a:t>
-            </a:r>
-            <a:r>
-              <a:rPr lang="en-US" sz="1100" smtClean="0"/>
-              <a:t>into </a:t>
-            </a:r>
-            <a:r>
-              <a:rPr lang="en-US" sz="1100" smtClean="0"/>
-              <a:t>Release </a:t>
-            </a:r>
-            <a:r>
-              <a:rPr lang="en-US" sz="1100" dirty="0" smtClean="0"/>
-              <a:t>AND Develop</a:t>
+              <a:t>Merge into Release AND Develop</a:t>
             </a:r>
           </a:p>
           <a:p>
@@ -12973,2036 +12932,6 @@
           </a:p>
         </p:txBody>
       </p:sp>
-      <p:sp>
-        <p:nvSpPr>
-          <p:cNvPr id="74" name="Rectangle 73"/>
-          <p:cNvSpPr/>
-          <p:nvPr/>
-        </p:nvSpPr>
-        <p:spPr>
-          <a:xfrm>
-            <a:off x="463153" y="5881705"/>
-            <a:ext cx="4828289" cy="195162"/>
-          </a:xfrm>
-          <a:prstGeom prst="rect">
-            <a:avLst/>
-          </a:prstGeom>
-          <a:solidFill>
-            <a:srgbClr val="FF9999"/>
-          </a:solidFill>
-          <a:ln>
-            <a:noFill/>
-          </a:ln>
-        </p:spPr>
-        <p:style>
-          <a:lnRef idx="2">
-            <a:schemeClr val="accent1">
-              <a:shade val="50000"/>
-            </a:schemeClr>
-          </a:lnRef>
-          <a:fillRef idx="1">
-            <a:schemeClr val="accent1"/>
-          </a:fillRef>
-          <a:effectRef idx="0">
-            <a:schemeClr val="accent1"/>
-          </a:effectRef>
-          <a:fontRef idx="minor">
-            <a:schemeClr val="lt1"/>
-          </a:fontRef>
-        </p:style>
-        <p:txBody>
-          <a:bodyPr lIns="0" tIns="0" rIns="0" bIns="0" rtlCol="0" anchor="ctr"/>
-          <a:lstStyle/>
-          <a:p>
-            <a:pPr algn="ctr"/>
-            <a:endParaRPr lang="en-US"/>
-          </a:p>
-        </p:txBody>
-      </p:sp>
-      <p:sp>
-        <p:nvSpPr>
-          <p:cNvPr id="73" name="Rectangle 72"/>
-          <p:cNvSpPr/>
-          <p:nvPr/>
-        </p:nvSpPr>
-        <p:spPr>
-          <a:xfrm>
-            <a:off x="516033" y="4962313"/>
-            <a:ext cx="4828289" cy="195162"/>
-          </a:xfrm>
-          <a:prstGeom prst="rect">
-            <a:avLst/>
-          </a:prstGeom>
-          <a:solidFill>
-            <a:srgbClr val="92D050"/>
-          </a:solidFill>
-          <a:ln>
-            <a:noFill/>
-          </a:ln>
-        </p:spPr>
-        <p:style>
-          <a:lnRef idx="2">
-            <a:schemeClr val="accent1">
-              <a:shade val="50000"/>
-            </a:schemeClr>
-          </a:lnRef>
-          <a:fillRef idx="1">
-            <a:schemeClr val="accent1"/>
-          </a:fillRef>
-          <a:effectRef idx="0">
-            <a:schemeClr val="accent1"/>
-          </a:effectRef>
-          <a:fontRef idx="minor">
-            <a:schemeClr val="lt1"/>
-          </a:fontRef>
-        </p:style>
-        <p:txBody>
-          <a:bodyPr lIns="0" tIns="0" rIns="0" bIns="0" rtlCol="0" anchor="ctr"/>
-          <a:lstStyle/>
-          <a:p>
-            <a:pPr algn="ctr"/>
-            <a:endParaRPr lang="en-US"/>
-          </a:p>
-        </p:txBody>
-      </p:sp>
-      <p:sp>
-        <p:nvSpPr>
-          <p:cNvPr id="18" name="Rectangle 17"/>
-          <p:cNvSpPr/>
-          <p:nvPr/>
-        </p:nvSpPr>
-        <p:spPr>
-          <a:xfrm>
-            <a:off x="489117" y="4282110"/>
-            <a:ext cx="4828289" cy="195162"/>
-          </a:xfrm>
-          <a:prstGeom prst="rect">
-            <a:avLst/>
-          </a:prstGeom>
-          <a:solidFill>
-            <a:srgbClr val="FFF0B1"/>
-          </a:solidFill>
-          <a:ln>
-            <a:noFill/>
-          </a:ln>
-        </p:spPr>
-        <p:style>
-          <a:lnRef idx="2">
-            <a:schemeClr val="accent1">
-              <a:shade val="50000"/>
-            </a:schemeClr>
-          </a:lnRef>
-          <a:fillRef idx="1">
-            <a:schemeClr val="accent1"/>
-          </a:fillRef>
-          <a:effectRef idx="0">
-            <a:schemeClr val="accent1"/>
-          </a:effectRef>
-          <a:fontRef idx="minor">
-            <a:schemeClr val="lt1"/>
-          </a:fontRef>
-        </p:style>
-        <p:txBody>
-          <a:bodyPr lIns="0" tIns="0" rIns="0" bIns="0" rtlCol="0" anchor="ctr"/>
-          <a:lstStyle/>
-          <a:p>
-            <a:pPr algn="ctr"/>
-            <a:endParaRPr lang="en-US"/>
-          </a:p>
-        </p:txBody>
-      </p:sp>
-      <p:sp>
-        <p:nvSpPr>
-          <p:cNvPr id="49" name="TextBox 48"/>
-          <p:cNvSpPr txBox="1"/>
-          <p:nvPr/>
-        </p:nvSpPr>
-        <p:spPr>
-          <a:xfrm>
-            <a:off x="179451" y="4183473"/>
-            <a:ext cx="586699" cy="184666"/>
-          </a:xfrm>
-          <a:prstGeom prst="rect">
-            <a:avLst/>
-          </a:prstGeom>
-          <a:solidFill>
-            <a:schemeClr val="tx2">
-              <a:lumMod val="40000"/>
-              <a:lumOff val="60000"/>
-            </a:schemeClr>
-          </a:solidFill>
-        </p:spPr>
-        <p:txBody>
-          <a:bodyPr wrap="none" lIns="0" tIns="0" rIns="0" bIns="0" rtlCol="0">
-            <a:spAutoFit/>
-          </a:bodyPr>
-          <a:lstStyle/>
-          <a:p>
-            <a:r>
-              <a:rPr lang="en-US" sz="1200" dirty="0" smtClean="0"/>
-              <a:t>_release</a:t>
-            </a:r>
-            <a:endParaRPr lang="en-US" sz="1200" dirty="0"/>
-          </a:p>
-        </p:txBody>
-      </p:sp>
-      <p:sp>
-        <p:nvSpPr>
-          <p:cNvPr id="58" name="TextBox 57"/>
-          <p:cNvSpPr txBox="1"/>
-          <p:nvPr/>
-        </p:nvSpPr>
-        <p:spPr>
-          <a:xfrm>
-            <a:off x="2130838" y="3874399"/>
-            <a:ext cx="698909" cy="184666"/>
-          </a:xfrm>
-          <a:prstGeom prst="rect">
-            <a:avLst/>
-          </a:prstGeom>
-          <a:solidFill>
-            <a:srgbClr val="9999FF"/>
-          </a:solidFill>
-        </p:spPr>
-        <p:txBody>
-          <a:bodyPr wrap="none" lIns="0" tIns="0" rIns="0" bIns="0" rtlCol="0">
-            <a:spAutoFit/>
-          </a:bodyPr>
-          <a:lstStyle/>
-          <a:p>
-            <a:r>
-              <a:rPr lang="en-US" sz="1200" dirty="0" smtClean="0"/>
-              <a:t>Hotfix-012</a:t>
-            </a:r>
-            <a:endParaRPr lang="en-US" sz="1200" dirty="0"/>
-          </a:p>
-        </p:txBody>
-      </p:sp>
-      <p:sp>
-        <p:nvSpPr>
-          <p:cNvPr id="64" name="TextBox 63"/>
-          <p:cNvSpPr txBox="1"/>
-          <p:nvPr/>
-        </p:nvSpPr>
-        <p:spPr>
-          <a:xfrm>
-            <a:off x="125831" y="4858427"/>
-            <a:ext cx="620363" cy="184666"/>
-          </a:xfrm>
-          <a:prstGeom prst="rect">
-            <a:avLst/>
-          </a:prstGeom>
-          <a:solidFill>
-            <a:srgbClr val="92D050"/>
-          </a:solidFill>
-        </p:spPr>
-        <p:txBody>
-          <a:bodyPr wrap="none" lIns="0" tIns="0" rIns="0" bIns="0" rtlCol="0">
-            <a:spAutoFit/>
-          </a:bodyPr>
-          <a:lstStyle/>
-          <a:p>
-            <a:r>
-              <a:rPr lang="en-US" sz="1200" dirty="0" smtClean="0"/>
-              <a:t>_develop</a:t>
-            </a:r>
-            <a:endParaRPr lang="en-US" sz="1200" dirty="0"/>
-          </a:p>
-        </p:txBody>
-      </p:sp>
-      <p:sp>
-        <p:nvSpPr>
-          <p:cNvPr id="65" name="TextBox 64"/>
-          <p:cNvSpPr txBox="1"/>
-          <p:nvPr/>
-        </p:nvSpPr>
-        <p:spPr>
-          <a:xfrm>
-            <a:off x="578473" y="4584251"/>
-            <a:ext cx="647613" cy="184666"/>
-          </a:xfrm>
-          <a:prstGeom prst="rect">
-            <a:avLst/>
-          </a:prstGeom>
-          <a:solidFill>
-            <a:srgbClr val="66FFFF"/>
-          </a:solidFill>
-        </p:spPr>
-        <p:txBody>
-          <a:bodyPr wrap="none" lIns="0" tIns="0" rIns="0" bIns="0" rtlCol="0">
-            <a:spAutoFit/>
-          </a:bodyPr>
-          <a:lstStyle/>
-          <a:p>
-            <a:r>
-              <a:rPr lang="en-US" sz="1200" dirty="0" smtClean="0"/>
-              <a:t>R-V00.1a</a:t>
-            </a:r>
-            <a:endParaRPr lang="en-US" sz="1200" dirty="0"/>
-          </a:p>
-        </p:txBody>
-      </p:sp>
-      <p:sp>
-        <p:nvSpPr>
-          <p:cNvPr id="98" name="TextBox 97"/>
-          <p:cNvSpPr txBox="1"/>
-          <p:nvPr/>
-        </p:nvSpPr>
-        <p:spPr>
-          <a:xfrm>
-            <a:off x="70173" y="5558175"/>
-            <a:ext cx="801501" cy="184666"/>
-          </a:xfrm>
-          <a:prstGeom prst="rect">
-            <a:avLst/>
-          </a:prstGeom>
-          <a:solidFill>
-            <a:srgbClr val="FF99FF"/>
-          </a:solidFill>
-        </p:spPr>
-        <p:txBody>
-          <a:bodyPr wrap="none" lIns="0" tIns="0" rIns="0" bIns="0" rtlCol="0">
-            <a:spAutoFit/>
-          </a:bodyPr>
-          <a:lstStyle/>
-          <a:p>
-            <a:r>
-              <a:rPr lang="en-US" sz="1200" dirty="0" smtClean="0"/>
-              <a:t>P_Feature1</a:t>
-            </a:r>
-            <a:endParaRPr lang="en-US" sz="1200" dirty="0"/>
-          </a:p>
-        </p:txBody>
-      </p:sp>
-      <p:sp>
-        <p:nvSpPr>
-          <p:cNvPr id="99" name="TextBox 98"/>
-          <p:cNvSpPr txBox="1"/>
-          <p:nvPr/>
-        </p:nvSpPr>
-        <p:spPr>
-          <a:xfrm>
-            <a:off x="978959" y="5290231"/>
-            <a:ext cx="801501" cy="184666"/>
-          </a:xfrm>
-          <a:prstGeom prst="rect">
-            <a:avLst/>
-          </a:prstGeom>
-          <a:solidFill>
-            <a:srgbClr val="FF99FF"/>
-          </a:solidFill>
-        </p:spPr>
-        <p:txBody>
-          <a:bodyPr wrap="none" lIns="0" tIns="0" rIns="0" bIns="0" rtlCol="0">
-            <a:spAutoFit/>
-          </a:bodyPr>
-          <a:lstStyle/>
-          <a:p>
-            <a:r>
-              <a:rPr lang="en-US" sz="1200" dirty="0" smtClean="0"/>
-              <a:t>P_Feature2</a:t>
-            </a:r>
-            <a:endParaRPr lang="en-US" sz="1200" dirty="0"/>
-          </a:p>
-        </p:txBody>
-      </p:sp>
-      <p:sp>
-        <p:nvSpPr>
-          <p:cNvPr id="108" name="TextBox 107"/>
-          <p:cNvSpPr txBox="1"/>
-          <p:nvPr/>
-        </p:nvSpPr>
-        <p:spPr>
-          <a:xfrm>
-            <a:off x="3853045" y="4559621"/>
-            <a:ext cx="562655" cy="184666"/>
-          </a:xfrm>
-          <a:prstGeom prst="rect">
-            <a:avLst/>
-          </a:prstGeom>
-          <a:solidFill>
-            <a:srgbClr val="66FFFF"/>
-          </a:solidFill>
-        </p:spPr>
-        <p:txBody>
-          <a:bodyPr wrap="none" lIns="0" tIns="0" rIns="0" bIns="0" rtlCol="0">
-            <a:spAutoFit/>
-          </a:bodyPr>
-          <a:lstStyle/>
-          <a:p>
-            <a:r>
-              <a:rPr lang="en-US" sz="1200" dirty="0" smtClean="0"/>
-              <a:t>R-V00.2</a:t>
-            </a:r>
-            <a:endParaRPr lang="en-US" sz="1200" dirty="0"/>
-          </a:p>
-        </p:txBody>
-      </p:sp>
-      <p:sp>
-        <p:nvSpPr>
-          <p:cNvPr id="118" name="TextBox 117"/>
-          <p:cNvSpPr txBox="1"/>
-          <p:nvPr/>
-        </p:nvSpPr>
-        <p:spPr>
-          <a:xfrm>
-            <a:off x="105818" y="5776767"/>
-            <a:ext cx="586699" cy="369332"/>
-          </a:xfrm>
-          <a:prstGeom prst="rect">
-            <a:avLst/>
-          </a:prstGeom>
-          <a:solidFill>
-            <a:srgbClr val="FF9999"/>
-          </a:solidFill>
-        </p:spPr>
-        <p:txBody>
-          <a:bodyPr wrap="none" lIns="0" tIns="0" rIns="0" bIns="0" rtlCol="0">
-            <a:spAutoFit/>
-          </a:bodyPr>
-          <a:lstStyle/>
-          <a:p>
-            <a:r>
-              <a:rPr lang="en-US" sz="1200" dirty="0" smtClean="0"/>
-              <a:t>_</a:t>
-            </a:r>
-            <a:r>
-              <a:rPr lang="en-US" sz="1200" dirty="0"/>
-              <a:t>i</a:t>
-            </a:r>
-            <a:r>
-              <a:rPr lang="en-US" sz="1200" dirty="0" smtClean="0"/>
-              <a:t>nternal</a:t>
-            </a:r>
-            <a:r>
-              <a:rPr lang="en-US" sz="1200" dirty="0" smtClean="0"/>
-              <a:t/>
-            </a:r>
-            <a:br>
-              <a:rPr lang="en-US" sz="1200" dirty="0" smtClean="0"/>
-            </a:br>
-            <a:r>
-              <a:rPr lang="en-US" sz="1200" dirty="0" smtClean="0"/>
-              <a:t>Develop</a:t>
-            </a:r>
-            <a:endParaRPr lang="en-US" sz="1200" dirty="0"/>
-          </a:p>
-        </p:txBody>
-      </p:sp>
-      <p:sp>
-        <p:nvSpPr>
-          <p:cNvPr id="133" name="TextBox 132"/>
-          <p:cNvSpPr txBox="1"/>
-          <p:nvPr/>
-        </p:nvSpPr>
-        <p:spPr>
-          <a:xfrm>
-            <a:off x="2911995" y="6184372"/>
-            <a:ext cx="742191" cy="184666"/>
-          </a:xfrm>
-          <a:prstGeom prst="rect">
-            <a:avLst/>
-          </a:prstGeom>
-          <a:solidFill>
-            <a:srgbClr val="FFCCFF"/>
-          </a:solidFill>
-        </p:spPr>
-        <p:txBody>
-          <a:bodyPr wrap="none" lIns="0" tIns="0" rIns="0" bIns="0" rtlCol="0">
-            <a:spAutoFit/>
-          </a:bodyPr>
-          <a:lstStyle/>
-          <a:p>
-            <a:r>
-              <a:rPr lang="en-US" sz="1200" dirty="0" smtClean="0"/>
-              <a:t>I_Feature3</a:t>
-            </a:r>
-            <a:endParaRPr lang="en-US" sz="1200" dirty="0"/>
-          </a:p>
-        </p:txBody>
-      </p:sp>
-      <p:sp>
-        <p:nvSpPr>
-          <p:cNvPr id="6" name="Oval 5"/>
-          <p:cNvSpPr/>
-          <p:nvPr/>
-        </p:nvSpPr>
-        <p:spPr>
-          <a:xfrm flipV="1">
-            <a:off x="1375652" y="4653874"/>
-            <a:ext cx="227589" cy="219656"/>
-          </a:xfrm>
-          <a:prstGeom prst="ellipse">
-            <a:avLst/>
-          </a:prstGeom>
-          <a:solidFill>
-            <a:srgbClr val="FF0000"/>
-          </a:solidFill>
-        </p:spPr>
-        <p:style>
-          <a:lnRef idx="2">
-            <a:schemeClr val="accent1">
-              <a:shade val="50000"/>
-            </a:schemeClr>
-          </a:lnRef>
-          <a:fillRef idx="1">
-            <a:schemeClr val="accent1"/>
-          </a:fillRef>
-          <a:effectRef idx="0">
-            <a:schemeClr val="accent1"/>
-          </a:effectRef>
-          <a:fontRef idx="minor">
-            <a:schemeClr val="lt1"/>
-          </a:fontRef>
-        </p:style>
-        <p:txBody>
-          <a:bodyPr lIns="0" tIns="0" rIns="0" bIns="0" rtlCol="0" anchor="ctr"/>
-          <a:lstStyle/>
-          <a:p>
-            <a:pPr algn="ctr"/>
-            <a:endParaRPr lang="en-US" sz="1200"/>
-          </a:p>
-        </p:txBody>
-      </p:sp>
-      <p:cxnSp>
-        <p:nvCxnSpPr>
-          <p:cNvPr id="28" name="Straight Arrow Connector 27"/>
-          <p:cNvCxnSpPr>
-            <a:stCxn id="73" idx="1"/>
-            <a:endCxn id="73" idx="3"/>
-          </p:cNvCxnSpPr>
-          <p:nvPr/>
-        </p:nvCxnSpPr>
-        <p:spPr>
-          <a:xfrm>
-            <a:off x="516033" y="5059894"/>
-            <a:ext cx="4828289" cy="0"/>
-          </a:xfrm>
-          <a:prstGeom prst="straightConnector1">
-            <a:avLst/>
-          </a:prstGeom>
-          <a:ln w="38100">
-            <a:tailEnd type="stealth" w="lg" len="lg"/>
-          </a:ln>
-        </p:spPr>
-        <p:style>
-          <a:lnRef idx="1">
-            <a:schemeClr val="accent1"/>
-          </a:lnRef>
-          <a:fillRef idx="0">
-            <a:schemeClr val="accent1"/>
-          </a:fillRef>
-          <a:effectRef idx="0">
-            <a:schemeClr val="accent1"/>
-          </a:effectRef>
-          <a:fontRef idx="minor">
-            <a:schemeClr val="tx1"/>
-          </a:fontRef>
-        </p:style>
-      </p:cxnSp>
-      <p:sp>
-        <p:nvSpPr>
-          <p:cNvPr id="33" name="Oval 32"/>
-          <p:cNvSpPr/>
-          <p:nvPr/>
-        </p:nvSpPr>
-        <p:spPr>
-          <a:xfrm flipV="1">
-            <a:off x="1764118" y="4653874"/>
-            <a:ext cx="227589" cy="219656"/>
-          </a:xfrm>
-          <a:prstGeom prst="ellipse">
-            <a:avLst/>
-          </a:prstGeom>
-          <a:solidFill>
-            <a:srgbClr val="FF0000"/>
-          </a:solidFill>
-        </p:spPr>
-        <p:style>
-          <a:lnRef idx="2">
-            <a:schemeClr val="accent1">
-              <a:shade val="50000"/>
-            </a:schemeClr>
-          </a:lnRef>
-          <a:fillRef idx="1">
-            <a:schemeClr val="accent1"/>
-          </a:fillRef>
-          <a:effectRef idx="0">
-            <a:schemeClr val="accent1"/>
-          </a:effectRef>
-          <a:fontRef idx="minor">
-            <a:schemeClr val="lt1"/>
-          </a:fontRef>
-        </p:style>
-        <p:txBody>
-          <a:bodyPr lIns="0" tIns="0" rIns="0" bIns="0" rtlCol="0" anchor="ctr"/>
-          <a:lstStyle/>
-          <a:p>
-            <a:pPr algn="ctr"/>
-            <a:endParaRPr lang="en-US" sz="1200"/>
-          </a:p>
-        </p:txBody>
-      </p:sp>
-      <p:cxnSp>
-        <p:nvCxnSpPr>
-          <p:cNvPr id="34" name="Straight Arrow Connector 33"/>
-          <p:cNvCxnSpPr>
-            <a:stCxn id="18" idx="1"/>
-            <a:endCxn id="18" idx="3"/>
-          </p:cNvCxnSpPr>
-          <p:nvPr/>
-        </p:nvCxnSpPr>
-        <p:spPr>
-          <a:xfrm>
-            <a:off x="489117" y="4379691"/>
-            <a:ext cx="4828289" cy="0"/>
-          </a:xfrm>
-          <a:prstGeom prst="straightConnector1">
-            <a:avLst/>
-          </a:prstGeom>
-          <a:ln w="38100">
-            <a:tailEnd type="stealth" w="lg" len="lg"/>
-          </a:ln>
-        </p:spPr>
-        <p:style>
-          <a:lnRef idx="1">
-            <a:schemeClr val="accent1"/>
-          </a:lnRef>
-          <a:fillRef idx="0">
-            <a:schemeClr val="accent1"/>
-          </a:fillRef>
-          <a:effectRef idx="0">
-            <a:schemeClr val="accent1"/>
-          </a:effectRef>
-          <a:fontRef idx="minor">
-            <a:schemeClr val="tx1"/>
-          </a:fontRef>
-        </p:style>
-      </p:cxnSp>
-      <p:cxnSp>
-        <p:nvCxnSpPr>
-          <p:cNvPr id="36" name="Elbow Connector 35"/>
-          <p:cNvCxnSpPr>
-            <a:stCxn id="70" idx="2"/>
-            <a:endCxn id="6" idx="2"/>
-          </p:cNvCxnSpPr>
-          <p:nvPr/>
-        </p:nvCxnSpPr>
-        <p:spPr>
-          <a:xfrm rot="10800000">
-            <a:off x="1375652" y="4763702"/>
-            <a:ext cx="872654" cy="289378"/>
-          </a:xfrm>
-          <a:prstGeom prst="bentConnector3">
-            <a:avLst>
-              <a:gd name="adj1" fmla="val 121253"/>
-            </a:avLst>
-          </a:prstGeom>
-          <a:ln w="19050">
-            <a:tailEnd type="stealth" w="lg" len="lg"/>
-          </a:ln>
-        </p:spPr>
-        <p:style>
-          <a:lnRef idx="1">
-            <a:schemeClr val="accent1"/>
-          </a:lnRef>
-          <a:fillRef idx="0">
-            <a:schemeClr val="accent1"/>
-          </a:fillRef>
-          <a:effectRef idx="0">
-            <a:schemeClr val="accent1"/>
-          </a:effectRef>
-          <a:fontRef idx="minor">
-            <a:schemeClr val="tx1"/>
-          </a:fontRef>
-        </p:style>
-      </p:cxnSp>
-      <p:cxnSp>
-        <p:nvCxnSpPr>
-          <p:cNvPr id="38" name="Elbow Connector 37"/>
-          <p:cNvCxnSpPr>
-            <a:stCxn id="6" idx="6"/>
-            <a:endCxn id="33" idx="2"/>
-          </p:cNvCxnSpPr>
-          <p:nvPr/>
-        </p:nvCxnSpPr>
-        <p:spPr>
-          <a:xfrm>
-            <a:off x="1603241" y="4763702"/>
-            <a:ext cx="160877" cy="0"/>
-          </a:xfrm>
-          <a:prstGeom prst="straightConnector1">
-            <a:avLst/>
-          </a:prstGeom>
-          <a:ln w="19050">
-            <a:tailEnd type="stealth" w="lg" len="lg"/>
-          </a:ln>
-        </p:spPr>
-        <p:style>
-          <a:lnRef idx="1">
-            <a:schemeClr val="accent1"/>
-          </a:lnRef>
-          <a:fillRef idx="0">
-            <a:schemeClr val="accent1"/>
-          </a:fillRef>
-          <a:effectRef idx="0">
-            <a:schemeClr val="accent1"/>
-          </a:effectRef>
-          <a:fontRef idx="minor">
-            <a:schemeClr val="tx1"/>
-          </a:fontRef>
-        </p:style>
-      </p:cxnSp>
-      <p:sp>
-        <p:nvSpPr>
-          <p:cNvPr id="41" name="Oval 40"/>
-          <p:cNvSpPr/>
-          <p:nvPr/>
-        </p:nvSpPr>
-        <p:spPr>
-          <a:xfrm flipV="1">
-            <a:off x="2225843" y="4267228"/>
-            <a:ext cx="227589" cy="219656"/>
-          </a:xfrm>
-          <a:prstGeom prst="ellipse">
-            <a:avLst/>
-          </a:prstGeom>
-          <a:solidFill>
-            <a:srgbClr val="00B0F0"/>
-          </a:solidFill>
-        </p:spPr>
-        <p:style>
-          <a:lnRef idx="2">
-            <a:schemeClr val="accent1">
-              <a:shade val="50000"/>
-            </a:schemeClr>
-          </a:lnRef>
-          <a:fillRef idx="1">
-            <a:schemeClr val="accent1"/>
-          </a:fillRef>
-          <a:effectRef idx="0">
-            <a:schemeClr val="accent1"/>
-          </a:effectRef>
-          <a:fontRef idx="minor">
-            <a:schemeClr val="lt1"/>
-          </a:fontRef>
-        </p:style>
-        <p:txBody>
-          <a:bodyPr lIns="0" tIns="0" rIns="0" bIns="0" rtlCol="0" anchor="ctr"/>
-          <a:lstStyle/>
-          <a:p>
-            <a:pPr algn="ctr"/>
-            <a:endParaRPr lang="en-US" sz="1200"/>
-          </a:p>
-        </p:txBody>
-      </p:sp>
-      <p:cxnSp>
-        <p:nvCxnSpPr>
-          <p:cNvPr id="42" name="Elbow Connector 41"/>
-          <p:cNvCxnSpPr>
-            <a:stCxn id="33" idx="6"/>
-            <a:endCxn id="41" idx="0"/>
-          </p:cNvCxnSpPr>
-          <p:nvPr/>
-        </p:nvCxnSpPr>
-        <p:spPr>
-          <a:xfrm flipV="1">
-            <a:off x="1991707" y="4486884"/>
-            <a:ext cx="347931" cy="276818"/>
-          </a:xfrm>
-          <a:prstGeom prst="bentConnector2">
-            <a:avLst/>
-          </a:prstGeom>
-          <a:ln w="19050">
-            <a:tailEnd type="stealth" w="lg" len="lg"/>
-          </a:ln>
-        </p:spPr>
-        <p:style>
-          <a:lnRef idx="1">
-            <a:schemeClr val="accent1"/>
-          </a:lnRef>
-          <a:fillRef idx="0">
-            <a:schemeClr val="accent1"/>
-          </a:fillRef>
-          <a:effectRef idx="0">
-            <a:schemeClr val="accent1"/>
-          </a:effectRef>
-          <a:fontRef idx="minor">
-            <a:schemeClr val="tx1"/>
-          </a:fontRef>
-        </p:style>
-      </p:cxnSp>
-      <p:sp>
-        <p:nvSpPr>
-          <p:cNvPr id="50" name="Oval 49"/>
-          <p:cNvSpPr/>
-          <p:nvPr/>
-        </p:nvSpPr>
-        <p:spPr>
-          <a:xfrm flipV="1">
-            <a:off x="2966999" y="3940621"/>
-            <a:ext cx="227589" cy="219656"/>
-          </a:xfrm>
-          <a:prstGeom prst="ellipse">
-            <a:avLst/>
-          </a:prstGeom>
-          <a:solidFill>
-            <a:srgbClr val="FF0000"/>
-          </a:solidFill>
-        </p:spPr>
-        <p:style>
-          <a:lnRef idx="2">
-            <a:schemeClr val="accent1">
-              <a:shade val="50000"/>
-            </a:schemeClr>
-          </a:lnRef>
-          <a:fillRef idx="1">
-            <a:schemeClr val="accent1"/>
-          </a:fillRef>
-          <a:effectRef idx="0">
-            <a:schemeClr val="accent1"/>
-          </a:effectRef>
-          <a:fontRef idx="minor">
-            <a:schemeClr val="lt1"/>
-          </a:fontRef>
-        </p:style>
-        <p:txBody>
-          <a:bodyPr lIns="0" tIns="0" rIns="0" bIns="0" rtlCol="0" anchor="ctr"/>
-          <a:lstStyle/>
-          <a:p>
-            <a:pPr algn="ctr"/>
-            <a:endParaRPr lang="en-US" sz="1200"/>
-          </a:p>
-        </p:txBody>
-      </p:sp>
-      <p:cxnSp>
-        <p:nvCxnSpPr>
-          <p:cNvPr id="51" name="Elbow Connector 50"/>
-          <p:cNvCxnSpPr>
-            <a:stCxn id="41" idx="6"/>
-            <a:endCxn id="50" idx="2"/>
-          </p:cNvCxnSpPr>
-          <p:nvPr/>
-        </p:nvCxnSpPr>
-        <p:spPr>
-          <a:xfrm flipV="1">
-            <a:off x="2453432" y="4050449"/>
-            <a:ext cx="513567" cy="326607"/>
-          </a:xfrm>
-          <a:prstGeom prst="bentConnector3">
-            <a:avLst>
-              <a:gd name="adj1" fmla="val 50000"/>
-            </a:avLst>
-          </a:prstGeom>
-          <a:ln w="19050">
-            <a:tailEnd type="stealth" w="lg" len="lg"/>
-          </a:ln>
-        </p:spPr>
-        <p:style>
-          <a:lnRef idx="1">
-            <a:schemeClr val="accent1"/>
-          </a:lnRef>
-          <a:fillRef idx="0">
-            <a:schemeClr val="accent1"/>
-          </a:fillRef>
-          <a:effectRef idx="0">
-            <a:schemeClr val="accent1"/>
-          </a:effectRef>
-          <a:fontRef idx="minor">
-            <a:schemeClr val="tx1"/>
-          </a:fontRef>
-        </p:style>
-      </p:cxnSp>
-      <p:sp>
-        <p:nvSpPr>
-          <p:cNvPr id="54" name="Oval 53"/>
-          <p:cNvSpPr/>
-          <p:nvPr/>
-        </p:nvSpPr>
-        <p:spPr>
-          <a:xfrm flipV="1">
-            <a:off x="3245889" y="4257616"/>
-            <a:ext cx="227589" cy="219656"/>
-          </a:xfrm>
-          <a:prstGeom prst="ellipse">
-            <a:avLst/>
-          </a:prstGeom>
-          <a:solidFill>
-            <a:srgbClr val="00B0F0"/>
-          </a:solidFill>
-        </p:spPr>
-        <p:style>
-          <a:lnRef idx="2">
-            <a:schemeClr val="accent1">
-              <a:shade val="50000"/>
-            </a:schemeClr>
-          </a:lnRef>
-          <a:fillRef idx="1">
-            <a:schemeClr val="accent1"/>
-          </a:fillRef>
-          <a:effectRef idx="0">
-            <a:schemeClr val="accent1"/>
-          </a:effectRef>
-          <a:fontRef idx="minor">
-            <a:schemeClr val="lt1"/>
-          </a:fontRef>
-        </p:style>
-        <p:txBody>
-          <a:bodyPr lIns="0" tIns="0" rIns="0" bIns="0" rtlCol="0" anchor="ctr"/>
-          <a:lstStyle/>
-          <a:p>
-            <a:pPr algn="ctr"/>
-            <a:endParaRPr lang="en-US" sz="1200"/>
-          </a:p>
-        </p:txBody>
-      </p:sp>
-      <p:cxnSp>
-        <p:nvCxnSpPr>
-          <p:cNvPr id="55" name="Elbow Connector 54"/>
-          <p:cNvCxnSpPr>
-            <a:stCxn id="50" idx="6"/>
-            <a:endCxn id="54" idx="4"/>
-          </p:cNvCxnSpPr>
-          <p:nvPr/>
-        </p:nvCxnSpPr>
-        <p:spPr>
-          <a:xfrm>
-            <a:off x="3194588" y="4050449"/>
-            <a:ext cx="165096" cy="207167"/>
-          </a:xfrm>
-          <a:prstGeom prst="bentConnector2">
-            <a:avLst/>
-          </a:prstGeom>
-          <a:ln w="19050">
-            <a:tailEnd type="stealth" w="lg" len="lg"/>
-          </a:ln>
-        </p:spPr>
-        <p:style>
-          <a:lnRef idx="1">
-            <a:schemeClr val="accent1"/>
-          </a:lnRef>
-          <a:fillRef idx="0">
-            <a:schemeClr val="accent1"/>
-          </a:fillRef>
-          <a:effectRef idx="0">
-            <a:schemeClr val="accent1"/>
-          </a:effectRef>
-          <a:fontRef idx="minor">
-            <a:schemeClr val="tx1"/>
-          </a:fontRef>
-        </p:style>
-      </p:cxnSp>
-      <p:sp>
-        <p:nvSpPr>
-          <p:cNvPr id="60" name="Oval 59"/>
-          <p:cNvSpPr/>
-          <p:nvPr/>
-        </p:nvSpPr>
-        <p:spPr>
-          <a:xfrm flipV="1">
-            <a:off x="3255125" y="4943252"/>
-            <a:ext cx="227589" cy="219656"/>
-          </a:xfrm>
-          <a:prstGeom prst="ellipse">
-            <a:avLst/>
-          </a:prstGeom>
-          <a:solidFill>
-            <a:srgbClr val="00B0F0"/>
-          </a:solidFill>
-        </p:spPr>
-        <p:style>
-          <a:lnRef idx="2">
-            <a:schemeClr val="accent1">
-              <a:shade val="50000"/>
-            </a:schemeClr>
-          </a:lnRef>
-          <a:fillRef idx="1">
-            <a:schemeClr val="accent1"/>
-          </a:fillRef>
-          <a:effectRef idx="0">
-            <a:schemeClr val="accent1"/>
-          </a:effectRef>
-          <a:fontRef idx="minor">
-            <a:schemeClr val="lt1"/>
-          </a:fontRef>
-        </p:style>
-        <p:txBody>
-          <a:bodyPr lIns="0" tIns="0" rIns="0" bIns="0" rtlCol="0" anchor="ctr"/>
-          <a:lstStyle/>
-          <a:p>
-            <a:pPr algn="ctr"/>
-            <a:endParaRPr lang="en-US" sz="1200"/>
-          </a:p>
-        </p:txBody>
-      </p:sp>
-      <p:cxnSp>
-        <p:nvCxnSpPr>
-          <p:cNvPr id="61" name="Elbow Connector 37"/>
-          <p:cNvCxnSpPr>
-            <a:stCxn id="54" idx="0"/>
-            <a:endCxn id="60" idx="4"/>
-          </p:cNvCxnSpPr>
-          <p:nvPr/>
-        </p:nvCxnSpPr>
-        <p:spPr>
-          <a:xfrm>
-            <a:off x="3359684" y="4477272"/>
-            <a:ext cx="9236" cy="465980"/>
-          </a:xfrm>
-          <a:prstGeom prst="straightConnector1">
-            <a:avLst/>
-          </a:prstGeom>
-          <a:ln w="19050">
-            <a:tailEnd type="stealth" w="lg" len="lg"/>
-          </a:ln>
-        </p:spPr>
-        <p:style>
-          <a:lnRef idx="1">
-            <a:schemeClr val="accent1"/>
-          </a:lnRef>
-          <a:fillRef idx="0">
-            <a:schemeClr val="accent1"/>
-          </a:fillRef>
-          <a:effectRef idx="0">
-            <a:schemeClr val="accent1"/>
-          </a:effectRef>
-          <a:fontRef idx="minor">
-            <a:schemeClr val="tx1"/>
-          </a:fontRef>
-        </p:style>
-      </p:cxnSp>
-      <p:sp>
-        <p:nvSpPr>
-          <p:cNvPr id="66" name="Oval 65"/>
-          <p:cNvSpPr/>
-          <p:nvPr/>
-        </p:nvSpPr>
-        <p:spPr>
-          <a:xfrm flipV="1">
-            <a:off x="1993719" y="5304297"/>
-            <a:ext cx="227589" cy="219656"/>
-          </a:xfrm>
-          <a:prstGeom prst="ellipse">
-            <a:avLst/>
-          </a:prstGeom>
-          <a:solidFill>
-            <a:srgbClr val="FF0000"/>
-          </a:solidFill>
-        </p:spPr>
-        <p:style>
-          <a:lnRef idx="2">
-            <a:schemeClr val="accent1">
-              <a:shade val="50000"/>
-            </a:schemeClr>
-          </a:lnRef>
-          <a:fillRef idx="1">
-            <a:schemeClr val="accent1"/>
-          </a:fillRef>
-          <a:effectRef idx="0">
-            <a:schemeClr val="accent1"/>
-          </a:effectRef>
-          <a:fontRef idx="minor">
-            <a:schemeClr val="lt1"/>
-          </a:fontRef>
-        </p:style>
-        <p:txBody>
-          <a:bodyPr lIns="0" tIns="0" rIns="0" bIns="0" rtlCol="0" anchor="ctr"/>
-          <a:lstStyle/>
-          <a:p>
-            <a:pPr algn="ctr"/>
-            <a:endParaRPr lang="en-US" sz="1200"/>
-          </a:p>
-        </p:txBody>
-      </p:sp>
-      <p:sp>
-        <p:nvSpPr>
-          <p:cNvPr id="67" name="Oval 66"/>
-          <p:cNvSpPr/>
-          <p:nvPr/>
-        </p:nvSpPr>
-        <p:spPr>
-          <a:xfrm flipV="1">
-            <a:off x="2528945" y="5304297"/>
-            <a:ext cx="227589" cy="219656"/>
-          </a:xfrm>
-          <a:prstGeom prst="ellipse">
-            <a:avLst/>
-          </a:prstGeom>
-          <a:solidFill>
-            <a:srgbClr val="FF0000"/>
-          </a:solidFill>
-        </p:spPr>
-        <p:style>
-          <a:lnRef idx="2">
-            <a:schemeClr val="accent1">
-              <a:shade val="50000"/>
-            </a:schemeClr>
-          </a:lnRef>
-          <a:fillRef idx="1">
-            <a:schemeClr val="accent1"/>
-          </a:fillRef>
-          <a:effectRef idx="0">
-            <a:schemeClr val="accent1"/>
-          </a:effectRef>
-          <a:fontRef idx="minor">
-            <a:schemeClr val="lt1"/>
-          </a:fontRef>
-        </p:style>
-        <p:txBody>
-          <a:bodyPr lIns="0" tIns="0" rIns="0" bIns="0" rtlCol="0" anchor="ctr"/>
-          <a:lstStyle/>
-          <a:p>
-            <a:pPr algn="ctr"/>
-            <a:endParaRPr lang="en-US" sz="1200"/>
-          </a:p>
-        </p:txBody>
-      </p:sp>
-      <p:sp>
-        <p:nvSpPr>
-          <p:cNvPr id="68" name="Oval 67"/>
-          <p:cNvSpPr/>
-          <p:nvPr/>
-        </p:nvSpPr>
-        <p:spPr>
-          <a:xfrm flipV="1">
-            <a:off x="992786" y="5517046"/>
-            <a:ext cx="227589" cy="219656"/>
-          </a:xfrm>
-          <a:prstGeom prst="ellipse">
-            <a:avLst/>
-          </a:prstGeom>
-          <a:solidFill>
-            <a:srgbClr val="FF0000"/>
-          </a:solidFill>
-        </p:spPr>
-        <p:style>
-          <a:lnRef idx="2">
-            <a:schemeClr val="accent1">
-              <a:shade val="50000"/>
-            </a:schemeClr>
-          </a:lnRef>
-          <a:fillRef idx="1">
-            <a:schemeClr val="accent1"/>
-          </a:fillRef>
-          <a:effectRef idx="0">
-            <a:schemeClr val="accent1"/>
-          </a:effectRef>
-          <a:fontRef idx="minor">
-            <a:schemeClr val="lt1"/>
-          </a:fontRef>
-        </p:style>
-        <p:txBody>
-          <a:bodyPr lIns="0" tIns="0" rIns="0" bIns="0" rtlCol="0" anchor="ctr"/>
-          <a:lstStyle/>
-          <a:p>
-            <a:pPr algn="ctr"/>
-            <a:endParaRPr lang="en-US" sz="1200"/>
-          </a:p>
-        </p:txBody>
-      </p:sp>
-      <p:sp>
-        <p:nvSpPr>
-          <p:cNvPr id="70" name="Oval 69"/>
-          <p:cNvSpPr/>
-          <p:nvPr/>
-        </p:nvSpPr>
-        <p:spPr>
-          <a:xfrm flipV="1">
-            <a:off x="2248306" y="4943252"/>
-            <a:ext cx="227589" cy="219656"/>
-          </a:xfrm>
-          <a:prstGeom prst="ellipse">
-            <a:avLst/>
-          </a:prstGeom>
-          <a:solidFill>
-            <a:srgbClr val="00B0F0"/>
-          </a:solidFill>
-        </p:spPr>
-        <p:style>
-          <a:lnRef idx="2">
-            <a:schemeClr val="accent1">
-              <a:shade val="50000"/>
-            </a:schemeClr>
-          </a:lnRef>
-          <a:fillRef idx="1">
-            <a:schemeClr val="accent1"/>
-          </a:fillRef>
-          <a:effectRef idx="0">
-            <a:schemeClr val="accent1"/>
-          </a:effectRef>
-          <a:fontRef idx="minor">
-            <a:schemeClr val="lt1"/>
-          </a:fontRef>
-        </p:style>
-        <p:txBody>
-          <a:bodyPr lIns="0" tIns="0" rIns="0" bIns="0" rtlCol="0" anchor="ctr"/>
-          <a:lstStyle/>
-          <a:p>
-            <a:pPr algn="ctr"/>
-            <a:endParaRPr lang="en-US" sz="1200"/>
-          </a:p>
-        </p:txBody>
-      </p:sp>
-      <p:sp>
-        <p:nvSpPr>
-          <p:cNvPr id="71" name="Oval 70"/>
-          <p:cNvSpPr/>
-          <p:nvPr/>
-        </p:nvSpPr>
-        <p:spPr>
-          <a:xfrm flipV="1">
-            <a:off x="2854049" y="4941724"/>
-            <a:ext cx="227589" cy="219656"/>
-          </a:xfrm>
-          <a:prstGeom prst="ellipse">
-            <a:avLst/>
-          </a:prstGeom>
-          <a:solidFill>
-            <a:srgbClr val="00B0F0"/>
-          </a:solidFill>
-        </p:spPr>
-        <p:style>
-          <a:lnRef idx="2">
-            <a:schemeClr val="accent1">
-              <a:shade val="50000"/>
-            </a:schemeClr>
-          </a:lnRef>
-          <a:fillRef idx="1">
-            <a:schemeClr val="accent1"/>
-          </a:fillRef>
-          <a:effectRef idx="0">
-            <a:schemeClr val="accent1"/>
-          </a:effectRef>
-          <a:fontRef idx="minor">
-            <a:schemeClr val="lt1"/>
-          </a:fontRef>
-        </p:style>
-        <p:txBody>
-          <a:bodyPr lIns="0" tIns="0" rIns="0" bIns="0" rtlCol="0" anchor="ctr"/>
-          <a:lstStyle/>
-          <a:p>
-            <a:pPr algn="ctr"/>
-            <a:endParaRPr lang="en-US" sz="1200"/>
-          </a:p>
-        </p:txBody>
-      </p:sp>
-      <p:cxnSp>
-        <p:nvCxnSpPr>
-          <p:cNvPr id="72" name="Elbow Connector 71"/>
-          <p:cNvCxnSpPr>
-            <a:stCxn id="70" idx="2"/>
-            <a:endCxn id="68" idx="2"/>
-          </p:cNvCxnSpPr>
-          <p:nvPr/>
-        </p:nvCxnSpPr>
-        <p:spPr>
-          <a:xfrm rot="10800000" flipV="1">
-            <a:off x="992786" y="5053080"/>
-            <a:ext cx="1255520" cy="573794"/>
-          </a:xfrm>
-          <a:prstGeom prst="bentConnector3">
-            <a:avLst>
-              <a:gd name="adj1" fmla="val 118208"/>
-            </a:avLst>
-          </a:prstGeom>
-          <a:ln w="19050">
-            <a:tailEnd type="stealth" w="lg" len="lg"/>
-          </a:ln>
-        </p:spPr>
-        <p:style>
-          <a:lnRef idx="1">
-            <a:schemeClr val="accent1"/>
-          </a:lnRef>
-          <a:fillRef idx="0">
-            <a:schemeClr val="accent1"/>
-          </a:fillRef>
-          <a:effectRef idx="0">
-            <a:schemeClr val="accent1"/>
-          </a:effectRef>
-          <a:fontRef idx="minor">
-            <a:schemeClr val="tx1"/>
-          </a:fontRef>
-        </p:style>
-      </p:cxnSp>
-      <p:cxnSp>
-        <p:nvCxnSpPr>
-          <p:cNvPr id="81" name="Elbow Connector 80"/>
-          <p:cNvCxnSpPr>
-            <a:stCxn id="68" idx="6"/>
-            <a:endCxn id="70" idx="0"/>
-          </p:cNvCxnSpPr>
-          <p:nvPr/>
-        </p:nvCxnSpPr>
-        <p:spPr>
-          <a:xfrm flipV="1">
-            <a:off x="1220375" y="5162908"/>
-            <a:ext cx="1141726" cy="463966"/>
-          </a:xfrm>
-          <a:prstGeom prst="bentConnector2">
-            <a:avLst/>
-          </a:prstGeom>
-          <a:ln w="19050">
-            <a:tailEnd type="stealth" w="lg" len="lg"/>
-          </a:ln>
-        </p:spPr>
-        <p:style>
-          <a:lnRef idx="1">
-            <a:schemeClr val="accent1"/>
-          </a:lnRef>
-          <a:fillRef idx="0">
-            <a:schemeClr val="accent1"/>
-          </a:fillRef>
-          <a:effectRef idx="0">
-            <a:schemeClr val="accent1"/>
-          </a:effectRef>
-          <a:fontRef idx="minor">
-            <a:schemeClr val="tx1"/>
-          </a:fontRef>
-        </p:style>
-      </p:cxnSp>
-      <p:cxnSp>
-        <p:nvCxnSpPr>
-          <p:cNvPr id="86" name="Elbow Connector 85"/>
-          <p:cNvCxnSpPr>
-            <a:stCxn id="70" idx="2"/>
-            <a:endCxn id="66" idx="2"/>
-          </p:cNvCxnSpPr>
-          <p:nvPr/>
-        </p:nvCxnSpPr>
-        <p:spPr>
-          <a:xfrm rot="10800000" flipV="1">
-            <a:off x="1993720" y="5053079"/>
-            <a:ext cx="254587" cy="361045"/>
-          </a:xfrm>
-          <a:prstGeom prst="bentConnector3">
-            <a:avLst>
-              <a:gd name="adj1" fmla="val 189792"/>
-            </a:avLst>
-          </a:prstGeom>
-          <a:ln w="19050">
-            <a:tailEnd type="stealth" w="lg" len="lg"/>
-          </a:ln>
-        </p:spPr>
-        <p:style>
-          <a:lnRef idx="1">
-            <a:schemeClr val="accent1"/>
-          </a:lnRef>
-          <a:fillRef idx="0">
-            <a:schemeClr val="accent1"/>
-          </a:fillRef>
-          <a:effectRef idx="0">
-            <a:schemeClr val="accent1"/>
-          </a:effectRef>
-          <a:fontRef idx="minor">
-            <a:schemeClr val="tx1"/>
-          </a:fontRef>
-        </p:style>
-      </p:cxnSp>
-      <p:cxnSp>
-        <p:nvCxnSpPr>
-          <p:cNvPr id="91" name="Elbow Connector 90"/>
-          <p:cNvCxnSpPr>
-            <a:stCxn id="66" idx="6"/>
-            <a:endCxn id="67" idx="2"/>
-          </p:cNvCxnSpPr>
-          <p:nvPr/>
-        </p:nvCxnSpPr>
-        <p:spPr>
-          <a:xfrm>
-            <a:off x="2221308" y="5414125"/>
-            <a:ext cx="307637" cy="0"/>
-          </a:xfrm>
-          <a:prstGeom prst="straightConnector1">
-            <a:avLst/>
-          </a:prstGeom>
-          <a:ln w="19050">
-            <a:tailEnd type="stealth" w="lg" len="lg"/>
-          </a:ln>
-        </p:spPr>
-        <p:style>
-          <a:lnRef idx="1">
-            <a:schemeClr val="accent1"/>
-          </a:lnRef>
-          <a:fillRef idx="0">
-            <a:schemeClr val="accent1"/>
-          </a:fillRef>
-          <a:effectRef idx="0">
-            <a:schemeClr val="accent1"/>
-          </a:effectRef>
-          <a:fontRef idx="minor">
-            <a:schemeClr val="tx1"/>
-          </a:fontRef>
-        </p:style>
-      </p:cxnSp>
-      <p:cxnSp>
-        <p:nvCxnSpPr>
-          <p:cNvPr id="94" name="Elbow Connector 93"/>
-          <p:cNvCxnSpPr>
-            <a:stCxn id="67" idx="6"/>
-            <a:endCxn id="71" idx="0"/>
-          </p:cNvCxnSpPr>
-          <p:nvPr/>
-        </p:nvCxnSpPr>
-        <p:spPr>
-          <a:xfrm flipV="1">
-            <a:off x="2756534" y="5161380"/>
-            <a:ext cx="211310" cy="252745"/>
-          </a:xfrm>
-          <a:prstGeom prst="bentConnector2">
-            <a:avLst/>
-          </a:prstGeom>
-          <a:ln w="19050">
-            <a:tailEnd type="stealth" w="lg" len="lg"/>
-          </a:ln>
-        </p:spPr>
-        <p:style>
-          <a:lnRef idx="1">
-            <a:schemeClr val="accent1"/>
-          </a:lnRef>
-          <a:fillRef idx="0">
-            <a:schemeClr val="accent1"/>
-          </a:fillRef>
-          <a:effectRef idx="0">
-            <a:schemeClr val="accent1"/>
-          </a:effectRef>
-          <a:fontRef idx="minor">
-            <a:schemeClr val="tx1"/>
-          </a:fontRef>
-        </p:style>
-      </p:cxnSp>
-      <p:sp>
-        <p:nvSpPr>
-          <p:cNvPr id="101" name="Oval 100"/>
-          <p:cNvSpPr/>
-          <p:nvPr/>
-        </p:nvSpPr>
-        <p:spPr>
-          <a:xfrm flipV="1">
-            <a:off x="4517551" y="4644412"/>
-            <a:ext cx="227589" cy="219656"/>
-          </a:xfrm>
-          <a:prstGeom prst="ellipse">
-            <a:avLst/>
-          </a:prstGeom>
-          <a:solidFill>
-            <a:srgbClr val="FF0000"/>
-          </a:solidFill>
-        </p:spPr>
-        <p:style>
-          <a:lnRef idx="2">
-            <a:schemeClr val="accent1">
-              <a:shade val="50000"/>
-            </a:schemeClr>
-          </a:lnRef>
-          <a:fillRef idx="1">
-            <a:schemeClr val="accent1"/>
-          </a:fillRef>
-          <a:effectRef idx="0">
-            <a:schemeClr val="accent1"/>
-          </a:effectRef>
-          <a:fontRef idx="minor">
-            <a:schemeClr val="lt1"/>
-          </a:fontRef>
-        </p:style>
-        <p:txBody>
-          <a:bodyPr lIns="0" tIns="0" rIns="0" bIns="0" rtlCol="0" anchor="ctr"/>
-          <a:lstStyle/>
-          <a:p>
-            <a:pPr algn="ctr"/>
-            <a:endParaRPr lang="en-US" sz="1200"/>
-          </a:p>
-        </p:txBody>
-      </p:sp>
-      <p:cxnSp>
-        <p:nvCxnSpPr>
-          <p:cNvPr id="102" name="Elbow Connector 101"/>
-          <p:cNvCxnSpPr>
-            <a:stCxn id="60" idx="6"/>
-            <a:endCxn id="101" idx="2"/>
-          </p:cNvCxnSpPr>
-          <p:nvPr/>
-        </p:nvCxnSpPr>
-        <p:spPr>
-          <a:xfrm flipV="1">
-            <a:off x="3482714" y="4754240"/>
-            <a:ext cx="1034837" cy="298840"/>
-          </a:xfrm>
-          <a:prstGeom prst="bentConnector3">
-            <a:avLst>
-              <a:gd name="adj1" fmla="val 50000"/>
-            </a:avLst>
-          </a:prstGeom>
-          <a:ln w="19050">
-            <a:tailEnd type="stealth" w="lg" len="lg"/>
-          </a:ln>
-        </p:spPr>
-        <p:style>
-          <a:lnRef idx="1">
-            <a:schemeClr val="accent1"/>
-          </a:lnRef>
-          <a:fillRef idx="0">
-            <a:schemeClr val="accent1"/>
-          </a:fillRef>
-          <a:effectRef idx="0">
-            <a:schemeClr val="accent1"/>
-          </a:effectRef>
-          <a:fontRef idx="minor">
-            <a:schemeClr val="tx1"/>
-          </a:fontRef>
-        </p:style>
-      </p:cxnSp>
-      <p:cxnSp>
-        <p:nvCxnSpPr>
-          <p:cNvPr id="103" name="Elbow Connector 102"/>
-          <p:cNvCxnSpPr>
-            <a:stCxn id="101" idx="6"/>
-            <a:endCxn id="106" idx="0"/>
-          </p:cNvCxnSpPr>
-          <p:nvPr/>
-        </p:nvCxnSpPr>
-        <p:spPr>
-          <a:xfrm flipV="1">
-            <a:off x="4745140" y="4477272"/>
-            <a:ext cx="179031" cy="276968"/>
-          </a:xfrm>
-          <a:prstGeom prst="bentConnector2">
-            <a:avLst/>
-          </a:prstGeom>
-          <a:ln w="19050">
-            <a:tailEnd type="stealth" w="lg" len="lg"/>
-          </a:ln>
-        </p:spPr>
-        <p:style>
-          <a:lnRef idx="1">
-            <a:schemeClr val="accent1"/>
-          </a:lnRef>
-          <a:fillRef idx="0">
-            <a:schemeClr val="accent1"/>
-          </a:fillRef>
-          <a:effectRef idx="0">
-            <a:schemeClr val="accent1"/>
-          </a:effectRef>
-          <a:fontRef idx="minor">
-            <a:schemeClr val="tx1"/>
-          </a:fontRef>
-        </p:style>
-      </p:cxnSp>
-      <p:sp>
-        <p:nvSpPr>
-          <p:cNvPr id="106" name="Oval 105"/>
-          <p:cNvSpPr/>
-          <p:nvPr/>
-        </p:nvSpPr>
-        <p:spPr>
-          <a:xfrm flipV="1">
-            <a:off x="4810376" y="4257616"/>
-            <a:ext cx="227589" cy="219656"/>
-          </a:xfrm>
-          <a:prstGeom prst="ellipse">
-            <a:avLst/>
-          </a:prstGeom>
-          <a:solidFill>
-            <a:srgbClr val="00B0F0"/>
-          </a:solidFill>
-        </p:spPr>
-        <p:style>
-          <a:lnRef idx="2">
-            <a:schemeClr val="accent1">
-              <a:shade val="50000"/>
-            </a:schemeClr>
-          </a:lnRef>
-          <a:fillRef idx="1">
-            <a:schemeClr val="accent1"/>
-          </a:fillRef>
-          <a:effectRef idx="0">
-            <a:schemeClr val="accent1"/>
-          </a:effectRef>
-          <a:fontRef idx="minor">
-            <a:schemeClr val="lt1"/>
-          </a:fontRef>
-        </p:style>
-        <p:txBody>
-          <a:bodyPr lIns="0" tIns="0" rIns="0" bIns="0" rtlCol="0" anchor="ctr"/>
-          <a:lstStyle/>
-          <a:p>
-            <a:pPr algn="ctr"/>
-            <a:endParaRPr lang="en-US" sz="1200"/>
-          </a:p>
-        </p:txBody>
-      </p:sp>
-      <p:cxnSp>
-        <p:nvCxnSpPr>
-          <p:cNvPr id="117" name="Straight Arrow Connector 116"/>
-          <p:cNvCxnSpPr>
-            <a:stCxn id="74" idx="1"/>
-            <a:endCxn id="74" idx="3"/>
-          </p:cNvCxnSpPr>
-          <p:nvPr/>
-        </p:nvCxnSpPr>
-        <p:spPr>
-          <a:xfrm>
-            <a:off x="463153" y="5979286"/>
-            <a:ext cx="4828289" cy="0"/>
-          </a:xfrm>
-          <a:prstGeom prst="straightConnector1">
-            <a:avLst/>
-          </a:prstGeom>
-          <a:ln w="38100">
-            <a:tailEnd type="stealth" w="lg" len="lg"/>
-          </a:ln>
-        </p:spPr>
-        <p:style>
-          <a:lnRef idx="1">
-            <a:schemeClr val="accent1"/>
-          </a:lnRef>
-          <a:fillRef idx="0">
-            <a:schemeClr val="accent1"/>
-          </a:fillRef>
-          <a:effectRef idx="0">
-            <a:schemeClr val="accent1"/>
-          </a:effectRef>
-          <a:fontRef idx="minor">
-            <a:schemeClr val="tx1"/>
-          </a:fontRef>
-        </p:style>
-      </p:cxnSp>
-      <p:sp>
-        <p:nvSpPr>
-          <p:cNvPr id="120" name="Oval 119"/>
-          <p:cNvSpPr/>
-          <p:nvPr/>
-        </p:nvSpPr>
-        <p:spPr>
-          <a:xfrm flipV="1">
-            <a:off x="4332693" y="5858634"/>
-            <a:ext cx="227589" cy="219656"/>
-          </a:xfrm>
-          <a:prstGeom prst="ellipse">
-            <a:avLst/>
-          </a:prstGeom>
-          <a:solidFill>
-            <a:srgbClr val="00B0F0"/>
-          </a:solidFill>
-        </p:spPr>
-        <p:style>
-          <a:lnRef idx="2">
-            <a:schemeClr val="accent1">
-              <a:shade val="50000"/>
-            </a:schemeClr>
-          </a:lnRef>
-          <a:fillRef idx="1">
-            <a:schemeClr val="accent1"/>
-          </a:fillRef>
-          <a:effectRef idx="0">
-            <a:schemeClr val="accent1"/>
-          </a:effectRef>
-          <a:fontRef idx="minor">
-            <a:schemeClr val="lt1"/>
-          </a:fontRef>
-        </p:style>
-        <p:txBody>
-          <a:bodyPr lIns="0" tIns="0" rIns="0" bIns="0" rtlCol="0" anchor="ctr"/>
-          <a:lstStyle/>
-          <a:p>
-            <a:pPr algn="ctr"/>
-            <a:endParaRPr lang="en-US" sz="1200"/>
-          </a:p>
-        </p:txBody>
-      </p:sp>
-      <p:cxnSp>
-        <p:nvCxnSpPr>
-          <p:cNvPr id="121" name="Elbow Connector 120"/>
-          <p:cNvCxnSpPr>
-            <a:stCxn id="120" idx="2"/>
-            <a:endCxn id="122" idx="2"/>
-          </p:cNvCxnSpPr>
-          <p:nvPr/>
-        </p:nvCxnSpPr>
-        <p:spPr>
-          <a:xfrm rot="10800000" flipV="1">
-            <a:off x="3755227" y="5968461"/>
-            <a:ext cx="577466" cy="260703"/>
-          </a:xfrm>
-          <a:prstGeom prst="bentConnector3">
-            <a:avLst>
-              <a:gd name="adj1" fmla="val 139587"/>
-            </a:avLst>
-          </a:prstGeom>
-          <a:ln w="19050">
-            <a:tailEnd type="stealth" w="lg" len="lg"/>
-          </a:ln>
-        </p:spPr>
-        <p:style>
-          <a:lnRef idx="1">
-            <a:schemeClr val="accent1"/>
-          </a:lnRef>
-          <a:fillRef idx="0">
-            <a:schemeClr val="accent1"/>
-          </a:fillRef>
-          <a:effectRef idx="0">
-            <a:schemeClr val="accent1"/>
-          </a:effectRef>
-          <a:fontRef idx="minor">
-            <a:schemeClr val="tx1"/>
-          </a:fontRef>
-        </p:style>
-      </p:cxnSp>
-      <p:sp>
-        <p:nvSpPr>
-          <p:cNvPr id="122" name="Oval 121"/>
-          <p:cNvSpPr/>
-          <p:nvPr/>
-        </p:nvSpPr>
-        <p:spPr>
-          <a:xfrm flipV="1">
-            <a:off x="3755227" y="6119337"/>
-            <a:ext cx="227589" cy="219656"/>
-          </a:xfrm>
-          <a:prstGeom prst="ellipse">
-            <a:avLst/>
-          </a:prstGeom>
-          <a:solidFill>
-            <a:srgbClr val="FF0000"/>
-          </a:solidFill>
-        </p:spPr>
-        <p:style>
-          <a:lnRef idx="2">
-            <a:schemeClr val="accent1">
-              <a:shade val="50000"/>
-            </a:schemeClr>
-          </a:lnRef>
-          <a:fillRef idx="1">
-            <a:schemeClr val="accent1"/>
-          </a:fillRef>
-          <a:effectRef idx="0">
-            <a:schemeClr val="accent1"/>
-          </a:effectRef>
-          <a:fontRef idx="minor">
-            <a:schemeClr val="lt1"/>
-          </a:fontRef>
-        </p:style>
-        <p:txBody>
-          <a:bodyPr lIns="0" tIns="0" rIns="0" bIns="0" rtlCol="0" anchor="ctr"/>
-          <a:lstStyle/>
-          <a:p>
-            <a:pPr algn="ctr"/>
-            <a:endParaRPr lang="en-US" sz="1200"/>
-          </a:p>
-        </p:txBody>
-      </p:sp>
-      <p:cxnSp>
-        <p:nvCxnSpPr>
-          <p:cNvPr id="125" name="Elbow Connector 124"/>
-          <p:cNvCxnSpPr>
-            <a:stCxn id="122" idx="6"/>
-            <a:endCxn id="120" idx="0"/>
-          </p:cNvCxnSpPr>
-          <p:nvPr/>
-        </p:nvCxnSpPr>
-        <p:spPr>
-          <a:xfrm flipV="1">
-            <a:off x="3982816" y="6078290"/>
-            <a:ext cx="463672" cy="150875"/>
-          </a:xfrm>
-          <a:prstGeom prst="bentConnector2">
-            <a:avLst/>
-          </a:prstGeom>
-          <a:ln w="19050">
-            <a:tailEnd type="stealth" w="lg" len="lg"/>
-          </a:ln>
-        </p:spPr>
-        <p:style>
-          <a:lnRef idx="1">
-            <a:schemeClr val="accent1"/>
-          </a:lnRef>
-          <a:fillRef idx="0">
-            <a:schemeClr val="accent1"/>
-          </a:fillRef>
-          <a:effectRef idx="0">
-            <a:schemeClr val="accent1"/>
-          </a:effectRef>
-          <a:fontRef idx="minor">
-            <a:schemeClr val="tx1"/>
-          </a:fontRef>
-        </p:style>
-      </p:cxnSp>
-      <p:cxnSp>
-        <p:nvCxnSpPr>
-          <p:cNvPr id="129" name="Elbow Connector 128"/>
-          <p:cNvCxnSpPr>
-            <a:stCxn id="120" idx="4"/>
-            <a:endCxn id="79" idx="0"/>
-          </p:cNvCxnSpPr>
-          <p:nvPr/>
-        </p:nvCxnSpPr>
-        <p:spPr>
-          <a:xfrm flipV="1">
-            <a:off x="4446488" y="5515046"/>
-            <a:ext cx="17961" cy="343588"/>
-          </a:xfrm>
-          <a:prstGeom prst="straightConnector1">
-            <a:avLst/>
-          </a:prstGeom>
-          <a:ln w="19050">
-            <a:prstDash val="dash"/>
-            <a:tailEnd type="stealth" w="lg" len="lg"/>
-          </a:ln>
-        </p:spPr>
-        <p:style>
-          <a:lnRef idx="1">
-            <a:schemeClr val="accent1"/>
-          </a:lnRef>
-          <a:fillRef idx="0">
-            <a:schemeClr val="accent1"/>
-          </a:fillRef>
-          <a:effectRef idx="0">
-            <a:schemeClr val="accent1"/>
-          </a:effectRef>
-          <a:fontRef idx="minor">
-            <a:schemeClr val="tx1"/>
-          </a:fontRef>
-        </p:style>
-      </p:cxnSp>
-      <p:sp>
-        <p:nvSpPr>
-          <p:cNvPr id="140" name="Oval 139"/>
-          <p:cNvSpPr/>
-          <p:nvPr/>
-        </p:nvSpPr>
-        <p:spPr>
-          <a:xfrm flipV="1">
-            <a:off x="2966667" y="5858634"/>
-            <a:ext cx="227589" cy="219656"/>
-          </a:xfrm>
-          <a:prstGeom prst="ellipse">
-            <a:avLst/>
-          </a:prstGeom>
-          <a:solidFill>
-            <a:srgbClr val="00B0F0"/>
-          </a:solidFill>
-        </p:spPr>
-        <p:style>
-          <a:lnRef idx="2">
-            <a:schemeClr val="accent1">
-              <a:shade val="50000"/>
-            </a:schemeClr>
-          </a:lnRef>
-          <a:fillRef idx="1">
-            <a:schemeClr val="accent1"/>
-          </a:fillRef>
-          <a:effectRef idx="0">
-            <a:schemeClr val="accent1"/>
-          </a:effectRef>
-          <a:fontRef idx="minor">
-            <a:schemeClr val="lt1"/>
-          </a:fontRef>
-        </p:style>
-        <p:txBody>
-          <a:bodyPr lIns="0" tIns="0" rIns="0" bIns="0" rtlCol="0" anchor="ctr"/>
-          <a:lstStyle/>
-          <a:p>
-            <a:pPr algn="ctr"/>
-            <a:endParaRPr lang="en-US" sz="1200"/>
-          </a:p>
-        </p:txBody>
-      </p:sp>
-      <p:cxnSp>
-        <p:nvCxnSpPr>
-          <p:cNvPr id="145" name="Elbow Connector 144"/>
-          <p:cNvCxnSpPr>
-            <a:stCxn id="71" idx="6"/>
-            <a:endCxn id="140" idx="4"/>
-          </p:cNvCxnSpPr>
-          <p:nvPr/>
-        </p:nvCxnSpPr>
-        <p:spPr>
-          <a:xfrm flipH="1">
-            <a:off x="3080462" y="5051552"/>
-            <a:ext cx="1176" cy="807082"/>
-          </a:xfrm>
-          <a:prstGeom prst="bentConnector4">
-            <a:avLst>
-              <a:gd name="adj1" fmla="val -7657653"/>
-              <a:gd name="adj2" fmla="val 56804"/>
-            </a:avLst>
-          </a:prstGeom>
-          <a:ln w="19050">
-            <a:tailEnd type="stealth" w="lg" len="lg"/>
-          </a:ln>
-        </p:spPr>
-        <p:style>
-          <a:lnRef idx="1">
-            <a:schemeClr val="accent1"/>
-          </a:lnRef>
-          <a:fillRef idx="0">
-            <a:schemeClr val="accent1"/>
-          </a:fillRef>
-          <a:effectRef idx="0">
-            <a:schemeClr val="accent1"/>
-          </a:effectRef>
-          <a:fontRef idx="minor">
-            <a:schemeClr val="tx1"/>
-          </a:fontRef>
-        </p:style>
-      </p:cxnSp>
-      <p:sp>
-        <p:nvSpPr>
-          <p:cNvPr id="148" name="Oval 147"/>
-          <p:cNvSpPr/>
-          <p:nvPr/>
-        </p:nvSpPr>
-        <p:spPr>
-          <a:xfrm flipV="1">
-            <a:off x="2703530" y="5858634"/>
-            <a:ext cx="227589" cy="219656"/>
-          </a:xfrm>
-          <a:prstGeom prst="ellipse">
-            <a:avLst/>
-          </a:prstGeom>
-          <a:solidFill>
-            <a:srgbClr val="00B0F0"/>
-          </a:solidFill>
-        </p:spPr>
-        <p:style>
-          <a:lnRef idx="2">
-            <a:schemeClr val="accent1">
-              <a:shade val="50000"/>
-            </a:schemeClr>
-          </a:lnRef>
-          <a:fillRef idx="1">
-            <a:schemeClr val="accent1"/>
-          </a:fillRef>
-          <a:effectRef idx="0">
-            <a:schemeClr val="accent1"/>
-          </a:effectRef>
-          <a:fontRef idx="minor">
-            <a:schemeClr val="lt1"/>
-          </a:fontRef>
-        </p:style>
-        <p:txBody>
-          <a:bodyPr lIns="0" tIns="0" rIns="0" bIns="0" rtlCol="0" anchor="ctr"/>
-          <a:lstStyle/>
-          <a:p>
-            <a:pPr algn="ctr"/>
-            <a:endParaRPr lang="en-US" sz="1200"/>
-          </a:p>
-        </p:txBody>
-      </p:sp>
-      <p:cxnSp>
-        <p:nvCxnSpPr>
-          <p:cNvPr id="149" name="Elbow Connector 148"/>
-          <p:cNvCxnSpPr>
-            <a:stCxn id="70" idx="6"/>
-            <a:endCxn id="148" idx="4"/>
-          </p:cNvCxnSpPr>
-          <p:nvPr/>
-        </p:nvCxnSpPr>
-        <p:spPr>
-          <a:xfrm>
-            <a:off x="2475895" y="5053080"/>
-            <a:ext cx="341430" cy="805554"/>
-          </a:xfrm>
-          <a:prstGeom prst="bentConnector2">
-            <a:avLst/>
-          </a:prstGeom>
-          <a:ln w="19050">
-            <a:tailEnd type="stealth" w="lg" len="lg"/>
-          </a:ln>
-        </p:spPr>
-        <p:style>
-          <a:lnRef idx="1">
-            <a:schemeClr val="accent1"/>
-          </a:lnRef>
-          <a:fillRef idx="0">
-            <a:schemeClr val="accent1"/>
-          </a:fillRef>
-          <a:effectRef idx="0">
-            <a:schemeClr val="accent1"/>
-          </a:effectRef>
-          <a:fontRef idx="minor">
-            <a:schemeClr val="tx1"/>
-          </a:fontRef>
-        </p:style>
-      </p:cxnSp>
-      <p:sp>
-        <p:nvSpPr>
-          <p:cNvPr id="85" name="Oval 84"/>
-          <p:cNvSpPr/>
-          <p:nvPr/>
-        </p:nvSpPr>
-        <p:spPr>
-          <a:xfrm flipV="1">
-            <a:off x="3408206" y="5858634"/>
-            <a:ext cx="227589" cy="219656"/>
-          </a:xfrm>
-          <a:prstGeom prst="ellipse">
-            <a:avLst/>
-          </a:prstGeom>
-          <a:solidFill>
-            <a:srgbClr val="00B0F0"/>
-          </a:solidFill>
-        </p:spPr>
-        <p:style>
-          <a:lnRef idx="2">
-            <a:schemeClr val="accent1">
-              <a:shade val="50000"/>
-            </a:schemeClr>
-          </a:lnRef>
-          <a:fillRef idx="1">
-            <a:schemeClr val="accent1"/>
-          </a:fillRef>
-          <a:effectRef idx="0">
-            <a:schemeClr val="accent1"/>
-          </a:effectRef>
-          <a:fontRef idx="minor">
-            <a:schemeClr val="lt1"/>
-          </a:fontRef>
-        </p:style>
-        <p:txBody>
-          <a:bodyPr lIns="0" tIns="0" rIns="0" bIns="0" rtlCol="0" anchor="ctr"/>
-          <a:lstStyle/>
-          <a:p>
-            <a:pPr algn="ctr"/>
-            <a:endParaRPr lang="en-US" sz="1200"/>
-          </a:p>
-        </p:txBody>
-      </p:sp>
-      <p:cxnSp>
-        <p:nvCxnSpPr>
-          <p:cNvPr id="87" name="Elbow Connector 37"/>
-          <p:cNvCxnSpPr>
-            <a:stCxn id="60" idx="6"/>
-            <a:endCxn id="85" idx="4"/>
-          </p:cNvCxnSpPr>
-          <p:nvPr/>
-        </p:nvCxnSpPr>
-        <p:spPr>
-          <a:xfrm>
-            <a:off x="3482714" y="5053080"/>
-            <a:ext cx="39287" cy="805554"/>
-          </a:xfrm>
-          <a:prstGeom prst="bentConnector2">
-            <a:avLst/>
-          </a:prstGeom>
-          <a:ln w="19050">
-            <a:tailEnd type="stealth" w="lg" len="lg"/>
-          </a:ln>
-        </p:spPr>
-        <p:style>
-          <a:lnRef idx="1">
-            <a:schemeClr val="accent1"/>
-          </a:lnRef>
-          <a:fillRef idx="0">
-            <a:schemeClr val="accent1"/>
-          </a:fillRef>
-          <a:effectRef idx="0">
-            <a:schemeClr val="accent1"/>
-          </a:effectRef>
-          <a:fontRef idx="minor">
-            <a:schemeClr val="tx1"/>
-          </a:fontRef>
-        </p:style>
-      </p:cxnSp>
       <p:grpSp>
         <p:nvGrpSpPr>
           <p:cNvPr id="8" name="Group 7"/>
@@ -15012,9 +12941,9 @@
         <p:grpSpPr>
           <a:xfrm>
             <a:off x="692276" y="6204281"/>
-            <a:ext cx="1946132" cy="519998"/>
+            <a:ext cx="1946145" cy="519998"/>
             <a:chOff x="692276" y="6204281"/>
-            <a:chExt cx="1946132" cy="519998"/>
+            <a:chExt cx="1946145" cy="519998"/>
           </a:xfrm>
         </p:grpSpPr>
         <p:sp>
@@ -15052,7 +12981,7 @@
             </a:fontRef>
           </p:style>
           <p:txBody>
-            <a:bodyPr rtlCol="0" anchor="ctr"/>
+            <a:bodyPr lIns="45720" rtlCol="0" anchor="ctr"/>
             <a:lstStyle/>
             <a:p>
               <a:pPr algn="ctr"/>
@@ -15095,7 +13024,7 @@
             </a:fontRef>
           </p:style>
           <p:txBody>
-            <a:bodyPr rtlCol="0" anchor="ctr"/>
+            <a:bodyPr lIns="45720" rtlCol="0" anchor="ctr"/>
             <a:lstStyle/>
             <a:p>
               <a:pPr algn="ctr"/>
@@ -15111,8 +13040,8 @@
           </p:nvSpPr>
           <p:spPr>
             <a:xfrm>
-              <a:off x="826762" y="6204281"/>
-              <a:ext cx="619080" cy="276999"/>
+              <a:off x="872942" y="6204281"/>
+              <a:ext cx="572914" cy="276999"/>
             </a:xfrm>
             <a:prstGeom prst="rect">
               <a:avLst/>
@@ -15120,7 +13049,7 @@
             <a:noFill/>
           </p:spPr>
           <p:txBody>
-            <a:bodyPr wrap="none" rtlCol="0">
+            <a:bodyPr wrap="none" lIns="45720" rtlCol="0">
               <a:spAutoFit/>
             </a:bodyPr>
             <a:lstStyle/>
@@ -15140,8 +13069,8 @@
           </p:nvSpPr>
           <p:spPr>
             <a:xfrm>
-              <a:off x="826762" y="6447280"/>
-              <a:ext cx="713657" cy="276999"/>
+              <a:off x="872942" y="6447280"/>
+              <a:ext cx="667490" cy="276999"/>
             </a:xfrm>
             <a:prstGeom prst="rect">
               <a:avLst/>
@@ -15149,7 +13078,7 @@
             <a:noFill/>
           </p:spPr>
           <p:txBody>
-            <a:bodyPr wrap="none" rtlCol="0">
+            <a:bodyPr wrap="none" lIns="45720" rtlCol="0">
               <a:spAutoFit/>
             </a:bodyPr>
             <a:lstStyle/>
@@ -15237,8 +13166,8 @@
           </p:nvSpPr>
           <p:spPr>
             <a:xfrm>
-              <a:off x="1833379" y="6204281"/>
-              <a:ext cx="805029" cy="276999"/>
+              <a:off x="1879559" y="6204281"/>
+              <a:ext cx="758862" cy="276999"/>
             </a:xfrm>
             <a:prstGeom prst="rect">
               <a:avLst/>
@@ -15246,7 +13175,7 @@
             <a:noFill/>
           </p:spPr>
           <p:txBody>
-            <a:bodyPr wrap="none" rtlCol="0">
+            <a:bodyPr wrap="none" lIns="45720" rtlCol="0">
               <a:spAutoFit/>
             </a:bodyPr>
             <a:lstStyle/>
@@ -15266,8 +13195,8 @@
           </p:nvSpPr>
           <p:spPr>
             <a:xfrm>
-              <a:off x="1833379" y="6447280"/>
-              <a:ext cx="755335" cy="276999"/>
+              <a:off x="1879559" y="6447280"/>
+              <a:ext cx="709168" cy="276999"/>
             </a:xfrm>
             <a:prstGeom prst="rect">
               <a:avLst/>
@@ -15275,7 +13204,7 @@
             <a:noFill/>
           </p:spPr>
           <p:txBody>
-            <a:bodyPr wrap="none" rtlCol="0">
+            <a:bodyPr wrap="none" lIns="45720" rtlCol="0">
               <a:spAutoFit/>
             </a:bodyPr>
             <a:lstStyle/>
@@ -15291,21 +13220,24 @@
       </p:grpSp>
       <p:sp>
         <p:nvSpPr>
-          <p:cNvPr id="77" name="Oval 76"/>
+          <p:cNvPr id="74" name="Rectangle 73"/>
           <p:cNvSpPr/>
           <p:nvPr/>
         </p:nvSpPr>
         <p:spPr>
-          <a:xfrm flipV="1">
-            <a:off x="1998187" y="4937581"/>
-            <a:ext cx="227589" cy="219656"/>
-          </a:xfrm>
-          <a:prstGeom prst="ellipse">
+          <a:xfrm>
+            <a:off x="463153" y="5974065"/>
+            <a:ext cx="4828289" cy="195162"/>
+          </a:xfrm>
+          <a:prstGeom prst="rect">
             <a:avLst/>
           </a:prstGeom>
           <a:solidFill>
-            <a:srgbClr val="00B0F0"/>
+            <a:srgbClr val="FF9999"/>
           </a:solidFill>
+          <a:ln>
+            <a:noFill/>
+          </a:ln>
         </p:spPr>
         <p:style>
           <a:lnRef idx="2">
@@ -15324,7 +13256,1835 @@
           </a:fontRef>
         </p:style>
         <p:txBody>
-          <a:bodyPr lIns="0" tIns="0" rIns="0" bIns="0" rtlCol="0" anchor="ctr"/>
+          <a:bodyPr lIns="45720" tIns="0" rIns="0" bIns="0" rtlCol="0" anchor="ctr"/>
+          <a:lstStyle/>
+          <a:p>
+            <a:pPr algn="ctr"/>
+            <a:endParaRPr lang="en-US"/>
+          </a:p>
+        </p:txBody>
+      </p:sp>
+      <p:sp>
+        <p:nvSpPr>
+          <p:cNvPr id="73" name="Rectangle 72"/>
+          <p:cNvSpPr/>
+          <p:nvPr/>
+        </p:nvSpPr>
+        <p:spPr>
+          <a:xfrm>
+            <a:off x="516033" y="5054673"/>
+            <a:ext cx="4828289" cy="195162"/>
+          </a:xfrm>
+          <a:prstGeom prst="rect">
+            <a:avLst/>
+          </a:prstGeom>
+          <a:solidFill>
+            <a:srgbClr val="92D050"/>
+          </a:solidFill>
+          <a:ln>
+            <a:noFill/>
+          </a:ln>
+        </p:spPr>
+        <p:style>
+          <a:lnRef idx="2">
+            <a:schemeClr val="accent1">
+              <a:shade val="50000"/>
+            </a:schemeClr>
+          </a:lnRef>
+          <a:fillRef idx="1">
+            <a:schemeClr val="accent1"/>
+          </a:fillRef>
+          <a:effectRef idx="0">
+            <a:schemeClr val="accent1"/>
+          </a:effectRef>
+          <a:fontRef idx="minor">
+            <a:schemeClr val="lt1"/>
+          </a:fontRef>
+        </p:style>
+        <p:txBody>
+          <a:bodyPr lIns="45720" tIns="0" rIns="0" bIns="0" rtlCol="0" anchor="ctr"/>
+          <a:lstStyle/>
+          <a:p>
+            <a:pPr algn="ctr"/>
+            <a:endParaRPr lang="en-US"/>
+          </a:p>
+        </p:txBody>
+      </p:sp>
+      <p:sp>
+        <p:nvSpPr>
+          <p:cNvPr id="18" name="Rectangle 17"/>
+          <p:cNvSpPr/>
+          <p:nvPr/>
+        </p:nvSpPr>
+        <p:spPr>
+          <a:xfrm>
+            <a:off x="489117" y="4374470"/>
+            <a:ext cx="4828289" cy="195162"/>
+          </a:xfrm>
+          <a:prstGeom prst="rect">
+            <a:avLst/>
+          </a:prstGeom>
+          <a:solidFill>
+            <a:srgbClr val="FFF0B1"/>
+          </a:solidFill>
+          <a:ln>
+            <a:noFill/>
+          </a:ln>
+        </p:spPr>
+        <p:style>
+          <a:lnRef idx="2">
+            <a:schemeClr val="accent1">
+              <a:shade val="50000"/>
+            </a:schemeClr>
+          </a:lnRef>
+          <a:fillRef idx="1">
+            <a:schemeClr val="accent1"/>
+          </a:fillRef>
+          <a:effectRef idx="0">
+            <a:schemeClr val="accent1"/>
+          </a:effectRef>
+          <a:fontRef idx="minor">
+            <a:schemeClr val="lt1"/>
+          </a:fontRef>
+        </p:style>
+        <p:txBody>
+          <a:bodyPr lIns="45720" tIns="0" rIns="0" bIns="0" rtlCol="0" anchor="ctr"/>
+          <a:lstStyle/>
+          <a:p>
+            <a:pPr algn="ctr"/>
+            <a:endParaRPr lang="en-US"/>
+          </a:p>
+        </p:txBody>
+      </p:sp>
+      <p:sp>
+        <p:nvSpPr>
+          <p:cNvPr id="49" name="TextBox 48"/>
+          <p:cNvSpPr txBox="1"/>
+          <p:nvPr/>
+        </p:nvSpPr>
+        <p:spPr>
+          <a:xfrm>
+            <a:off x="179451" y="4275833"/>
+            <a:ext cx="632866" cy="184666"/>
+          </a:xfrm>
+          <a:prstGeom prst="rect">
+            <a:avLst/>
+          </a:prstGeom>
+          <a:solidFill>
+            <a:schemeClr val="tx2">
+              <a:lumMod val="40000"/>
+              <a:lumOff val="60000"/>
+            </a:schemeClr>
+          </a:solidFill>
+        </p:spPr>
+        <p:txBody>
+          <a:bodyPr wrap="none" lIns="45720" tIns="0" rIns="0" bIns="0" rtlCol="0">
+            <a:spAutoFit/>
+          </a:bodyPr>
+          <a:lstStyle/>
+          <a:p>
+            <a:r>
+              <a:rPr lang="en-US" sz="1200" dirty="0" smtClean="0"/>
+              <a:t>_release</a:t>
+            </a:r>
+            <a:endParaRPr lang="en-US" sz="1200" dirty="0"/>
+          </a:p>
+        </p:txBody>
+      </p:sp>
+      <p:sp>
+        <p:nvSpPr>
+          <p:cNvPr id="64" name="TextBox 63"/>
+          <p:cNvSpPr txBox="1"/>
+          <p:nvPr/>
+        </p:nvSpPr>
+        <p:spPr>
+          <a:xfrm>
+            <a:off x="125831" y="4950787"/>
+            <a:ext cx="666529" cy="184666"/>
+          </a:xfrm>
+          <a:prstGeom prst="rect">
+            <a:avLst/>
+          </a:prstGeom>
+          <a:solidFill>
+            <a:srgbClr val="92D050"/>
+          </a:solidFill>
+        </p:spPr>
+        <p:txBody>
+          <a:bodyPr wrap="none" lIns="45720" tIns="0" rIns="0" bIns="0" rtlCol="0">
+            <a:spAutoFit/>
+          </a:bodyPr>
+          <a:lstStyle/>
+          <a:p>
+            <a:r>
+              <a:rPr lang="en-US" sz="1200" dirty="0" smtClean="0"/>
+              <a:t>_develop</a:t>
+            </a:r>
+            <a:endParaRPr lang="en-US" sz="1200" dirty="0"/>
+          </a:p>
+        </p:txBody>
+      </p:sp>
+      <p:sp>
+        <p:nvSpPr>
+          <p:cNvPr id="118" name="TextBox 117"/>
+          <p:cNvSpPr txBox="1"/>
+          <p:nvPr/>
+        </p:nvSpPr>
+        <p:spPr>
+          <a:xfrm>
+            <a:off x="105818" y="5869127"/>
+            <a:ext cx="632866" cy="369332"/>
+          </a:xfrm>
+          <a:prstGeom prst="rect">
+            <a:avLst/>
+          </a:prstGeom>
+          <a:solidFill>
+            <a:srgbClr val="FF9999"/>
+          </a:solidFill>
+        </p:spPr>
+        <p:txBody>
+          <a:bodyPr wrap="none" lIns="45720" tIns="0" rIns="0" bIns="0" rtlCol="0">
+            <a:spAutoFit/>
+          </a:bodyPr>
+          <a:lstStyle/>
+          <a:p>
+            <a:r>
+              <a:rPr lang="en-US" sz="1200" dirty="0" smtClean="0"/>
+              <a:t>_</a:t>
+            </a:r>
+            <a:r>
+              <a:rPr lang="en-US" sz="1200" dirty="0"/>
+              <a:t>i</a:t>
+            </a:r>
+            <a:r>
+              <a:rPr lang="en-US" sz="1200" dirty="0" smtClean="0"/>
+              <a:t>nternal</a:t>
+            </a:r>
+            <a:br>
+              <a:rPr lang="en-US" sz="1200" dirty="0" smtClean="0"/>
+            </a:br>
+            <a:r>
+              <a:rPr lang="en-US" sz="1200" dirty="0" smtClean="0"/>
+              <a:t>Develop</a:t>
+            </a:r>
+            <a:endParaRPr lang="en-US" sz="1200" dirty="0"/>
+          </a:p>
+        </p:txBody>
+      </p:sp>
+      <p:sp>
+        <p:nvSpPr>
+          <p:cNvPr id="6" name="Oval 5"/>
+          <p:cNvSpPr/>
+          <p:nvPr/>
+        </p:nvSpPr>
+        <p:spPr>
+          <a:xfrm flipV="1">
+            <a:off x="1375652" y="4672346"/>
+            <a:ext cx="227589" cy="219656"/>
+          </a:xfrm>
+          <a:prstGeom prst="ellipse">
+            <a:avLst/>
+          </a:prstGeom>
+          <a:solidFill>
+            <a:srgbClr val="FF0000"/>
+          </a:solidFill>
+        </p:spPr>
+        <p:style>
+          <a:lnRef idx="2">
+            <a:schemeClr val="accent1">
+              <a:shade val="50000"/>
+            </a:schemeClr>
+          </a:lnRef>
+          <a:fillRef idx="1">
+            <a:schemeClr val="accent1"/>
+          </a:fillRef>
+          <a:effectRef idx="0">
+            <a:schemeClr val="accent1"/>
+          </a:effectRef>
+          <a:fontRef idx="minor">
+            <a:schemeClr val="lt1"/>
+          </a:fontRef>
+        </p:style>
+        <p:txBody>
+          <a:bodyPr lIns="45720" tIns="0" rIns="0" bIns="0" rtlCol="0" anchor="ctr"/>
+          <a:lstStyle/>
+          <a:p>
+            <a:pPr algn="ctr"/>
+            <a:endParaRPr lang="en-US" sz="1200"/>
+          </a:p>
+        </p:txBody>
+      </p:sp>
+      <p:cxnSp>
+        <p:nvCxnSpPr>
+          <p:cNvPr id="28" name="Straight Arrow Connector 27"/>
+          <p:cNvCxnSpPr>
+            <a:stCxn id="73" idx="1"/>
+            <a:endCxn id="73" idx="3"/>
+          </p:cNvCxnSpPr>
+          <p:nvPr/>
+        </p:nvCxnSpPr>
+        <p:spPr>
+          <a:xfrm>
+            <a:off x="516033" y="5152254"/>
+            <a:ext cx="4828289" cy="0"/>
+          </a:xfrm>
+          <a:prstGeom prst="straightConnector1">
+            <a:avLst/>
+          </a:prstGeom>
+          <a:ln w="38100">
+            <a:tailEnd type="stealth" w="lg" len="lg"/>
+          </a:ln>
+        </p:spPr>
+        <p:style>
+          <a:lnRef idx="1">
+            <a:schemeClr val="accent1"/>
+          </a:lnRef>
+          <a:fillRef idx="0">
+            <a:schemeClr val="accent1"/>
+          </a:fillRef>
+          <a:effectRef idx="0">
+            <a:schemeClr val="accent1"/>
+          </a:effectRef>
+          <a:fontRef idx="minor">
+            <a:schemeClr val="tx1"/>
+          </a:fontRef>
+        </p:style>
+      </p:cxnSp>
+      <p:sp>
+        <p:nvSpPr>
+          <p:cNvPr id="33" name="Oval 32"/>
+          <p:cNvSpPr/>
+          <p:nvPr/>
+        </p:nvSpPr>
+        <p:spPr>
+          <a:xfrm flipV="1">
+            <a:off x="1764118" y="4672346"/>
+            <a:ext cx="227589" cy="219656"/>
+          </a:xfrm>
+          <a:prstGeom prst="ellipse">
+            <a:avLst/>
+          </a:prstGeom>
+          <a:solidFill>
+            <a:srgbClr val="FF0000"/>
+          </a:solidFill>
+        </p:spPr>
+        <p:style>
+          <a:lnRef idx="2">
+            <a:schemeClr val="accent1">
+              <a:shade val="50000"/>
+            </a:schemeClr>
+          </a:lnRef>
+          <a:fillRef idx="1">
+            <a:schemeClr val="accent1"/>
+          </a:fillRef>
+          <a:effectRef idx="0">
+            <a:schemeClr val="accent1"/>
+          </a:effectRef>
+          <a:fontRef idx="minor">
+            <a:schemeClr val="lt1"/>
+          </a:fontRef>
+        </p:style>
+        <p:txBody>
+          <a:bodyPr lIns="45720" tIns="0" rIns="0" bIns="0" rtlCol="0" anchor="ctr"/>
+          <a:lstStyle/>
+          <a:p>
+            <a:pPr algn="ctr"/>
+            <a:endParaRPr lang="en-US" sz="1200"/>
+          </a:p>
+        </p:txBody>
+      </p:sp>
+      <p:cxnSp>
+        <p:nvCxnSpPr>
+          <p:cNvPr id="34" name="Straight Arrow Connector 33"/>
+          <p:cNvCxnSpPr>
+            <a:stCxn id="18" idx="1"/>
+            <a:endCxn id="18" idx="3"/>
+          </p:cNvCxnSpPr>
+          <p:nvPr/>
+        </p:nvCxnSpPr>
+        <p:spPr>
+          <a:xfrm>
+            <a:off x="489117" y="4472051"/>
+            <a:ext cx="4828289" cy="0"/>
+          </a:xfrm>
+          <a:prstGeom prst="straightConnector1">
+            <a:avLst/>
+          </a:prstGeom>
+          <a:ln w="38100">
+            <a:tailEnd type="stealth" w="lg" len="lg"/>
+          </a:ln>
+        </p:spPr>
+        <p:style>
+          <a:lnRef idx="1">
+            <a:schemeClr val="accent1"/>
+          </a:lnRef>
+          <a:fillRef idx="0">
+            <a:schemeClr val="accent1"/>
+          </a:fillRef>
+          <a:effectRef idx="0">
+            <a:schemeClr val="accent1"/>
+          </a:effectRef>
+          <a:fontRef idx="minor">
+            <a:schemeClr val="tx1"/>
+          </a:fontRef>
+        </p:style>
+      </p:cxnSp>
+      <p:cxnSp>
+        <p:nvCxnSpPr>
+          <p:cNvPr id="36" name="Elbow Connector 35"/>
+          <p:cNvCxnSpPr>
+            <a:stCxn id="70" idx="2"/>
+            <a:endCxn id="6" idx="2"/>
+          </p:cNvCxnSpPr>
+          <p:nvPr/>
+        </p:nvCxnSpPr>
+        <p:spPr>
+          <a:xfrm rot="10800000">
+            <a:off x="1375652" y="4782174"/>
+            <a:ext cx="872654" cy="363266"/>
+          </a:xfrm>
+          <a:prstGeom prst="bentConnector3">
+            <a:avLst>
+              <a:gd name="adj1" fmla="val 126196"/>
+            </a:avLst>
+          </a:prstGeom>
+          <a:ln w="19050">
+            <a:tailEnd type="stealth" w="lg" len="lg"/>
+          </a:ln>
+        </p:spPr>
+        <p:style>
+          <a:lnRef idx="1">
+            <a:schemeClr val="accent1"/>
+          </a:lnRef>
+          <a:fillRef idx="0">
+            <a:schemeClr val="accent1"/>
+          </a:fillRef>
+          <a:effectRef idx="0">
+            <a:schemeClr val="accent1"/>
+          </a:effectRef>
+          <a:fontRef idx="minor">
+            <a:schemeClr val="tx1"/>
+          </a:fontRef>
+        </p:style>
+      </p:cxnSp>
+      <p:cxnSp>
+        <p:nvCxnSpPr>
+          <p:cNvPr id="38" name="Elbow Connector 37"/>
+          <p:cNvCxnSpPr>
+            <a:stCxn id="6" idx="6"/>
+            <a:endCxn id="33" idx="2"/>
+          </p:cNvCxnSpPr>
+          <p:nvPr/>
+        </p:nvCxnSpPr>
+        <p:spPr>
+          <a:xfrm>
+            <a:off x="1603241" y="4782174"/>
+            <a:ext cx="160877" cy="0"/>
+          </a:xfrm>
+          <a:prstGeom prst="straightConnector1">
+            <a:avLst/>
+          </a:prstGeom>
+          <a:ln w="19050">
+            <a:tailEnd type="stealth" w="lg" len="lg"/>
+          </a:ln>
+        </p:spPr>
+        <p:style>
+          <a:lnRef idx="1">
+            <a:schemeClr val="accent1"/>
+          </a:lnRef>
+          <a:fillRef idx="0">
+            <a:schemeClr val="accent1"/>
+          </a:fillRef>
+          <a:effectRef idx="0">
+            <a:schemeClr val="accent1"/>
+          </a:effectRef>
+          <a:fontRef idx="minor">
+            <a:schemeClr val="tx1"/>
+          </a:fontRef>
+        </p:style>
+      </p:cxnSp>
+      <p:sp>
+        <p:nvSpPr>
+          <p:cNvPr id="41" name="Oval 40"/>
+          <p:cNvSpPr/>
+          <p:nvPr/>
+        </p:nvSpPr>
+        <p:spPr>
+          <a:xfrm flipV="1">
+            <a:off x="2225843" y="4359588"/>
+            <a:ext cx="227589" cy="219656"/>
+          </a:xfrm>
+          <a:prstGeom prst="ellipse">
+            <a:avLst/>
+          </a:prstGeom>
+          <a:solidFill>
+            <a:srgbClr val="00B0F0"/>
+          </a:solidFill>
+        </p:spPr>
+        <p:style>
+          <a:lnRef idx="2">
+            <a:schemeClr val="accent1">
+              <a:shade val="50000"/>
+            </a:schemeClr>
+          </a:lnRef>
+          <a:fillRef idx="1">
+            <a:schemeClr val="accent1"/>
+          </a:fillRef>
+          <a:effectRef idx="0">
+            <a:schemeClr val="accent1"/>
+          </a:effectRef>
+          <a:fontRef idx="minor">
+            <a:schemeClr val="lt1"/>
+          </a:fontRef>
+        </p:style>
+        <p:txBody>
+          <a:bodyPr lIns="45720" tIns="0" rIns="0" bIns="0" rtlCol="0" anchor="ctr"/>
+          <a:lstStyle/>
+          <a:p>
+            <a:pPr algn="ctr"/>
+            <a:endParaRPr lang="en-US" sz="1200"/>
+          </a:p>
+        </p:txBody>
+      </p:sp>
+      <p:cxnSp>
+        <p:nvCxnSpPr>
+          <p:cNvPr id="42" name="Elbow Connector 41"/>
+          <p:cNvCxnSpPr>
+            <a:stCxn id="33" idx="6"/>
+            <a:endCxn id="41" idx="0"/>
+          </p:cNvCxnSpPr>
+          <p:nvPr/>
+        </p:nvCxnSpPr>
+        <p:spPr>
+          <a:xfrm flipV="1">
+            <a:off x="1991707" y="4579244"/>
+            <a:ext cx="347931" cy="202930"/>
+          </a:xfrm>
+          <a:prstGeom prst="bentConnector2">
+            <a:avLst/>
+          </a:prstGeom>
+          <a:ln w="19050">
+            <a:tailEnd type="stealth" w="lg" len="lg"/>
+          </a:ln>
+        </p:spPr>
+        <p:style>
+          <a:lnRef idx="1">
+            <a:schemeClr val="accent1"/>
+          </a:lnRef>
+          <a:fillRef idx="0">
+            <a:schemeClr val="accent1"/>
+          </a:fillRef>
+          <a:effectRef idx="0">
+            <a:schemeClr val="accent1"/>
+          </a:effectRef>
+          <a:fontRef idx="minor">
+            <a:schemeClr val="tx1"/>
+          </a:fontRef>
+        </p:style>
+      </p:cxnSp>
+      <p:sp>
+        <p:nvSpPr>
+          <p:cNvPr id="50" name="Oval 49"/>
+          <p:cNvSpPr/>
+          <p:nvPr/>
+        </p:nvSpPr>
+        <p:spPr>
+          <a:xfrm flipV="1">
+            <a:off x="2966999" y="3996037"/>
+            <a:ext cx="227589" cy="219656"/>
+          </a:xfrm>
+          <a:prstGeom prst="ellipse">
+            <a:avLst/>
+          </a:prstGeom>
+          <a:solidFill>
+            <a:srgbClr val="FF0000"/>
+          </a:solidFill>
+        </p:spPr>
+        <p:style>
+          <a:lnRef idx="2">
+            <a:schemeClr val="accent1">
+              <a:shade val="50000"/>
+            </a:schemeClr>
+          </a:lnRef>
+          <a:fillRef idx="1">
+            <a:schemeClr val="accent1"/>
+          </a:fillRef>
+          <a:effectRef idx="0">
+            <a:schemeClr val="accent1"/>
+          </a:effectRef>
+          <a:fontRef idx="minor">
+            <a:schemeClr val="lt1"/>
+          </a:fontRef>
+        </p:style>
+        <p:txBody>
+          <a:bodyPr lIns="45720" tIns="0" rIns="0" bIns="0" rtlCol="0" anchor="ctr"/>
+          <a:lstStyle/>
+          <a:p>
+            <a:pPr algn="ctr"/>
+            <a:endParaRPr lang="en-US" sz="1200"/>
+          </a:p>
+        </p:txBody>
+      </p:sp>
+      <p:cxnSp>
+        <p:nvCxnSpPr>
+          <p:cNvPr id="51" name="Elbow Connector 50"/>
+          <p:cNvCxnSpPr>
+            <a:stCxn id="41" idx="6"/>
+            <a:endCxn id="50" idx="2"/>
+          </p:cNvCxnSpPr>
+          <p:nvPr/>
+        </p:nvCxnSpPr>
+        <p:spPr>
+          <a:xfrm flipV="1">
+            <a:off x="2453432" y="4105865"/>
+            <a:ext cx="513567" cy="363551"/>
+          </a:xfrm>
+          <a:prstGeom prst="bentConnector3">
+            <a:avLst>
+              <a:gd name="adj1" fmla="val 50000"/>
+            </a:avLst>
+          </a:prstGeom>
+          <a:ln w="19050">
+            <a:tailEnd type="stealth" w="lg" len="lg"/>
+          </a:ln>
+        </p:spPr>
+        <p:style>
+          <a:lnRef idx="1">
+            <a:schemeClr val="accent1"/>
+          </a:lnRef>
+          <a:fillRef idx="0">
+            <a:schemeClr val="accent1"/>
+          </a:fillRef>
+          <a:effectRef idx="0">
+            <a:schemeClr val="accent1"/>
+          </a:effectRef>
+          <a:fontRef idx="minor">
+            <a:schemeClr val="tx1"/>
+          </a:fontRef>
+        </p:style>
+      </p:cxnSp>
+      <p:sp>
+        <p:nvSpPr>
+          <p:cNvPr id="54" name="Oval 53"/>
+          <p:cNvSpPr/>
+          <p:nvPr/>
+        </p:nvSpPr>
+        <p:spPr>
+          <a:xfrm flipV="1">
+            <a:off x="3245889" y="4349976"/>
+            <a:ext cx="227589" cy="219656"/>
+          </a:xfrm>
+          <a:prstGeom prst="ellipse">
+            <a:avLst/>
+          </a:prstGeom>
+          <a:solidFill>
+            <a:srgbClr val="00B0F0"/>
+          </a:solidFill>
+        </p:spPr>
+        <p:style>
+          <a:lnRef idx="2">
+            <a:schemeClr val="accent1">
+              <a:shade val="50000"/>
+            </a:schemeClr>
+          </a:lnRef>
+          <a:fillRef idx="1">
+            <a:schemeClr val="accent1"/>
+          </a:fillRef>
+          <a:effectRef idx="0">
+            <a:schemeClr val="accent1"/>
+          </a:effectRef>
+          <a:fontRef idx="minor">
+            <a:schemeClr val="lt1"/>
+          </a:fontRef>
+        </p:style>
+        <p:txBody>
+          <a:bodyPr lIns="45720" tIns="0" rIns="0" bIns="0" rtlCol="0" anchor="ctr"/>
+          <a:lstStyle/>
+          <a:p>
+            <a:pPr algn="ctr"/>
+            <a:endParaRPr lang="en-US" sz="1200"/>
+          </a:p>
+        </p:txBody>
+      </p:sp>
+      <p:cxnSp>
+        <p:nvCxnSpPr>
+          <p:cNvPr id="55" name="Elbow Connector 54"/>
+          <p:cNvCxnSpPr>
+            <a:stCxn id="50" idx="6"/>
+            <a:endCxn id="54" idx="4"/>
+          </p:cNvCxnSpPr>
+          <p:nvPr/>
+        </p:nvCxnSpPr>
+        <p:spPr>
+          <a:xfrm>
+            <a:off x="3194588" y="4105865"/>
+            <a:ext cx="165096" cy="244111"/>
+          </a:xfrm>
+          <a:prstGeom prst="bentConnector2">
+            <a:avLst/>
+          </a:prstGeom>
+          <a:ln w="19050">
+            <a:tailEnd type="stealth" w="lg" len="lg"/>
+          </a:ln>
+        </p:spPr>
+        <p:style>
+          <a:lnRef idx="1">
+            <a:schemeClr val="accent1"/>
+          </a:lnRef>
+          <a:fillRef idx="0">
+            <a:schemeClr val="accent1"/>
+          </a:fillRef>
+          <a:effectRef idx="0">
+            <a:schemeClr val="accent1"/>
+          </a:effectRef>
+          <a:fontRef idx="minor">
+            <a:schemeClr val="tx1"/>
+          </a:fontRef>
+        </p:style>
+      </p:cxnSp>
+      <p:sp>
+        <p:nvSpPr>
+          <p:cNvPr id="60" name="Oval 59"/>
+          <p:cNvSpPr/>
+          <p:nvPr/>
+        </p:nvSpPr>
+        <p:spPr>
+          <a:xfrm flipV="1">
+            <a:off x="3255125" y="5035612"/>
+            <a:ext cx="227589" cy="219656"/>
+          </a:xfrm>
+          <a:prstGeom prst="ellipse">
+            <a:avLst/>
+          </a:prstGeom>
+          <a:solidFill>
+            <a:srgbClr val="00B0F0"/>
+          </a:solidFill>
+        </p:spPr>
+        <p:style>
+          <a:lnRef idx="2">
+            <a:schemeClr val="accent1">
+              <a:shade val="50000"/>
+            </a:schemeClr>
+          </a:lnRef>
+          <a:fillRef idx="1">
+            <a:schemeClr val="accent1"/>
+          </a:fillRef>
+          <a:effectRef idx="0">
+            <a:schemeClr val="accent1"/>
+          </a:effectRef>
+          <a:fontRef idx="minor">
+            <a:schemeClr val="lt1"/>
+          </a:fontRef>
+        </p:style>
+        <p:txBody>
+          <a:bodyPr lIns="45720" tIns="0" rIns="0" bIns="0" rtlCol="0" anchor="ctr"/>
+          <a:lstStyle/>
+          <a:p>
+            <a:pPr algn="ctr"/>
+            <a:endParaRPr lang="en-US" sz="1200"/>
+          </a:p>
+        </p:txBody>
+      </p:sp>
+      <p:cxnSp>
+        <p:nvCxnSpPr>
+          <p:cNvPr id="61" name="Elbow Connector 37"/>
+          <p:cNvCxnSpPr>
+            <a:stCxn id="54" idx="0"/>
+            <a:endCxn id="60" idx="4"/>
+          </p:cNvCxnSpPr>
+          <p:nvPr/>
+        </p:nvCxnSpPr>
+        <p:spPr>
+          <a:xfrm>
+            <a:off x="3359684" y="4569632"/>
+            <a:ext cx="9236" cy="465980"/>
+          </a:xfrm>
+          <a:prstGeom prst="straightConnector1">
+            <a:avLst/>
+          </a:prstGeom>
+          <a:ln w="19050">
+            <a:tailEnd type="stealth" w="lg" len="lg"/>
+          </a:ln>
+        </p:spPr>
+        <p:style>
+          <a:lnRef idx="1">
+            <a:schemeClr val="accent1"/>
+          </a:lnRef>
+          <a:fillRef idx="0">
+            <a:schemeClr val="accent1"/>
+          </a:fillRef>
+          <a:effectRef idx="0">
+            <a:schemeClr val="accent1"/>
+          </a:effectRef>
+          <a:fontRef idx="minor">
+            <a:schemeClr val="tx1"/>
+          </a:fontRef>
+        </p:style>
+      </p:cxnSp>
+      <p:sp>
+        <p:nvSpPr>
+          <p:cNvPr id="66" name="Oval 65"/>
+          <p:cNvSpPr/>
+          <p:nvPr/>
+        </p:nvSpPr>
+        <p:spPr>
+          <a:xfrm flipV="1">
+            <a:off x="1993719" y="5396657"/>
+            <a:ext cx="227589" cy="219656"/>
+          </a:xfrm>
+          <a:prstGeom prst="ellipse">
+            <a:avLst/>
+          </a:prstGeom>
+          <a:solidFill>
+            <a:srgbClr val="FF0000"/>
+          </a:solidFill>
+        </p:spPr>
+        <p:style>
+          <a:lnRef idx="2">
+            <a:schemeClr val="accent1">
+              <a:shade val="50000"/>
+            </a:schemeClr>
+          </a:lnRef>
+          <a:fillRef idx="1">
+            <a:schemeClr val="accent1"/>
+          </a:fillRef>
+          <a:effectRef idx="0">
+            <a:schemeClr val="accent1"/>
+          </a:effectRef>
+          <a:fontRef idx="minor">
+            <a:schemeClr val="lt1"/>
+          </a:fontRef>
+        </p:style>
+        <p:txBody>
+          <a:bodyPr lIns="45720" tIns="0" rIns="0" bIns="0" rtlCol="0" anchor="ctr"/>
+          <a:lstStyle/>
+          <a:p>
+            <a:pPr algn="ctr"/>
+            <a:endParaRPr lang="en-US" sz="1200"/>
+          </a:p>
+        </p:txBody>
+      </p:sp>
+      <p:sp>
+        <p:nvSpPr>
+          <p:cNvPr id="67" name="Oval 66"/>
+          <p:cNvSpPr/>
+          <p:nvPr/>
+        </p:nvSpPr>
+        <p:spPr>
+          <a:xfrm flipV="1">
+            <a:off x="2528945" y="5396657"/>
+            <a:ext cx="227589" cy="219656"/>
+          </a:xfrm>
+          <a:prstGeom prst="ellipse">
+            <a:avLst/>
+          </a:prstGeom>
+          <a:solidFill>
+            <a:srgbClr val="FF0000"/>
+          </a:solidFill>
+        </p:spPr>
+        <p:style>
+          <a:lnRef idx="2">
+            <a:schemeClr val="accent1">
+              <a:shade val="50000"/>
+            </a:schemeClr>
+          </a:lnRef>
+          <a:fillRef idx="1">
+            <a:schemeClr val="accent1"/>
+          </a:fillRef>
+          <a:effectRef idx="0">
+            <a:schemeClr val="accent1"/>
+          </a:effectRef>
+          <a:fontRef idx="minor">
+            <a:schemeClr val="lt1"/>
+          </a:fontRef>
+        </p:style>
+        <p:txBody>
+          <a:bodyPr lIns="45720" tIns="0" rIns="0" bIns="0" rtlCol="0" anchor="ctr"/>
+          <a:lstStyle/>
+          <a:p>
+            <a:pPr algn="ctr"/>
+            <a:endParaRPr lang="en-US" sz="1200"/>
+          </a:p>
+        </p:txBody>
+      </p:sp>
+      <p:sp>
+        <p:nvSpPr>
+          <p:cNvPr id="68" name="Oval 67"/>
+          <p:cNvSpPr/>
+          <p:nvPr/>
+        </p:nvSpPr>
+        <p:spPr>
+          <a:xfrm flipV="1">
+            <a:off x="992786" y="5609406"/>
+            <a:ext cx="227589" cy="219656"/>
+          </a:xfrm>
+          <a:prstGeom prst="ellipse">
+            <a:avLst/>
+          </a:prstGeom>
+          <a:solidFill>
+            <a:srgbClr val="FF0000"/>
+          </a:solidFill>
+        </p:spPr>
+        <p:style>
+          <a:lnRef idx="2">
+            <a:schemeClr val="accent1">
+              <a:shade val="50000"/>
+            </a:schemeClr>
+          </a:lnRef>
+          <a:fillRef idx="1">
+            <a:schemeClr val="accent1"/>
+          </a:fillRef>
+          <a:effectRef idx="0">
+            <a:schemeClr val="accent1"/>
+          </a:effectRef>
+          <a:fontRef idx="minor">
+            <a:schemeClr val="lt1"/>
+          </a:fontRef>
+        </p:style>
+        <p:txBody>
+          <a:bodyPr lIns="45720" tIns="0" rIns="0" bIns="0" rtlCol="0" anchor="ctr"/>
+          <a:lstStyle/>
+          <a:p>
+            <a:pPr algn="ctr"/>
+            <a:endParaRPr lang="en-US" sz="1200"/>
+          </a:p>
+        </p:txBody>
+      </p:sp>
+      <p:sp>
+        <p:nvSpPr>
+          <p:cNvPr id="70" name="Oval 69"/>
+          <p:cNvSpPr/>
+          <p:nvPr/>
+        </p:nvSpPr>
+        <p:spPr>
+          <a:xfrm flipV="1">
+            <a:off x="2248306" y="5035612"/>
+            <a:ext cx="227589" cy="219656"/>
+          </a:xfrm>
+          <a:prstGeom prst="ellipse">
+            <a:avLst/>
+          </a:prstGeom>
+          <a:solidFill>
+            <a:srgbClr val="00B0F0"/>
+          </a:solidFill>
+        </p:spPr>
+        <p:style>
+          <a:lnRef idx="2">
+            <a:schemeClr val="accent1">
+              <a:shade val="50000"/>
+            </a:schemeClr>
+          </a:lnRef>
+          <a:fillRef idx="1">
+            <a:schemeClr val="accent1"/>
+          </a:fillRef>
+          <a:effectRef idx="0">
+            <a:schemeClr val="accent1"/>
+          </a:effectRef>
+          <a:fontRef idx="minor">
+            <a:schemeClr val="lt1"/>
+          </a:fontRef>
+        </p:style>
+        <p:txBody>
+          <a:bodyPr lIns="45720" tIns="0" rIns="0" bIns="0" rtlCol="0" anchor="ctr"/>
+          <a:lstStyle/>
+          <a:p>
+            <a:pPr algn="ctr"/>
+            <a:endParaRPr lang="en-US" sz="1200"/>
+          </a:p>
+        </p:txBody>
+      </p:sp>
+      <p:sp>
+        <p:nvSpPr>
+          <p:cNvPr id="71" name="Oval 70"/>
+          <p:cNvSpPr/>
+          <p:nvPr/>
+        </p:nvSpPr>
+        <p:spPr>
+          <a:xfrm flipV="1">
+            <a:off x="2854049" y="5034084"/>
+            <a:ext cx="227589" cy="219656"/>
+          </a:xfrm>
+          <a:prstGeom prst="ellipse">
+            <a:avLst/>
+          </a:prstGeom>
+          <a:solidFill>
+            <a:srgbClr val="00B0F0"/>
+          </a:solidFill>
+        </p:spPr>
+        <p:style>
+          <a:lnRef idx="2">
+            <a:schemeClr val="accent1">
+              <a:shade val="50000"/>
+            </a:schemeClr>
+          </a:lnRef>
+          <a:fillRef idx="1">
+            <a:schemeClr val="accent1"/>
+          </a:fillRef>
+          <a:effectRef idx="0">
+            <a:schemeClr val="accent1"/>
+          </a:effectRef>
+          <a:fontRef idx="minor">
+            <a:schemeClr val="lt1"/>
+          </a:fontRef>
+        </p:style>
+        <p:txBody>
+          <a:bodyPr lIns="45720" tIns="0" rIns="0" bIns="0" rtlCol="0" anchor="ctr"/>
+          <a:lstStyle/>
+          <a:p>
+            <a:pPr algn="ctr"/>
+            <a:endParaRPr lang="en-US" sz="1200"/>
+          </a:p>
+        </p:txBody>
+      </p:sp>
+      <p:cxnSp>
+        <p:nvCxnSpPr>
+          <p:cNvPr id="72" name="Elbow Connector 71"/>
+          <p:cNvCxnSpPr>
+            <a:stCxn id="70" idx="2"/>
+            <a:endCxn id="68" idx="2"/>
+          </p:cNvCxnSpPr>
+          <p:nvPr/>
+        </p:nvCxnSpPr>
+        <p:spPr>
+          <a:xfrm rot="10800000" flipV="1">
+            <a:off x="992786" y="5145440"/>
+            <a:ext cx="1255520" cy="573794"/>
+          </a:xfrm>
+          <a:prstGeom prst="bentConnector3">
+            <a:avLst>
+              <a:gd name="adj1" fmla="val 118208"/>
+            </a:avLst>
+          </a:prstGeom>
+          <a:ln w="19050">
+            <a:tailEnd type="stealth" w="lg" len="lg"/>
+          </a:ln>
+        </p:spPr>
+        <p:style>
+          <a:lnRef idx="1">
+            <a:schemeClr val="accent1"/>
+          </a:lnRef>
+          <a:fillRef idx="0">
+            <a:schemeClr val="accent1"/>
+          </a:fillRef>
+          <a:effectRef idx="0">
+            <a:schemeClr val="accent1"/>
+          </a:effectRef>
+          <a:fontRef idx="minor">
+            <a:schemeClr val="tx1"/>
+          </a:fontRef>
+        </p:style>
+      </p:cxnSp>
+      <p:cxnSp>
+        <p:nvCxnSpPr>
+          <p:cNvPr id="81" name="Elbow Connector 80"/>
+          <p:cNvCxnSpPr>
+            <a:stCxn id="68" idx="6"/>
+            <a:endCxn id="70" idx="0"/>
+          </p:cNvCxnSpPr>
+          <p:nvPr/>
+        </p:nvCxnSpPr>
+        <p:spPr>
+          <a:xfrm flipV="1">
+            <a:off x="1220375" y="5255268"/>
+            <a:ext cx="1141726" cy="463966"/>
+          </a:xfrm>
+          <a:prstGeom prst="bentConnector2">
+            <a:avLst/>
+          </a:prstGeom>
+          <a:ln w="19050">
+            <a:tailEnd type="stealth" w="lg" len="lg"/>
+          </a:ln>
+        </p:spPr>
+        <p:style>
+          <a:lnRef idx="1">
+            <a:schemeClr val="accent1"/>
+          </a:lnRef>
+          <a:fillRef idx="0">
+            <a:schemeClr val="accent1"/>
+          </a:fillRef>
+          <a:effectRef idx="0">
+            <a:schemeClr val="accent1"/>
+          </a:effectRef>
+          <a:fontRef idx="minor">
+            <a:schemeClr val="tx1"/>
+          </a:fontRef>
+        </p:style>
+      </p:cxnSp>
+      <p:cxnSp>
+        <p:nvCxnSpPr>
+          <p:cNvPr id="86" name="Elbow Connector 85"/>
+          <p:cNvCxnSpPr>
+            <a:stCxn id="70" idx="2"/>
+            <a:endCxn id="66" idx="2"/>
+          </p:cNvCxnSpPr>
+          <p:nvPr/>
+        </p:nvCxnSpPr>
+        <p:spPr>
+          <a:xfrm rot="10800000" flipV="1">
+            <a:off x="1993720" y="5145439"/>
+            <a:ext cx="254587" cy="361045"/>
+          </a:xfrm>
+          <a:prstGeom prst="bentConnector3">
+            <a:avLst>
+              <a:gd name="adj1" fmla="val 189792"/>
+            </a:avLst>
+          </a:prstGeom>
+          <a:ln w="19050">
+            <a:tailEnd type="stealth" w="lg" len="lg"/>
+          </a:ln>
+        </p:spPr>
+        <p:style>
+          <a:lnRef idx="1">
+            <a:schemeClr val="accent1"/>
+          </a:lnRef>
+          <a:fillRef idx="0">
+            <a:schemeClr val="accent1"/>
+          </a:fillRef>
+          <a:effectRef idx="0">
+            <a:schemeClr val="accent1"/>
+          </a:effectRef>
+          <a:fontRef idx="minor">
+            <a:schemeClr val="tx1"/>
+          </a:fontRef>
+        </p:style>
+      </p:cxnSp>
+      <p:cxnSp>
+        <p:nvCxnSpPr>
+          <p:cNvPr id="91" name="Elbow Connector 90"/>
+          <p:cNvCxnSpPr>
+            <a:stCxn id="66" idx="6"/>
+            <a:endCxn id="67" idx="2"/>
+          </p:cNvCxnSpPr>
+          <p:nvPr/>
+        </p:nvCxnSpPr>
+        <p:spPr>
+          <a:xfrm>
+            <a:off x="2221308" y="5506485"/>
+            <a:ext cx="307637" cy="0"/>
+          </a:xfrm>
+          <a:prstGeom prst="straightConnector1">
+            <a:avLst/>
+          </a:prstGeom>
+          <a:ln w="19050">
+            <a:tailEnd type="stealth" w="lg" len="lg"/>
+          </a:ln>
+        </p:spPr>
+        <p:style>
+          <a:lnRef idx="1">
+            <a:schemeClr val="accent1"/>
+          </a:lnRef>
+          <a:fillRef idx="0">
+            <a:schemeClr val="accent1"/>
+          </a:fillRef>
+          <a:effectRef idx="0">
+            <a:schemeClr val="accent1"/>
+          </a:effectRef>
+          <a:fontRef idx="minor">
+            <a:schemeClr val="tx1"/>
+          </a:fontRef>
+        </p:style>
+      </p:cxnSp>
+      <p:cxnSp>
+        <p:nvCxnSpPr>
+          <p:cNvPr id="94" name="Elbow Connector 93"/>
+          <p:cNvCxnSpPr>
+            <a:stCxn id="67" idx="6"/>
+            <a:endCxn id="71" idx="0"/>
+          </p:cNvCxnSpPr>
+          <p:nvPr/>
+        </p:nvCxnSpPr>
+        <p:spPr>
+          <a:xfrm flipV="1">
+            <a:off x="2756534" y="5253740"/>
+            <a:ext cx="211310" cy="252745"/>
+          </a:xfrm>
+          <a:prstGeom prst="bentConnector2">
+            <a:avLst/>
+          </a:prstGeom>
+          <a:ln w="19050">
+            <a:tailEnd type="stealth" w="lg" len="lg"/>
+          </a:ln>
+        </p:spPr>
+        <p:style>
+          <a:lnRef idx="1">
+            <a:schemeClr val="accent1"/>
+          </a:lnRef>
+          <a:fillRef idx="0">
+            <a:schemeClr val="accent1"/>
+          </a:fillRef>
+          <a:effectRef idx="0">
+            <a:schemeClr val="accent1"/>
+          </a:effectRef>
+          <a:fontRef idx="minor">
+            <a:schemeClr val="tx1"/>
+          </a:fontRef>
+        </p:style>
+      </p:cxnSp>
+      <p:sp>
+        <p:nvSpPr>
+          <p:cNvPr id="101" name="Oval 100"/>
+          <p:cNvSpPr/>
+          <p:nvPr/>
+        </p:nvSpPr>
+        <p:spPr>
+          <a:xfrm flipV="1">
+            <a:off x="4101931" y="4681356"/>
+            <a:ext cx="227589" cy="219656"/>
+          </a:xfrm>
+          <a:prstGeom prst="ellipse">
+            <a:avLst/>
+          </a:prstGeom>
+          <a:solidFill>
+            <a:srgbClr val="FF0000"/>
+          </a:solidFill>
+        </p:spPr>
+        <p:style>
+          <a:lnRef idx="2">
+            <a:schemeClr val="accent1">
+              <a:shade val="50000"/>
+            </a:schemeClr>
+          </a:lnRef>
+          <a:fillRef idx="1">
+            <a:schemeClr val="accent1"/>
+          </a:fillRef>
+          <a:effectRef idx="0">
+            <a:schemeClr val="accent1"/>
+          </a:effectRef>
+          <a:fontRef idx="minor">
+            <a:schemeClr val="lt1"/>
+          </a:fontRef>
+        </p:style>
+        <p:txBody>
+          <a:bodyPr lIns="45720" tIns="0" rIns="0" bIns="0" rtlCol="0" anchor="ctr"/>
+          <a:lstStyle/>
+          <a:p>
+            <a:pPr algn="ctr"/>
+            <a:endParaRPr lang="en-US" sz="1200"/>
+          </a:p>
+        </p:txBody>
+      </p:sp>
+      <p:cxnSp>
+        <p:nvCxnSpPr>
+          <p:cNvPr id="102" name="Elbow Connector 101"/>
+          <p:cNvCxnSpPr>
+            <a:stCxn id="60" idx="6"/>
+            <a:endCxn id="101" idx="2"/>
+          </p:cNvCxnSpPr>
+          <p:nvPr/>
+        </p:nvCxnSpPr>
+        <p:spPr>
+          <a:xfrm flipV="1">
+            <a:off x="3482714" y="4791184"/>
+            <a:ext cx="619217" cy="354256"/>
+          </a:xfrm>
+          <a:prstGeom prst="bentConnector3">
+            <a:avLst>
+              <a:gd name="adj1" fmla="val 50000"/>
+            </a:avLst>
+          </a:prstGeom>
+          <a:ln w="19050">
+            <a:tailEnd type="stealth" w="lg" len="lg"/>
+          </a:ln>
+        </p:spPr>
+        <p:style>
+          <a:lnRef idx="1">
+            <a:schemeClr val="accent1"/>
+          </a:lnRef>
+          <a:fillRef idx="0">
+            <a:schemeClr val="accent1"/>
+          </a:fillRef>
+          <a:effectRef idx="0">
+            <a:schemeClr val="accent1"/>
+          </a:effectRef>
+          <a:fontRef idx="minor">
+            <a:schemeClr val="tx1"/>
+          </a:fontRef>
+        </p:style>
+      </p:cxnSp>
+      <p:cxnSp>
+        <p:nvCxnSpPr>
+          <p:cNvPr id="103" name="Elbow Connector 102"/>
+          <p:cNvCxnSpPr>
+            <a:stCxn id="101" idx="6"/>
+            <a:endCxn id="106" idx="0"/>
+          </p:cNvCxnSpPr>
+          <p:nvPr/>
+        </p:nvCxnSpPr>
+        <p:spPr>
+          <a:xfrm flipV="1">
+            <a:off x="4329520" y="4569632"/>
+            <a:ext cx="594651" cy="221552"/>
+          </a:xfrm>
+          <a:prstGeom prst="bentConnector2">
+            <a:avLst/>
+          </a:prstGeom>
+          <a:ln w="19050">
+            <a:tailEnd type="stealth" w="lg" len="lg"/>
+          </a:ln>
+        </p:spPr>
+        <p:style>
+          <a:lnRef idx="1">
+            <a:schemeClr val="accent1"/>
+          </a:lnRef>
+          <a:fillRef idx="0">
+            <a:schemeClr val="accent1"/>
+          </a:fillRef>
+          <a:effectRef idx="0">
+            <a:schemeClr val="accent1"/>
+          </a:effectRef>
+          <a:fontRef idx="minor">
+            <a:schemeClr val="tx1"/>
+          </a:fontRef>
+        </p:style>
+      </p:cxnSp>
+      <p:sp>
+        <p:nvSpPr>
+          <p:cNvPr id="106" name="Oval 105"/>
+          <p:cNvSpPr/>
+          <p:nvPr/>
+        </p:nvSpPr>
+        <p:spPr>
+          <a:xfrm flipV="1">
+            <a:off x="4810376" y="4349976"/>
+            <a:ext cx="227589" cy="219656"/>
+          </a:xfrm>
+          <a:prstGeom prst="ellipse">
+            <a:avLst/>
+          </a:prstGeom>
+          <a:solidFill>
+            <a:srgbClr val="00B0F0"/>
+          </a:solidFill>
+        </p:spPr>
+        <p:style>
+          <a:lnRef idx="2">
+            <a:schemeClr val="accent1">
+              <a:shade val="50000"/>
+            </a:schemeClr>
+          </a:lnRef>
+          <a:fillRef idx="1">
+            <a:schemeClr val="accent1"/>
+          </a:fillRef>
+          <a:effectRef idx="0">
+            <a:schemeClr val="accent1"/>
+          </a:effectRef>
+          <a:fontRef idx="minor">
+            <a:schemeClr val="lt1"/>
+          </a:fontRef>
+        </p:style>
+        <p:txBody>
+          <a:bodyPr lIns="45720" tIns="0" rIns="0" bIns="0" rtlCol="0" anchor="ctr"/>
+          <a:lstStyle/>
+          <a:p>
+            <a:pPr algn="ctr"/>
+            <a:endParaRPr lang="en-US" sz="1200"/>
+          </a:p>
+        </p:txBody>
+      </p:sp>
+      <p:cxnSp>
+        <p:nvCxnSpPr>
+          <p:cNvPr id="117" name="Straight Arrow Connector 116"/>
+          <p:cNvCxnSpPr>
+            <a:stCxn id="74" idx="1"/>
+            <a:endCxn id="74" idx="3"/>
+          </p:cNvCxnSpPr>
+          <p:nvPr/>
+        </p:nvCxnSpPr>
+        <p:spPr>
+          <a:xfrm>
+            <a:off x="463153" y="6071646"/>
+            <a:ext cx="4828289" cy="0"/>
+          </a:xfrm>
+          <a:prstGeom prst="straightConnector1">
+            <a:avLst/>
+          </a:prstGeom>
+          <a:ln w="38100">
+            <a:tailEnd type="stealth" w="lg" len="lg"/>
+          </a:ln>
+        </p:spPr>
+        <p:style>
+          <a:lnRef idx="1">
+            <a:schemeClr val="accent1"/>
+          </a:lnRef>
+          <a:fillRef idx="0">
+            <a:schemeClr val="accent1"/>
+          </a:fillRef>
+          <a:effectRef idx="0">
+            <a:schemeClr val="accent1"/>
+          </a:effectRef>
+          <a:fontRef idx="minor">
+            <a:schemeClr val="tx1"/>
+          </a:fontRef>
+        </p:style>
+      </p:cxnSp>
+      <p:sp>
+        <p:nvSpPr>
+          <p:cNvPr id="120" name="Oval 119"/>
+          <p:cNvSpPr/>
+          <p:nvPr/>
+        </p:nvSpPr>
+        <p:spPr>
+          <a:xfrm flipV="1">
+            <a:off x="4240333" y="5950994"/>
+            <a:ext cx="227589" cy="219656"/>
+          </a:xfrm>
+          <a:prstGeom prst="ellipse">
+            <a:avLst/>
+          </a:prstGeom>
+          <a:solidFill>
+            <a:srgbClr val="00B0F0"/>
+          </a:solidFill>
+        </p:spPr>
+        <p:style>
+          <a:lnRef idx="2">
+            <a:schemeClr val="accent1">
+              <a:shade val="50000"/>
+            </a:schemeClr>
+          </a:lnRef>
+          <a:fillRef idx="1">
+            <a:schemeClr val="accent1"/>
+          </a:fillRef>
+          <a:effectRef idx="0">
+            <a:schemeClr val="accent1"/>
+          </a:effectRef>
+          <a:fontRef idx="minor">
+            <a:schemeClr val="lt1"/>
+          </a:fontRef>
+        </p:style>
+        <p:txBody>
+          <a:bodyPr lIns="45720" tIns="0" rIns="0" bIns="0" rtlCol="0" anchor="ctr"/>
+          <a:lstStyle/>
+          <a:p>
+            <a:pPr algn="ctr"/>
+            <a:endParaRPr lang="en-US" sz="1200"/>
+          </a:p>
+        </p:txBody>
+      </p:sp>
+      <p:cxnSp>
+        <p:nvCxnSpPr>
+          <p:cNvPr id="121" name="Elbow Connector 120"/>
+          <p:cNvCxnSpPr>
+            <a:stCxn id="120" idx="2"/>
+            <a:endCxn id="122" idx="2"/>
+          </p:cNvCxnSpPr>
+          <p:nvPr/>
+        </p:nvCxnSpPr>
+        <p:spPr>
+          <a:xfrm rot="10800000" flipV="1">
+            <a:off x="3967659" y="6060821"/>
+            <a:ext cx="272675" cy="343827"/>
+          </a:xfrm>
+          <a:prstGeom prst="bentConnector3">
+            <a:avLst>
+              <a:gd name="adj1" fmla="val 183836"/>
+            </a:avLst>
+          </a:prstGeom>
+          <a:ln w="19050">
+            <a:tailEnd type="stealth" w="lg" len="lg"/>
+          </a:ln>
+        </p:spPr>
+        <p:style>
+          <a:lnRef idx="1">
+            <a:schemeClr val="accent1"/>
+          </a:lnRef>
+          <a:fillRef idx="0">
+            <a:schemeClr val="accent1"/>
+          </a:fillRef>
+          <a:effectRef idx="0">
+            <a:schemeClr val="accent1"/>
+          </a:effectRef>
+          <a:fontRef idx="minor">
+            <a:schemeClr val="tx1"/>
+          </a:fontRef>
+        </p:style>
+      </p:cxnSp>
+      <p:sp>
+        <p:nvSpPr>
+          <p:cNvPr id="122" name="Oval 121"/>
+          <p:cNvSpPr/>
+          <p:nvPr/>
+        </p:nvSpPr>
+        <p:spPr>
+          <a:xfrm flipV="1">
+            <a:off x="3967658" y="6294821"/>
+            <a:ext cx="227589" cy="219656"/>
+          </a:xfrm>
+          <a:prstGeom prst="ellipse">
+            <a:avLst/>
+          </a:prstGeom>
+          <a:solidFill>
+            <a:srgbClr val="FF0000"/>
+          </a:solidFill>
+        </p:spPr>
+        <p:style>
+          <a:lnRef idx="2">
+            <a:schemeClr val="accent1">
+              <a:shade val="50000"/>
+            </a:schemeClr>
+          </a:lnRef>
+          <a:fillRef idx="1">
+            <a:schemeClr val="accent1"/>
+          </a:fillRef>
+          <a:effectRef idx="0">
+            <a:schemeClr val="accent1"/>
+          </a:effectRef>
+          <a:fontRef idx="minor">
+            <a:schemeClr val="lt1"/>
+          </a:fontRef>
+        </p:style>
+        <p:txBody>
+          <a:bodyPr lIns="45720" tIns="0" rIns="0" bIns="0" rtlCol="0" anchor="ctr"/>
+          <a:lstStyle/>
+          <a:p>
+            <a:pPr algn="ctr"/>
+            <a:endParaRPr lang="en-US" sz="1200"/>
+          </a:p>
+        </p:txBody>
+      </p:sp>
+      <p:cxnSp>
+        <p:nvCxnSpPr>
+          <p:cNvPr id="125" name="Elbow Connector 124"/>
+          <p:cNvCxnSpPr>
+            <a:stCxn id="122" idx="6"/>
+            <a:endCxn id="120" idx="0"/>
+          </p:cNvCxnSpPr>
+          <p:nvPr/>
+        </p:nvCxnSpPr>
+        <p:spPr>
+          <a:xfrm flipV="1">
+            <a:off x="4195247" y="6170650"/>
+            <a:ext cx="158881" cy="233999"/>
+          </a:xfrm>
+          <a:prstGeom prst="bentConnector2">
+            <a:avLst/>
+          </a:prstGeom>
+          <a:ln w="19050">
+            <a:tailEnd type="stealth" w="lg" len="lg"/>
+          </a:ln>
+        </p:spPr>
+        <p:style>
+          <a:lnRef idx="1">
+            <a:schemeClr val="accent1"/>
+          </a:lnRef>
+          <a:fillRef idx="0">
+            <a:schemeClr val="accent1"/>
+          </a:fillRef>
+          <a:effectRef idx="0">
+            <a:schemeClr val="accent1"/>
+          </a:effectRef>
+          <a:fontRef idx="minor">
+            <a:schemeClr val="tx1"/>
+          </a:fontRef>
+        </p:style>
+      </p:cxnSp>
+      <p:cxnSp>
+        <p:nvCxnSpPr>
+          <p:cNvPr id="129" name="Elbow Connector 128"/>
+          <p:cNvCxnSpPr>
+            <a:stCxn id="120" idx="4"/>
+            <a:endCxn id="79" idx="0"/>
+          </p:cNvCxnSpPr>
+          <p:nvPr/>
+        </p:nvCxnSpPr>
+        <p:spPr>
+          <a:xfrm flipV="1">
+            <a:off x="4354128" y="5681294"/>
+            <a:ext cx="17961" cy="269700"/>
+          </a:xfrm>
+          <a:prstGeom prst="straightConnector1">
+            <a:avLst/>
+          </a:prstGeom>
+          <a:ln w="19050">
+            <a:prstDash val="dash"/>
+            <a:tailEnd type="stealth" w="lg" len="lg"/>
+          </a:ln>
+        </p:spPr>
+        <p:style>
+          <a:lnRef idx="1">
+            <a:schemeClr val="accent1"/>
+          </a:lnRef>
+          <a:fillRef idx="0">
+            <a:schemeClr val="accent1"/>
+          </a:fillRef>
+          <a:effectRef idx="0">
+            <a:schemeClr val="accent1"/>
+          </a:effectRef>
+          <a:fontRef idx="minor">
+            <a:schemeClr val="tx1"/>
+          </a:fontRef>
+        </p:style>
+      </p:cxnSp>
+      <p:sp>
+        <p:nvSpPr>
+          <p:cNvPr id="140" name="Oval 139"/>
+          <p:cNvSpPr/>
+          <p:nvPr/>
+        </p:nvSpPr>
+        <p:spPr>
+          <a:xfrm flipV="1">
+            <a:off x="3040555" y="5950994"/>
+            <a:ext cx="227589" cy="219656"/>
+          </a:xfrm>
+          <a:prstGeom prst="ellipse">
+            <a:avLst/>
+          </a:prstGeom>
+          <a:solidFill>
+            <a:srgbClr val="00B0F0"/>
+          </a:solidFill>
+        </p:spPr>
+        <p:style>
+          <a:lnRef idx="2">
+            <a:schemeClr val="accent1">
+              <a:shade val="50000"/>
+            </a:schemeClr>
+          </a:lnRef>
+          <a:fillRef idx="1">
+            <a:schemeClr val="accent1"/>
+          </a:fillRef>
+          <a:effectRef idx="0">
+            <a:schemeClr val="accent1"/>
+          </a:effectRef>
+          <a:fontRef idx="minor">
+            <a:schemeClr val="lt1"/>
+          </a:fontRef>
+        </p:style>
+        <p:txBody>
+          <a:bodyPr lIns="45720" tIns="0" rIns="0" bIns="0" rtlCol="0" anchor="ctr"/>
+          <a:lstStyle/>
+          <a:p>
+            <a:pPr algn="ctr"/>
+            <a:endParaRPr lang="en-US" sz="1200"/>
+          </a:p>
+        </p:txBody>
+      </p:sp>
+      <p:cxnSp>
+        <p:nvCxnSpPr>
+          <p:cNvPr id="145" name="Elbow Connector 144"/>
+          <p:cNvCxnSpPr>
+            <a:stCxn id="71" idx="6"/>
+            <a:endCxn id="140" idx="4"/>
+          </p:cNvCxnSpPr>
+          <p:nvPr/>
+        </p:nvCxnSpPr>
+        <p:spPr>
+          <a:xfrm>
+            <a:off x="3081638" y="5143912"/>
+            <a:ext cx="72712" cy="807082"/>
+          </a:xfrm>
+          <a:prstGeom prst="bentConnector2">
+            <a:avLst/>
+          </a:prstGeom>
+          <a:ln w="19050">
+            <a:tailEnd type="stealth" w="lg" len="lg"/>
+          </a:ln>
+        </p:spPr>
+        <p:style>
+          <a:lnRef idx="1">
+            <a:schemeClr val="accent1"/>
+          </a:lnRef>
+          <a:fillRef idx="0">
+            <a:schemeClr val="accent1"/>
+          </a:fillRef>
+          <a:effectRef idx="0">
+            <a:schemeClr val="accent1"/>
+          </a:effectRef>
+          <a:fontRef idx="minor">
+            <a:schemeClr val="tx1"/>
+          </a:fontRef>
+        </p:style>
+      </p:cxnSp>
+      <p:sp>
+        <p:nvSpPr>
+          <p:cNvPr id="148" name="Oval 147"/>
+          <p:cNvSpPr/>
+          <p:nvPr/>
+        </p:nvSpPr>
+        <p:spPr>
+          <a:xfrm flipV="1">
+            <a:off x="2703530" y="5950994"/>
+            <a:ext cx="227589" cy="219656"/>
+          </a:xfrm>
+          <a:prstGeom prst="ellipse">
+            <a:avLst/>
+          </a:prstGeom>
+          <a:solidFill>
+            <a:srgbClr val="00B0F0"/>
+          </a:solidFill>
+        </p:spPr>
+        <p:style>
+          <a:lnRef idx="2">
+            <a:schemeClr val="accent1">
+              <a:shade val="50000"/>
+            </a:schemeClr>
+          </a:lnRef>
+          <a:fillRef idx="1">
+            <a:schemeClr val="accent1"/>
+          </a:fillRef>
+          <a:effectRef idx="0">
+            <a:schemeClr val="accent1"/>
+          </a:effectRef>
+          <a:fontRef idx="minor">
+            <a:schemeClr val="lt1"/>
+          </a:fontRef>
+        </p:style>
+        <p:txBody>
+          <a:bodyPr lIns="45720" tIns="0" rIns="0" bIns="0" rtlCol="0" anchor="ctr"/>
+          <a:lstStyle/>
+          <a:p>
+            <a:pPr algn="ctr"/>
+            <a:endParaRPr lang="en-US" sz="1200"/>
+          </a:p>
+        </p:txBody>
+      </p:sp>
+      <p:cxnSp>
+        <p:nvCxnSpPr>
+          <p:cNvPr id="149" name="Elbow Connector 148"/>
+          <p:cNvCxnSpPr>
+            <a:stCxn id="70" idx="6"/>
+            <a:endCxn id="148" idx="4"/>
+          </p:cNvCxnSpPr>
+          <p:nvPr/>
+        </p:nvCxnSpPr>
+        <p:spPr>
+          <a:xfrm>
+            <a:off x="2475895" y="5145440"/>
+            <a:ext cx="341430" cy="805554"/>
+          </a:xfrm>
+          <a:prstGeom prst="bentConnector2">
+            <a:avLst/>
+          </a:prstGeom>
+          <a:ln w="19050">
+            <a:tailEnd type="stealth" w="lg" len="lg"/>
+          </a:ln>
+        </p:spPr>
+        <p:style>
+          <a:lnRef idx="1">
+            <a:schemeClr val="accent1"/>
+          </a:lnRef>
+          <a:fillRef idx="0">
+            <a:schemeClr val="accent1"/>
+          </a:fillRef>
+          <a:effectRef idx="0">
+            <a:schemeClr val="accent1"/>
+          </a:effectRef>
+          <a:fontRef idx="minor">
+            <a:schemeClr val="tx1"/>
+          </a:fontRef>
+        </p:style>
+      </p:cxnSp>
+      <p:sp>
+        <p:nvSpPr>
+          <p:cNvPr id="85" name="Oval 84"/>
+          <p:cNvSpPr/>
+          <p:nvPr/>
+        </p:nvSpPr>
+        <p:spPr>
+          <a:xfrm flipV="1">
+            <a:off x="3408206" y="5950994"/>
+            <a:ext cx="227589" cy="219656"/>
+          </a:xfrm>
+          <a:prstGeom prst="ellipse">
+            <a:avLst/>
+          </a:prstGeom>
+          <a:solidFill>
+            <a:srgbClr val="00B0F0"/>
+          </a:solidFill>
+        </p:spPr>
+        <p:style>
+          <a:lnRef idx="2">
+            <a:schemeClr val="accent1">
+              <a:shade val="50000"/>
+            </a:schemeClr>
+          </a:lnRef>
+          <a:fillRef idx="1">
+            <a:schemeClr val="accent1"/>
+          </a:fillRef>
+          <a:effectRef idx="0">
+            <a:schemeClr val="accent1"/>
+          </a:effectRef>
+          <a:fontRef idx="minor">
+            <a:schemeClr val="lt1"/>
+          </a:fontRef>
+        </p:style>
+        <p:txBody>
+          <a:bodyPr lIns="45720" tIns="0" rIns="0" bIns="0" rtlCol="0" anchor="ctr"/>
+          <a:lstStyle/>
+          <a:p>
+            <a:pPr algn="ctr"/>
+            <a:endParaRPr lang="en-US" sz="1200"/>
+          </a:p>
+        </p:txBody>
+      </p:sp>
+      <p:cxnSp>
+        <p:nvCxnSpPr>
+          <p:cNvPr id="87" name="Elbow Connector 37"/>
+          <p:cNvCxnSpPr>
+            <a:stCxn id="60" idx="6"/>
+            <a:endCxn id="85" idx="4"/>
+          </p:cNvCxnSpPr>
+          <p:nvPr/>
+        </p:nvCxnSpPr>
+        <p:spPr>
+          <a:xfrm>
+            <a:off x="3482714" y="5145440"/>
+            <a:ext cx="39287" cy="805554"/>
+          </a:xfrm>
+          <a:prstGeom prst="bentConnector2">
+            <a:avLst/>
+          </a:prstGeom>
+          <a:ln w="19050">
+            <a:tailEnd type="stealth" w="lg" len="lg"/>
+          </a:ln>
+        </p:spPr>
+        <p:style>
+          <a:lnRef idx="1">
+            <a:schemeClr val="accent1"/>
+          </a:lnRef>
+          <a:fillRef idx="0">
+            <a:schemeClr val="accent1"/>
+          </a:fillRef>
+          <a:effectRef idx="0">
+            <a:schemeClr val="accent1"/>
+          </a:effectRef>
+          <a:fontRef idx="minor">
+            <a:schemeClr val="tx1"/>
+          </a:fontRef>
+        </p:style>
+      </p:cxnSp>
+      <p:sp>
+        <p:nvSpPr>
+          <p:cNvPr id="77" name="Oval 76"/>
+          <p:cNvSpPr/>
+          <p:nvPr/>
+        </p:nvSpPr>
+        <p:spPr>
+          <a:xfrm flipV="1">
+            <a:off x="1998187" y="5029941"/>
+            <a:ext cx="227589" cy="219656"/>
+          </a:xfrm>
+          <a:prstGeom prst="ellipse">
+            <a:avLst/>
+          </a:prstGeom>
+          <a:solidFill>
+            <a:srgbClr val="00B0F0"/>
+          </a:solidFill>
+        </p:spPr>
+        <p:style>
+          <a:lnRef idx="2">
+            <a:schemeClr val="accent1">
+              <a:shade val="50000"/>
+            </a:schemeClr>
+          </a:lnRef>
+          <a:fillRef idx="1">
+            <a:schemeClr val="accent1"/>
+          </a:fillRef>
+          <a:effectRef idx="0">
+            <a:schemeClr val="accent1"/>
+          </a:effectRef>
+          <a:fontRef idx="minor">
+            <a:schemeClr val="lt1"/>
+          </a:fontRef>
+        </p:style>
+        <p:txBody>
+          <a:bodyPr lIns="45720" tIns="0" rIns="0" bIns="0" rtlCol="0" anchor="ctr"/>
           <a:lstStyle/>
           <a:p>
             <a:pPr algn="ctr"/>
@@ -15343,8 +15103,8 @@
         </p:nvCxnSpPr>
         <p:spPr>
           <a:xfrm>
-            <a:off x="1991707" y="4763702"/>
-            <a:ext cx="120275" cy="173879"/>
+            <a:off x="1991707" y="4782174"/>
+            <a:ext cx="120275" cy="247767"/>
           </a:xfrm>
           <a:prstGeom prst="bentConnector2">
             <a:avLst/>
@@ -15376,7 +15136,7 @@
         </p:nvSpPr>
         <p:spPr>
           <a:xfrm flipV="1">
-            <a:off x="4350654" y="5295390"/>
+            <a:off x="4258294" y="5461638"/>
             <a:ext cx="227589" cy="219656"/>
           </a:xfrm>
           <a:prstGeom prst="ellipse">
@@ -15403,7 +15163,7 @@
           </a:fontRef>
         </p:style>
         <p:txBody>
-          <a:bodyPr lIns="0" tIns="0" rIns="0" bIns="0" rtlCol="0" anchor="ctr"/>
+          <a:bodyPr lIns="45720" tIns="0" rIns="0" bIns="0" rtlCol="0" anchor="ctr"/>
           <a:lstStyle/>
           <a:p>
             <a:pPr algn="ctr"/>
@@ -15422,8 +15182,8 @@
         </p:nvCxnSpPr>
         <p:spPr>
           <a:xfrm>
-            <a:off x="3482714" y="5053080"/>
-            <a:ext cx="867940" cy="352138"/>
+            <a:off x="3482714" y="5145440"/>
+            <a:ext cx="775580" cy="426026"/>
           </a:xfrm>
           <a:prstGeom prst="bentConnector3">
             <a:avLst>
@@ -15460,8 +15220,8 @@
         </p:nvCxnSpPr>
         <p:spPr>
           <a:xfrm flipV="1">
-            <a:off x="4950626" y="5152721"/>
-            <a:ext cx="51547" cy="256623"/>
+            <a:off x="4913682" y="5245081"/>
+            <a:ext cx="42311" cy="330511"/>
           </a:xfrm>
           <a:prstGeom prst="bentConnector2">
             <a:avLst/>
@@ -15493,7 +15253,7 @@
         </p:nvSpPr>
         <p:spPr>
           <a:xfrm flipV="1">
-            <a:off x="4888378" y="4933065"/>
+            <a:off x="4842198" y="5025425"/>
             <a:ext cx="227589" cy="219656"/>
           </a:xfrm>
           <a:prstGeom prst="ellipse">
@@ -15520,30 +15280,333 @@
           </a:fontRef>
         </p:style>
         <p:txBody>
-          <a:bodyPr lIns="0" tIns="0" rIns="0" bIns="0" rtlCol="0" anchor="ctr"/>
+          <a:bodyPr lIns="45720" tIns="0" rIns="0" bIns="0" rtlCol="0" anchor="ctr"/>
           <a:lstStyle/>
           <a:p>
             <a:pPr algn="ctr"/>
             <a:endParaRPr lang="en-US" sz="1200"/>
+          </a:p>
+        </p:txBody>
+      </p:sp>
+      <p:cxnSp>
+        <p:nvCxnSpPr>
+          <p:cNvPr id="90" name="Elbow Connector 89"/>
+          <p:cNvCxnSpPr>
+            <a:stCxn id="79" idx="6"/>
+            <a:endCxn id="89" idx="2"/>
+          </p:cNvCxnSpPr>
+          <p:nvPr/>
+        </p:nvCxnSpPr>
+        <p:spPr>
+          <a:xfrm>
+            <a:off x="4485883" y="5571466"/>
+            <a:ext cx="200210" cy="4126"/>
+          </a:xfrm>
+          <a:prstGeom prst="bentConnector3">
+            <a:avLst>
+              <a:gd name="adj1" fmla="val 50000"/>
+            </a:avLst>
+          </a:prstGeom>
+          <a:ln w="19050">
+            <a:tailEnd type="stealth" w="lg" len="lg"/>
+          </a:ln>
+        </p:spPr>
+        <p:style>
+          <a:lnRef idx="1">
+            <a:schemeClr val="accent1"/>
+          </a:lnRef>
+          <a:fillRef idx="0">
+            <a:schemeClr val="accent1"/>
+          </a:fillRef>
+          <a:effectRef idx="0">
+            <a:schemeClr val="accent1"/>
+          </a:effectRef>
+          <a:fontRef idx="minor">
+            <a:schemeClr val="tx1"/>
+          </a:fontRef>
+        </p:style>
+      </p:cxnSp>
+      <p:sp>
+        <p:nvSpPr>
+          <p:cNvPr id="88" name="TextBox 87"/>
+          <p:cNvSpPr txBox="1"/>
+          <p:nvPr/>
+        </p:nvSpPr>
+        <p:spPr>
+          <a:xfrm>
+            <a:off x="3575634" y="5279288"/>
+            <a:ext cx="958276" cy="153888"/>
+          </a:xfrm>
+          <a:prstGeom prst="rect">
+            <a:avLst/>
+          </a:prstGeom>
+          <a:solidFill>
+            <a:srgbClr val="FF99FF"/>
+          </a:solidFill>
+        </p:spPr>
+        <p:txBody>
+          <a:bodyPr wrap="none" lIns="45720" tIns="0" rIns="0" bIns="0" rtlCol="0">
+            <a:spAutoFit/>
+          </a:bodyPr>
+          <a:lstStyle/>
+          <a:p>
+            <a:r>
+              <a:rPr lang="en-US" sz="1000" dirty="0" smtClean="0"/>
+              <a:t>PI_01_Feature3</a:t>
+            </a:r>
+            <a:endParaRPr lang="en-US" sz="1000" dirty="0"/>
           </a:p>
         </p:txBody>
       </p:sp>
       <p:sp>
         <p:nvSpPr>
-          <p:cNvPr id="89" name="Oval 88"/>
+          <p:cNvPr id="58" name="TextBox 57"/>
+          <p:cNvSpPr txBox="1"/>
+          <p:nvPr/>
+        </p:nvSpPr>
+        <p:spPr>
+          <a:xfrm>
+            <a:off x="2239652" y="4171149"/>
+            <a:ext cx="628057" cy="153888"/>
+          </a:xfrm>
+          <a:prstGeom prst="rect">
+            <a:avLst/>
+          </a:prstGeom>
+          <a:solidFill>
+            <a:srgbClr val="9999FF"/>
+          </a:solidFill>
+        </p:spPr>
+        <p:txBody>
+          <a:bodyPr wrap="none" lIns="45720" tIns="0" rIns="0" bIns="0" rtlCol="0">
+            <a:spAutoFit/>
+          </a:bodyPr>
+          <a:lstStyle/>
+          <a:p>
+            <a:r>
+              <a:rPr lang="en-US" sz="1000" dirty="0" smtClean="0"/>
+              <a:t>Hotfix-012</a:t>
+            </a:r>
+            <a:endParaRPr lang="en-US" sz="1000" dirty="0"/>
+          </a:p>
+        </p:txBody>
+      </p:sp>
+      <p:sp>
+        <p:nvSpPr>
+          <p:cNvPr id="65" name="TextBox 64"/>
+          <p:cNvSpPr txBox="1"/>
+          <p:nvPr/>
+        </p:nvSpPr>
+        <p:spPr>
+          <a:xfrm>
+            <a:off x="780747" y="4870642"/>
+            <a:ext cx="584775" cy="153888"/>
+          </a:xfrm>
+          <a:prstGeom prst="rect">
+            <a:avLst/>
+          </a:prstGeom>
+          <a:solidFill>
+            <a:srgbClr val="66FFFF"/>
+          </a:solidFill>
+        </p:spPr>
+        <p:txBody>
+          <a:bodyPr wrap="none" lIns="45720" tIns="0" rIns="0" bIns="0" rtlCol="0">
+            <a:spAutoFit/>
+          </a:bodyPr>
+          <a:lstStyle/>
+          <a:p>
+            <a:r>
+              <a:rPr lang="en-US" sz="1000" dirty="0" smtClean="0"/>
+              <a:t>R-V00.1a</a:t>
+            </a:r>
+            <a:endParaRPr lang="en-US" sz="1000" dirty="0"/>
+          </a:p>
+        </p:txBody>
+      </p:sp>
+      <p:sp>
+        <p:nvSpPr>
+          <p:cNvPr id="98" name="TextBox 97"/>
+          <p:cNvSpPr txBox="1"/>
+          <p:nvPr/>
+        </p:nvSpPr>
+        <p:spPr>
+          <a:xfrm>
+            <a:off x="88469" y="5455518"/>
+            <a:ext cx="923010" cy="153888"/>
+          </a:xfrm>
+          <a:prstGeom prst="rect">
+            <a:avLst/>
+          </a:prstGeom>
+          <a:solidFill>
+            <a:srgbClr val="FF99FF"/>
+          </a:solidFill>
+        </p:spPr>
+        <p:txBody>
+          <a:bodyPr wrap="none" lIns="45720" tIns="0" rIns="0" bIns="0" rtlCol="0">
+            <a:spAutoFit/>
+          </a:bodyPr>
+          <a:lstStyle/>
+          <a:p>
+            <a:r>
+              <a:rPr lang="en-US" sz="1000" dirty="0" smtClean="0"/>
+              <a:t>P_02_Feature1</a:t>
+            </a:r>
+            <a:endParaRPr lang="en-US" sz="1000" dirty="0"/>
+          </a:p>
+        </p:txBody>
+      </p:sp>
+      <p:sp>
+        <p:nvSpPr>
+          <p:cNvPr id="99" name="TextBox 98"/>
+          <p:cNvSpPr txBox="1"/>
+          <p:nvPr/>
+        </p:nvSpPr>
+        <p:spPr>
+          <a:xfrm>
+            <a:off x="1053421" y="5290443"/>
+            <a:ext cx="923010" cy="153888"/>
+          </a:xfrm>
+          <a:prstGeom prst="rect">
+            <a:avLst/>
+          </a:prstGeom>
+          <a:solidFill>
+            <a:srgbClr val="FF99FF"/>
+          </a:solidFill>
+        </p:spPr>
+        <p:txBody>
+          <a:bodyPr wrap="none" lIns="45720" tIns="0" rIns="0" bIns="0" rtlCol="0">
+            <a:spAutoFit/>
+          </a:bodyPr>
+          <a:lstStyle/>
+          <a:p>
+            <a:r>
+              <a:rPr lang="en-US" sz="1000" dirty="0" smtClean="0"/>
+              <a:t>P_01_Feature2</a:t>
+            </a:r>
+            <a:endParaRPr lang="en-US" sz="1000" dirty="0"/>
+          </a:p>
+        </p:txBody>
+      </p:sp>
+      <p:sp>
+        <p:nvSpPr>
+          <p:cNvPr id="108" name="TextBox 107"/>
+          <p:cNvSpPr txBox="1"/>
+          <p:nvPr/>
+        </p:nvSpPr>
+        <p:spPr>
+          <a:xfrm>
+            <a:off x="3559349" y="4846293"/>
+            <a:ext cx="514243" cy="153888"/>
+          </a:xfrm>
+          <a:prstGeom prst="rect">
+            <a:avLst/>
+          </a:prstGeom>
+          <a:solidFill>
+            <a:srgbClr val="66FFFF"/>
+          </a:solidFill>
+        </p:spPr>
+        <p:txBody>
+          <a:bodyPr wrap="none" lIns="45720" tIns="0" rIns="0" bIns="0" rtlCol="0">
+            <a:spAutoFit/>
+          </a:bodyPr>
+          <a:lstStyle/>
+          <a:p>
+            <a:r>
+              <a:rPr lang="en-US" sz="1000" dirty="0" smtClean="0"/>
+              <a:t>R-V00.2</a:t>
+            </a:r>
+            <a:endParaRPr lang="en-US" sz="1000" dirty="0"/>
+          </a:p>
+        </p:txBody>
+      </p:sp>
+      <p:sp>
+        <p:nvSpPr>
+          <p:cNvPr id="133" name="TextBox 132"/>
+          <p:cNvSpPr txBox="1"/>
+          <p:nvPr/>
+        </p:nvSpPr>
+        <p:spPr>
+          <a:xfrm>
+            <a:off x="3059903" y="6217877"/>
+            <a:ext cx="873316" cy="153888"/>
+          </a:xfrm>
+          <a:prstGeom prst="rect">
+            <a:avLst/>
+          </a:prstGeom>
+          <a:solidFill>
+            <a:srgbClr val="FFCCFF"/>
+          </a:solidFill>
+        </p:spPr>
+        <p:txBody>
+          <a:bodyPr wrap="none" lIns="45720" tIns="0" rIns="0" bIns="0" rtlCol="0">
+            <a:spAutoFit/>
+          </a:bodyPr>
+          <a:lstStyle/>
+          <a:p>
+            <a:r>
+              <a:rPr lang="en-US" sz="1000" dirty="0" smtClean="0"/>
+              <a:t>I_01_Feature3</a:t>
+            </a:r>
+            <a:endParaRPr lang="en-US" sz="1000" dirty="0"/>
+          </a:p>
+        </p:txBody>
+      </p:sp>
+      <p:sp>
+        <p:nvSpPr>
+          <p:cNvPr id="4" name="TextBox 3"/>
+          <p:cNvSpPr txBox="1"/>
+          <p:nvPr/>
+        </p:nvSpPr>
+        <p:spPr>
+          <a:xfrm>
+            <a:off x="262603" y="3513415"/>
+            <a:ext cx="4997025" cy="461665"/>
+          </a:xfrm>
+          <a:prstGeom prst="rect">
+            <a:avLst/>
+          </a:prstGeom>
+          <a:solidFill>
+            <a:schemeClr val="tx1"/>
+          </a:solidFill>
+        </p:spPr>
+        <p:txBody>
+          <a:bodyPr wrap="square" rtlCol="0">
+            <a:spAutoFit/>
+          </a:bodyPr>
+          <a:lstStyle/>
+          <a:p>
+            <a:pPr algn="ctr"/>
+            <a:r>
+              <a:rPr lang="en-US" sz="1200" dirty="0" smtClean="0">
+                <a:solidFill>
+                  <a:schemeClr val="bg1"/>
+                </a:solidFill>
+              </a:rPr>
+              <a:t>Whenever the Develop branch is updated, it must be merged into back into the Private branch to ensure synchronization.</a:t>
+            </a:r>
+            <a:endParaRPr lang="en-US" sz="1200" dirty="0">
+              <a:solidFill>
+                <a:schemeClr val="bg1"/>
+              </a:solidFill>
+            </a:endParaRPr>
+          </a:p>
+        </p:txBody>
+      </p:sp>
+      <p:sp>
+        <p:nvSpPr>
+          <p:cNvPr id="92" name="Oval 91"/>
           <p:cNvSpPr/>
           <p:nvPr/>
         </p:nvSpPr>
         <p:spPr>
           <a:xfrm flipV="1">
-            <a:off x="4723037" y="5299516"/>
+            <a:off x="4282691" y="5029941"/>
             <a:ext cx="227589" cy="219656"/>
           </a:xfrm>
           <a:prstGeom prst="ellipse">
             <a:avLst/>
           </a:prstGeom>
           <a:solidFill>
-            <a:srgbClr val="FF0000"/>
+            <a:srgbClr val="00B0F0"/>
           </a:solidFill>
         </p:spPr>
         <p:style>
@@ -15563,7 +15626,7 @@
           </a:fontRef>
         </p:style>
         <p:txBody>
-          <a:bodyPr lIns="0" tIns="0" rIns="0" bIns="0" rtlCol="0" anchor="ctr"/>
+          <a:bodyPr lIns="45720" tIns="0" rIns="0" bIns="0" rtlCol="0" anchor="ctr"/>
           <a:lstStyle/>
           <a:p>
             <a:pPr algn="ctr"/>
@@ -15573,21 +15636,223 @@
       </p:sp>
       <p:cxnSp>
         <p:nvCxnSpPr>
-          <p:cNvPr id="90" name="Elbow Connector 89"/>
+          <p:cNvPr id="93" name="Elbow Connector 92"/>
           <p:cNvCxnSpPr>
-            <a:stCxn id="79" idx="6"/>
-            <a:endCxn id="89" idx="2"/>
+            <a:stCxn id="101" idx="6"/>
+            <a:endCxn id="92" idx="4"/>
           </p:cNvCxnSpPr>
           <p:nvPr/>
         </p:nvCxnSpPr>
         <p:spPr>
           <a:xfrm>
-            <a:off x="4578243" y="5405218"/>
-            <a:ext cx="144794" cy="4126"/>
-          </a:xfrm>
-          <a:prstGeom prst="bentConnector3">
+            <a:off x="4329520" y="4791184"/>
+            <a:ext cx="66966" cy="238757"/>
+          </a:xfrm>
+          <a:prstGeom prst="bentConnector2">
+            <a:avLst/>
+          </a:prstGeom>
+          <a:ln w="19050">
+            <a:tailEnd type="stealth" w="lg" len="lg"/>
+          </a:ln>
+        </p:spPr>
+        <p:style>
+          <a:lnRef idx="1">
+            <a:schemeClr val="accent1"/>
+          </a:lnRef>
+          <a:fillRef idx="0">
+            <a:schemeClr val="accent1"/>
+          </a:fillRef>
+          <a:effectRef idx="0">
+            <a:schemeClr val="accent1"/>
+          </a:effectRef>
+          <a:fontRef idx="minor">
+            <a:schemeClr val="tx1"/>
+          </a:fontRef>
+        </p:style>
+      </p:cxnSp>
+      <p:sp>
+        <p:nvSpPr>
+          <p:cNvPr id="95" name="Oval 94"/>
+          <p:cNvSpPr/>
+          <p:nvPr/>
+        </p:nvSpPr>
+        <p:spPr>
+          <a:xfrm flipV="1">
+            <a:off x="4495424" y="5937343"/>
+            <a:ext cx="227589" cy="219656"/>
+          </a:xfrm>
+          <a:prstGeom prst="ellipse">
+            <a:avLst/>
+          </a:prstGeom>
+          <a:solidFill>
+            <a:srgbClr val="00B0F0"/>
+          </a:solidFill>
+        </p:spPr>
+        <p:style>
+          <a:lnRef idx="2">
+            <a:schemeClr val="accent1">
+              <a:shade val="50000"/>
+            </a:schemeClr>
+          </a:lnRef>
+          <a:fillRef idx="1">
+            <a:schemeClr val="accent1"/>
+          </a:fillRef>
+          <a:effectRef idx="0">
+            <a:schemeClr val="accent1"/>
+          </a:effectRef>
+          <a:fontRef idx="minor">
+            <a:schemeClr val="lt1"/>
+          </a:fontRef>
+        </p:style>
+        <p:txBody>
+          <a:bodyPr lIns="45720" tIns="0" rIns="0" bIns="0" rtlCol="0" anchor="ctr"/>
+          <a:lstStyle/>
+          <a:p>
+            <a:pPr algn="ctr"/>
+            <a:endParaRPr lang="en-US" sz="1200"/>
+          </a:p>
+        </p:txBody>
+      </p:sp>
+      <p:cxnSp>
+        <p:nvCxnSpPr>
+          <p:cNvPr id="96" name="Elbow Connector 95"/>
+          <p:cNvCxnSpPr>
+            <a:stCxn id="92" idx="6"/>
+            <a:endCxn id="95" idx="4"/>
+          </p:cNvCxnSpPr>
+          <p:nvPr/>
+        </p:nvCxnSpPr>
+        <p:spPr>
+          <a:xfrm>
+            <a:off x="4510280" y="5139769"/>
+            <a:ext cx="98939" cy="797574"/>
+          </a:xfrm>
+          <a:prstGeom prst="bentConnector2">
+            <a:avLst/>
+          </a:prstGeom>
+          <a:ln w="19050">
+            <a:tailEnd type="stealth" w="lg" len="lg"/>
+          </a:ln>
+        </p:spPr>
+        <p:style>
+          <a:lnRef idx="1">
+            <a:schemeClr val="accent1"/>
+          </a:lnRef>
+          <a:fillRef idx="0">
+            <a:schemeClr val="accent1"/>
+          </a:fillRef>
+          <a:effectRef idx="0">
+            <a:schemeClr val="accent1"/>
+          </a:effectRef>
+          <a:fontRef idx="minor">
+            <a:schemeClr val="tx1"/>
+          </a:fontRef>
+        </p:style>
+      </p:cxnSp>
+      <p:sp>
+        <p:nvSpPr>
+          <p:cNvPr id="89" name="Oval 88"/>
+          <p:cNvSpPr/>
+          <p:nvPr/>
+        </p:nvSpPr>
+        <p:spPr>
+          <a:xfrm flipV="1">
+            <a:off x="4686093" y="5465764"/>
+            <a:ext cx="227589" cy="219656"/>
+          </a:xfrm>
+          <a:prstGeom prst="ellipse">
+            <a:avLst/>
+          </a:prstGeom>
+          <a:solidFill>
+            <a:srgbClr val="FF0000"/>
+          </a:solidFill>
+        </p:spPr>
+        <p:style>
+          <a:lnRef idx="2">
+            <a:schemeClr val="accent1">
+              <a:shade val="50000"/>
+            </a:schemeClr>
+          </a:lnRef>
+          <a:fillRef idx="1">
+            <a:schemeClr val="accent1"/>
+          </a:fillRef>
+          <a:effectRef idx="0">
+            <a:schemeClr val="accent1"/>
+          </a:effectRef>
+          <a:fontRef idx="minor">
+            <a:schemeClr val="lt1"/>
+          </a:fontRef>
+        </p:style>
+        <p:txBody>
+          <a:bodyPr lIns="45720" tIns="0" rIns="0" bIns="0" rtlCol="0" anchor="ctr"/>
+          <a:lstStyle/>
+          <a:p>
+            <a:pPr algn="ctr"/>
+            <a:endParaRPr lang="en-US" sz="1200"/>
+          </a:p>
+        </p:txBody>
+      </p:sp>
+      <p:sp>
+        <p:nvSpPr>
+          <p:cNvPr id="97" name="Oval 96"/>
+          <p:cNvSpPr/>
+          <p:nvPr/>
+        </p:nvSpPr>
+        <p:spPr>
+          <a:xfrm flipV="1">
+            <a:off x="4871839" y="5950994"/>
+            <a:ext cx="227589" cy="219656"/>
+          </a:xfrm>
+          <a:prstGeom prst="ellipse">
+            <a:avLst/>
+          </a:prstGeom>
+          <a:solidFill>
+            <a:srgbClr val="00B0F0"/>
+          </a:solidFill>
+        </p:spPr>
+        <p:style>
+          <a:lnRef idx="2">
+            <a:schemeClr val="accent1">
+              <a:shade val="50000"/>
+            </a:schemeClr>
+          </a:lnRef>
+          <a:fillRef idx="1">
+            <a:schemeClr val="accent1"/>
+          </a:fillRef>
+          <a:effectRef idx="0">
+            <a:schemeClr val="accent1"/>
+          </a:effectRef>
+          <a:fontRef idx="minor">
+            <a:schemeClr val="lt1"/>
+          </a:fontRef>
+        </p:style>
+        <p:txBody>
+          <a:bodyPr lIns="45720" tIns="0" rIns="0" bIns="0" rtlCol="0" anchor="ctr"/>
+          <a:lstStyle/>
+          <a:p>
+            <a:pPr algn="ctr"/>
+            <a:endParaRPr lang="en-US" sz="1200"/>
+          </a:p>
+        </p:txBody>
+      </p:sp>
+      <p:cxnSp>
+        <p:nvCxnSpPr>
+          <p:cNvPr id="100" name="Elbow Connector 99"/>
+          <p:cNvCxnSpPr>
+            <a:stCxn id="84" idx="6"/>
+            <a:endCxn id="97" idx="4"/>
+          </p:cNvCxnSpPr>
+          <p:nvPr/>
+        </p:nvCxnSpPr>
+        <p:spPr>
+          <a:xfrm flipH="1">
+            <a:off x="4985634" y="5135253"/>
+            <a:ext cx="84153" cy="815741"/>
+          </a:xfrm>
+          <a:prstGeom prst="bentConnector4">
             <a:avLst>
-              <a:gd name="adj1" fmla="val 50000"/>
+              <a:gd name="adj1" fmla="val -88756"/>
+              <a:gd name="adj2" fmla="val 56732"/>
             </a:avLst>
           </a:prstGeom>
           <a:ln w="19050">
@@ -17348,12 +17613,26 @@
 </file>
 
 <file path=customXml/item1.xml><?xml version="1.0" encoding="utf-8"?>
-<?mso-contentType ?>
-<FormTemplates xmlns="http://schemas.microsoft.com/sharepoint/v3/contenttype/forms">
-  <Display>DocumentLibraryForm</Display>
-  <Edit>DocumentLibraryForm</Edit>
-  <New>DocumentLibraryForm</New>
-</FormTemplates>
+<p:properties xmlns:p="http://schemas.microsoft.com/office/2006/metadata/properties" xmlns:xsi="http://www.w3.org/2001/XMLSchema-instance" xmlns:pc="http://schemas.microsoft.com/office/infopath/2007/PartnerControls">
+  <documentManagement>
+    <AlternateThumbnailUrl xmlns="http://schemas.microsoft.com/sharepoint/v3">
+      <Url xsi:nil="true"/>
+      <Description xsi:nil="true"/>
+    </AlternateThumbnailUrl>
+    <Group xmlns="8acc76ce-4927-4c10-947a-54b615abcc3a">PowerPoint</Group>
+    <Display_x0020_Name xmlns="8acc76ce-4927-4c10-947a-54b615abcc3a">CCDC Army Research Laboratory – PowerPoint (Briefing) – Standard Format</Display_x0020_Name>
+    <ImageCreateDate xmlns="http://schemas.microsoft.com/sharepoint/v3" xsi:nil="true"/>
+    <Organization xmlns="2c061caa-ac96-4ed1-b74a-abb1169dd94c">ARL</Organization>
+    <Description xmlns="http://schemas.microsoft.com/sharepoint/v3" xsi:nil="true"/>
+    <Desktop xmlns="8acc76ce-4927-4c10-947a-54b615abcc3a">Both</Desktop>
+    <DL_Link xmlns="8acc76ce-4927-4c10-947a-54b615abcc3a">
+      <Url>https://rdecom.apgea.army.mil/_layouts/download.aspx?SourceUrl=https://rdecom.apgea.army.mil/BP/BrandItems/PowerPoint_Template_RLB.pptx</Url>
+      <Description>DOWNLOAD</Description>
+    </DL_Link>
+    <FileType0 xmlns="8acc76ce-4927-4c10-947a-54b615abcc3a">pptx</FileType0>
+    <SortOrder xmlns="8acc76ce-4927-4c10-947a-54b615abcc3a">04 – PowerPoint (Briefing) Templates</SortOrder>
+  </documentManagement>
+</p:properties>
 </file>
 
 <file path=customXml/item2.xml><?xml version="1.0" encoding="utf-8"?>
@@ -17659,32 +17938,28 @@
 </file>
 
 <file path=customXml/item3.xml><?xml version="1.0" encoding="utf-8"?>
-<p:properties xmlns:p="http://schemas.microsoft.com/office/2006/metadata/properties" xmlns:xsi="http://www.w3.org/2001/XMLSchema-instance" xmlns:pc="http://schemas.microsoft.com/office/infopath/2007/PartnerControls">
-  <documentManagement>
-    <AlternateThumbnailUrl xmlns="http://schemas.microsoft.com/sharepoint/v3">
-      <Url xsi:nil="true"/>
-      <Description xsi:nil="true"/>
-    </AlternateThumbnailUrl>
-    <Group xmlns="8acc76ce-4927-4c10-947a-54b615abcc3a">PowerPoint</Group>
-    <Display_x0020_Name xmlns="8acc76ce-4927-4c10-947a-54b615abcc3a">CCDC Army Research Laboratory – PowerPoint (Briefing) – Standard Format</Display_x0020_Name>
-    <ImageCreateDate xmlns="http://schemas.microsoft.com/sharepoint/v3" xsi:nil="true"/>
-    <Organization xmlns="2c061caa-ac96-4ed1-b74a-abb1169dd94c">ARL</Organization>
-    <Description xmlns="http://schemas.microsoft.com/sharepoint/v3" xsi:nil="true"/>
-    <Desktop xmlns="8acc76ce-4927-4c10-947a-54b615abcc3a">Both</Desktop>
-    <DL_Link xmlns="8acc76ce-4927-4c10-947a-54b615abcc3a">
-      <Url>https://rdecom.apgea.army.mil/_layouts/download.aspx?SourceUrl=https://rdecom.apgea.army.mil/BP/BrandItems/PowerPoint_Template_RLB.pptx</Url>
-      <Description>DOWNLOAD</Description>
-    </DL_Link>
-    <FileType0 xmlns="8acc76ce-4927-4c10-947a-54b615abcc3a">pptx</FileType0>
-    <SortOrder xmlns="8acc76ce-4927-4c10-947a-54b615abcc3a">04 – PowerPoint (Briefing) Templates</SortOrder>
-  </documentManagement>
-</p:properties>
+<?mso-contentType ?>
+<FormTemplates xmlns="http://schemas.microsoft.com/sharepoint/v3/contenttype/forms">
+  <Display>DocumentLibraryForm</Display>
+  <Edit>DocumentLibraryForm</Edit>
+  <New>DocumentLibraryForm</New>
+</FormTemplates>
 </file>
 
 <file path=customXml/itemProps1.xml><?xml version="1.0" encoding="utf-8"?>
-<ds:datastoreItem xmlns:ds="http://schemas.openxmlformats.org/officeDocument/2006/customXml" ds:itemID="{613FA5FF-2111-4E01-9BF6-3626FF06C57A}">
+<ds:datastoreItem xmlns:ds="http://schemas.openxmlformats.org/officeDocument/2006/customXml" ds:itemID="{18FEFD74-9FBC-4157-8802-AFD8EC757C9F}">
   <ds:schemaRefs>
-    <ds:schemaRef ds:uri="http://schemas.microsoft.com/sharepoint/v3/contenttype/forms"/>
+    <ds:schemaRef ds:uri="http://schemas.microsoft.com/sharepoint/v3"/>
+    <ds:schemaRef ds:uri="http://schemas.openxmlformats.org/package/2006/metadata/core-properties"/>
+    <ds:schemaRef ds:uri="http://purl.org/dc/terms/"/>
+    <ds:schemaRef ds:uri="http://schemas.microsoft.com/office/infopath/2007/PartnerControls"/>
+    <ds:schemaRef ds:uri="http://schemas.microsoft.com/office/2006/documentManagement/types"/>
+    <ds:schemaRef ds:uri="8acc76ce-4927-4c10-947a-54b615abcc3a"/>
+    <ds:schemaRef ds:uri="http://schemas.microsoft.com/office/2006/metadata/properties"/>
+    <ds:schemaRef ds:uri="http://purl.org/dc/elements/1.1/"/>
+    <ds:schemaRef ds:uri="2c061caa-ac96-4ed1-b74a-abb1169dd94c"/>
+    <ds:schemaRef ds:uri="http://www.w3.org/XML/1998/namespace"/>
+    <ds:schemaRef ds:uri="http://purl.org/dc/dcmitype/"/>
   </ds:schemaRefs>
 </ds:datastoreItem>
 </file>
@@ -17710,19 +17985,9 @@
 </file>
 
 <file path=customXml/itemProps3.xml><?xml version="1.0" encoding="utf-8"?>
-<ds:datastoreItem xmlns:ds="http://schemas.openxmlformats.org/officeDocument/2006/customXml" ds:itemID="{18FEFD74-9FBC-4157-8802-AFD8EC757C9F}">
+<ds:datastoreItem xmlns:ds="http://schemas.openxmlformats.org/officeDocument/2006/customXml" ds:itemID="{613FA5FF-2111-4E01-9BF6-3626FF06C57A}">
   <ds:schemaRefs>
-    <ds:schemaRef ds:uri="http://schemas.openxmlformats.org/package/2006/metadata/core-properties"/>
-    <ds:schemaRef ds:uri="http://schemas.microsoft.com/office/2006/documentManagement/types"/>
-    <ds:schemaRef ds:uri="http://schemas.microsoft.com/office/infopath/2007/PartnerControls"/>
-    <ds:schemaRef ds:uri="http://purl.org/dc/elements/1.1/"/>
-    <ds:schemaRef ds:uri="8acc76ce-4927-4c10-947a-54b615abcc3a"/>
-    <ds:schemaRef ds:uri="http://schemas.microsoft.com/office/2006/metadata/properties"/>
-    <ds:schemaRef ds:uri="http://schemas.microsoft.com/sharepoint/v3"/>
-    <ds:schemaRef ds:uri="http://purl.org/dc/terms/"/>
-    <ds:schemaRef ds:uri="2c061caa-ac96-4ed1-b74a-abb1169dd94c"/>
-    <ds:schemaRef ds:uri="http://www.w3.org/XML/1998/namespace"/>
-    <ds:schemaRef ds:uri="http://purl.org/dc/dcmitype/"/>
+    <ds:schemaRef ds:uri="http://schemas.microsoft.com/sharepoint/v3/contenttype/forms"/>
   </ds:schemaRefs>
 </ds:datastoreItem>
 </file>
--- a/GIT_ARL_ParaPower_Workflow.pptx
+++ b/GIT_ARL_ParaPower_Workflow.pptx
@@ -247,7 +247,7 @@
             <a:fld id="{BD16C31D-1C22-F84A-A7B5-6952EF1AE403}" type="datetimeFigureOut">
               <a:rPr lang="en-US" altLang="en-US"/>
               <a:pPr/>
-              <a:t>10/25/2019</a:t>
+              <a:t>11/1/2019</a:t>
             </a:fld>
             <a:endParaRPr lang="en-US" altLang="en-US"/>
           </a:p>
@@ -435,7 +435,7 @@
             <a:fld id="{A438D594-1B45-0D47-8F23-AED13F1D19BA}" type="datetimeFigureOut">
               <a:rPr lang="en-US" altLang="en-US"/>
               <a:pPr/>
-              <a:t>10/25/2019</a:t>
+              <a:t>11/1/2019</a:t>
             </a:fld>
             <a:endParaRPr lang="en-US" altLang="en-US"/>
           </a:p>
@@ -11593,7 +11593,7 @@
           <p:nvPr>
             <p:extLst>
               <p:ext uri="{D42A27DB-BD31-4B8C-83A1-F6EECF244321}">
-                <p14:modId xmlns:p14="http://schemas.microsoft.com/office/powerpoint/2010/main" val="639996386"/>
+                <p14:modId xmlns:p14="http://schemas.microsoft.com/office/powerpoint/2010/main" val="3644305150"/>
               </p:ext>
             </p:extLst>
           </p:nvPr>
@@ -12198,10 +12198,6 @@
                         <a:rPr lang="en-US" sz="1200" dirty="0" smtClean="0"/>
                         <a:t>Release</a:t>
                       </a:r>
-                      <a:r>
-                        <a:rPr lang="en-US" sz="1200" dirty="0" smtClean="0"/>
-                        <a:t/>
-                      </a:r>
                       <a:br>
                         <a:rPr lang="en-US" sz="1200" dirty="0" smtClean="0"/>
                       </a:br>
@@ -12225,7 +12221,7 @@
                     <a:p>
                       <a:r>
                         <a:rPr lang="en-US" sz="1200" dirty="0" smtClean="0"/>
-                        <a:t>Hotfix-XXX</a:t>
+                        <a:t>Hotfix-YYMMDD</a:t>
                       </a:r>
                       <a:endParaRPr lang="en-US" sz="1200" dirty="0"/>
                     </a:p>
@@ -12331,10 +12327,6 @@
                       <a:r>
                         <a:rPr lang="en-US" sz="1200" dirty="0" smtClean="0"/>
                         <a:t>Release</a:t>
-                      </a:r>
-                      <a:r>
-                        <a:rPr lang="en-US" sz="1200" dirty="0" smtClean="0"/>
-                        <a:t/>
                       </a:r>
                       <a:br>
                         <a:rPr lang="en-US" sz="1200" dirty="0" smtClean="0"/>
@@ -12465,7 +12457,6 @@
                         <a:rPr lang="en-US" sz="1200" dirty="0" smtClean="0"/>
                         <a:t>Develop</a:t>
                       </a:r>
-                      <a:endParaRPr lang="en-US" sz="1200" dirty="0" smtClean="0"/>
                     </a:p>
                   </a:txBody>
                   <a:tcPr marT="18288" marB="18288" anchor="ctr">
@@ -12617,11 +12608,7 @@
                     <a:p>
                       <a:r>
                         <a:rPr lang="en-US" sz="1200" dirty="0" smtClean="0"/>
-                        <a:t>I</a:t>
-                      </a:r>
-                      <a:r>
-                        <a:rPr lang="en-US" sz="1200" dirty="0" smtClean="0"/>
-                        <a:t>_###_ZZZ</a:t>
+                        <a:t>I_###_ZZZ</a:t>
                       </a:r>
                       <a:endParaRPr lang="en-US" sz="1200" dirty="0"/>
                     </a:p>
@@ -12694,11 +12681,7 @@
             </a:r>
             <a:r>
               <a:rPr lang="en-US" sz="1100" dirty="0" err="1" smtClean="0"/>
-              <a:t>P</a:t>
-            </a:r>
-            <a:r>
-              <a:rPr lang="en-US" sz="1100" dirty="0" err="1" smtClean="0"/>
-              <a:t>_#_anything</a:t>
+              <a:t>P_#_anything</a:t>
             </a:r>
             <a:endParaRPr lang="en-US" sz="1100" dirty="0" smtClean="0"/>
           </a:p>
@@ -12719,13 +12702,8 @@
             </a:pPr>
             <a:r>
               <a:rPr lang="en-US" sz="1100" dirty="0" smtClean="0"/>
-              <a:t>Merge Develop into </a:t>
-            </a:r>
-            <a:r>
-              <a:rPr lang="en-US" sz="1100" dirty="0" smtClean="0"/>
-              <a:t>Private</a:t>
-            </a:r>
-            <a:endParaRPr lang="en-US" sz="1100" dirty="0" smtClean="0"/>
+              <a:t>Merge Develop into Private</a:t>
+            </a:r>
           </a:p>
           <a:p>
             <a:r>
@@ -12748,11 +12726,7 @@
             </a:r>
             <a:r>
               <a:rPr lang="en-US" sz="1100" dirty="0" smtClean="0"/>
-              <a:t>Private, </a:t>
-            </a:r>
-            <a:r>
-              <a:rPr lang="en-US" sz="1100" dirty="0" smtClean="0"/>
-              <a:t>Name </a:t>
+              <a:t>Private, Name </a:t>
             </a:r>
             <a:r>
               <a:rPr lang="en-US" sz="1100" dirty="0"/>
@@ -12760,11 +12734,7 @@
             </a:r>
             <a:r>
               <a:rPr lang="en-US" sz="1100" dirty="0" err="1" smtClean="0"/>
-              <a:t>I</a:t>
-            </a:r>
-            <a:r>
-              <a:rPr lang="en-US" sz="1100" dirty="0" err="1" smtClean="0"/>
-              <a:t>_#_anything</a:t>
+              <a:t>I_#_anything</a:t>
             </a:r>
             <a:endParaRPr lang="en-US" sz="1100" dirty="0"/>
           </a:p>
@@ -12785,7 +12755,6 @@
               <a:rPr lang="en-US" sz="1100" dirty="0" smtClean="0"/>
               <a:t>Private</a:t>
             </a:r>
-            <a:endParaRPr lang="en-US" sz="1100" dirty="0" smtClean="0"/>
           </a:p>
           <a:p>
             <a:pPr marL="171450" indent="-171450">
@@ -12794,13 +12763,8 @@
             </a:pPr>
             <a:r>
               <a:rPr lang="en-US" sz="1100" dirty="0" smtClean="0"/>
-              <a:t>To release feature, merge feature </a:t>
-            </a:r>
-            <a:r>
-              <a:rPr lang="en-US" sz="1100" dirty="0" smtClean="0"/>
-              <a:t>to intermediate feature from Develop</a:t>
-            </a:r>
-            <a:endParaRPr lang="en-US" sz="1100" dirty="0" smtClean="0"/>
+              <a:t>To release feature, merge feature to intermediate feature from Develop</a:t>
+            </a:r>
           </a:p>
           <a:p>
             <a:r>
@@ -15366,8 +15330,8 @@
         </p:nvSpPr>
         <p:spPr>
           <a:xfrm>
-            <a:off x="2239652" y="4171149"/>
-            <a:ext cx="628057" cy="153888"/>
+            <a:off x="2093008" y="4171149"/>
+            <a:ext cx="839653" cy="153888"/>
           </a:xfrm>
           <a:prstGeom prst="rect">
             <a:avLst/>
@@ -15384,7 +15348,7 @@
           <a:p>
             <a:r>
               <a:rPr lang="en-US" sz="1000" dirty="0" smtClean="0"/>
-              <a:t>Hotfix-012</a:t>
+              <a:t>Hotfix-191026</a:t>
             </a:r>
             <a:endParaRPr lang="en-US" sz="1000" dirty="0"/>
           </a:p>
@@ -17613,26 +17577,12 @@
 </file>
 
 <file path=customXml/item1.xml><?xml version="1.0" encoding="utf-8"?>
-<p:properties xmlns:p="http://schemas.microsoft.com/office/2006/metadata/properties" xmlns:xsi="http://www.w3.org/2001/XMLSchema-instance" xmlns:pc="http://schemas.microsoft.com/office/infopath/2007/PartnerControls">
-  <documentManagement>
-    <AlternateThumbnailUrl xmlns="http://schemas.microsoft.com/sharepoint/v3">
-      <Url xsi:nil="true"/>
-      <Description xsi:nil="true"/>
-    </AlternateThumbnailUrl>
-    <Group xmlns="8acc76ce-4927-4c10-947a-54b615abcc3a">PowerPoint</Group>
-    <Display_x0020_Name xmlns="8acc76ce-4927-4c10-947a-54b615abcc3a">CCDC Army Research Laboratory – PowerPoint (Briefing) – Standard Format</Display_x0020_Name>
-    <ImageCreateDate xmlns="http://schemas.microsoft.com/sharepoint/v3" xsi:nil="true"/>
-    <Organization xmlns="2c061caa-ac96-4ed1-b74a-abb1169dd94c">ARL</Organization>
-    <Description xmlns="http://schemas.microsoft.com/sharepoint/v3" xsi:nil="true"/>
-    <Desktop xmlns="8acc76ce-4927-4c10-947a-54b615abcc3a">Both</Desktop>
-    <DL_Link xmlns="8acc76ce-4927-4c10-947a-54b615abcc3a">
-      <Url>https://rdecom.apgea.army.mil/_layouts/download.aspx?SourceUrl=https://rdecom.apgea.army.mil/BP/BrandItems/PowerPoint_Template_RLB.pptx</Url>
-      <Description>DOWNLOAD</Description>
-    </DL_Link>
-    <FileType0 xmlns="8acc76ce-4927-4c10-947a-54b615abcc3a">pptx</FileType0>
-    <SortOrder xmlns="8acc76ce-4927-4c10-947a-54b615abcc3a">04 – PowerPoint (Briefing) Templates</SortOrder>
-  </documentManagement>
-</p:properties>
+<?mso-contentType ?>
+<FormTemplates xmlns="http://schemas.microsoft.com/sharepoint/v3/contenttype/forms">
+  <Display>DocumentLibraryForm</Display>
+  <Edit>DocumentLibraryForm</Edit>
+  <New>DocumentLibraryForm</New>
+</FormTemplates>
 </file>
 
 <file path=customXml/item2.xml><?xml version="1.0" encoding="utf-8"?>
@@ -17938,28 +17888,32 @@
 </file>
 
 <file path=customXml/item3.xml><?xml version="1.0" encoding="utf-8"?>
-<?mso-contentType ?>
-<FormTemplates xmlns="http://schemas.microsoft.com/sharepoint/v3/contenttype/forms">
-  <Display>DocumentLibraryForm</Display>
-  <Edit>DocumentLibraryForm</Edit>
-  <New>DocumentLibraryForm</New>
-</FormTemplates>
+<p:properties xmlns:p="http://schemas.microsoft.com/office/2006/metadata/properties" xmlns:xsi="http://www.w3.org/2001/XMLSchema-instance" xmlns:pc="http://schemas.microsoft.com/office/infopath/2007/PartnerControls">
+  <documentManagement>
+    <AlternateThumbnailUrl xmlns="http://schemas.microsoft.com/sharepoint/v3">
+      <Url xsi:nil="true"/>
+      <Description xsi:nil="true"/>
+    </AlternateThumbnailUrl>
+    <Group xmlns="8acc76ce-4927-4c10-947a-54b615abcc3a">PowerPoint</Group>
+    <Display_x0020_Name xmlns="8acc76ce-4927-4c10-947a-54b615abcc3a">CCDC Army Research Laboratory – PowerPoint (Briefing) – Standard Format</Display_x0020_Name>
+    <ImageCreateDate xmlns="http://schemas.microsoft.com/sharepoint/v3" xsi:nil="true"/>
+    <Organization xmlns="2c061caa-ac96-4ed1-b74a-abb1169dd94c">ARL</Organization>
+    <Description xmlns="http://schemas.microsoft.com/sharepoint/v3" xsi:nil="true"/>
+    <Desktop xmlns="8acc76ce-4927-4c10-947a-54b615abcc3a">Both</Desktop>
+    <DL_Link xmlns="8acc76ce-4927-4c10-947a-54b615abcc3a">
+      <Url>https://rdecom.apgea.army.mil/_layouts/download.aspx?SourceUrl=https://rdecom.apgea.army.mil/BP/BrandItems/PowerPoint_Template_RLB.pptx</Url>
+      <Description>DOWNLOAD</Description>
+    </DL_Link>
+    <FileType0 xmlns="8acc76ce-4927-4c10-947a-54b615abcc3a">pptx</FileType0>
+    <SortOrder xmlns="8acc76ce-4927-4c10-947a-54b615abcc3a">04 – PowerPoint (Briefing) Templates</SortOrder>
+  </documentManagement>
+</p:properties>
 </file>
 
 <file path=customXml/itemProps1.xml><?xml version="1.0" encoding="utf-8"?>
-<ds:datastoreItem xmlns:ds="http://schemas.openxmlformats.org/officeDocument/2006/customXml" ds:itemID="{18FEFD74-9FBC-4157-8802-AFD8EC757C9F}">
+<ds:datastoreItem xmlns:ds="http://schemas.openxmlformats.org/officeDocument/2006/customXml" ds:itemID="{613FA5FF-2111-4E01-9BF6-3626FF06C57A}">
   <ds:schemaRefs>
-    <ds:schemaRef ds:uri="http://schemas.microsoft.com/sharepoint/v3"/>
-    <ds:schemaRef ds:uri="http://schemas.openxmlformats.org/package/2006/metadata/core-properties"/>
-    <ds:schemaRef ds:uri="http://purl.org/dc/terms/"/>
-    <ds:schemaRef ds:uri="http://schemas.microsoft.com/office/infopath/2007/PartnerControls"/>
-    <ds:schemaRef ds:uri="http://schemas.microsoft.com/office/2006/documentManagement/types"/>
-    <ds:schemaRef ds:uri="8acc76ce-4927-4c10-947a-54b615abcc3a"/>
-    <ds:schemaRef ds:uri="http://schemas.microsoft.com/office/2006/metadata/properties"/>
-    <ds:schemaRef ds:uri="http://purl.org/dc/elements/1.1/"/>
-    <ds:schemaRef ds:uri="2c061caa-ac96-4ed1-b74a-abb1169dd94c"/>
-    <ds:schemaRef ds:uri="http://www.w3.org/XML/1998/namespace"/>
-    <ds:schemaRef ds:uri="http://purl.org/dc/dcmitype/"/>
+    <ds:schemaRef ds:uri="http://schemas.microsoft.com/sharepoint/v3/contenttype/forms"/>
   </ds:schemaRefs>
 </ds:datastoreItem>
 </file>
@@ -17985,9 +17939,19 @@
 </file>
 
 <file path=customXml/itemProps3.xml><?xml version="1.0" encoding="utf-8"?>
-<ds:datastoreItem xmlns:ds="http://schemas.openxmlformats.org/officeDocument/2006/customXml" ds:itemID="{613FA5FF-2111-4E01-9BF6-3626FF06C57A}">
+<ds:datastoreItem xmlns:ds="http://schemas.openxmlformats.org/officeDocument/2006/customXml" ds:itemID="{18FEFD74-9FBC-4157-8802-AFD8EC757C9F}">
   <ds:schemaRefs>
-    <ds:schemaRef ds:uri="http://schemas.microsoft.com/sharepoint/v3/contenttype/forms"/>
+    <ds:schemaRef ds:uri="http://schemas.microsoft.com/office/2006/documentManagement/types"/>
+    <ds:schemaRef ds:uri="http://schemas.microsoft.com/sharepoint/v3"/>
+    <ds:schemaRef ds:uri="http://purl.org/dc/elements/1.1/"/>
+    <ds:schemaRef ds:uri="http://schemas.openxmlformats.org/package/2006/metadata/core-properties"/>
+    <ds:schemaRef ds:uri="2c061caa-ac96-4ed1-b74a-abb1169dd94c"/>
+    <ds:schemaRef ds:uri="http://schemas.microsoft.com/office/infopath/2007/PartnerControls"/>
+    <ds:schemaRef ds:uri="http://purl.org/dc/terms/"/>
+    <ds:schemaRef ds:uri="8acc76ce-4927-4c10-947a-54b615abcc3a"/>
+    <ds:schemaRef ds:uri="http://schemas.microsoft.com/office/2006/metadata/properties"/>
+    <ds:schemaRef ds:uri="http://www.w3.org/XML/1998/namespace"/>
+    <ds:schemaRef ds:uri="http://purl.org/dc/dcmitype/"/>
   </ds:schemaRefs>
 </ds:datastoreItem>
 </file>